--- a/Hashi-Demo-Preso.pptx
+++ b/Hashi-Demo-Preso.pptx
@@ -5,12 +5,26 @@
     <p:sldMasterId id="2147483672" r:id="rId1"/>
   </p:sldMasterIdLst>
   <p:notesMasterIdLst>
-    <p:notesMasterId r:id="rId5"/>
+    <p:notesMasterId r:id="rId19"/>
   </p:notesMasterIdLst>
   <p:sldIdLst>
     <p:sldId id="256" r:id="rId2"/>
     <p:sldId id="258" r:id="rId3"/>
     <p:sldId id="257" r:id="rId4"/>
+    <p:sldId id="259" r:id="rId5"/>
+    <p:sldId id="262" r:id="rId6"/>
+    <p:sldId id="263" r:id="rId7"/>
+    <p:sldId id="264" r:id="rId8"/>
+    <p:sldId id="265" r:id="rId9"/>
+    <p:sldId id="266" r:id="rId10"/>
+    <p:sldId id="267" r:id="rId11"/>
+    <p:sldId id="268" r:id="rId12"/>
+    <p:sldId id="269" r:id="rId13"/>
+    <p:sldId id="270" r:id="rId14"/>
+    <p:sldId id="271" r:id="rId15"/>
+    <p:sldId id="272" r:id="rId16"/>
+    <p:sldId id="273" r:id="rId17"/>
+    <p:sldId id="274" r:id="rId18"/>
   </p:sldIdLst>
   <p:sldSz cx="12192000" cy="6858000"/>
   <p:notesSz cx="6858000" cy="9144000"/>
@@ -111,7 +125,18 @@
   </p:defaultTextStyle>
   <p:extLst>
     <p:ext uri="{EFAFB233-063F-42B5-8137-9DF3F51BA10A}">
-      <p15:sldGuideLst xmlns:p15="http://schemas.microsoft.com/office/powerpoint/2012/main"/>
+      <p15:sldGuideLst xmlns:p15="http://schemas.microsoft.com/office/powerpoint/2012/main">
+        <p15:guide id="1" orient="horz" pos="2160" userDrawn="1">
+          <p15:clr>
+            <a:srgbClr val="A4A3A4"/>
+          </p15:clr>
+        </p15:guide>
+        <p15:guide id="2" pos="3840" userDrawn="1">
+          <p15:clr>
+            <a:srgbClr val="A4A3A4"/>
+          </p15:clr>
+        </p15:guide>
+      </p15:sldGuideLst>
     </p:ext>
   </p:extLst>
 </p:presentation>
@@ -567,6 +592,642 @@
     <p:extLst>
       <p:ext uri="{BB962C8B-B14F-4D97-AF65-F5344CB8AC3E}">
         <p14:creationId xmlns:p14="http://schemas.microsoft.com/office/powerpoint/2010/main" val="226635473"/>
+      </p:ext>
+    </p:extLst>
+  </p:cSld>
+  <p:clrMapOvr>
+    <a:masterClrMapping/>
+  </p:clrMapOvr>
+</p:notes>
+</file>
+
+<file path=ppt/notesSlides/notesSlide2.xml><?xml version="1.0" encoding="utf-8"?>
+<p:notes xmlns:a="http://schemas.openxmlformats.org/drawingml/2006/main" xmlns:r="http://schemas.openxmlformats.org/officeDocument/2006/relationships" xmlns:p="http://schemas.openxmlformats.org/presentationml/2006/main">
+  <p:cSld>
+    <p:spTree>
+      <p:nvGrpSpPr>
+        <p:cNvPr id="1" name=""/>
+        <p:cNvGrpSpPr/>
+        <p:nvPr/>
+      </p:nvGrpSpPr>
+      <p:grpSpPr>
+        <a:xfrm>
+          <a:off x="0" y="0"/>
+          <a:ext cx="0" cy="0"/>
+          <a:chOff x="0" y="0"/>
+          <a:chExt cx="0" cy="0"/>
+        </a:xfrm>
+      </p:grpSpPr>
+      <p:sp>
+        <p:nvSpPr>
+          <p:cNvPr id="2" name="Slide Image Placeholder 1"/>
+          <p:cNvSpPr>
+            <a:spLocks noGrp="1" noRot="1" noChangeAspect="1"/>
+          </p:cNvSpPr>
+          <p:nvPr>
+            <p:ph type="sldImg"/>
+          </p:nvPr>
+        </p:nvSpPr>
+        <p:spPr/>
+      </p:sp>
+      <p:sp>
+        <p:nvSpPr>
+          <p:cNvPr id="3" name="Notes Placeholder 2"/>
+          <p:cNvSpPr>
+            <a:spLocks noGrp="1"/>
+          </p:cNvSpPr>
+          <p:nvPr>
+            <p:ph type="body" idx="1"/>
+          </p:nvPr>
+        </p:nvSpPr>
+        <p:spPr/>
+        <p:txBody>
+          <a:bodyPr/>
+          <a:lstStyle/>
+          <a:p>
+            <a:r>
+              <a:rPr lang="en-US" dirty="0" smtClean="0"/>
+              <a:t>https://</a:t>
+            </a:r>
+            <a:r>
+              <a:rPr lang="en-US" dirty="0" err="1" smtClean="0"/>
+              <a:t>www.hashicorp.com</a:t>
+            </a:r>
+            <a:r>
+              <a:rPr lang="en-US" dirty="0" smtClean="0"/>
+              <a:t>/</a:t>
+            </a:r>
+            <a:r>
+              <a:rPr lang="en-US" dirty="0" err="1" smtClean="0"/>
+              <a:t>devops</a:t>
+            </a:r>
+            <a:r>
+              <a:rPr lang="en-US" dirty="0" smtClean="0"/>
+              <a:t>-defined/#done-right</a:t>
+            </a:r>
+            <a:endParaRPr lang="en-US" dirty="0"/>
+          </a:p>
+        </p:txBody>
+      </p:sp>
+      <p:sp>
+        <p:nvSpPr>
+          <p:cNvPr id="4" name="Slide Number Placeholder 3"/>
+          <p:cNvSpPr>
+            <a:spLocks noGrp="1"/>
+          </p:cNvSpPr>
+          <p:nvPr>
+            <p:ph type="sldNum" sz="quarter" idx="10"/>
+          </p:nvPr>
+        </p:nvSpPr>
+        <p:spPr/>
+        <p:txBody>
+          <a:bodyPr/>
+          <a:lstStyle/>
+          <a:p>
+            <a:fld id="{495C6D0C-1D89-BF45-8B1A-0D3C57F306C2}" type="slidenum">
+              <a:rPr lang="en-US" smtClean="0"/>
+              <a:t>7</a:t>
+            </a:fld>
+            <a:endParaRPr lang="en-US"/>
+          </a:p>
+        </p:txBody>
+      </p:sp>
+    </p:spTree>
+    <p:extLst>
+      <p:ext uri="{BB962C8B-B14F-4D97-AF65-F5344CB8AC3E}">
+        <p14:creationId xmlns:p14="http://schemas.microsoft.com/office/powerpoint/2010/main" val="681163720"/>
+      </p:ext>
+    </p:extLst>
+  </p:cSld>
+  <p:clrMapOvr>
+    <a:masterClrMapping/>
+  </p:clrMapOvr>
+</p:notes>
+</file>
+
+<file path=ppt/notesSlides/notesSlide3.xml><?xml version="1.0" encoding="utf-8"?>
+<p:notes xmlns:a="http://schemas.openxmlformats.org/drawingml/2006/main" xmlns:r="http://schemas.openxmlformats.org/officeDocument/2006/relationships" xmlns:p="http://schemas.openxmlformats.org/presentationml/2006/main">
+  <p:cSld>
+    <p:spTree>
+      <p:nvGrpSpPr>
+        <p:cNvPr id="1" name=""/>
+        <p:cNvGrpSpPr/>
+        <p:nvPr/>
+      </p:nvGrpSpPr>
+      <p:grpSpPr>
+        <a:xfrm>
+          <a:off x="0" y="0"/>
+          <a:ext cx="0" cy="0"/>
+          <a:chOff x="0" y="0"/>
+          <a:chExt cx="0" cy="0"/>
+        </a:xfrm>
+      </p:grpSpPr>
+      <p:sp>
+        <p:nvSpPr>
+          <p:cNvPr id="2" name="Slide Image Placeholder 1"/>
+          <p:cNvSpPr>
+            <a:spLocks noGrp="1" noRot="1" noChangeAspect="1"/>
+          </p:cNvSpPr>
+          <p:nvPr>
+            <p:ph type="sldImg"/>
+          </p:nvPr>
+        </p:nvSpPr>
+        <p:spPr/>
+      </p:sp>
+      <p:sp>
+        <p:nvSpPr>
+          <p:cNvPr id="3" name="Notes Placeholder 2"/>
+          <p:cNvSpPr>
+            <a:spLocks noGrp="1"/>
+          </p:cNvSpPr>
+          <p:nvPr>
+            <p:ph type="body" idx="1"/>
+          </p:nvPr>
+        </p:nvSpPr>
+        <p:spPr/>
+        <p:txBody>
+          <a:bodyPr/>
+          <a:lstStyle/>
+          <a:p>
+            <a:endParaRPr lang="en-US" dirty="0"/>
+          </a:p>
+        </p:txBody>
+      </p:sp>
+      <p:sp>
+        <p:nvSpPr>
+          <p:cNvPr id="4" name="Slide Number Placeholder 3"/>
+          <p:cNvSpPr>
+            <a:spLocks noGrp="1"/>
+          </p:cNvSpPr>
+          <p:nvPr>
+            <p:ph type="sldNum" sz="quarter" idx="10"/>
+          </p:nvPr>
+        </p:nvSpPr>
+        <p:spPr/>
+        <p:txBody>
+          <a:bodyPr/>
+          <a:lstStyle/>
+          <a:p>
+            <a:fld id="{495C6D0C-1D89-BF45-8B1A-0D3C57F306C2}" type="slidenum">
+              <a:rPr lang="en-US" smtClean="0"/>
+              <a:t>10</a:t>
+            </a:fld>
+            <a:endParaRPr lang="en-US"/>
+          </a:p>
+        </p:txBody>
+      </p:sp>
+    </p:spTree>
+    <p:extLst>
+      <p:ext uri="{BB962C8B-B14F-4D97-AF65-F5344CB8AC3E}">
+        <p14:creationId xmlns:p14="http://schemas.microsoft.com/office/powerpoint/2010/main" val="132814239"/>
+      </p:ext>
+    </p:extLst>
+  </p:cSld>
+  <p:clrMapOvr>
+    <a:masterClrMapping/>
+  </p:clrMapOvr>
+</p:notes>
+</file>
+
+<file path=ppt/notesSlides/notesSlide4.xml><?xml version="1.0" encoding="utf-8"?>
+<p:notes xmlns:a="http://schemas.openxmlformats.org/drawingml/2006/main" xmlns:r="http://schemas.openxmlformats.org/officeDocument/2006/relationships" xmlns:p="http://schemas.openxmlformats.org/presentationml/2006/main">
+  <p:cSld>
+    <p:spTree>
+      <p:nvGrpSpPr>
+        <p:cNvPr id="1" name=""/>
+        <p:cNvGrpSpPr/>
+        <p:nvPr/>
+      </p:nvGrpSpPr>
+      <p:grpSpPr>
+        <a:xfrm>
+          <a:off x="0" y="0"/>
+          <a:ext cx="0" cy="0"/>
+          <a:chOff x="0" y="0"/>
+          <a:chExt cx="0" cy="0"/>
+        </a:xfrm>
+      </p:grpSpPr>
+      <p:sp>
+        <p:nvSpPr>
+          <p:cNvPr id="2" name="Slide Image Placeholder 1"/>
+          <p:cNvSpPr>
+            <a:spLocks noGrp="1" noRot="1" noChangeAspect="1"/>
+          </p:cNvSpPr>
+          <p:nvPr>
+            <p:ph type="sldImg"/>
+          </p:nvPr>
+        </p:nvSpPr>
+        <p:spPr/>
+      </p:sp>
+      <p:sp>
+        <p:nvSpPr>
+          <p:cNvPr id="3" name="Notes Placeholder 2"/>
+          <p:cNvSpPr>
+            <a:spLocks noGrp="1"/>
+          </p:cNvSpPr>
+          <p:nvPr>
+            <p:ph type="body" idx="1"/>
+          </p:nvPr>
+        </p:nvSpPr>
+        <p:spPr/>
+        <p:txBody>
+          <a:bodyPr/>
+          <a:lstStyle/>
+          <a:p>
+            <a:endParaRPr lang="en-US" dirty="0"/>
+          </a:p>
+        </p:txBody>
+      </p:sp>
+      <p:sp>
+        <p:nvSpPr>
+          <p:cNvPr id="4" name="Slide Number Placeholder 3"/>
+          <p:cNvSpPr>
+            <a:spLocks noGrp="1"/>
+          </p:cNvSpPr>
+          <p:nvPr>
+            <p:ph type="sldNum" sz="quarter" idx="10"/>
+          </p:nvPr>
+        </p:nvSpPr>
+        <p:spPr/>
+        <p:txBody>
+          <a:bodyPr/>
+          <a:lstStyle/>
+          <a:p>
+            <a:fld id="{495C6D0C-1D89-BF45-8B1A-0D3C57F306C2}" type="slidenum">
+              <a:rPr lang="en-US" smtClean="0"/>
+              <a:t>11</a:t>
+            </a:fld>
+            <a:endParaRPr lang="en-US"/>
+          </a:p>
+        </p:txBody>
+      </p:sp>
+    </p:spTree>
+    <p:extLst>
+      <p:ext uri="{BB962C8B-B14F-4D97-AF65-F5344CB8AC3E}">
+        <p14:creationId xmlns:p14="http://schemas.microsoft.com/office/powerpoint/2010/main" val="1305921870"/>
+      </p:ext>
+    </p:extLst>
+  </p:cSld>
+  <p:clrMapOvr>
+    <a:masterClrMapping/>
+  </p:clrMapOvr>
+</p:notes>
+</file>
+
+<file path=ppt/notesSlides/notesSlide5.xml><?xml version="1.0" encoding="utf-8"?>
+<p:notes xmlns:a="http://schemas.openxmlformats.org/drawingml/2006/main" xmlns:r="http://schemas.openxmlformats.org/officeDocument/2006/relationships" xmlns:p="http://schemas.openxmlformats.org/presentationml/2006/main">
+  <p:cSld>
+    <p:spTree>
+      <p:nvGrpSpPr>
+        <p:cNvPr id="1" name=""/>
+        <p:cNvGrpSpPr/>
+        <p:nvPr/>
+      </p:nvGrpSpPr>
+      <p:grpSpPr>
+        <a:xfrm>
+          <a:off x="0" y="0"/>
+          <a:ext cx="0" cy="0"/>
+          <a:chOff x="0" y="0"/>
+          <a:chExt cx="0" cy="0"/>
+        </a:xfrm>
+      </p:grpSpPr>
+      <p:sp>
+        <p:nvSpPr>
+          <p:cNvPr id="2" name="Slide Image Placeholder 1"/>
+          <p:cNvSpPr>
+            <a:spLocks noGrp="1" noRot="1" noChangeAspect="1"/>
+          </p:cNvSpPr>
+          <p:nvPr>
+            <p:ph type="sldImg"/>
+          </p:nvPr>
+        </p:nvSpPr>
+        <p:spPr/>
+      </p:sp>
+      <p:sp>
+        <p:nvSpPr>
+          <p:cNvPr id="3" name="Notes Placeholder 2"/>
+          <p:cNvSpPr>
+            <a:spLocks noGrp="1"/>
+          </p:cNvSpPr>
+          <p:nvPr>
+            <p:ph type="body" idx="1"/>
+          </p:nvPr>
+        </p:nvSpPr>
+        <p:spPr/>
+        <p:txBody>
+          <a:bodyPr/>
+          <a:lstStyle/>
+          <a:p>
+            <a:r>
+              <a:rPr lang="en-US" dirty="0" smtClean="0"/>
+              <a:t>https://</a:t>
+            </a:r>
+            <a:r>
+              <a:rPr lang="en-US" dirty="0" err="1" smtClean="0"/>
+              <a:t>www.vagrantup.com</a:t>
+            </a:r>
+            <a:r>
+              <a:rPr lang="en-US" dirty="0" smtClean="0"/>
+              <a:t>/intro/</a:t>
+            </a:r>
+            <a:r>
+              <a:rPr lang="en-US" dirty="0" err="1" smtClean="0"/>
+              <a:t>index.html</a:t>
+            </a:r>
+            <a:endParaRPr lang="en-US" dirty="0" smtClean="0"/>
+          </a:p>
+          <a:p>
+            <a:endParaRPr lang="en-US" dirty="0" smtClean="0"/>
+          </a:p>
+          <a:p>
+            <a:r>
+              <a:rPr lang="en-US" dirty="0" smtClean="0"/>
+              <a:t>https://</a:t>
+            </a:r>
+            <a:r>
+              <a:rPr lang="en-US" dirty="0" err="1" smtClean="0"/>
+              <a:t>www.hashicorp.com</a:t>
+            </a:r>
+            <a:r>
+              <a:rPr lang="en-US" dirty="0" smtClean="0"/>
+              <a:t>/blog/the-</a:t>
+            </a:r>
+            <a:r>
+              <a:rPr lang="en-US" dirty="0" err="1" smtClean="0"/>
+              <a:t>tao</a:t>
+            </a:r>
+            <a:r>
+              <a:rPr lang="en-US" dirty="0" smtClean="0"/>
+              <a:t>-of-</a:t>
+            </a:r>
+            <a:r>
+              <a:rPr lang="en-US" dirty="0" err="1" smtClean="0"/>
+              <a:t>hashicorp</a:t>
+            </a:r>
+            <a:r>
+              <a:rPr lang="en-US" dirty="0" smtClean="0"/>
+              <a:t>/</a:t>
+            </a:r>
+            <a:endParaRPr lang="en-US" dirty="0"/>
+          </a:p>
+        </p:txBody>
+      </p:sp>
+      <p:sp>
+        <p:nvSpPr>
+          <p:cNvPr id="4" name="Slide Number Placeholder 3"/>
+          <p:cNvSpPr>
+            <a:spLocks noGrp="1"/>
+          </p:cNvSpPr>
+          <p:nvPr>
+            <p:ph type="sldNum" sz="quarter" idx="10"/>
+          </p:nvPr>
+        </p:nvSpPr>
+        <p:spPr/>
+        <p:txBody>
+          <a:bodyPr/>
+          <a:lstStyle/>
+          <a:p>
+            <a:fld id="{495C6D0C-1D89-BF45-8B1A-0D3C57F306C2}" type="slidenum">
+              <a:rPr lang="en-US" smtClean="0"/>
+              <a:t>13</a:t>
+            </a:fld>
+            <a:endParaRPr lang="en-US"/>
+          </a:p>
+        </p:txBody>
+      </p:sp>
+    </p:spTree>
+    <p:extLst>
+      <p:ext uri="{BB962C8B-B14F-4D97-AF65-F5344CB8AC3E}">
+        <p14:creationId xmlns:p14="http://schemas.microsoft.com/office/powerpoint/2010/main" val="1547968714"/>
+      </p:ext>
+    </p:extLst>
+  </p:cSld>
+  <p:clrMapOvr>
+    <a:masterClrMapping/>
+  </p:clrMapOvr>
+</p:notes>
+</file>
+
+<file path=ppt/notesSlides/notesSlide6.xml><?xml version="1.0" encoding="utf-8"?>
+<p:notes xmlns:a="http://schemas.openxmlformats.org/drawingml/2006/main" xmlns:r="http://schemas.openxmlformats.org/officeDocument/2006/relationships" xmlns:p="http://schemas.openxmlformats.org/presentationml/2006/main">
+  <p:cSld>
+    <p:spTree>
+      <p:nvGrpSpPr>
+        <p:cNvPr id="1" name=""/>
+        <p:cNvGrpSpPr/>
+        <p:nvPr/>
+      </p:nvGrpSpPr>
+      <p:grpSpPr>
+        <a:xfrm>
+          <a:off x="0" y="0"/>
+          <a:ext cx="0" cy="0"/>
+          <a:chOff x="0" y="0"/>
+          <a:chExt cx="0" cy="0"/>
+        </a:xfrm>
+      </p:grpSpPr>
+      <p:sp>
+        <p:nvSpPr>
+          <p:cNvPr id="2" name="Slide Image Placeholder 1"/>
+          <p:cNvSpPr>
+            <a:spLocks noGrp="1" noRot="1" noChangeAspect="1"/>
+          </p:cNvSpPr>
+          <p:nvPr>
+            <p:ph type="sldImg"/>
+          </p:nvPr>
+        </p:nvSpPr>
+        <p:spPr/>
+      </p:sp>
+      <p:sp>
+        <p:nvSpPr>
+          <p:cNvPr id="3" name="Notes Placeholder 2"/>
+          <p:cNvSpPr>
+            <a:spLocks noGrp="1"/>
+          </p:cNvSpPr>
+          <p:nvPr>
+            <p:ph type="body" idx="1"/>
+          </p:nvPr>
+        </p:nvSpPr>
+        <p:spPr/>
+        <p:txBody>
+          <a:bodyPr/>
+          <a:lstStyle/>
+          <a:p>
+            <a:r>
+              <a:rPr lang="en-US" dirty="0" smtClean="0"/>
+              <a:t>https://</a:t>
+            </a:r>
+            <a:r>
+              <a:rPr lang="en-US" dirty="0" err="1" smtClean="0"/>
+              <a:t>www.vagrantup.com</a:t>
+            </a:r>
+            <a:r>
+              <a:rPr lang="en-US" dirty="0" smtClean="0"/>
+              <a:t>/intro/</a:t>
+            </a:r>
+            <a:r>
+              <a:rPr lang="en-US" dirty="0" err="1" smtClean="0"/>
+              <a:t>index.html</a:t>
+            </a:r>
+            <a:endParaRPr lang="en-US" dirty="0" smtClean="0"/>
+          </a:p>
+          <a:p>
+            <a:endParaRPr lang="en-US" dirty="0" smtClean="0"/>
+          </a:p>
+          <a:p>
+            <a:r>
+              <a:rPr lang="en-US" dirty="0" smtClean="0"/>
+              <a:t>https://</a:t>
+            </a:r>
+            <a:r>
+              <a:rPr lang="en-US" dirty="0" err="1" smtClean="0"/>
+              <a:t>www.hashicorp.com</a:t>
+            </a:r>
+            <a:r>
+              <a:rPr lang="en-US" dirty="0" smtClean="0"/>
+              <a:t>/blog/the-</a:t>
+            </a:r>
+            <a:r>
+              <a:rPr lang="en-US" dirty="0" err="1" smtClean="0"/>
+              <a:t>tao</a:t>
+            </a:r>
+            <a:r>
+              <a:rPr lang="en-US" dirty="0" smtClean="0"/>
+              <a:t>-of-</a:t>
+            </a:r>
+            <a:r>
+              <a:rPr lang="en-US" dirty="0" err="1" smtClean="0"/>
+              <a:t>hashicorp</a:t>
+            </a:r>
+            <a:r>
+              <a:rPr lang="en-US" dirty="0" smtClean="0"/>
+              <a:t>/</a:t>
+            </a:r>
+            <a:endParaRPr lang="en-US" dirty="0"/>
+          </a:p>
+        </p:txBody>
+      </p:sp>
+      <p:sp>
+        <p:nvSpPr>
+          <p:cNvPr id="4" name="Slide Number Placeholder 3"/>
+          <p:cNvSpPr>
+            <a:spLocks noGrp="1"/>
+          </p:cNvSpPr>
+          <p:nvPr>
+            <p:ph type="sldNum" sz="quarter" idx="10"/>
+          </p:nvPr>
+        </p:nvSpPr>
+        <p:spPr/>
+        <p:txBody>
+          <a:bodyPr/>
+          <a:lstStyle/>
+          <a:p>
+            <a:fld id="{495C6D0C-1D89-BF45-8B1A-0D3C57F306C2}" type="slidenum">
+              <a:rPr lang="en-US" smtClean="0"/>
+              <a:t>15</a:t>
+            </a:fld>
+            <a:endParaRPr lang="en-US"/>
+          </a:p>
+        </p:txBody>
+      </p:sp>
+    </p:spTree>
+    <p:extLst>
+      <p:ext uri="{BB962C8B-B14F-4D97-AF65-F5344CB8AC3E}">
+        <p14:creationId xmlns:p14="http://schemas.microsoft.com/office/powerpoint/2010/main" val="1084212343"/>
+      </p:ext>
+    </p:extLst>
+  </p:cSld>
+  <p:clrMapOvr>
+    <a:masterClrMapping/>
+  </p:clrMapOvr>
+</p:notes>
+</file>
+
+<file path=ppt/notesSlides/notesSlide7.xml><?xml version="1.0" encoding="utf-8"?>
+<p:notes xmlns:a="http://schemas.openxmlformats.org/drawingml/2006/main" xmlns:r="http://schemas.openxmlformats.org/officeDocument/2006/relationships" xmlns:p="http://schemas.openxmlformats.org/presentationml/2006/main">
+  <p:cSld>
+    <p:spTree>
+      <p:nvGrpSpPr>
+        <p:cNvPr id="1" name=""/>
+        <p:cNvGrpSpPr/>
+        <p:nvPr/>
+      </p:nvGrpSpPr>
+      <p:grpSpPr>
+        <a:xfrm>
+          <a:off x="0" y="0"/>
+          <a:ext cx="0" cy="0"/>
+          <a:chOff x="0" y="0"/>
+          <a:chExt cx="0" cy="0"/>
+        </a:xfrm>
+      </p:grpSpPr>
+      <p:sp>
+        <p:nvSpPr>
+          <p:cNvPr id="2" name="Slide Image Placeholder 1"/>
+          <p:cNvSpPr>
+            <a:spLocks noGrp="1" noRot="1" noChangeAspect="1"/>
+          </p:cNvSpPr>
+          <p:nvPr>
+            <p:ph type="sldImg"/>
+          </p:nvPr>
+        </p:nvSpPr>
+        <p:spPr/>
+      </p:sp>
+      <p:sp>
+        <p:nvSpPr>
+          <p:cNvPr id="3" name="Notes Placeholder 2"/>
+          <p:cNvSpPr>
+            <a:spLocks noGrp="1"/>
+          </p:cNvSpPr>
+          <p:nvPr>
+            <p:ph type="body" idx="1"/>
+          </p:nvPr>
+        </p:nvSpPr>
+        <p:spPr/>
+        <p:txBody>
+          <a:bodyPr/>
+          <a:lstStyle/>
+          <a:p>
+            <a:r>
+              <a:rPr lang="en-US" dirty="0" smtClean="0"/>
+              <a:t>https://</a:t>
+            </a:r>
+            <a:r>
+              <a:rPr lang="en-US" dirty="0" err="1" smtClean="0"/>
+              <a:t>www.terraform.io</a:t>
+            </a:r>
+            <a:r>
+              <a:rPr lang="en-US" dirty="0" smtClean="0"/>
+              <a:t>/</a:t>
+            </a:r>
+            <a:endParaRPr lang="en-US" dirty="0"/>
+          </a:p>
+        </p:txBody>
+      </p:sp>
+      <p:sp>
+        <p:nvSpPr>
+          <p:cNvPr id="4" name="Slide Number Placeholder 3"/>
+          <p:cNvSpPr>
+            <a:spLocks noGrp="1"/>
+          </p:cNvSpPr>
+          <p:nvPr>
+            <p:ph type="sldNum" sz="quarter" idx="10"/>
+          </p:nvPr>
+        </p:nvSpPr>
+        <p:spPr/>
+        <p:txBody>
+          <a:bodyPr/>
+          <a:lstStyle/>
+          <a:p>
+            <a:fld id="{495C6D0C-1D89-BF45-8B1A-0D3C57F306C2}" type="slidenum">
+              <a:rPr lang="en-US" smtClean="0"/>
+              <a:t>17</a:t>
+            </a:fld>
+            <a:endParaRPr lang="en-US"/>
+          </a:p>
+        </p:txBody>
+      </p:sp>
+    </p:spTree>
+    <p:extLst>
+      <p:ext uri="{BB962C8B-B14F-4D97-AF65-F5344CB8AC3E}">
+        <p14:creationId xmlns:p14="http://schemas.microsoft.com/office/powerpoint/2010/main" val="1160680701"/>
       </p:ext>
     </p:extLst>
   </p:cSld>
@@ -3563,6 +4224,1768 @@
 </p:sld>
 </file>
 
+<file path=ppt/slides/slide10.xml><?xml version="1.0" encoding="utf-8"?>
+<p:sld xmlns:a="http://schemas.openxmlformats.org/drawingml/2006/main" xmlns:r="http://schemas.openxmlformats.org/officeDocument/2006/relationships" xmlns:p="http://schemas.openxmlformats.org/presentationml/2006/main">
+  <p:cSld>
+    <p:spTree>
+      <p:nvGrpSpPr>
+        <p:cNvPr id="1" name=""/>
+        <p:cNvGrpSpPr/>
+        <p:nvPr/>
+      </p:nvGrpSpPr>
+      <p:grpSpPr>
+        <a:xfrm>
+          <a:off x="0" y="0"/>
+          <a:ext cx="0" cy="0"/>
+          <a:chOff x="0" y="0"/>
+          <a:chExt cx="0" cy="0"/>
+        </a:xfrm>
+      </p:grpSpPr>
+      <p:sp>
+        <p:nvSpPr>
+          <p:cNvPr id="2" name="Title 1"/>
+          <p:cNvSpPr>
+            <a:spLocks noGrp="1"/>
+          </p:cNvSpPr>
+          <p:nvPr>
+            <p:ph type="title"/>
+          </p:nvPr>
+        </p:nvSpPr>
+        <p:spPr/>
+        <p:txBody>
+          <a:bodyPr/>
+          <a:lstStyle/>
+          <a:p>
+            <a:r>
+              <a:rPr lang="en-US" dirty="0" smtClean="0"/>
+              <a:t>Dev Ops</a:t>
+            </a:r>
+            <a:endParaRPr lang="en-US" dirty="0"/>
+          </a:p>
+        </p:txBody>
+      </p:sp>
+      <p:sp>
+        <p:nvSpPr>
+          <p:cNvPr id="3" name="Content Placeholder 2"/>
+          <p:cNvSpPr>
+            <a:spLocks noGrp="1"/>
+          </p:cNvSpPr>
+          <p:nvPr>
+            <p:ph idx="1"/>
+          </p:nvPr>
+        </p:nvSpPr>
+        <p:spPr/>
+        <p:txBody>
+          <a:bodyPr/>
+          <a:lstStyle/>
+          <a:p>
+            <a:r>
+              <a:rPr lang="en-US" dirty="0" smtClean="0"/>
+              <a:t>Allowing everyone to work in parallel to deliver business value to the customer</a:t>
+            </a:r>
+          </a:p>
+          <a:p>
+            <a:r>
+              <a:rPr lang="en-US" dirty="0" smtClean="0"/>
+              <a:t>Prioritizes agility, time to value and a more continuous integrated and continuous delivery model </a:t>
+            </a:r>
+          </a:p>
+          <a:p>
+            <a:r>
+              <a:rPr lang="en-US" dirty="0" smtClean="0"/>
+              <a:t>Minimize the challenges of shipping, rapidly iterating and securing software applications</a:t>
+            </a:r>
+          </a:p>
+          <a:p>
+            <a:r>
+              <a:rPr lang="en-US" dirty="0" err="1" smtClean="0"/>
+              <a:t>Hashicorp</a:t>
+            </a:r>
+            <a:r>
+              <a:rPr lang="en-US" dirty="0" smtClean="0"/>
+              <a:t> focuses on this by deconstructing the essential elements of an application delivery process and providing a </a:t>
+            </a:r>
+            <a:r>
+              <a:rPr lang="en-US" b="1" dirty="0" smtClean="0"/>
+              <a:t>solution best suited for each participant in the task.</a:t>
+            </a:r>
+            <a:endParaRPr lang="en-US" dirty="0"/>
+          </a:p>
+        </p:txBody>
+      </p:sp>
+    </p:spTree>
+    <p:extLst>
+      <p:ext uri="{BB962C8B-B14F-4D97-AF65-F5344CB8AC3E}">
+        <p14:creationId xmlns:p14="http://schemas.microsoft.com/office/powerpoint/2010/main" val="870828922"/>
+      </p:ext>
+    </p:extLst>
+  </p:cSld>
+  <p:clrMapOvr>
+    <a:masterClrMapping/>
+  </p:clrMapOvr>
+</p:sld>
+</file>
+
+<file path=ppt/slides/slide11.xml><?xml version="1.0" encoding="utf-8"?>
+<p:sld xmlns:a="http://schemas.openxmlformats.org/drawingml/2006/main" xmlns:r="http://schemas.openxmlformats.org/officeDocument/2006/relationships" xmlns:p="http://schemas.openxmlformats.org/presentationml/2006/main">
+  <p:cSld>
+    <p:spTree>
+      <p:nvGrpSpPr>
+        <p:cNvPr id="1" name=""/>
+        <p:cNvGrpSpPr/>
+        <p:nvPr/>
+      </p:nvGrpSpPr>
+      <p:grpSpPr>
+        <a:xfrm>
+          <a:off x="0" y="0"/>
+          <a:ext cx="0" cy="0"/>
+          <a:chOff x="0" y="0"/>
+          <a:chExt cx="0" cy="0"/>
+        </a:xfrm>
+      </p:grpSpPr>
+      <p:grpSp>
+        <p:nvGrpSpPr>
+          <p:cNvPr id="4" name="Group 3"/>
+          <p:cNvGrpSpPr/>
+          <p:nvPr/>
+        </p:nvGrpSpPr>
+        <p:grpSpPr>
+          <a:xfrm>
+            <a:off x="3538456" y="1299331"/>
+            <a:ext cx="897517" cy="1290181"/>
+            <a:chOff x="1164921" y="200416"/>
+            <a:chExt cx="1202498" cy="1728592"/>
+          </a:xfrm>
+        </p:grpSpPr>
+        <p:sp>
+          <p:nvSpPr>
+            <p:cNvPr id="5" name="Triangle 4"/>
+            <p:cNvSpPr/>
+            <p:nvPr/>
+          </p:nvSpPr>
+          <p:spPr>
+            <a:xfrm>
+              <a:off x="1164921" y="989556"/>
+              <a:ext cx="1202498" cy="939452"/>
+            </a:xfrm>
+            <a:prstGeom prst="triangle">
+              <a:avLst/>
+            </a:prstGeom>
+          </p:spPr>
+          <p:style>
+            <a:lnRef idx="2">
+              <a:schemeClr val="accent1">
+                <a:shade val="50000"/>
+              </a:schemeClr>
+            </a:lnRef>
+            <a:fillRef idx="1">
+              <a:schemeClr val="accent1"/>
+            </a:fillRef>
+            <a:effectRef idx="0">
+              <a:schemeClr val="accent1"/>
+            </a:effectRef>
+            <a:fontRef idx="minor">
+              <a:schemeClr val="lt1"/>
+            </a:fontRef>
+          </p:style>
+          <p:txBody>
+            <a:bodyPr rtlCol="0" anchor="ctr"/>
+            <a:lstStyle/>
+            <a:p>
+              <a:pPr algn="ctr"/>
+              <a:endParaRPr lang="en-US"/>
+            </a:p>
+          </p:txBody>
+        </p:sp>
+        <p:sp>
+          <p:nvSpPr>
+            <p:cNvPr id="6" name="Oval 5"/>
+            <p:cNvSpPr/>
+            <p:nvPr/>
+          </p:nvSpPr>
+          <p:spPr>
+            <a:xfrm>
+              <a:off x="1164921" y="200416"/>
+              <a:ext cx="1202498" cy="1139869"/>
+            </a:xfrm>
+            <a:prstGeom prst="ellipse">
+              <a:avLst/>
+            </a:prstGeom>
+          </p:spPr>
+          <p:style>
+            <a:lnRef idx="2">
+              <a:schemeClr val="accent1">
+                <a:shade val="50000"/>
+              </a:schemeClr>
+            </a:lnRef>
+            <a:fillRef idx="1">
+              <a:schemeClr val="accent1"/>
+            </a:fillRef>
+            <a:effectRef idx="0">
+              <a:schemeClr val="accent1"/>
+            </a:effectRef>
+            <a:fontRef idx="minor">
+              <a:schemeClr val="lt1"/>
+            </a:fontRef>
+          </p:style>
+          <p:txBody>
+            <a:bodyPr rtlCol="0" anchor="ctr"/>
+            <a:lstStyle/>
+            <a:p>
+              <a:pPr algn="ctr"/>
+              <a:r>
+                <a:rPr lang="en-US" dirty="0" smtClean="0"/>
+                <a:t>Dev</a:t>
+              </a:r>
+              <a:endParaRPr lang="en-US" dirty="0"/>
+            </a:p>
+          </p:txBody>
+        </p:sp>
+      </p:grpSp>
+      <p:grpSp>
+        <p:nvGrpSpPr>
+          <p:cNvPr id="7" name="Group 6"/>
+          <p:cNvGrpSpPr/>
+          <p:nvPr/>
+        </p:nvGrpSpPr>
+        <p:grpSpPr>
+          <a:xfrm>
+            <a:off x="1910863" y="3475577"/>
+            <a:ext cx="897517" cy="1290181"/>
+            <a:chOff x="1164921" y="200416"/>
+            <a:chExt cx="1202498" cy="1728592"/>
+          </a:xfrm>
+        </p:grpSpPr>
+        <p:sp>
+          <p:nvSpPr>
+            <p:cNvPr id="8" name="Triangle 7"/>
+            <p:cNvSpPr/>
+            <p:nvPr/>
+          </p:nvSpPr>
+          <p:spPr>
+            <a:xfrm>
+              <a:off x="1164921" y="989556"/>
+              <a:ext cx="1202498" cy="939452"/>
+            </a:xfrm>
+            <a:prstGeom prst="triangle">
+              <a:avLst/>
+            </a:prstGeom>
+          </p:spPr>
+          <p:style>
+            <a:lnRef idx="2">
+              <a:schemeClr val="accent1">
+                <a:shade val="50000"/>
+              </a:schemeClr>
+            </a:lnRef>
+            <a:fillRef idx="1">
+              <a:schemeClr val="accent1"/>
+            </a:fillRef>
+            <a:effectRef idx="0">
+              <a:schemeClr val="accent1"/>
+            </a:effectRef>
+            <a:fontRef idx="minor">
+              <a:schemeClr val="lt1"/>
+            </a:fontRef>
+          </p:style>
+          <p:txBody>
+            <a:bodyPr rtlCol="0" anchor="ctr"/>
+            <a:lstStyle/>
+            <a:p>
+              <a:pPr algn="ctr"/>
+              <a:endParaRPr lang="en-US"/>
+            </a:p>
+          </p:txBody>
+        </p:sp>
+        <p:sp>
+          <p:nvSpPr>
+            <p:cNvPr id="9" name="Oval 8"/>
+            <p:cNvSpPr/>
+            <p:nvPr/>
+          </p:nvSpPr>
+          <p:spPr>
+            <a:xfrm>
+              <a:off x="1164921" y="200416"/>
+              <a:ext cx="1202498" cy="1139869"/>
+            </a:xfrm>
+            <a:prstGeom prst="ellipse">
+              <a:avLst/>
+            </a:prstGeom>
+          </p:spPr>
+          <p:style>
+            <a:lnRef idx="2">
+              <a:schemeClr val="accent1">
+                <a:shade val="50000"/>
+              </a:schemeClr>
+            </a:lnRef>
+            <a:fillRef idx="1">
+              <a:schemeClr val="accent1"/>
+            </a:fillRef>
+            <a:effectRef idx="0">
+              <a:schemeClr val="accent1"/>
+            </a:effectRef>
+            <a:fontRef idx="minor">
+              <a:schemeClr val="lt1"/>
+            </a:fontRef>
+          </p:style>
+          <p:txBody>
+            <a:bodyPr rtlCol="0" anchor="ctr"/>
+            <a:lstStyle/>
+            <a:p>
+              <a:pPr algn="ctr"/>
+              <a:r>
+                <a:rPr lang="en-US" dirty="0" smtClean="0"/>
+                <a:t>Ops</a:t>
+              </a:r>
+              <a:endParaRPr lang="en-US" dirty="0"/>
+            </a:p>
+          </p:txBody>
+        </p:sp>
+      </p:grpSp>
+      <p:grpSp>
+        <p:nvGrpSpPr>
+          <p:cNvPr id="10" name="Group 9"/>
+          <p:cNvGrpSpPr/>
+          <p:nvPr/>
+        </p:nvGrpSpPr>
+        <p:grpSpPr>
+          <a:xfrm>
+            <a:off x="4995180" y="3475577"/>
+            <a:ext cx="897517" cy="1290181"/>
+            <a:chOff x="1164921" y="200416"/>
+            <a:chExt cx="1202498" cy="1728592"/>
+          </a:xfrm>
+        </p:grpSpPr>
+        <p:sp>
+          <p:nvSpPr>
+            <p:cNvPr id="11" name="Triangle 10"/>
+            <p:cNvSpPr/>
+            <p:nvPr/>
+          </p:nvSpPr>
+          <p:spPr>
+            <a:xfrm>
+              <a:off x="1164921" y="989556"/>
+              <a:ext cx="1202498" cy="939452"/>
+            </a:xfrm>
+            <a:prstGeom prst="triangle">
+              <a:avLst/>
+            </a:prstGeom>
+          </p:spPr>
+          <p:style>
+            <a:lnRef idx="2">
+              <a:schemeClr val="accent1">
+                <a:shade val="50000"/>
+              </a:schemeClr>
+            </a:lnRef>
+            <a:fillRef idx="1">
+              <a:schemeClr val="accent1"/>
+            </a:fillRef>
+            <a:effectRef idx="0">
+              <a:schemeClr val="accent1"/>
+            </a:effectRef>
+            <a:fontRef idx="minor">
+              <a:schemeClr val="lt1"/>
+            </a:fontRef>
+          </p:style>
+          <p:txBody>
+            <a:bodyPr rtlCol="0" anchor="ctr"/>
+            <a:lstStyle/>
+            <a:p>
+              <a:pPr algn="ctr"/>
+              <a:endParaRPr lang="en-US"/>
+            </a:p>
+          </p:txBody>
+        </p:sp>
+        <p:sp>
+          <p:nvSpPr>
+            <p:cNvPr id="12" name="Oval 11"/>
+            <p:cNvSpPr/>
+            <p:nvPr/>
+          </p:nvSpPr>
+          <p:spPr>
+            <a:xfrm>
+              <a:off x="1164921" y="200416"/>
+              <a:ext cx="1202498" cy="1139869"/>
+            </a:xfrm>
+            <a:prstGeom prst="ellipse">
+              <a:avLst/>
+            </a:prstGeom>
+          </p:spPr>
+          <p:style>
+            <a:lnRef idx="2">
+              <a:schemeClr val="accent1">
+                <a:shade val="50000"/>
+              </a:schemeClr>
+            </a:lnRef>
+            <a:fillRef idx="1">
+              <a:schemeClr val="accent1"/>
+            </a:fillRef>
+            <a:effectRef idx="0">
+              <a:schemeClr val="accent1"/>
+            </a:effectRef>
+            <a:fontRef idx="minor">
+              <a:schemeClr val="lt1"/>
+            </a:fontRef>
+          </p:style>
+          <p:txBody>
+            <a:bodyPr rtlCol="0" anchor="ctr"/>
+            <a:lstStyle/>
+            <a:p>
+              <a:pPr algn="ctr"/>
+              <a:r>
+                <a:rPr lang="en-US" dirty="0" smtClean="0"/>
+                <a:t>Sec</a:t>
+              </a:r>
+              <a:endParaRPr lang="en-US" dirty="0"/>
+            </a:p>
+          </p:txBody>
+        </p:sp>
+      </p:grpSp>
+      <p:sp>
+        <p:nvSpPr>
+          <p:cNvPr id="17" name="Down Arrow 16"/>
+          <p:cNvSpPr/>
+          <p:nvPr/>
+        </p:nvSpPr>
+        <p:spPr>
+          <a:xfrm rot="19503428">
+            <a:off x="4933597" y="1994797"/>
+            <a:ext cx="377929" cy="1360446"/>
+          </a:xfrm>
+          <a:prstGeom prst="downArrow">
+            <a:avLst/>
+          </a:prstGeom>
+        </p:spPr>
+        <p:style>
+          <a:lnRef idx="2">
+            <a:schemeClr val="accent1">
+              <a:shade val="50000"/>
+            </a:schemeClr>
+          </a:lnRef>
+          <a:fillRef idx="1">
+            <a:schemeClr val="accent1"/>
+          </a:fillRef>
+          <a:effectRef idx="0">
+            <a:schemeClr val="accent1"/>
+          </a:effectRef>
+          <a:fontRef idx="minor">
+            <a:schemeClr val="lt1"/>
+          </a:fontRef>
+        </p:style>
+        <p:txBody>
+          <a:bodyPr rtlCol="0" anchor="ctr"/>
+          <a:lstStyle/>
+          <a:p>
+            <a:pPr algn="ctr"/>
+            <a:endParaRPr lang="en-US"/>
+          </a:p>
+        </p:txBody>
+      </p:sp>
+      <p:sp>
+        <p:nvSpPr>
+          <p:cNvPr id="24" name="Down Arrow 23"/>
+          <p:cNvSpPr/>
+          <p:nvPr/>
+        </p:nvSpPr>
+        <p:spPr>
+          <a:xfrm rot="5400000">
+            <a:off x="3665875" y="3557527"/>
+            <a:ext cx="377929" cy="1715279"/>
+          </a:xfrm>
+          <a:prstGeom prst="downArrow">
+            <a:avLst/>
+          </a:prstGeom>
+        </p:spPr>
+        <p:style>
+          <a:lnRef idx="2">
+            <a:schemeClr val="accent1">
+              <a:shade val="50000"/>
+            </a:schemeClr>
+          </a:lnRef>
+          <a:fillRef idx="1">
+            <a:schemeClr val="accent1"/>
+          </a:fillRef>
+          <a:effectRef idx="0">
+            <a:schemeClr val="accent1"/>
+          </a:effectRef>
+          <a:fontRef idx="minor">
+            <a:schemeClr val="lt1"/>
+          </a:fontRef>
+        </p:style>
+        <p:txBody>
+          <a:bodyPr rtlCol="0" anchor="ctr"/>
+          <a:lstStyle/>
+          <a:p>
+            <a:pPr algn="ctr"/>
+            <a:endParaRPr lang="en-US"/>
+          </a:p>
+        </p:txBody>
+      </p:sp>
+      <p:sp>
+        <p:nvSpPr>
+          <p:cNvPr id="25" name="Down Arrow 24"/>
+          <p:cNvSpPr/>
+          <p:nvPr/>
+        </p:nvSpPr>
+        <p:spPr>
+          <a:xfrm rot="13731251">
+            <a:off x="2619416" y="1977010"/>
+            <a:ext cx="377929" cy="1360446"/>
+          </a:xfrm>
+          <a:prstGeom prst="downArrow">
+            <a:avLst/>
+          </a:prstGeom>
+        </p:spPr>
+        <p:style>
+          <a:lnRef idx="2">
+            <a:schemeClr val="accent1">
+              <a:shade val="50000"/>
+            </a:schemeClr>
+          </a:lnRef>
+          <a:fillRef idx="1">
+            <a:schemeClr val="accent1"/>
+          </a:fillRef>
+          <a:effectRef idx="0">
+            <a:schemeClr val="accent1"/>
+          </a:effectRef>
+          <a:fontRef idx="minor">
+            <a:schemeClr val="lt1"/>
+          </a:fontRef>
+        </p:style>
+        <p:txBody>
+          <a:bodyPr rtlCol="0" anchor="ctr"/>
+          <a:lstStyle/>
+          <a:p>
+            <a:pPr algn="ctr"/>
+            <a:endParaRPr lang="en-US"/>
+          </a:p>
+        </p:txBody>
+      </p:sp>
+      <p:grpSp>
+        <p:nvGrpSpPr>
+          <p:cNvPr id="26" name="Group 25"/>
+          <p:cNvGrpSpPr/>
+          <p:nvPr/>
+        </p:nvGrpSpPr>
+        <p:grpSpPr>
+          <a:xfrm>
+            <a:off x="2359621" y="2416920"/>
+            <a:ext cx="628087" cy="480625"/>
+            <a:chOff x="7304898" y="5238836"/>
+            <a:chExt cx="1309178" cy="1309178"/>
+          </a:xfrm>
+        </p:grpSpPr>
+        <p:pic>
+          <p:nvPicPr>
+            <p:cNvPr id="29" name="Picture 28"/>
+            <p:cNvPicPr>
+              <a:picLocks noChangeAspect="1"/>
+            </p:cNvPicPr>
+            <p:nvPr/>
+          </p:nvPicPr>
+          <p:blipFill>
+            <a:blip r:embed="rId3">
+              <a:extLst>
+                <a:ext uri="{28A0092B-C50C-407E-A947-70E740481C1C}">
+                  <a14:useLocalDpi xmlns:a14="http://schemas.microsoft.com/office/drawing/2010/main" val="0"/>
+                </a:ext>
+              </a:extLst>
+            </a:blip>
+            <a:stretch>
+              <a:fillRect/>
+            </a:stretch>
+          </p:blipFill>
+          <p:spPr>
+            <a:xfrm>
+              <a:off x="7423010" y="5238836"/>
+              <a:ext cx="1066980" cy="1309178"/>
+            </a:xfrm>
+            <a:prstGeom prst="rect">
+              <a:avLst/>
+            </a:prstGeom>
+          </p:spPr>
+        </p:pic>
+        <p:pic>
+          <p:nvPicPr>
+            <p:cNvPr id="30" name="Picture 29"/>
+            <p:cNvPicPr>
+              <a:picLocks noChangeAspect="1"/>
+            </p:cNvPicPr>
+            <p:nvPr/>
+          </p:nvPicPr>
+          <p:blipFill>
+            <a:blip r:embed="rId4">
+              <a:extLst>
+                <a:ext uri="{28A0092B-C50C-407E-A947-70E740481C1C}">
+                  <a14:useLocalDpi xmlns:a14="http://schemas.microsoft.com/office/drawing/2010/main" val="0"/>
+                </a:ext>
+              </a:extLst>
+            </a:blip>
+            <a:stretch>
+              <a:fillRect/>
+            </a:stretch>
+          </p:blipFill>
+          <p:spPr>
+            <a:xfrm>
+              <a:off x="7528943" y="5618663"/>
+              <a:ext cx="700735" cy="700735"/>
+            </a:xfrm>
+            <a:prstGeom prst="rect">
+              <a:avLst/>
+            </a:prstGeom>
+          </p:spPr>
+        </p:pic>
+        <p:pic>
+          <p:nvPicPr>
+            <p:cNvPr id="31" name="Picture 30"/>
+            <p:cNvPicPr>
+              <a:picLocks noChangeAspect="1"/>
+            </p:cNvPicPr>
+            <p:nvPr/>
+          </p:nvPicPr>
+          <p:blipFill>
+            <a:blip r:embed="rId5">
+              <a:extLst>
+                <a:ext uri="{28A0092B-C50C-407E-A947-70E740481C1C}">
+                  <a14:useLocalDpi xmlns:a14="http://schemas.microsoft.com/office/drawing/2010/main" val="0"/>
+                </a:ext>
+              </a:extLst>
+            </a:blip>
+            <a:stretch>
+              <a:fillRect/>
+            </a:stretch>
+          </p:blipFill>
+          <p:spPr>
+            <a:xfrm>
+              <a:off x="7304898" y="5238836"/>
+              <a:ext cx="1309178" cy="1309178"/>
+            </a:xfrm>
+            <a:prstGeom prst="rect">
+              <a:avLst/>
+            </a:prstGeom>
+          </p:spPr>
+        </p:pic>
+      </p:grpSp>
+      <p:grpSp>
+        <p:nvGrpSpPr>
+          <p:cNvPr id="32" name="Group 31"/>
+          <p:cNvGrpSpPr/>
+          <p:nvPr/>
+        </p:nvGrpSpPr>
+        <p:grpSpPr>
+          <a:xfrm>
+            <a:off x="4840442" y="2334123"/>
+            <a:ext cx="628087" cy="480625"/>
+            <a:chOff x="7304898" y="5238836"/>
+            <a:chExt cx="1309178" cy="1309178"/>
+          </a:xfrm>
+        </p:grpSpPr>
+        <p:pic>
+          <p:nvPicPr>
+            <p:cNvPr id="33" name="Picture 32"/>
+            <p:cNvPicPr>
+              <a:picLocks noChangeAspect="1"/>
+            </p:cNvPicPr>
+            <p:nvPr/>
+          </p:nvPicPr>
+          <p:blipFill>
+            <a:blip r:embed="rId3">
+              <a:extLst>
+                <a:ext uri="{28A0092B-C50C-407E-A947-70E740481C1C}">
+                  <a14:useLocalDpi xmlns:a14="http://schemas.microsoft.com/office/drawing/2010/main" val="0"/>
+                </a:ext>
+              </a:extLst>
+            </a:blip>
+            <a:stretch>
+              <a:fillRect/>
+            </a:stretch>
+          </p:blipFill>
+          <p:spPr>
+            <a:xfrm>
+              <a:off x="7423010" y="5238836"/>
+              <a:ext cx="1066980" cy="1309178"/>
+            </a:xfrm>
+            <a:prstGeom prst="rect">
+              <a:avLst/>
+            </a:prstGeom>
+          </p:spPr>
+        </p:pic>
+        <p:pic>
+          <p:nvPicPr>
+            <p:cNvPr id="34" name="Picture 33"/>
+            <p:cNvPicPr>
+              <a:picLocks noChangeAspect="1"/>
+            </p:cNvPicPr>
+            <p:nvPr/>
+          </p:nvPicPr>
+          <p:blipFill>
+            <a:blip r:embed="rId4">
+              <a:extLst>
+                <a:ext uri="{28A0092B-C50C-407E-A947-70E740481C1C}">
+                  <a14:useLocalDpi xmlns:a14="http://schemas.microsoft.com/office/drawing/2010/main" val="0"/>
+                </a:ext>
+              </a:extLst>
+            </a:blip>
+            <a:stretch>
+              <a:fillRect/>
+            </a:stretch>
+          </p:blipFill>
+          <p:spPr>
+            <a:xfrm>
+              <a:off x="7528943" y="5618663"/>
+              <a:ext cx="700735" cy="700735"/>
+            </a:xfrm>
+            <a:prstGeom prst="rect">
+              <a:avLst/>
+            </a:prstGeom>
+          </p:spPr>
+        </p:pic>
+        <p:pic>
+          <p:nvPicPr>
+            <p:cNvPr id="35" name="Picture 34"/>
+            <p:cNvPicPr>
+              <a:picLocks noChangeAspect="1"/>
+            </p:cNvPicPr>
+            <p:nvPr/>
+          </p:nvPicPr>
+          <p:blipFill>
+            <a:blip r:embed="rId5">
+              <a:extLst>
+                <a:ext uri="{28A0092B-C50C-407E-A947-70E740481C1C}">
+                  <a14:useLocalDpi xmlns:a14="http://schemas.microsoft.com/office/drawing/2010/main" val="0"/>
+                </a:ext>
+              </a:extLst>
+            </a:blip>
+            <a:stretch>
+              <a:fillRect/>
+            </a:stretch>
+          </p:blipFill>
+          <p:spPr>
+            <a:xfrm>
+              <a:off x="7304898" y="5238836"/>
+              <a:ext cx="1309178" cy="1309178"/>
+            </a:xfrm>
+            <a:prstGeom prst="rect">
+              <a:avLst/>
+            </a:prstGeom>
+          </p:spPr>
+        </p:pic>
+      </p:grpSp>
+      <p:grpSp>
+        <p:nvGrpSpPr>
+          <p:cNvPr id="36" name="Group 35"/>
+          <p:cNvGrpSpPr/>
+          <p:nvPr/>
+        </p:nvGrpSpPr>
+        <p:grpSpPr>
+          <a:xfrm>
+            <a:off x="3673170" y="4174852"/>
+            <a:ext cx="628087" cy="480625"/>
+            <a:chOff x="7304898" y="5238836"/>
+            <a:chExt cx="1309178" cy="1309178"/>
+          </a:xfrm>
+        </p:grpSpPr>
+        <p:pic>
+          <p:nvPicPr>
+            <p:cNvPr id="37" name="Picture 36"/>
+            <p:cNvPicPr>
+              <a:picLocks noChangeAspect="1"/>
+            </p:cNvPicPr>
+            <p:nvPr/>
+          </p:nvPicPr>
+          <p:blipFill>
+            <a:blip r:embed="rId3">
+              <a:extLst>
+                <a:ext uri="{28A0092B-C50C-407E-A947-70E740481C1C}">
+                  <a14:useLocalDpi xmlns:a14="http://schemas.microsoft.com/office/drawing/2010/main" val="0"/>
+                </a:ext>
+              </a:extLst>
+            </a:blip>
+            <a:stretch>
+              <a:fillRect/>
+            </a:stretch>
+          </p:blipFill>
+          <p:spPr>
+            <a:xfrm>
+              <a:off x="7423010" y="5238836"/>
+              <a:ext cx="1066980" cy="1309178"/>
+            </a:xfrm>
+            <a:prstGeom prst="rect">
+              <a:avLst/>
+            </a:prstGeom>
+          </p:spPr>
+        </p:pic>
+        <p:pic>
+          <p:nvPicPr>
+            <p:cNvPr id="38" name="Picture 37"/>
+            <p:cNvPicPr>
+              <a:picLocks noChangeAspect="1"/>
+            </p:cNvPicPr>
+            <p:nvPr/>
+          </p:nvPicPr>
+          <p:blipFill>
+            <a:blip r:embed="rId4">
+              <a:extLst>
+                <a:ext uri="{28A0092B-C50C-407E-A947-70E740481C1C}">
+                  <a14:useLocalDpi xmlns:a14="http://schemas.microsoft.com/office/drawing/2010/main" val="0"/>
+                </a:ext>
+              </a:extLst>
+            </a:blip>
+            <a:stretch>
+              <a:fillRect/>
+            </a:stretch>
+          </p:blipFill>
+          <p:spPr>
+            <a:xfrm>
+              <a:off x="7528943" y="5618663"/>
+              <a:ext cx="700735" cy="700735"/>
+            </a:xfrm>
+            <a:prstGeom prst="rect">
+              <a:avLst/>
+            </a:prstGeom>
+          </p:spPr>
+        </p:pic>
+        <p:pic>
+          <p:nvPicPr>
+            <p:cNvPr id="39" name="Picture 38"/>
+            <p:cNvPicPr>
+              <a:picLocks noChangeAspect="1"/>
+            </p:cNvPicPr>
+            <p:nvPr/>
+          </p:nvPicPr>
+          <p:blipFill>
+            <a:blip r:embed="rId5">
+              <a:extLst>
+                <a:ext uri="{28A0092B-C50C-407E-A947-70E740481C1C}">
+                  <a14:useLocalDpi xmlns:a14="http://schemas.microsoft.com/office/drawing/2010/main" val="0"/>
+                </a:ext>
+              </a:extLst>
+            </a:blip>
+            <a:stretch>
+              <a:fillRect/>
+            </a:stretch>
+          </p:blipFill>
+          <p:spPr>
+            <a:xfrm>
+              <a:off x="7304898" y="5238836"/>
+              <a:ext cx="1309178" cy="1309178"/>
+            </a:xfrm>
+            <a:prstGeom prst="rect">
+              <a:avLst/>
+            </a:prstGeom>
+          </p:spPr>
+        </p:pic>
+      </p:grpSp>
+      <p:sp>
+        <p:nvSpPr>
+          <p:cNvPr id="40" name="Down Arrow 39"/>
+          <p:cNvSpPr/>
+          <p:nvPr/>
+        </p:nvSpPr>
+        <p:spPr>
+          <a:xfrm rot="16200000">
+            <a:off x="6502217" y="2222681"/>
+            <a:ext cx="902846" cy="1715279"/>
+          </a:xfrm>
+          <a:prstGeom prst="downArrow">
+            <a:avLst/>
+          </a:prstGeom>
+        </p:spPr>
+        <p:style>
+          <a:lnRef idx="2">
+            <a:schemeClr val="accent1">
+              <a:shade val="50000"/>
+            </a:schemeClr>
+          </a:lnRef>
+          <a:fillRef idx="1">
+            <a:schemeClr val="accent1"/>
+          </a:fillRef>
+          <a:effectRef idx="0">
+            <a:schemeClr val="accent1"/>
+          </a:effectRef>
+          <a:fontRef idx="minor">
+            <a:schemeClr val="lt1"/>
+          </a:fontRef>
+        </p:style>
+        <p:txBody>
+          <a:bodyPr rtlCol="0" anchor="ctr"/>
+          <a:lstStyle/>
+          <a:p>
+            <a:pPr algn="ctr"/>
+            <a:endParaRPr lang="en-US"/>
+          </a:p>
+        </p:txBody>
+      </p:sp>
+      <p:grpSp>
+        <p:nvGrpSpPr>
+          <p:cNvPr id="44" name="Group 43"/>
+          <p:cNvGrpSpPr/>
+          <p:nvPr/>
+        </p:nvGrpSpPr>
+        <p:grpSpPr>
+          <a:xfrm>
+            <a:off x="8756149" y="2150103"/>
+            <a:ext cx="1553386" cy="2053480"/>
+            <a:chOff x="1164921" y="200416"/>
+            <a:chExt cx="1202498" cy="1728592"/>
+          </a:xfrm>
+        </p:grpSpPr>
+        <p:sp>
+          <p:nvSpPr>
+            <p:cNvPr id="45" name="Triangle 44"/>
+            <p:cNvSpPr/>
+            <p:nvPr/>
+          </p:nvSpPr>
+          <p:spPr>
+            <a:xfrm>
+              <a:off x="1164921" y="989556"/>
+              <a:ext cx="1202498" cy="939452"/>
+            </a:xfrm>
+            <a:prstGeom prst="triangle">
+              <a:avLst/>
+            </a:prstGeom>
+          </p:spPr>
+          <p:style>
+            <a:lnRef idx="2">
+              <a:schemeClr val="accent1">
+                <a:shade val="50000"/>
+              </a:schemeClr>
+            </a:lnRef>
+            <a:fillRef idx="1">
+              <a:schemeClr val="accent1"/>
+            </a:fillRef>
+            <a:effectRef idx="0">
+              <a:schemeClr val="accent1"/>
+            </a:effectRef>
+            <a:fontRef idx="minor">
+              <a:schemeClr val="lt1"/>
+            </a:fontRef>
+          </p:style>
+          <p:txBody>
+            <a:bodyPr rtlCol="0" anchor="ctr"/>
+            <a:lstStyle/>
+            <a:p>
+              <a:pPr algn="ctr"/>
+              <a:endParaRPr lang="en-US"/>
+            </a:p>
+          </p:txBody>
+        </p:sp>
+        <p:sp>
+          <p:nvSpPr>
+            <p:cNvPr id="46" name="Oval 45"/>
+            <p:cNvSpPr/>
+            <p:nvPr/>
+          </p:nvSpPr>
+          <p:spPr>
+            <a:xfrm>
+              <a:off x="1164921" y="200416"/>
+              <a:ext cx="1202498" cy="1139869"/>
+            </a:xfrm>
+            <a:prstGeom prst="ellipse">
+              <a:avLst/>
+            </a:prstGeom>
+          </p:spPr>
+          <p:style>
+            <a:lnRef idx="2">
+              <a:schemeClr val="accent1">
+                <a:shade val="50000"/>
+              </a:schemeClr>
+            </a:lnRef>
+            <a:fillRef idx="1">
+              <a:schemeClr val="accent1"/>
+            </a:fillRef>
+            <a:effectRef idx="0">
+              <a:schemeClr val="accent1"/>
+            </a:effectRef>
+            <a:fontRef idx="minor">
+              <a:schemeClr val="lt1"/>
+            </a:fontRef>
+          </p:style>
+          <p:txBody>
+            <a:bodyPr rtlCol="0" anchor="ctr"/>
+            <a:lstStyle/>
+            <a:p>
+              <a:pPr algn="ctr"/>
+              <a:r>
+                <a:rPr lang="en-US" dirty="0" smtClean="0"/>
+                <a:t>Customer</a:t>
+              </a:r>
+              <a:endParaRPr lang="en-US" dirty="0"/>
+            </a:p>
+          </p:txBody>
+        </p:sp>
+      </p:grpSp>
+    </p:spTree>
+    <p:extLst>
+      <p:ext uri="{BB962C8B-B14F-4D97-AF65-F5344CB8AC3E}">
+        <p14:creationId xmlns:p14="http://schemas.microsoft.com/office/powerpoint/2010/main" val="973405640"/>
+      </p:ext>
+    </p:extLst>
+  </p:cSld>
+  <p:clrMapOvr>
+    <a:masterClrMapping/>
+  </p:clrMapOvr>
+</p:sld>
+</file>
+
+<file path=ppt/slides/slide12.xml><?xml version="1.0" encoding="utf-8"?>
+<p:sld xmlns:a="http://schemas.openxmlformats.org/drawingml/2006/main" xmlns:r="http://schemas.openxmlformats.org/officeDocument/2006/relationships" xmlns:p="http://schemas.openxmlformats.org/presentationml/2006/main">
+  <p:cSld>
+    <p:spTree>
+      <p:nvGrpSpPr>
+        <p:cNvPr id="1" name=""/>
+        <p:cNvGrpSpPr/>
+        <p:nvPr/>
+      </p:nvGrpSpPr>
+      <p:grpSpPr>
+        <a:xfrm>
+          <a:off x="0" y="0"/>
+          <a:ext cx="0" cy="0"/>
+          <a:chOff x="0" y="0"/>
+          <a:chExt cx="0" cy="0"/>
+        </a:xfrm>
+      </p:grpSpPr>
+      <p:sp>
+        <p:nvSpPr>
+          <p:cNvPr id="10" name="Rectangle 9"/>
+          <p:cNvSpPr>
+            <a:spLocks noGrp="1" noRot="1" noChangeAspect="1" noMove="1" noResize="1" noEditPoints="1" noAdjustHandles="1" noChangeArrowheads="1" noChangeShapeType="1" noTextEdit="1"/>
+          </p:cNvSpPr>
+          <p:nvPr>
+            <p:extLst>
+              <p:ext uri="{386F3935-93C4-4BCD-93E2-E3B085C9AB24}">
+                <p16:designElem xmlns:p16="http://schemas.microsoft.com/office/powerpoint/2015/main" val="1"/>
+              </p:ext>
+            </p:extLst>
+          </p:nvPr>
+        </p:nvSpPr>
+        <p:spPr bwMode="white">
+          <a:xfrm>
+            <a:off x="0" y="0"/>
+            <a:ext cx="12192000" cy="6858000"/>
+          </a:xfrm>
+          <a:prstGeom prst="rect">
+            <a:avLst/>
+          </a:prstGeom>
+          <a:solidFill>
+            <a:schemeClr val="bg1"/>
+          </a:solidFill>
+          <a:ln>
+            <a:noFill/>
+          </a:ln>
+          <a:effectLst/>
+        </p:spPr>
+      </p:sp>
+      <p:sp>
+        <p:nvSpPr>
+          <p:cNvPr id="12" name="Rectangle 11"/>
+          <p:cNvSpPr>
+            <a:spLocks noGrp="1" noRot="1" noChangeAspect="1" noMove="1" noResize="1" noEditPoints="1" noAdjustHandles="1" noChangeArrowheads="1" noChangeShapeType="1" noTextEdit="1"/>
+          </p:cNvSpPr>
+          <p:nvPr>
+            <p:extLst>
+              <p:ext uri="{386F3935-93C4-4BCD-93E2-E3B085C9AB24}">
+                <p16:designElem xmlns:p16="http://schemas.microsoft.com/office/powerpoint/2015/main" val="1"/>
+              </p:ext>
+            </p:extLst>
+          </p:nvPr>
+        </p:nvSpPr>
+        <p:spPr>
+          <a:xfrm>
+            <a:off x="0" y="0"/>
+            <a:ext cx="5468548" cy="6858000"/>
+          </a:xfrm>
+          <a:prstGeom prst="rect">
+            <a:avLst/>
+          </a:prstGeom>
+          <a:solidFill>
+            <a:schemeClr val="accent1"/>
+          </a:solidFill>
+          <a:ln>
+            <a:noFill/>
+          </a:ln>
+        </p:spPr>
+        <p:style>
+          <a:lnRef idx="2">
+            <a:schemeClr val="accent1">
+              <a:shade val="50000"/>
+            </a:schemeClr>
+          </a:lnRef>
+          <a:fillRef idx="1">
+            <a:schemeClr val="accent1"/>
+          </a:fillRef>
+          <a:effectRef idx="0">
+            <a:schemeClr val="accent1"/>
+          </a:effectRef>
+          <a:fontRef idx="minor">
+            <a:schemeClr val="lt1"/>
+          </a:fontRef>
+        </p:style>
+        <p:txBody>
+          <a:bodyPr rtlCol="0" anchor="ctr"/>
+          <a:lstStyle/>
+          <a:p>
+            <a:pPr algn="ctr"/>
+            <a:endParaRPr lang="en-US"/>
+          </a:p>
+        </p:txBody>
+      </p:sp>
+      <p:cxnSp>
+        <p:nvCxnSpPr>
+          <p:cNvPr id="14" name="Straight Connector 13"/>
+          <p:cNvCxnSpPr>
+            <a:cxnSpLocks noGrp="1" noRot="1" noChangeAspect="1" noMove="1" noResize="1" noEditPoints="1" noAdjustHandles="1" noChangeArrowheads="1" noChangeShapeType="1"/>
+          </p:cNvCxnSpPr>
+          <p:nvPr>
+            <p:extLst>
+              <p:ext uri="{386F3935-93C4-4BCD-93E2-E3B085C9AB24}">
+                <p16:designElem xmlns:p16="http://schemas.microsoft.com/office/powerpoint/2015/main" val="1"/>
+              </p:ext>
+            </p:extLst>
+          </p:nvPr>
+        </p:nvCxnSpPr>
+        <p:spPr>
+          <a:xfrm>
+            <a:off x="786679" y="3928939"/>
+            <a:ext cx="3931920" cy="0"/>
+          </a:xfrm>
+          <a:prstGeom prst="line">
+            <a:avLst/>
+          </a:prstGeom>
+          <a:ln w="19050">
+            <a:solidFill>
+              <a:srgbClr val="FFFFFF">
+                <a:alpha val="80000"/>
+              </a:srgbClr>
+            </a:solidFill>
+          </a:ln>
+        </p:spPr>
+        <p:style>
+          <a:lnRef idx="1">
+            <a:schemeClr val="accent1"/>
+          </a:lnRef>
+          <a:fillRef idx="0">
+            <a:schemeClr val="accent1"/>
+          </a:fillRef>
+          <a:effectRef idx="0">
+            <a:schemeClr val="accent1"/>
+          </a:effectRef>
+          <a:fontRef idx="minor">
+            <a:schemeClr val="tx1"/>
+          </a:fontRef>
+        </p:style>
+      </p:cxnSp>
+      <p:pic>
+        <p:nvPicPr>
+          <p:cNvPr id="5" name="Picture 4"/>
+          <p:cNvPicPr>
+            <a:picLocks noChangeAspect="1"/>
+          </p:cNvPicPr>
+          <p:nvPr/>
+        </p:nvPicPr>
+        <p:blipFill>
+          <a:blip r:embed="rId2">
+            <a:extLst>
+              <a:ext uri="{28A0092B-C50C-407E-A947-70E740481C1C}">
+                <a14:useLocalDpi xmlns:a14="http://schemas.microsoft.com/office/drawing/2010/main" val="0"/>
+              </a:ext>
+            </a:extLst>
+          </a:blip>
+          <a:stretch>
+            <a:fillRect/>
+          </a:stretch>
+        </p:blipFill>
+        <p:spPr>
+          <a:xfrm>
+            <a:off x="6538420" y="640080"/>
+            <a:ext cx="4574630" cy="5578816"/>
+          </a:xfrm>
+          <a:prstGeom prst="rect">
+            <a:avLst/>
+          </a:prstGeom>
+        </p:spPr>
+      </p:pic>
+      <p:sp>
+        <p:nvSpPr>
+          <p:cNvPr id="2" name="Title 1"/>
+          <p:cNvSpPr>
+            <a:spLocks noGrp="1"/>
+          </p:cNvSpPr>
+          <p:nvPr>
+            <p:ph type="title"/>
+          </p:nvPr>
+        </p:nvSpPr>
+        <p:spPr>
+          <a:xfrm>
+            <a:off x="634276" y="803705"/>
+            <a:ext cx="4208656" cy="3034857"/>
+          </a:xfrm>
+        </p:spPr>
+        <p:txBody>
+          <a:bodyPr vert="horz" lIns="91440" tIns="45720" rIns="91440" bIns="45720" rtlCol="0" anchor="b">
+            <a:normAutofit/>
+          </a:bodyPr>
+          <a:lstStyle/>
+          <a:p>
+            <a:pPr algn="r"/>
+            <a:r>
+              <a:rPr lang="en-US" sz="5400" dirty="0">
+                <a:solidFill>
+                  <a:srgbClr val="FFFFFF"/>
+                </a:solidFill>
+              </a:rPr>
+              <a:t>Dev Ops </a:t>
+            </a:r>
+            <a:r>
+              <a:rPr lang="en-US" sz="5400" dirty="0" smtClean="0">
+                <a:solidFill>
+                  <a:srgbClr val="FFFFFF"/>
+                </a:solidFill>
+              </a:rPr>
+              <a:t> Defined</a:t>
+            </a:r>
+            <a:r>
+              <a:rPr lang="en-US" sz="5400" dirty="0">
+                <a:solidFill>
+                  <a:srgbClr val="FFFFFF"/>
+                </a:solidFill>
+              </a:rPr>
+              <a:t>	</a:t>
+            </a:r>
+          </a:p>
+        </p:txBody>
+      </p:sp>
+      <p:sp>
+        <p:nvSpPr>
+          <p:cNvPr id="3" name="Text Placeholder 2"/>
+          <p:cNvSpPr>
+            <a:spLocks noGrp="1"/>
+          </p:cNvSpPr>
+          <p:nvPr>
+            <p:ph type="body" idx="1"/>
+          </p:nvPr>
+        </p:nvSpPr>
+        <p:spPr>
+          <a:xfrm>
+            <a:off x="638921" y="4013165"/>
+            <a:ext cx="4204012" cy="2205732"/>
+          </a:xfrm>
+        </p:spPr>
+        <p:txBody>
+          <a:bodyPr vert="horz" lIns="91440" tIns="45720" rIns="91440" bIns="45720" rtlCol="0" anchor="t">
+            <a:normAutofit lnSpcReduction="10000"/>
+          </a:bodyPr>
+          <a:lstStyle/>
+          <a:p>
+            <a:pPr algn="r"/>
+            <a:r>
+              <a:rPr lang="en-US" sz="1800" dirty="0">
+                <a:solidFill>
+                  <a:srgbClr val="FFFFFF"/>
+                </a:solidFill>
+              </a:rPr>
+              <a:t>Build and Test with Vagrant </a:t>
+            </a:r>
+          </a:p>
+          <a:p>
+            <a:pPr algn="r"/>
+            <a:endParaRPr lang="en-US" sz="1800" dirty="0" smtClean="0">
+              <a:solidFill>
+                <a:srgbClr val="FFFFFF"/>
+              </a:solidFill>
+            </a:endParaRPr>
+          </a:p>
+          <a:p>
+            <a:pPr algn="r"/>
+            <a:endParaRPr lang="en-US" sz="1800" dirty="0">
+              <a:solidFill>
+                <a:srgbClr val="FFFFFF"/>
+              </a:solidFill>
+            </a:endParaRPr>
+          </a:p>
+          <a:p>
+            <a:pPr algn="r"/>
+            <a:endParaRPr lang="en-US" sz="1800" dirty="0" smtClean="0">
+              <a:solidFill>
+                <a:srgbClr val="FFFFFF"/>
+              </a:solidFill>
+            </a:endParaRPr>
+          </a:p>
+          <a:p>
+            <a:pPr algn="r"/>
+            <a:endParaRPr lang="en-US" sz="1800" dirty="0">
+              <a:solidFill>
+                <a:srgbClr val="FFFFFF"/>
+              </a:solidFill>
+            </a:endParaRPr>
+          </a:p>
+          <a:p>
+            <a:pPr algn="r"/>
+            <a:r>
+              <a:rPr lang="en-US" sz="1800" dirty="0" smtClean="0">
+                <a:solidFill>
+                  <a:srgbClr val="FFFFFF"/>
+                </a:solidFill>
+              </a:rPr>
+              <a:t>Workflows</a:t>
+            </a:r>
+            <a:r>
+              <a:rPr lang="en-US" sz="1800" dirty="0">
+                <a:solidFill>
+                  <a:srgbClr val="FFFFFF"/>
+                </a:solidFill>
+              </a:rPr>
+              <a:t>, not Technologies</a:t>
+            </a:r>
+          </a:p>
+        </p:txBody>
+      </p:sp>
+    </p:spTree>
+    <p:extLst>
+      <p:ext uri="{BB962C8B-B14F-4D97-AF65-F5344CB8AC3E}">
+        <p14:creationId xmlns:p14="http://schemas.microsoft.com/office/powerpoint/2010/main" val="3160436225"/>
+      </p:ext>
+    </p:extLst>
+  </p:cSld>
+  <p:clrMapOvr>
+    <a:masterClrMapping/>
+  </p:clrMapOvr>
+</p:sld>
+</file>
+
+<file path=ppt/slides/slide13.xml><?xml version="1.0" encoding="utf-8"?>
+<p:sld xmlns:a="http://schemas.openxmlformats.org/drawingml/2006/main" xmlns:r="http://schemas.openxmlformats.org/officeDocument/2006/relationships" xmlns:p="http://schemas.openxmlformats.org/presentationml/2006/main">
+  <p:cSld>
+    <p:spTree>
+      <p:nvGrpSpPr>
+        <p:cNvPr id="1" name=""/>
+        <p:cNvGrpSpPr/>
+        <p:nvPr/>
+      </p:nvGrpSpPr>
+      <p:grpSpPr>
+        <a:xfrm>
+          <a:off x="0" y="0"/>
+          <a:ext cx="0" cy="0"/>
+          <a:chOff x="0" y="0"/>
+          <a:chExt cx="0" cy="0"/>
+        </a:xfrm>
+      </p:grpSpPr>
+      <p:sp>
+        <p:nvSpPr>
+          <p:cNvPr id="2" name="Title 1"/>
+          <p:cNvSpPr>
+            <a:spLocks noGrp="1"/>
+          </p:cNvSpPr>
+          <p:nvPr>
+            <p:ph type="title"/>
+          </p:nvPr>
+        </p:nvSpPr>
+        <p:spPr/>
+        <p:txBody>
+          <a:bodyPr/>
+          <a:lstStyle/>
+          <a:p>
+            <a:r>
+              <a:rPr lang="en-US" dirty="0" smtClean="0"/>
+              <a:t>What is Vagrant</a:t>
+            </a:r>
+            <a:endParaRPr lang="en-US" dirty="0"/>
+          </a:p>
+        </p:txBody>
+      </p:sp>
+      <p:sp>
+        <p:nvSpPr>
+          <p:cNvPr id="3" name="Content Placeholder 2"/>
+          <p:cNvSpPr>
+            <a:spLocks noGrp="1"/>
+          </p:cNvSpPr>
+          <p:nvPr>
+            <p:ph idx="1"/>
+          </p:nvPr>
+        </p:nvSpPr>
+        <p:spPr/>
+        <p:txBody>
+          <a:bodyPr/>
+          <a:lstStyle/>
+          <a:p>
+            <a:r>
+              <a:rPr lang="en-US" dirty="0" smtClean="0"/>
+              <a:t>Vagrant is a tool for building and managing virtual machine environment in a single </a:t>
+            </a:r>
+            <a:r>
+              <a:rPr lang="en-US" b="1" dirty="0" smtClean="0"/>
+              <a:t>workflow</a:t>
+            </a:r>
+          </a:p>
+          <a:p>
+            <a:r>
+              <a:rPr lang="en-US" dirty="0" smtClean="0"/>
+              <a:t>Its easy to configure, reproducible and helps make portable work environments</a:t>
+            </a:r>
+          </a:p>
+          <a:p>
+            <a:r>
+              <a:rPr lang="en-US" dirty="0" smtClean="0"/>
+              <a:t>Its simple, modular and </a:t>
+            </a:r>
+            <a:r>
+              <a:rPr lang="en-US" dirty="0" err="1" smtClean="0"/>
+              <a:t>composable</a:t>
+            </a:r>
+            <a:endParaRPr lang="en-US" dirty="0" smtClean="0"/>
+          </a:p>
+          <a:p>
+            <a:endParaRPr lang="en-US" dirty="0"/>
+          </a:p>
+        </p:txBody>
+      </p:sp>
+      <p:pic>
+        <p:nvPicPr>
+          <p:cNvPr id="4" name="Picture 3"/>
+          <p:cNvPicPr>
+            <a:picLocks noChangeAspect="1"/>
+          </p:cNvPicPr>
+          <p:nvPr/>
+        </p:nvPicPr>
+        <p:blipFill>
+          <a:blip r:embed="rId3">
+            <a:extLst>
+              <a:ext uri="{28A0092B-C50C-407E-A947-70E740481C1C}">
+                <a14:useLocalDpi xmlns:a14="http://schemas.microsoft.com/office/drawing/2010/main" val="0"/>
+              </a:ext>
+            </a:extLst>
+          </a:blip>
+          <a:stretch>
+            <a:fillRect/>
+          </a:stretch>
+        </p:blipFill>
+        <p:spPr>
+          <a:xfrm>
+            <a:off x="10426700" y="4777550"/>
+            <a:ext cx="1588049" cy="1936645"/>
+          </a:xfrm>
+          <a:prstGeom prst="rect">
+            <a:avLst/>
+          </a:prstGeom>
+        </p:spPr>
+      </p:pic>
+    </p:spTree>
+    <p:extLst>
+      <p:ext uri="{BB962C8B-B14F-4D97-AF65-F5344CB8AC3E}">
+        <p14:creationId xmlns:p14="http://schemas.microsoft.com/office/powerpoint/2010/main" val="763523973"/>
+      </p:ext>
+    </p:extLst>
+  </p:cSld>
+  <p:clrMapOvr>
+    <a:masterClrMapping/>
+  </p:clrMapOvr>
+</p:sld>
+</file>
+
+<file path=ppt/slides/slide14.xml><?xml version="1.0" encoding="utf-8"?>
+<p:sld xmlns:a="http://schemas.openxmlformats.org/drawingml/2006/main" xmlns:r="http://schemas.openxmlformats.org/officeDocument/2006/relationships" xmlns:p="http://schemas.openxmlformats.org/presentationml/2006/main">
+  <p:cSld>
+    <p:spTree>
+      <p:nvGrpSpPr>
+        <p:cNvPr id="1" name=""/>
+        <p:cNvGrpSpPr/>
+        <p:nvPr/>
+      </p:nvGrpSpPr>
+      <p:grpSpPr>
+        <a:xfrm>
+          <a:off x="0" y="0"/>
+          <a:ext cx="0" cy="0"/>
+          <a:chOff x="0" y="0"/>
+          <a:chExt cx="0" cy="0"/>
+        </a:xfrm>
+      </p:grpSpPr>
+    </p:spTree>
+    <p:extLst>
+      <p:ext uri="{BB962C8B-B14F-4D97-AF65-F5344CB8AC3E}">
+        <p14:creationId xmlns:p14="http://schemas.microsoft.com/office/powerpoint/2010/main" val="1659701161"/>
+      </p:ext>
+    </p:extLst>
+  </p:cSld>
+  <p:clrMapOvr>
+    <a:masterClrMapping/>
+  </p:clrMapOvr>
+</p:sld>
+</file>
+
+<file path=ppt/slides/slide15.xml><?xml version="1.0" encoding="utf-8"?>
+<p:sld xmlns:a="http://schemas.openxmlformats.org/drawingml/2006/main" xmlns:r="http://schemas.openxmlformats.org/officeDocument/2006/relationships" xmlns:p="http://schemas.openxmlformats.org/presentationml/2006/main">
+  <p:cSld>
+    <p:spTree>
+      <p:nvGrpSpPr>
+        <p:cNvPr id="1" name=""/>
+        <p:cNvGrpSpPr/>
+        <p:nvPr/>
+      </p:nvGrpSpPr>
+      <p:grpSpPr>
+        <a:xfrm>
+          <a:off x="0" y="0"/>
+          <a:ext cx="0" cy="0"/>
+          <a:chOff x="0" y="0"/>
+          <a:chExt cx="0" cy="0"/>
+        </a:xfrm>
+      </p:grpSpPr>
+      <p:sp>
+        <p:nvSpPr>
+          <p:cNvPr id="2" name="Title 1"/>
+          <p:cNvSpPr>
+            <a:spLocks noGrp="1"/>
+          </p:cNvSpPr>
+          <p:nvPr>
+            <p:ph type="title"/>
+          </p:nvPr>
+        </p:nvSpPr>
+        <p:spPr/>
+        <p:txBody>
+          <a:bodyPr/>
+          <a:lstStyle/>
+          <a:p>
+            <a:r>
+              <a:rPr lang="en-US" dirty="0" smtClean="0"/>
+              <a:t>Vagrant at Face </a:t>
+            </a:r>
+            <a:r>
+              <a:rPr lang="en-US" dirty="0"/>
+              <a:t>V</a:t>
+            </a:r>
+            <a:r>
+              <a:rPr lang="en-US" dirty="0" smtClean="0"/>
+              <a:t>alue</a:t>
+            </a:r>
+            <a:endParaRPr lang="en-US" dirty="0"/>
+          </a:p>
+        </p:txBody>
+      </p:sp>
+      <p:sp>
+        <p:nvSpPr>
+          <p:cNvPr id="3" name="Content Placeholder 2"/>
+          <p:cNvSpPr>
+            <a:spLocks noGrp="1"/>
+          </p:cNvSpPr>
+          <p:nvPr>
+            <p:ph idx="1"/>
+          </p:nvPr>
+        </p:nvSpPr>
+        <p:spPr/>
+        <p:txBody>
+          <a:bodyPr/>
+          <a:lstStyle/>
+          <a:p>
+            <a:r>
+              <a:rPr lang="en-US" dirty="0" smtClean="0"/>
+              <a:t>We built up a quick, simple development environment for an application developer, operations person or security expert</a:t>
+            </a:r>
+          </a:p>
+          <a:p>
+            <a:r>
+              <a:rPr lang="en-US" dirty="0" smtClean="0"/>
+              <a:t>We streamlined onboarding of new developers and new applications by creating a repeatable consumable artifact</a:t>
+            </a:r>
+          </a:p>
+          <a:p>
+            <a:r>
+              <a:rPr lang="en-US" dirty="0" smtClean="0"/>
+              <a:t>Enabled Operations and Security to set standards by building ‘box’ files that can be used as part of development </a:t>
+            </a:r>
+          </a:p>
+          <a:p>
+            <a:endParaRPr lang="en-US" dirty="0"/>
+          </a:p>
+        </p:txBody>
+      </p:sp>
+      <p:pic>
+        <p:nvPicPr>
+          <p:cNvPr id="4" name="Picture 3"/>
+          <p:cNvPicPr>
+            <a:picLocks noChangeAspect="1"/>
+          </p:cNvPicPr>
+          <p:nvPr/>
+        </p:nvPicPr>
+        <p:blipFill>
+          <a:blip r:embed="rId3">
+            <a:extLst>
+              <a:ext uri="{28A0092B-C50C-407E-A947-70E740481C1C}">
+                <a14:useLocalDpi xmlns:a14="http://schemas.microsoft.com/office/drawing/2010/main" val="0"/>
+              </a:ext>
+            </a:extLst>
+          </a:blip>
+          <a:stretch>
+            <a:fillRect/>
+          </a:stretch>
+        </p:blipFill>
+        <p:spPr>
+          <a:xfrm>
+            <a:off x="10426700" y="4777550"/>
+            <a:ext cx="1588049" cy="1936645"/>
+          </a:xfrm>
+          <a:prstGeom prst="rect">
+            <a:avLst/>
+          </a:prstGeom>
+        </p:spPr>
+      </p:pic>
+    </p:spTree>
+    <p:extLst>
+      <p:ext uri="{BB962C8B-B14F-4D97-AF65-F5344CB8AC3E}">
+        <p14:creationId xmlns:p14="http://schemas.microsoft.com/office/powerpoint/2010/main" val="1495904996"/>
+      </p:ext>
+    </p:extLst>
+  </p:cSld>
+  <p:clrMapOvr>
+    <a:masterClrMapping/>
+  </p:clrMapOvr>
+</p:sld>
+</file>
+
+<file path=ppt/slides/slide16.xml><?xml version="1.0" encoding="utf-8"?>
+<p:sld xmlns:a="http://schemas.openxmlformats.org/drawingml/2006/main" xmlns:r="http://schemas.openxmlformats.org/officeDocument/2006/relationships" xmlns:p="http://schemas.openxmlformats.org/presentationml/2006/main">
+  <p:cSld>
+    <p:spTree>
+      <p:nvGrpSpPr>
+        <p:cNvPr id="1" name=""/>
+        <p:cNvGrpSpPr/>
+        <p:nvPr/>
+      </p:nvGrpSpPr>
+      <p:grpSpPr>
+        <a:xfrm>
+          <a:off x="0" y="0"/>
+          <a:ext cx="0" cy="0"/>
+          <a:chOff x="0" y="0"/>
+          <a:chExt cx="0" cy="0"/>
+        </a:xfrm>
+      </p:grpSpPr>
+      <p:sp>
+        <p:nvSpPr>
+          <p:cNvPr id="2" name="Title 1"/>
+          <p:cNvSpPr>
+            <a:spLocks noGrp="1"/>
+          </p:cNvSpPr>
+          <p:nvPr>
+            <p:ph type="title"/>
+          </p:nvPr>
+        </p:nvSpPr>
+        <p:spPr/>
+        <p:txBody>
+          <a:bodyPr/>
+          <a:lstStyle/>
+          <a:p>
+            <a:r>
+              <a:rPr lang="en-US" dirty="0" smtClean="0"/>
+              <a:t>Infrastructure as Code	</a:t>
+            </a:r>
+            <a:endParaRPr lang="en-US" dirty="0"/>
+          </a:p>
+        </p:txBody>
+      </p:sp>
+      <p:sp>
+        <p:nvSpPr>
+          <p:cNvPr id="3" name="Text Placeholder 2"/>
+          <p:cNvSpPr>
+            <a:spLocks noGrp="1"/>
+          </p:cNvSpPr>
+          <p:nvPr>
+            <p:ph type="body" idx="1"/>
+          </p:nvPr>
+        </p:nvSpPr>
+        <p:spPr/>
+        <p:txBody>
+          <a:bodyPr/>
+          <a:lstStyle/>
+          <a:p>
+            <a:r>
+              <a:rPr lang="en-US" dirty="0" smtClean="0"/>
+              <a:t>Iterative, Testable, Repeatable, Consumable</a:t>
+            </a:r>
+            <a:endParaRPr lang="en-US" dirty="0"/>
+          </a:p>
+        </p:txBody>
+      </p:sp>
+    </p:spTree>
+    <p:extLst>
+      <p:ext uri="{BB962C8B-B14F-4D97-AF65-F5344CB8AC3E}">
+        <p14:creationId xmlns:p14="http://schemas.microsoft.com/office/powerpoint/2010/main" val="1962473518"/>
+      </p:ext>
+    </p:extLst>
+  </p:cSld>
+  <p:clrMapOvr>
+    <a:masterClrMapping/>
+  </p:clrMapOvr>
+</p:sld>
+</file>
+
+<file path=ppt/slides/slide17.xml><?xml version="1.0" encoding="utf-8"?>
+<p:sld xmlns:a="http://schemas.openxmlformats.org/drawingml/2006/main" xmlns:r="http://schemas.openxmlformats.org/officeDocument/2006/relationships" xmlns:p="http://schemas.openxmlformats.org/presentationml/2006/main">
+  <p:cSld>
+    <p:spTree>
+      <p:nvGrpSpPr>
+        <p:cNvPr id="1" name=""/>
+        <p:cNvGrpSpPr/>
+        <p:nvPr/>
+      </p:nvGrpSpPr>
+      <p:grpSpPr>
+        <a:xfrm>
+          <a:off x="0" y="0"/>
+          <a:ext cx="0" cy="0"/>
+          <a:chOff x="0" y="0"/>
+          <a:chExt cx="0" cy="0"/>
+        </a:xfrm>
+      </p:grpSpPr>
+      <p:sp>
+        <p:nvSpPr>
+          <p:cNvPr id="2" name="Title 1"/>
+          <p:cNvSpPr>
+            <a:spLocks noGrp="1"/>
+          </p:cNvSpPr>
+          <p:nvPr>
+            <p:ph type="title"/>
+          </p:nvPr>
+        </p:nvSpPr>
+        <p:spPr/>
+        <p:txBody>
+          <a:bodyPr/>
+          <a:lstStyle/>
+          <a:p>
+            <a:r>
+              <a:rPr lang="en-US" dirty="0"/>
+              <a:t>Infrastructure as Code</a:t>
+            </a:r>
+          </a:p>
+        </p:txBody>
+      </p:sp>
+      <p:sp>
+        <p:nvSpPr>
+          <p:cNvPr id="3" name="Content Placeholder 2"/>
+          <p:cNvSpPr>
+            <a:spLocks noGrp="1"/>
+          </p:cNvSpPr>
+          <p:nvPr>
+            <p:ph idx="1"/>
+          </p:nvPr>
+        </p:nvSpPr>
+        <p:spPr/>
+        <p:txBody>
+          <a:bodyPr/>
+          <a:lstStyle/>
+          <a:p>
+            <a:endParaRPr lang="en-US" dirty="0"/>
+          </a:p>
+        </p:txBody>
+      </p:sp>
+    </p:spTree>
+    <p:extLst>
+      <p:ext uri="{BB962C8B-B14F-4D97-AF65-F5344CB8AC3E}">
+        <p14:creationId xmlns:p14="http://schemas.microsoft.com/office/powerpoint/2010/main" val="1477893529"/>
+      </p:ext>
+    </p:extLst>
+  </p:cSld>
+  <p:clrMapOvr>
+    <a:masterClrMapping/>
+  </p:clrMapOvr>
+</p:sld>
+</file>
+
 <file path=ppt/slides/slide2.xml><?xml version="1.0" encoding="utf-8"?>
 <p:sld xmlns:a="http://schemas.openxmlformats.org/drawingml/2006/main" xmlns:r="http://schemas.openxmlformats.org/officeDocument/2006/relationships" xmlns:p="http://schemas.openxmlformats.org/presentationml/2006/main">
   <p:cSld>
@@ -3829,7 +6252,7 @@
         </p:spPr>
         <p:txBody>
           <a:bodyPr>
-            <a:normAutofit fontScale="92500" lnSpcReduction="10000"/>
+            <a:normAutofit lnSpcReduction="10000"/>
           </a:bodyPr>
           <a:lstStyle/>
           <a:p>
@@ -3843,17 +6266,6 @@
             <a:r>
               <a:rPr lang="en-US" dirty="0" smtClean="0"/>
               <a:t>Dev Ops</a:t>
-            </a:r>
-          </a:p>
-          <a:p>
-            <a:pPr lvl="1"/>
-            <a:r>
-              <a:rPr lang="en-US" dirty="0" smtClean="0"/>
-              <a:t>Infrastructure </a:t>
-            </a:r>
-            <a:r>
-              <a:rPr lang="en-US" dirty="0"/>
-              <a:t>as Code</a:t>
             </a:r>
           </a:p>
           <a:p>
@@ -3926,6 +6338,3149 @@
     <p:extLst>
       <p:ext uri="{BB962C8B-B14F-4D97-AF65-F5344CB8AC3E}">
         <p14:creationId xmlns:p14="http://schemas.microsoft.com/office/powerpoint/2010/main" val="3655937095"/>
+      </p:ext>
+    </p:extLst>
+  </p:cSld>
+  <p:clrMapOvr>
+    <a:masterClrMapping/>
+  </p:clrMapOvr>
+</p:sld>
+</file>
+
+<file path=ppt/slides/slide4.xml><?xml version="1.0" encoding="utf-8"?>
+<p:sld xmlns:a="http://schemas.openxmlformats.org/drawingml/2006/main" xmlns:r="http://schemas.openxmlformats.org/officeDocument/2006/relationships" xmlns:p="http://schemas.openxmlformats.org/presentationml/2006/main">
+  <p:cSld>
+    <p:spTree>
+      <p:nvGrpSpPr>
+        <p:cNvPr id="1" name=""/>
+        <p:cNvGrpSpPr/>
+        <p:nvPr/>
+      </p:nvGrpSpPr>
+      <p:grpSpPr>
+        <a:xfrm>
+          <a:off x="0" y="0"/>
+          <a:ext cx="0" cy="0"/>
+          <a:chOff x="0" y="0"/>
+          <a:chExt cx="0" cy="0"/>
+        </a:xfrm>
+      </p:grpSpPr>
+      <p:sp>
+        <p:nvSpPr>
+          <p:cNvPr id="2" name="Title 1"/>
+          <p:cNvSpPr>
+            <a:spLocks noGrp="1"/>
+          </p:cNvSpPr>
+          <p:nvPr>
+            <p:ph type="title"/>
+          </p:nvPr>
+        </p:nvSpPr>
+        <p:spPr/>
+        <p:txBody>
+          <a:bodyPr/>
+          <a:lstStyle/>
+          <a:p>
+            <a:r>
+              <a:rPr lang="en-US" dirty="0" smtClean="0"/>
+              <a:t>What is DevOps	</a:t>
+            </a:r>
+            <a:endParaRPr lang="en-US" dirty="0"/>
+          </a:p>
+        </p:txBody>
+      </p:sp>
+      <p:sp>
+        <p:nvSpPr>
+          <p:cNvPr id="3" name="Text Placeholder 2"/>
+          <p:cNvSpPr>
+            <a:spLocks noGrp="1"/>
+          </p:cNvSpPr>
+          <p:nvPr>
+            <p:ph type="body" idx="1"/>
+          </p:nvPr>
+        </p:nvSpPr>
+        <p:spPr/>
+        <p:txBody>
+          <a:bodyPr/>
+          <a:lstStyle/>
+          <a:p>
+            <a:r>
+              <a:rPr lang="en-US" dirty="0" smtClean="0"/>
+              <a:t>Define the Problem</a:t>
+            </a:r>
+            <a:endParaRPr lang="en-US" dirty="0"/>
+          </a:p>
+        </p:txBody>
+      </p:sp>
+    </p:spTree>
+    <p:extLst>
+      <p:ext uri="{BB962C8B-B14F-4D97-AF65-F5344CB8AC3E}">
+        <p14:creationId xmlns:p14="http://schemas.microsoft.com/office/powerpoint/2010/main" val="118335893"/>
+      </p:ext>
+    </p:extLst>
+  </p:cSld>
+  <p:clrMapOvr>
+    <a:masterClrMapping/>
+  </p:clrMapOvr>
+</p:sld>
+</file>
+
+<file path=ppt/slides/slide5.xml><?xml version="1.0" encoding="utf-8"?>
+<p:sld xmlns:a="http://schemas.openxmlformats.org/drawingml/2006/main" xmlns:r="http://schemas.openxmlformats.org/officeDocument/2006/relationships" xmlns:p="http://schemas.openxmlformats.org/presentationml/2006/main">
+  <p:cSld>
+    <p:spTree>
+      <p:nvGrpSpPr>
+        <p:cNvPr id="1" name=""/>
+        <p:cNvGrpSpPr/>
+        <p:nvPr/>
+      </p:nvGrpSpPr>
+      <p:grpSpPr>
+        <a:xfrm>
+          <a:off x="0" y="0"/>
+          <a:ext cx="0" cy="0"/>
+          <a:chOff x="0" y="0"/>
+          <a:chExt cx="0" cy="0"/>
+        </a:xfrm>
+      </p:grpSpPr>
+      <p:sp>
+        <p:nvSpPr>
+          <p:cNvPr id="2" name="Title 1"/>
+          <p:cNvSpPr>
+            <a:spLocks noGrp="1"/>
+          </p:cNvSpPr>
+          <p:nvPr>
+            <p:ph type="title"/>
+          </p:nvPr>
+        </p:nvSpPr>
+        <p:spPr/>
+        <p:txBody>
+          <a:bodyPr/>
+          <a:lstStyle/>
+          <a:p>
+            <a:r>
+              <a:rPr lang="en-US" dirty="0" smtClean="0"/>
+              <a:t>Traditional Waterfall</a:t>
+            </a:r>
+            <a:endParaRPr lang="en-US" dirty="0"/>
+          </a:p>
+        </p:txBody>
+      </p:sp>
+      <p:grpSp>
+        <p:nvGrpSpPr>
+          <p:cNvPr id="4" name="Group 3"/>
+          <p:cNvGrpSpPr/>
+          <p:nvPr/>
+        </p:nvGrpSpPr>
+        <p:grpSpPr>
+          <a:xfrm>
+            <a:off x="2026307" y="1709685"/>
+            <a:ext cx="897517" cy="1290181"/>
+            <a:chOff x="1164921" y="200416"/>
+            <a:chExt cx="1202498" cy="1728592"/>
+          </a:xfrm>
+        </p:grpSpPr>
+        <p:sp>
+          <p:nvSpPr>
+            <p:cNvPr id="5" name="Triangle 4"/>
+            <p:cNvSpPr/>
+            <p:nvPr/>
+          </p:nvSpPr>
+          <p:spPr>
+            <a:xfrm>
+              <a:off x="1164921" y="989556"/>
+              <a:ext cx="1202498" cy="939452"/>
+            </a:xfrm>
+            <a:prstGeom prst="triangle">
+              <a:avLst/>
+            </a:prstGeom>
+          </p:spPr>
+          <p:style>
+            <a:lnRef idx="2">
+              <a:schemeClr val="accent1">
+                <a:shade val="50000"/>
+              </a:schemeClr>
+            </a:lnRef>
+            <a:fillRef idx="1">
+              <a:schemeClr val="accent1"/>
+            </a:fillRef>
+            <a:effectRef idx="0">
+              <a:schemeClr val="accent1"/>
+            </a:effectRef>
+            <a:fontRef idx="minor">
+              <a:schemeClr val="lt1"/>
+            </a:fontRef>
+          </p:style>
+          <p:txBody>
+            <a:bodyPr rtlCol="0" anchor="ctr"/>
+            <a:lstStyle/>
+            <a:p>
+              <a:pPr algn="ctr"/>
+              <a:endParaRPr lang="en-US"/>
+            </a:p>
+          </p:txBody>
+        </p:sp>
+        <p:sp>
+          <p:nvSpPr>
+            <p:cNvPr id="6" name="Oval 5"/>
+            <p:cNvSpPr/>
+            <p:nvPr/>
+          </p:nvSpPr>
+          <p:spPr>
+            <a:xfrm>
+              <a:off x="1164921" y="200416"/>
+              <a:ext cx="1202498" cy="1139869"/>
+            </a:xfrm>
+            <a:prstGeom prst="ellipse">
+              <a:avLst/>
+            </a:prstGeom>
+          </p:spPr>
+          <p:style>
+            <a:lnRef idx="2">
+              <a:schemeClr val="accent1">
+                <a:shade val="50000"/>
+              </a:schemeClr>
+            </a:lnRef>
+            <a:fillRef idx="1">
+              <a:schemeClr val="accent1"/>
+            </a:fillRef>
+            <a:effectRef idx="0">
+              <a:schemeClr val="accent1"/>
+            </a:effectRef>
+            <a:fontRef idx="minor">
+              <a:schemeClr val="lt1"/>
+            </a:fontRef>
+          </p:style>
+          <p:txBody>
+            <a:bodyPr rtlCol="0" anchor="ctr"/>
+            <a:lstStyle/>
+            <a:p>
+              <a:pPr algn="ctr"/>
+              <a:r>
+                <a:rPr lang="en-US" dirty="0" smtClean="0"/>
+                <a:t>Dev</a:t>
+              </a:r>
+              <a:endParaRPr lang="en-US" dirty="0"/>
+            </a:p>
+          </p:txBody>
+        </p:sp>
+      </p:grpSp>
+      <p:grpSp>
+        <p:nvGrpSpPr>
+          <p:cNvPr id="7" name="Group 6"/>
+          <p:cNvGrpSpPr/>
+          <p:nvPr/>
+        </p:nvGrpSpPr>
+        <p:grpSpPr>
+          <a:xfrm>
+            <a:off x="2026307" y="3588862"/>
+            <a:ext cx="897517" cy="1290181"/>
+            <a:chOff x="1164921" y="200416"/>
+            <a:chExt cx="1202498" cy="1728592"/>
+          </a:xfrm>
+        </p:grpSpPr>
+        <p:sp>
+          <p:nvSpPr>
+            <p:cNvPr id="8" name="Triangle 7"/>
+            <p:cNvSpPr/>
+            <p:nvPr/>
+          </p:nvSpPr>
+          <p:spPr>
+            <a:xfrm>
+              <a:off x="1164921" y="989556"/>
+              <a:ext cx="1202498" cy="939452"/>
+            </a:xfrm>
+            <a:prstGeom prst="triangle">
+              <a:avLst/>
+            </a:prstGeom>
+          </p:spPr>
+          <p:style>
+            <a:lnRef idx="2">
+              <a:schemeClr val="accent1">
+                <a:shade val="50000"/>
+              </a:schemeClr>
+            </a:lnRef>
+            <a:fillRef idx="1">
+              <a:schemeClr val="accent1"/>
+            </a:fillRef>
+            <a:effectRef idx="0">
+              <a:schemeClr val="accent1"/>
+            </a:effectRef>
+            <a:fontRef idx="minor">
+              <a:schemeClr val="lt1"/>
+            </a:fontRef>
+          </p:style>
+          <p:txBody>
+            <a:bodyPr rtlCol="0" anchor="ctr"/>
+            <a:lstStyle/>
+            <a:p>
+              <a:pPr algn="ctr"/>
+              <a:endParaRPr lang="en-US"/>
+            </a:p>
+          </p:txBody>
+        </p:sp>
+        <p:sp>
+          <p:nvSpPr>
+            <p:cNvPr id="9" name="Oval 8"/>
+            <p:cNvSpPr/>
+            <p:nvPr/>
+          </p:nvSpPr>
+          <p:spPr>
+            <a:xfrm>
+              <a:off x="1164921" y="200416"/>
+              <a:ext cx="1202498" cy="1139869"/>
+            </a:xfrm>
+            <a:prstGeom prst="ellipse">
+              <a:avLst/>
+            </a:prstGeom>
+          </p:spPr>
+          <p:style>
+            <a:lnRef idx="2">
+              <a:schemeClr val="accent1">
+                <a:shade val="50000"/>
+              </a:schemeClr>
+            </a:lnRef>
+            <a:fillRef idx="1">
+              <a:schemeClr val="accent1"/>
+            </a:fillRef>
+            <a:effectRef idx="0">
+              <a:schemeClr val="accent1"/>
+            </a:effectRef>
+            <a:fontRef idx="minor">
+              <a:schemeClr val="lt1"/>
+            </a:fontRef>
+          </p:style>
+          <p:txBody>
+            <a:bodyPr rtlCol="0" anchor="ctr"/>
+            <a:lstStyle/>
+            <a:p>
+              <a:pPr algn="ctr"/>
+              <a:r>
+                <a:rPr lang="en-US" dirty="0" smtClean="0"/>
+                <a:t>Ops</a:t>
+              </a:r>
+              <a:endParaRPr lang="en-US" dirty="0"/>
+            </a:p>
+          </p:txBody>
+        </p:sp>
+      </p:grpSp>
+      <p:grpSp>
+        <p:nvGrpSpPr>
+          <p:cNvPr id="10" name="Group 9"/>
+          <p:cNvGrpSpPr/>
+          <p:nvPr/>
+        </p:nvGrpSpPr>
+        <p:grpSpPr>
+          <a:xfrm>
+            <a:off x="2026306" y="5468039"/>
+            <a:ext cx="897517" cy="1290181"/>
+            <a:chOff x="1164921" y="200416"/>
+            <a:chExt cx="1202498" cy="1728592"/>
+          </a:xfrm>
+        </p:grpSpPr>
+        <p:sp>
+          <p:nvSpPr>
+            <p:cNvPr id="11" name="Triangle 10"/>
+            <p:cNvSpPr/>
+            <p:nvPr/>
+          </p:nvSpPr>
+          <p:spPr>
+            <a:xfrm>
+              <a:off x="1164921" y="989556"/>
+              <a:ext cx="1202498" cy="939452"/>
+            </a:xfrm>
+            <a:prstGeom prst="triangle">
+              <a:avLst/>
+            </a:prstGeom>
+          </p:spPr>
+          <p:style>
+            <a:lnRef idx="2">
+              <a:schemeClr val="accent1">
+                <a:shade val="50000"/>
+              </a:schemeClr>
+            </a:lnRef>
+            <a:fillRef idx="1">
+              <a:schemeClr val="accent1"/>
+            </a:fillRef>
+            <a:effectRef idx="0">
+              <a:schemeClr val="accent1"/>
+            </a:effectRef>
+            <a:fontRef idx="minor">
+              <a:schemeClr val="lt1"/>
+            </a:fontRef>
+          </p:style>
+          <p:txBody>
+            <a:bodyPr rtlCol="0" anchor="ctr"/>
+            <a:lstStyle/>
+            <a:p>
+              <a:pPr algn="ctr"/>
+              <a:endParaRPr lang="en-US"/>
+            </a:p>
+          </p:txBody>
+        </p:sp>
+        <p:sp>
+          <p:nvSpPr>
+            <p:cNvPr id="12" name="Oval 11"/>
+            <p:cNvSpPr/>
+            <p:nvPr/>
+          </p:nvSpPr>
+          <p:spPr>
+            <a:xfrm>
+              <a:off x="1164921" y="200416"/>
+              <a:ext cx="1202498" cy="1139869"/>
+            </a:xfrm>
+            <a:prstGeom prst="ellipse">
+              <a:avLst/>
+            </a:prstGeom>
+          </p:spPr>
+          <p:style>
+            <a:lnRef idx="2">
+              <a:schemeClr val="accent1">
+                <a:shade val="50000"/>
+              </a:schemeClr>
+            </a:lnRef>
+            <a:fillRef idx="1">
+              <a:schemeClr val="accent1"/>
+            </a:fillRef>
+            <a:effectRef idx="0">
+              <a:schemeClr val="accent1"/>
+            </a:effectRef>
+            <a:fontRef idx="minor">
+              <a:schemeClr val="lt1"/>
+            </a:fontRef>
+          </p:style>
+          <p:txBody>
+            <a:bodyPr rtlCol="0" anchor="ctr"/>
+            <a:lstStyle/>
+            <a:p>
+              <a:pPr algn="ctr"/>
+              <a:r>
+                <a:rPr lang="en-US" dirty="0" smtClean="0"/>
+                <a:t>Sec</a:t>
+              </a:r>
+              <a:endParaRPr lang="en-US" dirty="0"/>
+            </a:p>
+          </p:txBody>
+        </p:sp>
+      </p:grpSp>
+      <p:sp>
+        <p:nvSpPr>
+          <p:cNvPr id="13" name="Text Placeholder 2"/>
+          <p:cNvSpPr txBox="1">
+            <a:spLocks/>
+          </p:cNvSpPr>
+          <p:nvPr/>
+        </p:nvSpPr>
+        <p:spPr>
+          <a:xfrm>
+            <a:off x="3821795" y="3588862"/>
+            <a:ext cx="6586332" cy="1290181"/>
+          </a:xfrm>
+          <a:prstGeom prst="rect">
+            <a:avLst/>
+          </a:prstGeom>
+          <a:ln>
+            <a:solidFill>
+              <a:schemeClr val="tx1"/>
+            </a:solidFill>
+          </a:ln>
+        </p:spPr>
+        <p:txBody>
+          <a:bodyPr/>
+          <a:lstStyle>
+            <a:lvl1pPr marL="228600" indent="-228600" algn="l" defTabSz="914400" rtl="0" eaLnBrk="1" latinLnBrk="0" hangingPunct="1">
+              <a:lnSpc>
+                <a:spcPct val="90000"/>
+              </a:lnSpc>
+              <a:spcBef>
+                <a:spcPts val="1000"/>
+              </a:spcBef>
+              <a:buFont typeface="Arial" panose="020B0604020202020204" pitchFamily="34" charset="0"/>
+              <a:buChar char="•"/>
+              <a:defRPr sz="2800" kern="1200">
+                <a:solidFill>
+                  <a:schemeClr val="tx1"/>
+                </a:solidFill>
+                <a:latin typeface="+mn-lt"/>
+                <a:ea typeface="+mn-ea"/>
+                <a:cs typeface="+mn-cs"/>
+              </a:defRPr>
+            </a:lvl1pPr>
+            <a:lvl2pPr marL="685800" indent="-228600" algn="l" defTabSz="914400" rtl="0" eaLnBrk="1" latinLnBrk="0" hangingPunct="1">
+              <a:lnSpc>
+                <a:spcPct val="90000"/>
+              </a:lnSpc>
+              <a:spcBef>
+                <a:spcPts val="500"/>
+              </a:spcBef>
+              <a:buFont typeface="Arial" panose="020B0604020202020204" pitchFamily="34" charset="0"/>
+              <a:buChar char="•"/>
+              <a:defRPr sz="2400" kern="1200">
+                <a:solidFill>
+                  <a:schemeClr val="tx1"/>
+                </a:solidFill>
+                <a:latin typeface="+mn-lt"/>
+                <a:ea typeface="+mn-ea"/>
+                <a:cs typeface="+mn-cs"/>
+              </a:defRPr>
+            </a:lvl2pPr>
+            <a:lvl3pPr marL="1143000" indent="-228600" algn="l" defTabSz="914400" rtl="0" eaLnBrk="1" latinLnBrk="0" hangingPunct="1">
+              <a:lnSpc>
+                <a:spcPct val="90000"/>
+              </a:lnSpc>
+              <a:spcBef>
+                <a:spcPts val="500"/>
+              </a:spcBef>
+              <a:buFont typeface="Arial" panose="020B0604020202020204" pitchFamily="34" charset="0"/>
+              <a:buChar char="•"/>
+              <a:defRPr sz="2000" kern="1200">
+                <a:solidFill>
+                  <a:schemeClr val="tx1"/>
+                </a:solidFill>
+                <a:latin typeface="+mn-lt"/>
+                <a:ea typeface="+mn-ea"/>
+                <a:cs typeface="+mn-cs"/>
+              </a:defRPr>
+            </a:lvl3pPr>
+            <a:lvl4pPr marL="1600200" indent="-228600" algn="l" defTabSz="914400" rtl="0" eaLnBrk="1" latinLnBrk="0" hangingPunct="1">
+              <a:lnSpc>
+                <a:spcPct val="90000"/>
+              </a:lnSpc>
+              <a:spcBef>
+                <a:spcPts val="500"/>
+              </a:spcBef>
+              <a:buFont typeface="Arial" panose="020B0604020202020204" pitchFamily="34" charset="0"/>
+              <a:buChar char="•"/>
+              <a:defRPr sz="1800" kern="1200">
+                <a:solidFill>
+                  <a:schemeClr val="tx1"/>
+                </a:solidFill>
+                <a:latin typeface="+mn-lt"/>
+                <a:ea typeface="+mn-ea"/>
+                <a:cs typeface="+mn-cs"/>
+              </a:defRPr>
+            </a:lvl4pPr>
+            <a:lvl5pPr marL="2057400" indent="-228600" algn="l" defTabSz="914400" rtl="0" eaLnBrk="1" latinLnBrk="0" hangingPunct="1">
+              <a:lnSpc>
+                <a:spcPct val="90000"/>
+              </a:lnSpc>
+              <a:spcBef>
+                <a:spcPts val="500"/>
+              </a:spcBef>
+              <a:buFont typeface="Arial" panose="020B0604020202020204" pitchFamily="34" charset="0"/>
+              <a:buChar char="•"/>
+              <a:defRPr sz="1800" kern="1200">
+                <a:solidFill>
+                  <a:schemeClr val="tx1"/>
+                </a:solidFill>
+                <a:latin typeface="+mn-lt"/>
+                <a:ea typeface="+mn-ea"/>
+                <a:cs typeface="+mn-cs"/>
+              </a:defRPr>
+            </a:lvl5pPr>
+            <a:lvl6pPr marL="2514600" indent="-228600" algn="l" defTabSz="914400" rtl="0" eaLnBrk="1" latinLnBrk="0" hangingPunct="1">
+              <a:lnSpc>
+                <a:spcPct val="90000"/>
+              </a:lnSpc>
+              <a:spcBef>
+                <a:spcPts val="500"/>
+              </a:spcBef>
+              <a:buFont typeface="Arial" panose="020B0604020202020204" pitchFamily="34" charset="0"/>
+              <a:buChar char="•"/>
+              <a:defRPr sz="1800" kern="1200">
+                <a:solidFill>
+                  <a:schemeClr val="tx1"/>
+                </a:solidFill>
+                <a:latin typeface="+mn-lt"/>
+                <a:ea typeface="+mn-ea"/>
+                <a:cs typeface="+mn-cs"/>
+              </a:defRPr>
+            </a:lvl6pPr>
+            <a:lvl7pPr marL="2971800" indent="-228600" algn="l" defTabSz="914400" rtl="0" eaLnBrk="1" latinLnBrk="0" hangingPunct="1">
+              <a:lnSpc>
+                <a:spcPct val="90000"/>
+              </a:lnSpc>
+              <a:spcBef>
+                <a:spcPts val="500"/>
+              </a:spcBef>
+              <a:buFont typeface="Arial" panose="020B0604020202020204" pitchFamily="34" charset="0"/>
+              <a:buChar char="•"/>
+              <a:defRPr sz="1800" kern="1200">
+                <a:solidFill>
+                  <a:schemeClr val="tx1"/>
+                </a:solidFill>
+                <a:latin typeface="+mn-lt"/>
+                <a:ea typeface="+mn-ea"/>
+                <a:cs typeface="+mn-cs"/>
+              </a:defRPr>
+            </a:lvl7pPr>
+            <a:lvl8pPr marL="3429000" indent="-228600" algn="l" defTabSz="914400" rtl="0" eaLnBrk="1" latinLnBrk="0" hangingPunct="1">
+              <a:lnSpc>
+                <a:spcPct val="90000"/>
+              </a:lnSpc>
+              <a:spcBef>
+                <a:spcPts val="500"/>
+              </a:spcBef>
+              <a:buFont typeface="Arial" panose="020B0604020202020204" pitchFamily="34" charset="0"/>
+              <a:buChar char="•"/>
+              <a:defRPr sz="1800" kern="1200">
+                <a:solidFill>
+                  <a:schemeClr val="tx1"/>
+                </a:solidFill>
+                <a:latin typeface="+mn-lt"/>
+                <a:ea typeface="+mn-ea"/>
+                <a:cs typeface="+mn-cs"/>
+              </a:defRPr>
+            </a:lvl8pPr>
+            <a:lvl9pPr marL="3886200" indent="-228600" algn="l" defTabSz="914400" rtl="0" eaLnBrk="1" latinLnBrk="0" hangingPunct="1">
+              <a:lnSpc>
+                <a:spcPct val="90000"/>
+              </a:lnSpc>
+              <a:spcBef>
+                <a:spcPts val="500"/>
+              </a:spcBef>
+              <a:buFont typeface="Arial" panose="020B0604020202020204" pitchFamily="34" charset="0"/>
+              <a:buChar char="•"/>
+              <a:defRPr sz="1800" kern="1200">
+                <a:solidFill>
+                  <a:schemeClr val="tx1"/>
+                </a:solidFill>
+                <a:latin typeface="+mn-lt"/>
+                <a:ea typeface="+mn-ea"/>
+                <a:cs typeface="+mn-cs"/>
+              </a:defRPr>
+            </a:lvl9pPr>
+          </a:lstStyle>
+          <a:p>
+            <a:r>
+              <a:rPr lang="en-US" sz="2400" dirty="0" smtClean="0"/>
+              <a:t>Receive run book and package</a:t>
+            </a:r>
+          </a:p>
+          <a:p>
+            <a:r>
+              <a:rPr lang="en-US" sz="2400" dirty="0" smtClean="0"/>
+              <a:t>Build and run infrastructure</a:t>
+            </a:r>
+          </a:p>
+          <a:p>
+            <a:r>
+              <a:rPr lang="en-US" sz="2400" dirty="0" smtClean="0"/>
+              <a:t>Manage deployment</a:t>
+            </a:r>
+            <a:endParaRPr lang="en-US" sz="2400" dirty="0"/>
+          </a:p>
+        </p:txBody>
+      </p:sp>
+      <p:sp>
+        <p:nvSpPr>
+          <p:cNvPr id="14" name="Text Placeholder 2"/>
+          <p:cNvSpPr txBox="1">
+            <a:spLocks/>
+          </p:cNvSpPr>
+          <p:nvPr/>
+        </p:nvSpPr>
+        <p:spPr>
+          <a:xfrm>
+            <a:off x="3821795" y="1862085"/>
+            <a:ext cx="6586332" cy="1290181"/>
+          </a:xfrm>
+          <a:prstGeom prst="rect">
+            <a:avLst/>
+          </a:prstGeom>
+          <a:ln>
+            <a:solidFill>
+              <a:schemeClr val="tx1"/>
+            </a:solidFill>
+          </a:ln>
+        </p:spPr>
+        <p:txBody>
+          <a:bodyPr/>
+          <a:lstStyle>
+            <a:lvl1pPr marL="228600" indent="-228600" algn="l" defTabSz="914400" rtl="0" eaLnBrk="1" latinLnBrk="0" hangingPunct="1">
+              <a:lnSpc>
+                <a:spcPct val="90000"/>
+              </a:lnSpc>
+              <a:spcBef>
+                <a:spcPts val="1000"/>
+              </a:spcBef>
+              <a:buFont typeface="Arial" panose="020B0604020202020204" pitchFamily="34" charset="0"/>
+              <a:buChar char="•"/>
+              <a:defRPr sz="2800" kern="1200">
+                <a:solidFill>
+                  <a:schemeClr val="tx1"/>
+                </a:solidFill>
+                <a:latin typeface="+mn-lt"/>
+                <a:ea typeface="+mn-ea"/>
+                <a:cs typeface="+mn-cs"/>
+              </a:defRPr>
+            </a:lvl1pPr>
+            <a:lvl2pPr marL="685800" indent="-228600" algn="l" defTabSz="914400" rtl="0" eaLnBrk="1" latinLnBrk="0" hangingPunct="1">
+              <a:lnSpc>
+                <a:spcPct val="90000"/>
+              </a:lnSpc>
+              <a:spcBef>
+                <a:spcPts val="500"/>
+              </a:spcBef>
+              <a:buFont typeface="Arial" panose="020B0604020202020204" pitchFamily="34" charset="0"/>
+              <a:buChar char="•"/>
+              <a:defRPr sz="2400" kern="1200">
+                <a:solidFill>
+                  <a:schemeClr val="tx1"/>
+                </a:solidFill>
+                <a:latin typeface="+mn-lt"/>
+                <a:ea typeface="+mn-ea"/>
+                <a:cs typeface="+mn-cs"/>
+              </a:defRPr>
+            </a:lvl2pPr>
+            <a:lvl3pPr marL="1143000" indent="-228600" algn="l" defTabSz="914400" rtl="0" eaLnBrk="1" latinLnBrk="0" hangingPunct="1">
+              <a:lnSpc>
+                <a:spcPct val="90000"/>
+              </a:lnSpc>
+              <a:spcBef>
+                <a:spcPts val="500"/>
+              </a:spcBef>
+              <a:buFont typeface="Arial" panose="020B0604020202020204" pitchFamily="34" charset="0"/>
+              <a:buChar char="•"/>
+              <a:defRPr sz="2000" kern="1200">
+                <a:solidFill>
+                  <a:schemeClr val="tx1"/>
+                </a:solidFill>
+                <a:latin typeface="+mn-lt"/>
+                <a:ea typeface="+mn-ea"/>
+                <a:cs typeface="+mn-cs"/>
+              </a:defRPr>
+            </a:lvl3pPr>
+            <a:lvl4pPr marL="1600200" indent="-228600" algn="l" defTabSz="914400" rtl="0" eaLnBrk="1" latinLnBrk="0" hangingPunct="1">
+              <a:lnSpc>
+                <a:spcPct val="90000"/>
+              </a:lnSpc>
+              <a:spcBef>
+                <a:spcPts val="500"/>
+              </a:spcBef>
+              <a:buFont typeface="Arial" panose="020B0604020202020204" pitchFamily="34" charset="0"/>
+              <a:buChar char="•"/>
+              <a:defRPr sz="1800" kern="1200">
+                <a:solidFill>
+                  <a:schemeClr val="tx1"/>
+                </a:solidFill>
+                <a:latin typeface="+mn-lt"/>
+                <a:ea typeface="+mn-ea"/>
+                <a:cs typeface="+mn-cs"/>
+              </a:defRPr>
+            </a:lvl4pPr>
+            <a:lvl5pPr marL="2057400" indent="-228600" algn="l" defTabSz="914400" rtl="0" eaLnBrk="1" latinLnBrk="0" hangingPunct="1">
+              <a:lnSpc>
+                <a:spcPct val="90000"/>
+              </a:lnSpc>
+              <a:spcBef>
+                <a:spcPts val="500"/>
+              </a:spcBef>
+              <a:buFont typeface="Arial" panose="020B0604020202020204" pitchFamily="34" charset="0"/>
+              <a:buChar char="•"/>
+              <a:defRPr sz="1800" kern="1200">
+                <a:solidFill>
+                  <a:schemeClr val="tx1"/>
+                </a:solidFill>
+                <a:latin typeface="+mn-lt"/>
+                <a:ea typeface="+mn-ea"/>
+                <a:cs typeface="+mn-cs"/>
+              </a:defRPr>
+            </a:lvl5pPr>
+            <a:lvl6pPr marL="2514600" indent="-228600" algn="l" defTabSz="914400" rtl="0" eaLnBrk="1" latinLnBrk="0" hangingPunct="1">
+              <a:lnSpc>
+                <a:spcPct val="90000"/>
+              </a:lnSpc>
+              <a:spcBef>
+                <a:spcPts val="500"/>
+              </a:spcBef>
+              <a:buFont typeface="Arial" panose="020B0604020202020204" pitchFamily="34" charset="0"/>
+              <a:buChar char="•"/>
+              <a:defRPr sz="1800" kern="1200">
+                <a:solidFill>
+                  <a:schemeClr val="tx1"/>
+                </a:solidFill>
+                <a:latin typeface="+mn-lt"/>
+                <a:ea typeface="+mn-ea"/>
+                <a:cs typeface="+mn-cs"/>
+              </a:defRPr>
+            </a:lvl6pPr>
+            <a:lvl7pPr marL="2971800" indent="-228600" algn="l" defTabSz="914400" rtl="0" eaLnBrk="1" latinLnBrk="0" hangingPunct="1">
+              <a:lnSpc>
+                <a:spcPct val="90000"/>
+              </a:lnSpc>
+              <a:spcBef>
+                <a:spcPts val="500"/>
+              </a:spcBef>
+              <a:buFont typeface="Arial" panose="020B0604020202020204" pitchFamily="34" charset="0"/>
+              <a:buChar char="•"/>
+              <a:defRPr sz="1800" kern="1200">
+                <a:solidFill>
+                  <a:schemeClr val="tx1"/>
+                </a:solidFill>
+                <a:latin typeface="+mn-lt"/>
+                <a:ea typeface="+mn-ea"/>
+                <a:cs typeface="+mn-cs"/>
+              </a:defRPr>
+            </a:lvl7pPr>
+            <a:lvl8pPr marL="3429000" indent="-228600" algn="l" defTabSz="914400" rtl="0" eaLnBrk="1" latinLnBrk="0" hangingPunct="1">
+              <a:lnSpc>
+                <a:spcPct val="90000"/>
+              </a:lnSpc>
+              <a:spcBef>
+                <a:spcPts val="500"/>
+              </a:spcBef>
+              <a:buFont typeface="Arial" panose="020B0604020202020204" pitchFamily="34" charset="0"/>
+              <a:buChar char="•"/>
+              <a:defRPr sz="1800" kern="1200">
+                <a:solidFill>
+                  <a:schemeClr val="tx1"/>
+                </a:solidFill>
+                <a:latin typeface="+mn-lt"/>
+                <a:ea typeface="+mn-ea"/>
+                <a:cs typeface="+mn-cs"/>
+              </a:defRPr>
+            </a:lvl8pPr>
+            <a:lvl9pPr marL="3886200" indent="-228600" algn="l" defTabSz="914400" rtl="0" eaLnBrk="1" latinLnBrk="0" hangingPunct="1">
+              <a:lnSpc>
+                <a:spcPct val="90000"/>
+              </a:lnSpc>
+              <a:spcBef>
+                <a:spcPts val="500"/>
+              </a:spcBef>
+              <a:buFont typeface="Arial" panose="020B0604020202020204" pitchFamily="34" charset="0"/>
+              <a:buChar char="•"/>
+              <a:defRPr sz="1800" kern="1200">
+                <a:solidFill>
+                  <a:schemeClr val="tx1"/>
+                </a:solidFill>
+                <a:latin typeface="+mn-lt"/>
+                <a:ea typeface="+mn-ea"/>
+                <a:cs typeface="+mn-cs"/>
+              </a:defRPr>
+            </a:lvl9pPr>
+          </a:lstStyle>
+          <a:p>
+            <a:r>
+              <a:rPr lang="en-US" sz="2400" dirty="0" smtClean="0"/>
+              <a:t>Receive and scope requirements</a:t>
+            </a:r>
+          </a:p>
+          <a:p>
+            <a:r>
+              <a:rPr lang="en-US" sz="2400" dirty="0" smtClean="0"/>
+              <a:t>Build application</a:t>
+            </a:r>
+          </a:p>
+          <a:p>
+            <a:r>
+              <a:rPr lang="en-US" sz="2400" dirty="0" smtClean="0"/>
+              <a:t>Write run book requirements</a:t>
+            </a:r>
+          </a:p>
+          <a:p>
+            <a:endParaRPr lang="en-US" sz="2400" dirty="0"/>
+          </a:p>
+        </p:txBody>
+      </p:sp>
+      <p:sp>
+        <p:nvSpPr>
+          <p:cNvPr id="15" name="Text Placeholder 2"/>
+          <p:cNvSpPr txBox="1">
+            <a:spLocks/>
+          </p:cNvSpPr>
+          <p:nvPr/>
+        </p:nvSpPr>
+        <p:spPr>
+          <a:xfrm>
+            <a:off x="3821795" y="5480507"/>
+            <a:ext cx="6586332" cy="1290181"/>
+          </a:xfrm>
+          <a:prstGeom prst="rect">
+            <a:avLst/>
+          </a:prstGeom>
+          <a:ln>
+            <a:solidFill>
+              <a:schemeClr val="tx1"/>
+            </a:solidFill>
+          </a:ln>
+        </p:spPr>
+        <p:txBody>
+          <a:bodyPr/>
+          <a:lstStyle>
+            <a:lvl1pPr marL="228600" indent="-228600" algn="l" defTabSz="914400" rtl="0" eaLnBrk="1" latinLnBrk="0" hangingPunct="1">
+              <a:lnSpc>
+                <a:spcPct val="90000"/>
+              </a:lnSpc>
+              <a:spcBef>
+                <a:spcPts val="1000"/>
+              </a:spcBef>
+              <a:buFont typeface="Arial" panose="020B0604020202020204" pitchFamily="34" charset="0"/>
+              <a:buChar char="•"/>
+              <a:defRPr sz="2800" kern="1200">
+                <a:solidFill>
+                  <a:schemeClr val="tx1"/>
+                </a:solidFill>
+                <a:latin typeface="+mn-lt"/>
+                <a:ea typeface="+mn-ea"/>
+                <a:cs typeface="+mn-cs"/>
+              </a:defRPr>
+            </a:lvl1pPr>
+            <a:lvl2pPr marL="685800" indent="-228600" algn="l" defTabSz="914400" rtl="0" eaLnBrk="1" latinLnBrk="0" hangingPunct="1">
+              <a:lnSpc>
+                <a:spcPct val="90000"/>
+              </a:lnSpc>
+              <a:spcBef>
+                <a:spcPts val="500"/>
+              </a:spcBef>
+              <a:buFont typeface="Arial" panose="020B0604020202020204" pitchFamily="34" charset="0"/>
+              <a:buChar char="•"/>
+              <a:defRPr sz="2400" kern="1200">
+                <a:solidFill>
+                  <a:schemeClr val="tx1"/>
+                </a:solidFill>
+                <a:latin typeface="+mn-lt"/>
+                <a:ea typeface="+mn-ea"/>
+                <a:cs typeface="+mn-cs"/>
+              </a:defRPr>
+            </a:lvl2pPr>
+            <a:lvl3pPr marL="1143000" indent="-228600" algn="l" defTabSz="914400" rtl="0" eaLnBrk="1" latinLnBrk="0" hangingPunct="1">
+              <a:lnSpc>
+                <a:spcPct val="90000"/>
+              </a:lnSpc>
+              <a:spcBef>
+                <a:spcPts val="500"/>
+              </a:spcBef>
+              <a:buFont typeface="Arial" panose="020B0604020202020204" pitchFamily="34" charset="0"/>
+              <a:buChar char="•"/>
+              <a:defRPr sz="2000" kern="1200">
+                <a:solidFill>
+                  <a:schemeClr val="tx1"/>
+                </a:solidFill>
+                <a:latin typeface="+mn-lt"/>
+                <a:ea typeface="+mn-ea"/>
+                <a:cs typeface="+mn-cs"/>
+              </a:defRPr>
+            </a:lvl3pPr>
+            <a:lvl4pPr marL="1600200" indent="-228600" algn="l" defTabSz="914400" rtl="0" eaLnBrk="1" latinLnBrk="0" hangingPunct="1">
+              <a:lnSpc>
+                <a:spcPct val="90000"/>
+              </a:lnSpc>
+              <a:spcBef>
+                <a:spcPts val="500"/>
+              </a:spcBef>
+              <a:buFont typeface="Arial" panose="020B0604020202020204" pitchFamily="34" charset="0"/>
+              <a:buChar char="•"/>
+              <a:defRPr sz="1800" kern="1200">
+                <a:solidFill>
+                  <a:schemeClr val="tx1"/>
+                </a:solidFill>
+                <a:latin typeface="+mn-lt"/>
+                <a:ea typeface="+mn-ea"/>
+                <a:cs typeface="+mn-cs"/>
+              </a:defRPr>
+            </a:lvl4pPr>
+            <a:lvl5pPr marL="2057400" indent="-228600" algn="l" defTabSz="914400" rtl="0" eaLnBrk="1" latinLnBrk="0" hangingPunct="1">
+              <a:lnSpc>
+                <a:spcPct val="90000"/>
+              </a:lnSpc>
+              <a:spcBef>
+                <a:spcPts val="500"/>
+              </a:spcBef>
+              <a:buFont typeface="Arial" panose="020B0604020202020204" pitchFamily="34" charset="0"/>
+              <a:buChar char="•"/>
+              <a:defRPr sz="1800" kern="1200">
+                <a:solidFill>
+                  <a:schemeClr val="tx1"/>
+                </a:solidFill>
+                <a:latin typeface="+mn-lt"/>
+                <a:ea typeface="+mn-ea"/>
+                <a:cs typeface="+mn-cs"/>
+              </a:defRPr>
+            </a:lvl5pPr>
+            <a:lvl6pPr marL="2514600" indent="-228600" algn="l" defTabSz="914400" rtl="0" eaLnBrk="1" latinLnBrk="0" hangingPunct="1">
+              <a:lnSpc>
+                <a:spcPct val="90000"/>
+              </a:lnSpc>
+              <a:spcBef>
+                <a:spcPts val="500"/>
+              </a:spcBef>
+              <a:buFont typeface="Arial" panose="020B0604020202020204" pitchFamily="34" charset="0"/>
+              <a:buChar char="•"/>
+              <a:defRPr sz="1800" kern="1200">
+                <a:solidFill>
+                  <a:schemeClr val="tx1"/>
+                </a:solidFill>
+                <a:latin typeface="+mn-lt"/>
+                <a:ea typeface="+mn-ea"/>
+                <a:cs typeface="+mn-cs"/>
+              </a:defRPr>
+            </a:lvl6pPr>
+            <a:lvl7pPr marL="2971800" indent="-228600" algn="l" defTabSz="914400" rtl="0" eaLnBrk="1" latinLnBrk="0" hangingPunct="1">
+              <a:lnSpc>
+                <a:spcPct val="90000"/>
+              </a:lnSpc>
+              <a:spcBef>
+                <a:spcPts val="500"/>
+              </a:spcBef>
+              <a:buFont typeface="Arial" panose="020B0604020202020204" pitchFamily="34" charset="0"/>
+              <a:buChar char="•"/>
+              <a:defRPr sz="1800" kern="1200">
+                <a:solidFill>
+                  <a:schemeClr val="tx1"/>
+                </a:solidFill>
+                <a:latin typeface="+mn-lt"/>
+                <a:ea typeface="+mn-ea"/>
+                <a:cs typeface="+mn-cs"/>
+              </a:defRPr>
+            </a:lvl7pPr>
+            <a:lvl8pPr marL="3429000" indent="-228600" algn="l" defTabSz="914400" rtl="0" eaLnBrk="1" latinLnBrk="0" hangingPunct="1">
+              <a:lnSpc>
+                <a:spcPct val="90000"/>
+              </a:lnSpc>
+              <a:spcBef>
+                <a:spcPts val="500"/>
+              </a:spcBef>
+              <a:buFont typeface="Arial" panose="020B0604020202020204" pitchFamily="34" charset="0"/>
+              <a:buChar char="•"/>
+              <a:defRPr sz="1800" kern="1200">
+                <a:solidFill>
+                  <a:schemeClr val="tx1"/>
+                </a:solidFill>
+                <a:latin typeface="+mn-lt"/>
+                <a:ea typeface="+mn-ea"/>
+                <a:cs typeface="+mn-cs"/>
+              </a:defRPr>
+            </a:lvl8pPr>
+            <a:lvl9pPr marL="3886200" indent="-228600" algn="l" defTabSz="914400" rtl="0" eaLnBrk="1" latinLnBrk="0" hangingPunct="1">
+              <a:lnSpc>
+                <a:spcPct val="90000"/>
+              </a:lnSpc>
+              <a:spcBef>
+                <a:spcPts val="500"/>
+              </a:spcBef>
+              <a:buFont typeface="Arial" panose="020B0604020202020204" pitchFamily="34" charset="0"/>
+              <a:buChar char="•"/>
+              <a:defRPr sz="1800" kern="1200">
+                <a:solidFill>
+                  <a:schemeClr val="tx1"/>
+                </a:solidFill>
+                <a:latin typeface="+mn-lt"/>
+                <a:ea typeface="+mn-ea"/>
+                <a:cs typeface="+mn-cs"/>
+              </a:defRPr>
+            </a:lvl9pPr>
+          </a:lstStyle>
+          <a:p>
+            <a:r>
+              <a:rPr lang="en-US" sz="2400" dirty="0" smtClean="0"/>
+              <a:t>Ensure compliance with company requirements</a:t>
+            </a:r>
+          </a:p>
+          <a:p>
+            <a:r>
+              <a:rPr lang="en-US" sz="2400" dirty="0" smtClean="0"/>
+              <a:t>Review that best practices are follow</a:t>
+            </a:r>
+          </a:p>
+          <a:p>
+            <a:r>
+              <a:rPr lang="en-US" sz="2400" dirty="0" smtClean="0"/>
+              <a:t>Scan, report and audit</a:t>
+            </a:r>
+            <a:endParaRPr lang="en-US" sz="2400" dirty="0"/>
+          </a:p>
+        </p:txBody>
+      </p:sp>
+    </p:spTree>
+    <p:extLst>
+      <p:ext uri="{BB962C8B-B14F-4D97-AF65-F5344CB8AC3E}">
+        <p14:creationId xmlns:p14="http://schemas.microsoft.com/office/powerpoint/2010/main" val="1419586562"/>
+      </p:ext>
+    </p:extLst>
+  </p:cSld>
+  <p:clrMapOvr>
+    <a:masterClrMapping/>
+  </p:clrMapOvr>
+</p:sld>
+</file>
+
+<file path=ppt/slides/slide6.xml><?xml version="1.0" encoding="utf-8"?>
+<p:sld xmlns:a="http://schemas.openxmlformats.org/drawingml/2006/main" xmlns:r="http://schemas.openxmlformats.org/officeDocument/2006/relationships" xmlns:p="http://schemas.openxmlformats.org/presentationml/2006/main">
+  <p:cSld>
+    <p:spTree>
+      <p:nvGrpSpPr>
+        <p:cNvPr id="1" name=""/>
+        <p:cNvGrpSpPr/>
+        <p:nvPr/>
+      </p:nvGrpSpPr>
+      <p:grpSpPr>
+        <a:xfrm>
+          <a:off x="0" y="0"/>
+          <a:ext cx="0" cy="0"/>
+          <a:chOff x="0" y="0"/>
+          <a:chExt cx="0" cy="0"/>
+        </a:xfrm>
+      </p:grpSpPr>
+      <p:sp>
+        <p:nvSpPr>
+          <p:cNvPr id="2" name="Title 1"/>
+          <p:cNvSpPr>
+            <a:spLocks noGrp="1"/>
+          </p:cNvSpPr>
+          <p:nvPr>
+            <p:ph type="title"/>
+          </p:nvPr>
+        </p:nvSpPr>
+        <p:spPr/>
+        <p:txBody>
+          <a:bodyPr/>
+          <a:lstStyle/>
+          <a:p>
+            <a:r>
+              <a:rPr lang="en-US" dirty="0" smtClean="0"/>
+              <a:t>Traditional Waterfall</a:t>
+            </a:r>
+            <a:endParaRPr lang="en-US" dirty="0"/>
+          </a:p>
+        </p:txBody>
+      </p:sp>
+      <p:grpSp>
+        <p:nvGrpSpPr>
+          <p:cNvPr id="4" name="Group 3"/>
+          <p:cNvGrpSpPr/>
+          <p:nvPr/>
+        </p:nvGrpSpPr>
+        <p:grpSpPr>
+          <a:xfrm>
+            <a:off x="2026307" y="1709685"/>
+            <a:ext cx="897517" cy="1290181"/>
+            <a:chOff x="1164921" y="200416"/>
+            <a:chExt cx="1202498" cy="1728592"/>
+          </a:xfrm>
+        </p:grpSpPr>
+        <p:sp>
+          <p:nvSpPr>
+            <p:cNvPr id="5" name="Triangle 4"/>
+            <p:cNvSpPr/>
+            <p:nvPr/>
+          </p:nvSpPr>
+          <p:spPr>
+            <a:xfrm>
+              <a:off x="1164921" y="989556"/>
+              <a:ext cx="1202498" cy="939452"/>
+            </a:xfrm>
+            <a:prstGeom prst="triangle">
+              <a:avLst/>
+            </a:prstGeom>
+          </p:spPr>
+          <p:style>
+            <a:lnRef idx="2">
+              <a:schemeClr val="accent1">
+                <a:shade val="50000"/>
+              </a:schemeClr>
+            </a:lnRef>
+            <a:fillRef idx="1">
+              <a:schemeClr val="accent1"/>
+            </a:fillRef>
+            <a:effectRef idx="0">
+              <a:schemeClr val="accent1"/>
+            </a:effectRef>
+            <a:fontRef idx="minor">
+              <a:schemeClr val="lt1"/>
+            </a:fontRef>
+          </p:style>
+          <p:txBody>
+            <a:bodyPr rtlCol="0" anchor="ctr"/>
+            <a:lstStyle/>
+            <a:p>
+              <a:pPr algn="ctr"/>
+              <a:endParaRPr lang="en-US"/>
+            </a:p>
+          </p:txBody>
+        </p:sp>
+        <p:sp>
+          <p:nvSpPr>
+            <p:cNvPr id="6" name="Oval 5"/>
+            <p:cNvSpPr/>
+            <p:nvPr/>
+          </p:nvSpPr>
+          <p:spPr>
+            <a:xfrm>
+              <a:off x="1164921" y="200416"/>
+              <a:ext cx="1202498" cy="1139869"/>
+            </a:xfrm>
+            <a:prstGeom prst="ellipse">
+              <a:avLst/>
+            </a:prstGeom>
+          </p:spPr>
+          <p:style>
+            <a:lnRef idx="2">
+              <a:schemeClr val="accent1">
+                <a:shade val="50000"/>
+              </a:schemeClr>
+            </a:lnRef>
+            <a:fillRef idx="1">
+              <a:schemeClr val="accent1"/>
+            </a:fillRef>
+            <a:effectRef idx="0">
+              <a:schemeClr val="accent1"/>
+            </a:effectRef>
+            <a:fontRef idx="minor">
+              <a:schemeClr val="lt1"/>
+            </a:fontRef>
+          </p:style>
+          <p:txBody>
+            <a:bodyPr rtlCol="0" anchor="ctr"/>
+            <a:lstStyle/>
+            <a:p>
+              <a:pPr algn="ctr"/>
+              <a:r>
+                <a:rPr lang="en-US" dirty="0" smtClean="0"/>
+                <a:t>Dev</a:t>
+              </a:r>
+              <a:endParaRPr lang="en-US" dirty="0"/>
+            </a:p>
+          </p:txBody>
+        </p:sp>
+      </p:grpSp>
+      <p:grpSp>
+        <p:nvGrpSpPr>
+          <p:cNvPr id="7" name="Group 6"/>
+          <p:cNvGrpSpPr/>
+          <p:nvPr/>
+        </p:nvGrpSpPr>
+        <p:grpSpPr>
+          <a:xfrm>
+            <a:off x="2026307" y="3588862"/>
+            <a:ext cx="897517" cy="1290181"/>
+            <a:chOff x="1164921" y="200416"/>
+            <a:chExt cx="1202498" cy="1728592"/>
+          </a:xfrm>
+        </p:grpSpPr>
+        <p:sp>
+          <p:nvSpPr>
+            <p:cNvPr id="8" name="Triangle 7"/>
+            <p:cNvSpPr/>
+            <p:nvPr/>
+          </p:nvSpPr>
+          <p:spPr>
+            <a:xfrm>
+              <a:off x="1164921" y="989556"/>
+              <a:ext cx="1202498" cy="939452"/>
+            </a:xfrm>
+            <a:prstGeom prst="triangle">
+              <a:avLst/>
+            </a:prstGeom>
+          </p:spPr>
+          <p:style>
+            <a:lnRef idx="2">
+              <a:schemeClr val="accent1">
+                <a:shade val="50000"/>
+              </a:schemeClr>
+            </a:lnRef>
+            <a:fillRef idx="1">
+              <a:schemeClr val="accent1"/>
+            </a:fillRef>
+            <a:effectRef idx="0">
+              <a:schemeClr val="accent1"/>
+            </a:effectRef>
+            <a:fontRef idx="minor">
+              <a:schemeClr val="lt1"/>
+            </a:fontRef>
+          </p:style>
+          <p:txBody>
+            <a:bodyPr rtlCol="0" anchor="ctr"/>
+            <a:lstStyle/>
+            <a:p>
+              <a:pPr algn="ctr"/>
+              <a:endParaRPr lang="en-US"/>
+            </a:p>
+          </p:txBody>
+        </p:sp>
+        <p:sp>
+          <p:nvSpPr>
+            <p:cNvPr id="9" name="Oval 8"/>
+            <p:cNvSpPr/>
+            <p:nvPr/>
+          </p:nvSpPr>
+          <p:spPr>
+            <a:xfrm>
+              <a:off x="1164921" y="200416"/>
+              <a:ext cx="1202498" cy="1139869"/>
+            </a:xfrm>
+            <a:prstGeom prst="ellipse">
+              <a:avLst/>
+            </a:prstGeom>
+          </p:spPr>
+          <p:style>
+            <a:lnRef idx="2">
+              <a:schemeClr val="accent1">
+                <a:shade val="50000"/>
+              </a:schemeClr>
+            </a:lnRef>
+            <a:fillRef idx="1">
+              <a:schemeClr val="accent1"/>
+            </a:fillRef>
+            <a:effectRef idx="0">
+              <a:schemeClr val="accent1"/>
+            </a:effectRef>
+            <a:fontRef idx="minor">
+              <a:schemeClr val="lt1"/>
+            </a:fontRef>
+          </p:style>
+          <p:txBody>
+            <a:bodyPr rtlCol="0" anchor="ctr"/>
+            <a:lstStyle/>
+            <a:p>
+              <a:pPr algn="ctr"/>
+              <a:r>
+                <a:rPr lang="en-US" dirty="0" smtClean="0"/>
+                <a:t>Ops</a:t>
+              </a:r>
+              <a:endParaRPr lang="en-US" dirty="0"/>
+            </a:p>
+          </p:txBody>
+        </p:sp>
+      </p:grpSp>
+      <p:grpSp>
+        <p:nvGrpSpPr>
+          <p:cNvPr id="10" name="Group 9"/>
+          <p:cNvGrpSpPr/>
+          <p:nvPr/>
+        </p:nvGrpSpPr>
+        <p:grpSpPr>
+          <a:xfrm>
+            <a:off x="2026306" y="5468039"/>
+            <a:ext cx="897517" cy="1290181"/>
+            <a:chOff x="1164921" y="200416"/>
+            <a:chExt cx="1202498" cy="1728592"/>
+          </a:xfrm>
+        </p:grpSpPr>
+        <p:sp>
+          <p:nvSpPr>
+            <p:cNvPr id="11" name="Triangle 10"/>
+            <p:cNvSpPr/>
+            <p:nvPr/>
+          </p:nvSpPr>
+          <p:spPr>
+            <a:xfrm>
+              <a:off x="1164921" y="989556"/>
+              <a:ext cx="1202498" cy="939452"/>
+            </a:xfrm>
+            <a:prstGeom prst="triangle">
+              <a:avLst/>
+            </a:prstGeom>
+          </p:spPr>
+          <p:style>
+            <a:lnRef idx="2">
+              <a:schemeClr val="accent1">
+                <a:shade val="50000"/>
+              </a:schemeClr>
+            </a:lnRef>
+            <a:fillRef idx="1">
+              <a:schemeClr val="accent1"/>
+            </a:fillRef>
+            <a:effectRef idx="0">
+              <a:schemeClr val="accent1"/>
+            </a:effectRef>
+            <a:fontRef idx="minor">
+              <a:schemeClr val="lt1"/>
+            </a:fontRef>
+          </p:style>
+          <p:txBody>
+            <a:bodyPr rtlCol="0" anchor="ctr"/>
+            <a:lstStyle/>
+            <a:p>
+              <a:pPr algn="ctr"/>
+              <a:endParaRPr lang="en-US"/>
+            </a:p>
+          </p:txBody>
+        </p:sp>
+        <p:sp>
+          <p:nvSpPr>
+            <p:cNvPr id="12" name="Oval 11"/>
+            <p:cNvSpPr/>
+            <p:nvPr/>
+          </p:nvSpPr>
+          <p:spPr>
+            <a:xfrm>
+              <a:off x="1164921" y="200416"/>
+              <a:ext cx="1202498" cy="1139869"/>
+            </a:xfrm>
+            <a:prstGeom prst="ellipse">
+              <a:avLst/>
+            </a:prstGeom>
+          </p:spPr>
+          <p:style>
+            <a:lnRef idx="2">
+              <a:schemeClr val="accent1">
+                <a:shade val="50000"/>
+              </a:schemeClr>
+            </a:lnRef>
+            <a:fillRef idx="1">
+              <a:schemeClr val="accent1"/>
+            </a:fillRef>
+            <a:effectRef idx="0">
+              <a:schemeClr val="accent1"/>
+            </a:effectRef>
+            <a:fontRef idx="minor">
+              <a:schemeClr val="lt1"/>
+            </a:fontRef>
+          </p:style>
+          <p:txBody>
+            <a:bodyPr rtlCol="0" anchor="ctr"/>
+            <a:lstStyle/>
+            <a:p>
+              <a:pPr algn="ctr"/>
+              <a:r>
+                <a:rPr lang="en-US" dirty="0" smtClean="0"/>
+                <a:t>Sec</a:t>
+              </a:r>
+              <a:endParaRPr lang="en-US" dirty="0"/>
+            </a:p>
+          </p:txBody>
+        </p:sp>
+      </p:grpSp>
+      <p:sp>
+        <p:nvSpPr>
+          <p:cNvPr id="16" name="Bent Arrow 15"/>
+          <p:cNvSpPr/>
+          <p:nvPr/>
+        </p:nvSpPr>
+        <p:spPr>
+          <a:xfrm rot="5400000">
+            <a:off x="4622215" y="1372593"/>
+            <a:ext cx="984292" cy="1658477"/>
+          </a:xfrm>
+          <a:prstGeom prst="bentArrow">
+            <a:avLst>
+              <a:gd name="adj1" fmla="val 26408"/>
+              <a:gd name="adj2" fmla="val 25000"/>
+              <a:gd name="adj3" fmla="val 25000"/>
+              <a:gd name="adj4" fmla="val 43750"/>
+            </a:avLst>
+          </a:prstGeom>
+        </p:spPr>
+        <p:style>
+          <a:lnRef idx="2">
+            <a:schemeClr val="accent1">
+              <a:shade val="50000"/>
+            </a:schemeClr>
+          </a:lnRef>
+          <a:fillRef idx="1">
+            <a:schemeClr val="accent1"/>
+          </a:fillRef>
+          <a:effectRef idx="0">
+            <a:schemeClr val="accent1"/>
+          </a:effectRef>
+          <a:fontRef idx="minor">
+            <a:schemeClr val="lt1"/>
+          </a:fontRef>
+        </p:style>
+        <p:txBody>
+          <a:bodyPr rtlCol="0" anchor="ctr"/>
+          <a:lstStyle/>
+          <a:p>
+            <a:pPr algn="ctr"/>
+            <a:endParaRPr lang="en-US">
+              <a:solidFill>
+                <a:schemeClr val="tx1"/>
+              </a:solidFill>
+            </a:endParaRPr>
+          </a:p>
+        </p:txBody>
+      </p:sp>
+      <p:sp>
+        <p:nvSpPr>
+          <p:cNvPr id="17" name="Bent Arrow 16"/>
+          <p:cNvSpPr/>
+          <p:nvPr/>
+        </p:nvSpPr>
+        <p:spPr>
+          <a:xfrm rot="5400000">
+            <a:off x="4622215" y="3253849"/>
+            <a:ext cx="984292" cy="1658477"/>
+          </a:xfrm>
+          <a:prstGeom prst="bentArrow">
+            <a:avLst>
+              <a:gd name="adj1" fmla="val 26408"/>
+              <a:gd name="adj2" fmla="val 25000"/>
+              <a:gd name="adj3" fmla="val 25000"/>
+              <a:gd name="adj4" fmla="val 43750"/>
+            </a:avLst>
+          </a:prstGeom>
+        </p:spPr>
+        <p:style>
+          <a:lnRef idx="2">
+            <a:schemeClr val="accent1">
+              <a:shade val="50000"/>
+            </a:schemeClr>
+          </a:lnRef>
+          <a:fillRef idx="1">
+            <a:schemeClr val="accent1"/>
+          </a:fillRef>
+          <a:effectRef idx="0">
+            <a:schemeClr val="accent1"/>
+          </a:effectRef>
+          <a:fontRef idx="minor">
+            <a:schemeClr val="lt1"/>
+          </a:fontRef>
+        </p:style>
+        <p:txBody>
+          <a:bodyPr rtlCol="0" anchor="ctr"/>
+          <a:lstStyle/>
+          <a:p>
+            <a:pPr algn="ctr"/>
+            <a:endParaRPr lang="en-US">
+              <a:solidFill>
+                <a:schemeClr val="tx1"/>
+              </a:solidFill>
+            </a:endParaRPr>
+          </a:p>
+        </p:txBody>
+      </p:sp>
+      <p:sp>
+        <p:nvSpPr>
+          <p:cNvPr id="18" name="Bent Arrow 17"/>
+          <p:cNvSpPr/>
+          <p:nvPr/>
+        </p:nvSpPr>
+        <p:spPr>
+          <a:xfrm rot="5400000">
+            <a:off x="4622215" y="5130947"/>
+            <a:ext cx="984292" cy="1658477"/>
+          </a:xfrm>
+          <a:prstGeom prst="bentArrow">
+            <a:avLst>
+              <a:gd name="adj1" fmla="val 26408"/>
+              <a:gd name="adj2" fmla="val 25000"/>
+              <a:gd name="adj3" fmla="val 25000"/>
+              <a:gd name="adj4" fmla="val 43750"/>
+            </a:avLst>
+          </a:prstGeom>
+        </p:spPr>
+        <p:style>
+          <a:lnRef idx="2">
+            <a:schemeClr val="accent1">
+              <a:shade val="50000"/>
+            </a:schemeClr>
+          </a:lnRef>
+          <a:fillRef idx="1">
+            <a:schemeClr val="accent1"/>
+          </a:fillRef>
+          <a:effectRef idx="0">
+            <a:schemeClr val="accent1"/>
+          </a:effectRef>
+          <a:fontRef idx="minor">
+            <a:schemeClr val="lt1"/>
+          </a:fontRef>
+        </p:style>
+        <p:txBody>
+          <a:bodyPr rtlCol="0" anchor="ctr"/>
+          <a:lstStyle/>
+          <a:p>
+            <a:pPr algn="ctr"/>
+            <a:endParaRPr lang="en-US">
+              <a:solidFill>
+                <a:schemeClr val="tx1"/>
+              </a:solidFill>
+            </a:endParaRPr>
+          </a:p>
+        </p:txBody>
+      </p:sp>
+      <p:pic>
+        <p:nvPicPr>
+          <p:cNvPr id="3" name="Picture 2"/>
+          <p:cNvPicPr>
+            <a:picLocks noChangeAspect="1"/>
+          </p:cNvPicPr>
+          <p:nvPr/>
+        </p:nvPicPr>
+        <p:blipFill>
+          <a:blip r:embed="rId2">
+            <a:extLst>
+              <a:ext uri="{28A0092B-C50C-407E-A947-70E740481C1C}">
+                <a14:useLocalDpi xmlns:a14="http://schemas.microsoft.com/office/drawing/2010/main" val="0"/>
+              </a:ext>
+            </a:extLst>
+          </a:blip>
+          <a:stretch>
+            <a:fillRect/>
+          </a:stretch>
+        </p:blipFill>
+        <p:spPr>
+          <a:xfrm>
+            <a:off x="7304898" y="1709685"/>
+            <a:ext cx="1290181" cy="1290181"/>
+          </a:xfrm>
+          <a:prstGeom prst="rect">
+            <a:avLst/>
+          </a:prstGeom>
+        </p:spPr>
+      </p:pic>
+      <p:pic>
+        <p:nvPicPr>
+          <p:cNvPr id="19" name="Picture 18"/>
+          <p:cNvPicPr>
+            <a:picLocks noChangeAspect="1"/>
+          </p:cNvPicPr>
+          <p:nvPr/>
+        </p:nvPicPr>
+        <p:blipFill>
+          <a:blip r:embed="rId3">
+            <a:extLst>
+              <a:ext uri="{28A0092B-C50C-407E-A947-70E740481C1C}">
+                <a14:useLocalDpi xmlns:a14="http://schemas.microsoft.com/office/drawing/2010/main" val="0"/>
+              </a:ext>
+            </a:extLst>
+          </a:blip>
+          <a:stretch>
+            <a:fillRect/>
+          </a:stretch>
+        </p:blipFill>
+        <p:spPr>
+          <a:xfrm>
+            <a:off x="7493687" y="3569865"/>
+            <a:ext cx="1066980" cy="1309178"/>
+          </a:xfrm>
+          <a:prstGeom prst="rect">
+            <a:avLst/>
+          </a:prstGeom>
+        </p:spPr>
+      </p:pic>
+      <p:pic>
+        <p:nvPicPr>
+          <p:cNvPr id="21" name="Picture 20"/>
+          <p:cNvPicPr>
+            <a:picLocks noChangeAspect="1"/>
+          </p:cNvPicPr>
+          <p:nvPr/>
+        </p:nvPicPr>
+        <p:blipFill>
+          <a:blip r:embed="rId2">
+            <a:extLst>
+              <a:ext uri="{28A0092B-C50C-407E-A947-70E740481C1C}">
+                <a14:useLocalDpi xmlns:a14="http://schemas.microsoft.com/office/drawing/2010/main" val="0"/>
+              </a:ext>
+            </a:extLst>
+          </a:blip>
+          <a:stretch>
+            <a:fillRect/>
+          </a:stretch>
+        </p:blipFill>
+        <p:spPr>
+          <a:xfrm>
+            <a:off x="7599620" y="3949692"/>
+            <a:ext cx="700735" cy="700735"/>
+          </a:xfrm>
+          <a:prstGeom prst="rect">
+            <a:avLst/>
+          </a:prstGeom>
+        </p:spPr>
+      </p:pic>
+      <p:pic>
+        <p:nvPicPr>
+          <p:cNvPr id="22" name="Picture 21"/>
+          <p:cNvPicPr>
+            <a:picLocks noChangeAspect="1"/>
+          </p:cNvPicPr>
+          <p:nvPr/>
+        </p:nvPicPr>
+        <p:blipFill>
+          <a:blip r:embed="rId3">
+            <a:extLst>
+              <a:ext uri="{28A0092B-C50C-407E-A947-70E740481C1C}">
+                <a14:useLocalDpi xmlns:a14="http://schemas.microsoft.com/office/drawing/2010/main" val="0"/>
+              </a:ext>
+            </a:extLst>
+          </a:blip>
+          <a:stretch>
+            <a:fillRect/>
+          </a:stretch>
+        </p:blipFill>
+        <p:spPr>
+          <a:xfrm>
+            <a:off x="7423010" y="5238836"/>
+            <a:ext cx="1066980" cy="1309178"/>
+          </a:xfrm>
+          <a:prstGeom prst="rect">
+            <a:avLst/>
+          </a:prstGeom>
+        </p:spPr>
+      </p:pic>
+      <p:pic>
+        <p:nvPicPr>
+          <p:cNvPr id="23" name="Picture 22"/>
+          <p:cNvPicPr>
+            <a:picLocks noChangeAspect="1"/>
+          </p:cNvPicPr>
+          <p:nvPr/>
+        </p:nvPicPr>
+        <p:blipFill>
+          <a:blip r:embed="rId2">
+            <a:extLst>
+              <a:ext uri="{28A0092B-C50C-407E-A947-70E740481C1C}">
+                <a14:useLocalDpi xmlns:a14="http://schemas.microsoft.com/office/drawing/2010/main" val="0"/>
+              </a:ext>
+            </a:extLst>
+          </a:blip>
+          <a:stretch>
+            <a:fillRect/>
+          </a:stretch>
+        </p:blipFill>
+        <p:spPr>
+          <a:xfrm>
+            <a:off x="7528943" y="5618663"/>
+            <a:ext cx="700735" cy="700735"/>
+          </a:xfrm>
+          <a:prstGeom prst="rect">
+            <a:avLst/>
+          </a:prstGeom>
+        </p:spPr>
+      </p:pic>
+      <p:pic>
+        <p:nvPicPr>
+          <p:cNvPr id="20" name="Picture 19"/>
+          <p:cNvPicPr>
+            <a:picLocks noChangeAspect="1"/>
+          </p:cNvPicPr>
+          <p:nvPr/>
+        </p:nvPicPr>
+        <p:blipFill>
+          <a:blip r:embed="rId4">
+            <a:extLst>
+              <a:ext uri="{28A0092B-C50C-407E-A947-70E740481C1C}">
+                <a14:useLocalDpi xmlns:a14="http://schemas.microsoft.com/office/drawing/2010/main" val="0"/>
+              </a:ext>
+            </a:extLst>
+          </a:blip>
+          <a:stretch>
+            <a:fillRect/>
+          </a:stretch>
+        </p:blipFill>
+        <p:spPr>
+          <a:xfrm>
+            <a:off x="7304898" y="5238836"/>
+            <a:ext cx="1309178" cy="1309178"/>
+          </a:xfrm>
+          <a:prstGeom prst="rect">
+            <a:avLst/>
+          </a:prstGeom>
+        </p:spPr>
+      </p:pic>
+    </p:spTree>
+    <p:extLst>
+      <p:ext uri="{BB962C8B-B14F-4D97-AF65-F5344CB8AC3E}">
+        <p14:creationId xmlns:p14="http://schemas.microsoft.com/office/powerpoint/2010/main" val="1546689394"/>
+      </p:ext>
+    </p:extLst>
+  </p:cSld>
+  <p:clrMapOvr>
+    <a:masterClrMapping/>
+  </p:clrMapOvr>
+</p:sld>
+</file>
+
+<file path=ppt/slides/slide7.xml><?xml version="1.0" encoding="utf-8"?>
+<p:sld xmlns:a="http://schemas.openxmlformats.org/drawingml/2006/main" xmlns:r="http://schemas.openxmlformats.org/officeDocument/2006/relationships" xmlns:p="http://schemas.openxmlformats.org/presentationml/2006/main">
+  <p:cSld>
+    <p:spTree>
+      <p:nvGrpSpPr>
+        <p:cNvPr id="1" name=""/>
+        <p:cNvGrpSpPr/>
+        <p:nvPr/>
+      </p:nvGrpSpPr>
+      <p:grpSpPr>
+        <a:xfrm>
+          <a:off x="0" y="0"/>
+          <a:ext cx="0" cy="0"/>
+          <a:chOff x="0" y="0"/>
+          <a:chExt cx="0" cy="0"/>
+        </a:xfrm>
+      </p:grpSpPr>
+      <p:sp>
+        <p:nvSpPr>
+          <p:cNvPr id="2" name="Title 1"/>
+          <p:cNvSpPr>
+            <a:spLocks noGrp="1"/>
+          </p:cNvSpPr>
+          <p:nvPr>
+            <p:ph type="title"/>
+          </p:nvPr>
+        </p:nvSpPr>
+        <p:spPr/>
+        <p:txBody>
+          <a:bodyPr/>
+          <a:lstStyle/>
+          <a:p>
+            <a:r>
+              <a:rPr lang="en-US" dirty="0"/>
+              <a:t>Traditional Waterfall</a:t>
+            </a:r>
+          </a:p>
+        </p:txBody>
+      </p:sp>
+      <p:sp>
+        <p:nvSpPr>
+          <p:cNvPr id="3" name="Content Placeholder 2"/>
+          <p:cNvSpPr>
+            <a:spLocks noGrp="1"/>
+          </p:cNvSpPr>
+          <p:nvPr>
+            <p:ph sz="half" idx="1"/>
+          </p:nvPr>
+        </p:nvSpPr>
+        <p:spPr/>
+        <p:txBody>
+          <a:bodyPr/>
+          <a:lstStyle/>
+          <a:p>
+            <a:r>
+              <a:rPr lang="en-US" dirty="0" smtClean="0"/>
+              <a:t>Pros</a:t>
+            </a:r>
+          </a:p>
+          <a:p>
+            <a:pPr lvl="1"/>
+            <a:r>
+              <a:rPr lang="en-US" dirty="0" smtClean="0"/>
+              <a:t>Prioritizes minimizing risk</a:t>
+            </a:r>
+          </a:p>
+          <a:p>
+            <a:pPr lvl="1"/>
+            <a:r>
+              <a:rPr lang="en-US" dirty="0" smtClean="0"/>
+              <a:t>Adds ‘checkpoints’ to each phase or state in the process</a:t>
+            </a:r>
+          </a:p>
+          <a:p>
+            <a:pPr lvl="1"/>
+            <a:endParaRPr lang="en-US" dirty="0"/>
+          </a:p>
+        </p:txBody>
+      </p:sp>
+      <p:sp>
+        <p:nvSpPr>
+          <p:cNvPr id="4" name="Content Placeholder 3"/>
+          <p:cNvSpPr>
+            <a:spLocks noGrp="1"/>
+          </p:cNvSpPr>
+          <p:nvPr>
+            <p:ph sz="half" idx="2"/>
+          </p:nvPr>
+        </p:nvSpPr>
+        <p:spPr/>
+        <p:txBody>
+          <a:bodyPr/>
+          <a:lstStyle/>
+          <a:p>
+            <a:r>
+              <a:rPr lang="en-US" dirty="0" smtClean="0"/>
+              <a:t>Cons</a:t>
+            </a:r>
+          </a:p>
+          <a:p>
+            <a:pPr lvl="1"/>
+            <a:r>
+              <a:rPr lang="en-US" dirty="0" smtClean="0"/>
+              <a:t>Doesn’t maximize agility</a:t>
+            </a:r>
+          </a:p>
+          <a:p>
+            <a:pPr lvl="1"/>
+            <a:r>
+              <a:rPr lang="en-US" dirty="0" smtClean="0"/>
+              <a:t>Restricts individual autonomy</a:t>
+            </a:r>
+          </a:p>
+          <a:p>
+            <a:pPr lvl="1"/>
+            <a:r>
+              <a:rPr lang="en-US" dirty="0" smtClean="0"/>
+              <a:t>Slows the feedback loop</a:t>
+            </a:r>
+          </a:p>
+          <a:p>
+            <a:pPr lvl="1"/>
+            <a:r>
+              <a:rPr lang="en-US" dirty="0" smtClean="0"/>
+              <a:t>Even minor changes require all teams involvement</a:t>
+            </a:r>
+          </a:p>
+          <a:p>
+            <a:pPr lvl="1"/>
+            <a:endParaRPr lang="en-US" dirty="0" smtClean="0"/>
+          </a:p>
+          <a:p>
+            <a:pPr lvl="1"/>
+            <a:endParaRPr lang="en-US" dirty="0"/>
+          </a:p>
+        </p:txBody>
+      </p:sp>
+    </p:spTree>
+    <p:extLst>
+      <p:ext uri="{BB962C8B-B14F-4D97-AF65-F5344CB8AC3E}">
+        <p14:creationId xmlns:p14="http://schemas.microsoft.com/office/powerpoint/2010/main" val="2025077425"/>
+      </p:ext>
+    </p:extLst>
+  </p:cSld>
+  <p:clrMapOvr>
+    <a:masterClrMapping/>
+  </p:clrMapOvr>
+</p:sld>
+</file>
+
+<file path=ppt/slides/slide8.xml><?xml version="1.0" encoding="utf-8"?>
+<p:sld xmlns:a="http://schemas.openxmlformats.org/drawingml/2006/main" xmlns:r="http://schemas.openxmlformats.org/officeDocument/2006/relationships" xmlns:p="http://schemas.openxmlformats.org/presentationml/2006/main">
+  <p:cSld>
+    <p:spTree>
+      <p:nvGrpSpPr>
+        <p:cNvPr id="1" name=""/>
+        <p:cNvGrpSpPr/>
+        <p:nvPr/>
+      </p:nvGrpSpPr>
+      <p:grpSpPr>
+        <a:xfrm>
+          <a:off x="0" y="0"/>
+          <a:ext cx="0" cy="0"/>
+          <a:chOff x="0" y="0"/>
+          <a:chExt cx="0" cy="0"/>
+        </a:xfrm>
+      </p:grpSpPr>
+      <p:sp>
+        <p:nvSpPr>
+          <p:cNvPr id="2" name="Title 1"/>
+          <p:cNvSpPr>
+            <a:spLocks noGrp="1"/>
+          </p:cNvSpPr>
+          <p:nvPr>
+            <p:ph type="title"/>
+          </p:nvPr>
+        </p:nvSpPr>
+        <p:spPr/>
+        <p:txBody>
+          <a:bodyPr/>
+          <a:lstStyle/>
+          <a:p>
+            <a:r>
+              <a:rPr lang="en-US" dirty="0" smtClean="0"/>
+              <a:t>Dev Ops Defined</a:t>
+            </a:r>
+            <a:endParaRPr lang="en-US" dirty="0"/>
+          </a:p>
+        </p:txBody>
+      </p:sp>
+      <p:grpSp>
+        <p:nvGrpSpPr>
+          <p:cNvPr id="4" name="Group 3"/>
+          <p:cNvGrpSpPr/>
+          <p:nvPr/>
+        </p:nvGrpSpPr>
+        <p:grpSpPr>
+          <a:xfrm>
+            <a:off x="2026307" y="1709685"/>
+            <a:ext cx="897517" cy="1290181"/>
+            <a:chOff x="1164921" y="200416"/>
+            <a:chExt cx="1202498" cy="1728592"/>
+          </a:xfrm>
+        </p:grpSpPr>
+        <p:sp>
+          <p:nvSpPr>
+            <p:cNvPr id="5" name="Triangle 4"/>
+            <p:cNvSpPr/>
+            <p:nvPr/>
+          </p:nvSpPr>
+          <p:spPr>
+            <a:xfrm>
+              <a:off x="1164921" y="989556"/>
+              <a:ext cx="1202498" cy="939452"/>
+            </a:xfrm>
+            <a:prstGeom prst="triangle">
+              <a:avLst/>
+            </a:prstGeom>
+          </p:spPr>
+          <p:style>
+            <a:lnRef idx="2">
+              <a:schemeClr val="accent1">
+                <a:shade val="50000"/>
+              </a:schemeClr>
+            </a:lnRef>
+            <a:fillRef idx="1">
+              <a:schemeClr val="accent1"/>
+            </a:fillRef>
+            <a:effectRef idx="0">
+              <a:schemeClr val="accent1"/>
+            </a:effectRef>
+            <a:fontRef idx="minor">
+              <a:schemeClr val="lt1"/>
+            </a:fontRef>
+          </p:style>
+          <p:txBody>
+            <a:bodyPr rtlCol="0" anchor="ctr"/>
+            <a:lstStyle/>
+            <a:p>
+              <a:pPr algn="ctr"/>
+              <a:endParaRPr lang="en-US"/>
+            </a:p>
+          </p:txBody>
+        </p:sp>
+        <p:sp>
+          <p:nvSpPr>
+            <p:cNvPr id="6" name="Oval 5"/>
+            <p:cNvSpPr/>
+            <p:nvPr/>
+          </p:nvSpPr>
+          <p:spPr>
+            <a:xfrm>
+              <a:off x="1164921" y="200416"/>
+              <a:ext cx="1202498" cy="1139869"/>
+            </a:xfrm>
+            <a:prstGeom prst="ellipse">
+              <a:avLst/>
+            </a:prstGeom>
+          </p:spPr>
+          <p:style>
+            <a:lnRef idx="2">
+              <a:schemeClr val="accent1">
+                <a:shade val="50000"/>
+              </a:schemeClr>
+            </a:lnRef>
+            <a:fillRef idx="1">
+              <a:schemeClr val="accent1"/>
+            </a:fillRef>
+            <a:effectRef idx="0">
+              <a:schemeClr val="accent1"/>
+            </a:effectRef>
+            <a:fontRef idx="minor">
+              <a:schemeClr val="lt1"/>
+            </a:fontRef>
+          </p:style>
+          <p:txBody>
+            <a:bodyPr rtlCol="0" anchor="ctr"/>
+            <a:lstStyle/>
+            <a:p>
+              <a:pPr algn="ctr"/>
+              <a:r>
+                <a:rPr lang="en-US" dirty="0" smtClean="0"/>
+                <a:t>Dev</a:t>
+              </a:r>
+              <a:endParaRPr lang="en-US" dirty="0"/>
+            </a:p>
+          </p:txBody>
+        </p:sp>
+      </p:grpSp>
+      <p:grpSp>
+        <p:nvGrpSpPr>
+          <p:cNvPr id="7" name="Group 6"/>
+          <p:cNvGrpSpPr/>
+          <p:nvPr/>
+        </p:nvGrpSpPr>
+        <p:grpSpPr>
+          <a:xfrm>
+            <a:off x="2026307" y="3588862"/>
+            <a:ext cx="897517" cy="1290181"/>
+            <a:chOff x="1164921" y="200416"/>
+            <a:chExt cx="1202498" cy="1728592"/>
+          </a:xfrm>
+        </p:grpSpPr>
+        <p:sp>
+          <p:nvSpPr>
+            <p:cNvPr id="8" name="Triangle 7"/>
+            <p:cNvSpPr/>
+            <p:nvPr/>
+          </p:nvSpPr>
+          <p:spPr>
+            <a:xfrm>
+              <a:off x="1164921" y="989556"/>
+              <a:ext cx="1202498" cy="939452"/>
+            </a:xfrm>
+            <a:prstGeom prst="triangle">
+              <a:avLst/>
+            </a:prstGeom>
+          </p:spPr>
+          <p:style>
+            <a:lnRef idx="2">
+              <a:schemeClr val="accent1">
+                <a:shade val="50000"/>
+              </a:schemeClr>
+            </a:lnRef>
+            <a:fillRef idx="1">
+              <a:schemeClr val="accent1"/>
+            </a:fillRef>
+            <a:effectRef idx="0">
+              <a:schemeClr val="accent1"/>
+            </a:effectRef>
+            <a:fontRef idx="minor">
+              <a:schemeClr val="lt1"/>
+            </a:fontRef>
+          </p:style>
+          <p:txBody>
+            <a:bodyPr rtlCol="0" anchor="ctr"/>
+            <a:lstStyle/>
+            <a:p>
+              <a:pPr algn="ctr"/>
+              <a:endParaRPr lang="en-US"/>
+            </a:p>
+          </p:txBody>
+        </p:sp>
+        <p:sp>
+          <p:nvSpPr>
+            <p:cNvPr id="9" name="Oval 8"/>
+            <p:cNvSpPr/>
+            <p:nvPr/>
+          </p:nvSpPr>
+          <p:spPr>
+            <a:xfrm>
+              <a:off x="1164921" y="200416"/>
+              <a:ext cx="1202498" cy="1139869"/>
+            </a:xfrm>
+            <a:prstGeom prst="ellipse">
+              <a:avLst/>
+            </a:prstGeom>
+          </p:spPr>
+          <p:style>
+            <a:lnRef idx="2">
+              <a:schemeClr val="accent1">
+                <a:shade val="50000"/>
+              </a:schemeClr>
+            </a:lnRef>
+            <a:fillRef idx="1">
+              <a:schemeClr val="accent1"/>
+            </a:fillRef>
+            <a:effectRef idx="0">
+              <a:schemeClr val="accent1"/>
+            </a:effectRef>
+            <a:fontRef idx="minor">
+              <a:schemeClr val="lt1"/>
+            </a:fontRef>
+          </p:style>
+          <p:txBody>
+            <a:bodyPr rtlCol="0" anchor="ctr"/>
+            <a:lstStyle/>
+            <a:p>
+              <a:pPr algn="ctr"/>
+              <a:r>
+                <a:rPr lang="en-US" dirty="0" smtClean="0"/>
+                <a:t>Ops</a:t>
+              </a:r>
+              <a:endParaRPr lang="en-US" dirty="0"/>
+            </a:p>
+          </p:txBody>
+        </p:sp>
+      </p:grpSp>
+      <p:grpSp>
+        <p:nvGrpSpPr>
+          <p:cNvPr id="10" name="Group 9"/>
+          <p:cNvGrpSpPr/>
+          <p:nvPr/>
+        </p:nvGrpSpPr>
+        <p:grpSpPr>
+          <a:xfrm>
+            <a:off x="2026306" y="5468039"/>
+            <a:ext cx="897517" cy="1290181"/>
+            <a:chOff x="1164921" y="200416"/>
+            <a:chExt cx="1202498" cy="1728592"/>
+          </a:xfrm>
+        </p:grpSpPr>
+        <p:sp>
+          <p:nvSpPr>
+            <p:cNvPr id="11" name="Triangle 10"/>
+            <p:cNvSpPr/>
+            <p:nvPr/>
+          </p:nvSpPr>
+          <p:spPr>
+            <a:xfrm>
+              <a:off x="1164921" y="989556"/>
+              <a:ext cx="1202498" cy="939452"/>
+            </a:xfrm>
+            <a:prstGeom prst="triangle">
+              <a:avLst/>
+            </a:prstGeom>
+          </p:spPr>
+          <p:style>
+            <a:lnRef idx="2">
+              <a:schemeClr val="accent1">
+                <a:shade val="50000"/>
+              </a:schemeClr>
+            </a:lnRef>
+            <a:fillRef idx="1">
+              <a:schemeClr val="accent1"/>
+            </a:fillRef>
+            <a:effectRef idx="0">
+              <a:schemeClr val="accent1"/>
+            </a:effectRef>
+            <a:fontRef idx="minor">
+              <a:schemeClr val="lt1"/>
+            </a:fontRef>
+          </p:style>
+          <p:txBody>
+            <a:bodyPr rtlCol="0" anchor="ctr"/>
+            <a:lstStyle/>
+            <a:p>
+              <a:pPr algn="ctr"/>
+              <a:endParaRPr lang="en-US"/>
+            </a:p>
+          </p:txBody>
+        </p:sp>
+        <p:sp>
+          <p:nvSpPr>
+            <p:cNvPr id="12" name="Oval 11"/>
+            <p:cNvSpPr/>
+            <p:nvPr/>
+          </p:nvSpPr>
+          <p:spPr>
+            <a:xfrm>
+              <a:off x="1164921" y="200416"/>
+              <a:ext cx="1202498" cy="1139869"/>
+            </a:xfrm>
+            <a:prstGeom prst="ellipse">
+              <a:avLst/>
+            </a:prstGeom>
+          </p:spPr>
+          <p:style>
+            <a:lnRef idx="2">
+              <a:schemeClr val="accent1">
+                <a:shade val="50000"/>
+              </a:schemeClr>
+            </a:lnRef>
+            <a:fillRef idx="1">
+              <a:schemeClr val="accent1"/>
+            </a:fillRef>
+            <a:effectRef idx="0">
+              <a:schemeClr val="accent1"/>
+            </a:effectRef>
+            <a:fontRef idx="minor">
+              <a:schemeClr val="lt1"/>
+            </a:fontRef>
+          </p:style>
+          <p:txBody>
+            <a:bodyPr rtlCol="0" anchor="ctr"/>
+            <a:lstStyle/>
+            <a:p>
+              <a:pPr algn="ctr"/>
+              <a:r>
+                <a:rPr lang="en-US" dirty="0" smtClean="0"/>
+                <a:t>Sec</a:t>
+              </a:r>
+              <a:endParaRPr lang="en-US" dirty="0"/>
+            </a:p>
+          </p:txBody>
+        </p:sp>
+      </p:grpSp>
+      <p:sp>
+        <p:nvSpPr>
+          <p:cNvPr id="16" name="Bent Arrow 15"/>
+          <p:cNvSpPr/>
+          <p:nvPr/>
+        </p:nvSpPr>
+        <p:spPr>
+          <a:xfrm rot="5400000">
+            <a:off x="4622215" y="1372593"/>
+            <a:ext cx="984292" cy="1658477"/>
+          </a:xfrm>
+          <a:prstGeom prst="bentArrow">
+            <a:avLst>
+              <a:gd name="adj1" fmla="val 26408"/>
+              <a:gd name="adj2" fmla="val 25000"/>
+              <a:gd name="adj3" fmla="val 25000"/>
+              <a:gd name="adj4" fmla="val 43750"/>
+            </a:avLst>
+          </a:prstGeom>
+        </p:spPr>
+        <p:style>
+          <a:lnRef idx="2">
+            <a:schemeClr val="accent1">
+              <a:shade val="50000"/>
+            </a:schemeClr>
+          </a:lnRef>
+          <a:fillRef idx="1">
+            <a:schemeClr val="accent1"/>
+          </a:fillRef>
+          <a:effectRef idx="0">
+            <a:schemeClr val="accent1"/>
+          </a:effectRef>
+          <a:fontRef idx="minor">
+            <a:schemeClr val="lt1"/>
+          </a:fontRef>
+        </p:style>
+        <p:txBody>
+          <a:bodyPr rtlCol="0" anchor="ctr"/>
+          <a:lstStyle/>
+          <a:p>
+            <a:pPr algn="ctr"/>
+            <a:endParaRPr lang="en-US">
+              <a:solidFill>
+                <a:schemeClr val="tx1"/>
+              </a:solidFill>
+            </a:endParaRPr>
+          </a:p>
+        </p:txBody>
+      </p:sp>
+      <p:sp>
+        <p:nvSpPr>
+          <p:cNvPr id="17" name="Bent Arrow 16"/>
+          <p:cNvSpPr/>
+          <p:nvPr/>
+        </p:nvSpPr>
+        <p:spPr>
+          <a:xfrm rot="5400000">
+            <a:off x="4622215" y="3253849"/>
+            <a:ext cx="984292" cy="1658477"/>
+          </a:xfrm>
+          <a:prstGeom prst="bentArrow">
+            <a:avLst>
+              <a:gd name="adj1" fmla="val 26408"/>
+              <a:gd name="adj2" fmla="val 25000"/>
+              <a:gd name="adj3" fmla="val 25000"/>
+              <a:gd name="adj4" fmla="val 43750"/>
+            </a:avLst>
+          </a:prstGeom>
+        </p:spPr>
+        <p:style>
+          <a:lnRef idx="2">
+            <a:schemeClr val="accent1">
+              <a:shade val="50000"/>
+            </a:schemeClr>
+          </a:lnRef>
+          <a:fillRef idx="1">
+            <a:schemeClr val="accent1"/>
+          </a:fillRef>
+          <a:effectRef idx="0">
+            <a:schemeClr val="accent1"/>
+          </a:effectRef>
+          <a:fontRef idx="minor">
+            <a:schemeClr val="lt1"/>
+          </a:fontRef>
+        </p:style>
+        <p:txBody>
+          <a:bodyPr rtlCol="0" anchor="ctr"/>
+          <a:lstStyle/>
+          <a:p>
+            <a:pPr algn="ctr"/>
+            <a:endParaRPr lang="en-US">
+              <a:solidFill>
+                <a:schemeClr val="tx1"/>
+              </a:solidFill>
+            </a:endParaRPr>
+          </a:p>
+        </p:txBody>
+      </p:sp>
+      <p:sp>
+        <p:nvSpPr>
+          <p:cNvPr id="18" name="Bent Arrow 17"/>
+          <p:cNvSpPr/>
+          <p:nvPr/>
+        </p:nvSpPr>
+        <p:spPr>
+          <a:xfrm rot="5400000">
+            <a:off x="4622215" y="5130947"/>
+            <a:ext cx="984292" cy="1658477"/>
+          </a:xfrm>
+          <a:prstGeom prst="bentArrow">
+            <a:avLst>
+              <a:gd name="adj1" fmla="val 26408"/>
+              <a:gd name="adj2" fmla="val 25000"/>
+              <a:gd name="adj3" fmla="val 25000"/>
+              <a:gd name="adj4" fmla="val 43750"/>
+            </a:avLst>
+          </a:prstGeom>
+        </p:spPr>
+        <p:style>
+          <a:lnRef idx="2">
+            <a:schemeClr val="accent1">
+              <a:shade val="50000"/>
+            </a:schemeClr>
+          </a:lnRef>
+          <a:fillRef idx="1">
+            <a:schemeClr val="accent1"/>
+          </a:fillRef>
+          <a:effectRef idx="0">
+            <a:schemeClr val="accent1"/>
+          </a:effectRef>
+          <a:fontRef idx="minor">
+            <a:schemeClr val="lt1"/>
+          </a:fontRef>
+        </p:style>
+        <p:txBody>
+          <a:bodyPr rtlCol="0" anchor="ctr"/>
+          <a:lstStyle/>
+          <a:p>
+            <a:pPr algn="ctr"/>
+            <a:endParaRPr lang="en-US">
+              <a:solidFill>
+                <a:schemeClr val="tx1"/>
+              </a:solidFill>
+            </a:endParaRPr>
+          </a:p>
+        </p:txBody>
+      </p:sp>
+      <p:pic>
+        <p:nvPicPr>
+          <p:cNvPr id="3" name="Picture 2"/>
+          <p:cNvPicPr>
+            <a:picLocks noChangeAspect="1"/>
+          </p:cNvPicPr>
+          <p:nvPr/>
+        </p:nvPicPr>
+        <p:blipFill>
+          <a:blip r:embed="rId2">
+            <a:extLst>
+              <a:ext uri="{28A0092B-C50C-407E-A947-70E740481C1C}">
+                <a14:useLocalDpi xmlns:a14="http://schemas.microsoft.com/office/drawing/2010/main" val="0"/>
+              </a:ext>
+            </a:extLst>
+          </a:blip>
+          <a:stretch>
+            <a:fillRect/>
+          </a:stretch>
+        </p:blipFill>
+        <p:spPr>
+          <a:xfrm>
+            <a:off x="7304898" y="1709685"/>
+            <a:ext cx="1290181" cy="1290181"/>
+          </a:xfrm>
+          <a:prstGeom prst="rect">
+            <a:avLst/>
+          </a:prstGeom>
+        </p:spPr>
+      </p:pic>
+      <p:pic>
+        <p:nvPicPr>
+          <p:cNvPr id="19" name="Picture 18"/>
+          <p:cNvPicPr>
+            <a:picLocks noChangeAspect="1"/>
+          </p:cNvPicPr>
+          <p:nvPr/>
+        </p:nvPicPr>
+        <p:blipFill>
+          <a:blip r:embed="rId3">
+            <a:extLst>
+              <a:ext uri="{28A0092B-C50C-407E-A947-70E740481C1C}">
+                <a14:useLocalDpi xmlns:a14="http://schemas.microsoft.com/office/drawing/2010/main" val="0"/>
+              </a:ext>
+            </a:extLst>
+          </a:blip>
+          <a:stretch>
+            <a:fillRect/>
+          </a:stretch>
+        </p:blipFill>
+        <p:spPr>
+          <a:xfrm>
+            <a:off x="7493687" y="3569865"/>
+            <a:ext cx="1066980" cy="1309178"/>
+          </a:xfrm>
+          <a:prstGeom prst="rect">
+            <a:avLst/>
+          </a:prstGeom>
+        </p:spPr>
+      </p:pic>
+      <p:pic>
+        <p:nvPicPr>
+          <p:cNvPr id="21" name="Picture 20"/>
+          <p:cNvPicPr>
+            <a:picLocks noChangeAspect="1"/>
+          </p:cNvPicPr>
+          <p:nvPr/>
+        </p:nvPicPr>
+        <p:blipFill>
+          <a:blip r:embed="rId2">
+            <a:extLst>
+              <a:ext uri="{28A0092B-C50C-407E-A947-70E740481C1C}">
+                <a14:useLocalDpi xmlns:a14="http://schemas.microsoft.com/office/drawing/2010/main" val="0"/>
+              </a:ext>
+            </a:extLst>
+          </a:blip>
+          <a:stretch>
+            <a:fillRect/>
+          </a:stretch>
+        </p:blipFill>
+        <p:spPr>
+          <a:xfrm>
+            <a:off x="7599620" y="3949692"/>
+            <a:ext cx="700735" cy="700735"/>
+          </a:xfrm>
+          <a:prstGeom prst="rect">
+            <a:avLst/>
+          </a:prstGeom>
+        </p:spPr>
+      </p:pic>
+      <p:pic>
+        <p:nvPicPr>
+          <p:cNvPr id="22" name="Picture 21"/>
+          <p:cNvPicPr>
+            <a:picLocks noChangeAspect="1"/>
+          </p:cNvPicPr>
+          <p:nvPr/>
+        </p:nvPicPr>
+        <p:blipFill>
+          <a:blip r:embed="rId3">
+            <a:extLst>
+              <a:ext uri="{28A0092B-C50C-407E-A947-70E740481C1C}">
+                <a14:useLocalDpi xmlns:a14="http://schemas.microsoft.com/office/drawing/2010/main" val="0"/>
+              </a:ext>
+            </a:extLst>
+          </a:blip>
+          <a:stretch>
+            <a:fillRect/>
+          </a:stretch>
+        </p:blipFill>
+        <p:spPr>
+          <a:xfrm>
+            <a:off x="7423010" y="5238836"/>
+            <a:ext cx="1066980" cy="1309178"/>
+          </a:xfrm>
+          <a:prstGeom prst="rect">
+            <a:avLst/>
+          </a:prstGeom>
+        </p:spPr>
+      </p:pic>
+      <p:pic>
+        <p:nvPicPr>
+          <p:cNvPr id="23" name="Picture 22"/>
+          <p:cNvPicPr>
+            <a:picLocks noChangeAspect="1"/>
+          </p:cNvPicPr>
+          <p:nvPr/>
+        </p:nvPicPr>
+        <p:blipFill>
+          <a:blip r:embed="rId2">
+            <a:extLst>
+              <a:ext uri="{28A0092B-C50C-407E-A947-70E740481C1C}">
+                <a14:useLocalDpi xmlns:a14="http://schemas.microsoft.com/office/drawing/2010/main" val="0"/>
+              </a:ext>
+            </a:extLst>
+          </a:blip>
+          <a:stretch>
+            <a:fillRect/>
+          </a:stretch>
+        </p:blipFill>
+        <p:spPr>
+          <a:xfrm>
+            <a:off x="7528943" y="5618663"/>
+            <a:ext cx="700735" cy="700735"/>
+          </a:xfrm>
+          <a:prstGeom prst="rect">
+            <a:avLst/>
+          </a:prstGeom>
+        </p:spPr>
+      </p:pic>
+      <p:pic>
+        <p:nvPicPr>
+          <p:cNvPr id="20" name="Picture 19"/>
+          <p:cNvPicPr>
+            <a:picLocks noChangeAspect="1"/>
+          </p:cNvPicPr>
+          <p:nvPr/>
+        </p:nvPicPr>
+        <p:blipFill>
+          <a:blip r:embed="rId4">
+            <a:extLst>
+              <a:ext uri="{28A0092B-C50C-407E-A947-70E740481C1C}">
+                <a14:useLocalDpi xmlns:a14="http://schemas.microsoft.com/office/drawing/2010/main" val="0"/>
+              </a:ext>
+            </a:extLst>
+          </a:blip>
+          <a:stretch>
+            <a:fillRect/>
+          </a:stretch>
+        </p:blipFill>
+        <p:spPr>
+          <a:xfrm>
+            <a:off x="7304898" y="5238836"/>
+            <a:ext cx="1309178" cy="1309178"/>
+          </a:xfrm>
+          <a:prstGeom prst="rect">
+            <a:avLst/>
+          </a:prstGeom>
+        </p:spPr>
+      </p:pic>
+    </p:spTree>
+    <p:extLst>
+      <p:ext uri="{BB962C8B-B14F-4D97-AF65-F5344CB8AC3E}">
+        <p14:creationId xmlns:p14="http://schemas.microsoft.com/office/powerpoint/2010/main" val="2135699125"/>
+      </p:ext>
+    </p:extLst>
+  </p:cSld>
+  <p:clrMapOvr>
+    <a:masterClrMapping/>
+  </p:clrMapOvr>
+</p:sld>
+</file>
+
+<file path=ppt/slides/slide9.xml><?xml version="1.0" encoding="utf-8"?>
+<p:sld xmlns:a="http://schemas.openxmlformats.org/drawingml/2006/main" xmlns:r="http://schemas.openxmlformats.org/officeDocument/2006/relationships" xmlns:p="http://schemas.openxmlformats.org/presentationml/2006/main">
+  <p:cSld>
+    <p:spTree>
+      <p:nvGrpSpPr>
+        <p:cNvPr id="1" name=""/>
+        <p:cNvGrpSpPr/>
+        <p:nvPr/>
+      </p:nvGrpSpPr>
+      <p:grpSpPr>
+        <a:xfrm>
+          <a:off x="0" y="0"/>
+          <a:ext cx="0" cy="0"/>
+          <a:chOff x="0" y="0"/>
+          <a:chExt cx="0" cy="0"/>
+        </a:xfrm>
+      </p:grpSpPr>
+      <p:sp>
+        <p:nvSpPr>
+          <p:cNvPr id="2" name="Title 1"/>
+          <p:cNvSpPr>
+            <a:spLocks noGrp="1"/>
+          </p:cNvSpPr>
+          <p:nvPr>
+            <p:ph type="title"/>
+          </p:nvPr>
+        </p:nvSpPr>
+        <p:spPr/>
+        <p:txBody>
+          <a:bodyPr/>
+          <a:lstStyle/>
+          <a:p>
+            <a:r>
+              <a:rPr lang="en-US" dirty="0" smtClean="0"/>
+              <a:t>Dev Ops Defined</a:t>
+            </a:r>
+            <a:endParaRPr lang="en-US" dirty="0"/>
+          </a:p>
+        </p:txBody>
+      </p:sp>
+      <p:grpSp>
+        <p:nvGrpSpPr>
+          <p:cNvPr id="4" name="Group 3"/>
+          <p:cNvGrpSpPr/>
+          <p:nvPr/>
+        </p:nvGrpSpPr>
+        <p:grpSpPr>
+          <a:xfrm>
+            <a:off x="2026307" y="1709685"/>
+            <a:ext cx="897517" cy="1290181"/>
+            <a:chOff x="1164921" y="200416"/>
+            <a:chExt cx="1202498" cy="1728592"/>
+          </a:xfrm>
+        </p:grpSpPr>
+        <p:sp>
+          <p:nvSpPr>
+            <p:cNvPr id="5" name="Triangle 4"/>
+            <p:cNvSpPr/>
+            <p:nvPr/>
+          </p:nvSpPr>
+          <p:spPr>
+            <a:xfrm>
+              <a:off x="1164921" y="989556"/>
+              <a:ext cx="1202498" cy="939452"/>
+            </a:xfrm>
+            <a:prstGeom prst="triangle">
+              <a:avLst/>
+            </a:prstGeom>
+          </p:spPr>
+          <p:style>
+            <a:lnRef idx="2">
+              <a:schemeClr val="accent1">
+                <a:shade val="50000"/>
+              </a:schemeClr>
+            </a:lnRef>
+            <a:fillRef idx="1">
+              <a:schemeClr val="accent1"/>
+            </a:fillRef>
+            <a:effectRef idx="0">
+              <a:schemeClr val="accent1"/>
+            </a:effectRef>
+            <a:fontRef idx="minor">
+              <a:schemeClr val="lt1"/>
+            </a:fontRef>
+          </p:style>
+          <p:txBody>
+            <a:bodyPr rtlCol="0" anchor="ctr"/>
+            <a:lstStyle/>
+            <a:p>
+              <a:pPr algn="ctr"/>
+              <a:endParaRPr lang="en-US"/>
+            </a:p>
+          </p:txBody>
+        </p:sp>
+        <p:sp>
+          <p:nvSpPr>
+            <p:cNvPr id="6" name="Oval 5"/>
+            <p:cNvSpPr/>
+            <p:nvPr/>
+          </p:nvSpPr>
+          <p:spPr>
+            <a:xfrm>
+              <a:off x="1164921" y="200416"/>
+              <a:ext cx="1202498" cy="1139869"/>
+            </a:xfrm>
+            <a:prstGeom prst="ellipse">
+              <a:avLst/>
+            </a:prstGeom>
+          </p:spPr>
+          <p:style>
+            <a:lnRef idx="2">
+              <a:schemeClr val="accent1">
+                <a:shade val="50000"/>
+              </a:schemeClr>
+            </a:lnRef>
+            <a:fillRef idx="1">
+              <a:schemeClr val="accent1"/>
+            </a:fillRef>
+            <a:effectRef idx="0">
+              <a:schemeClr val="accent1"/>
+            </a:effectRef>
+            <a:fontRef idx="minor">
+              <a:schemeClr val="lt1"/>
+            </a:fontRef>
+          </p:style>
+          <p:txBody>
+            <a:bodyPr rtlCol="0" anchor="ctr"/>
+            <a:lstStyle/>
+            <a:p>
+              <a:pPr algn="ctr"/>
+              <a:r>
+                <a:rPr lang="en-US" dirty="0" smtClean="0"/>
+                <a:t>Dev</a:t>
+              </a:r>
+              <a:endParaRPr lang="en-US" dirty="0"/>
+            </a:p>
+          </p:txBody>
+        </p:sp>
+      </p:grpSp>
+      <p:grpSp>
+        <p:nvGrpSpPr>
+          <p:cNvPr id="7" name="Group 6"/>
+          <p:cNvGrpSpPr/>
+          <p:nvPr/>
+        </p:nvGrpSpPr>
+        <p:grpSpPr>
+          <a:xfrm>
+            <a:off x="2026307" y="3588862"/>
+            <a:ext cx="897517" cy="1290181"/>
+            <a:chOff x="1164921" y="200416"/>
+            <a:chExt cx="1202498" cy="1728592"/>
+          </a:xfrm>
+        </p:grpSpPr>
+        <p:sp>
+          <p:nvSpPr>
+            <p:cNvPr id="8" name="Triangle 7"/>
+            <p:cNvSpPr/>
+            <p:nvPr/>
+          </p:nvSpPr>
+          <p:spPr>
+            <a:xfrm>
+              <a:off x="1164921" y="989556"/>
+              <a:ext cx="1202498" cy="939452"/>
+            </a:xfrm>
+            <a:prstGeom prst="triangle">
+              <a:avLst/>
+            </a:prstGeom>
+          </p:spPr>
+          <p:style>
+            <a:lnRef idx="2">
+              <a:schemeClr val="accent1">
+                <a:shade val="50000"/>
+              </a:schemeClr>
+            </a:lnRef>
+            <a:fillRef idx="1">
+              <a:schemeClr val="accent1"/>
+            </a:fillRef>
+            <a:effectRef idx="0">
+              <a:schemeClr val="accent1"/>
+            </a:effectRef>
+            <a:fontRef idx="minor">
+              <a:schemeClr val="lt1"/>
+            </a:fontRef>
+          </p:style>
+          <p:txBody>
+            <a:bodyPr rtlCol="0" anchor="ctr"/>
+            <a:lstStyle/>
+            <a:p>
+              <a:pPr algn="ctr"/>
+              <a:endParaRPr lang="en-US"/>
+            </a:p>
+          </p:txBody>
+        </p:sp>
+        <p:sp>
+          <p:nvSpPr>
+            <p:cNvPr id="9" name="Oval 8"/>
+            <p:cNvSpPr/>
+            <p:nvPr/>
+          </p:nvSpPr>
+          <p:spPr>
+            <a:xfrm>
+              <a:off x="1164921" y="200416"/>
+              <a:ext cx="1202498" cy="1139869"/>
+            </a:xfrm>
+            <a:prstGeom prst="ellipse">
+              <a:avLst/>
+            </a:prstGeom>
+          </p:spPr>
+          <p:style>
+            <a:lnRef idx="2">
+              <a:schemeClr val="accent1">
+                <a:shade val="50000"/>
+              </a:schemeClr>
+            </a:lnRef>
+            <a:fillRef idx="1">
+              <a:schemeClr val="accent1"/>
+            </a:fillRef>
+            <a:effectRef idx="0">
+              <a:schemeClr val="accent1"/>
+            </a:effectRef>
+            <a:fontRef idx="minor">
+              <a:schemeClr val="lt1"/>
+            </a:fontRef>
+          </p:style>
+          <p:txBody>
+            <a:bodyPr rtlCol="0" anchor="ctr"/>
+            <a:lstStyle/>
+            <a:p>
+              <a:pPr algn="ctr"/>
+              <a:r>
+                <a:rPr lang="en-US" dirty="0" smtClean="0"/>
+                <a:t>Ops</a:t>
+              </a:r>
+              <a:endParaRPr lang="en-US" dirty="0"/>
+            </a:p>
+          </p:txBody>
+        </p:sp>
+      </p:grpSp>
+      <p:grpSp>
+        <p:nvGrpSpPr>
+          <p:cNvPr id="10" name="Group 9"/>
+          <p:cNvGrpSpPr/>
+          <p:nvPr/>
+        </p:nvGrpSpPr>
+        <p:grpSpPr>
+          <a:xfrm>
+            <a:off x="2026306" y="5468039"/>
+            <a:ext cx="897517" cy="1290181"/>
+            <a:chOff x="1164921" y="200416"/>
+            <a:chExt cx="1202498" cy="1728592"/>
+          </a:xfrm>
+        </p:grpSpPr>
+        <p:sp>
+          <p:nvSpPr>
+            <p:cNvPr id="11" name="Triangle 10"/>
+            <p:cNvSpPr/>
+            <p:nvPr/>
+          </p:nvSpPr>
+          <p:spPr>
+            <a:xfrm>
+              <a:off x="1164921" y="989556"/>
+              <a:ext cx="1202498" cy="939452"/>
+            </a:xfrm>
+            <a:prstGeom prst="triangle">
+              <a:avLst/>
+            </a:prstGeom>
+          </p:spPr>
+          <p:style>
+            <a:lnRef idx="2">
+              <a:schemeClr val="accent1">
+                <a:shade val="50000"/>
+              </a:schemeClr>
+            </a:lnRef>
+            <a:fillRef idx="1">
+              <a:schemeClr val="accent1"/>
+            </a:fillRef>
+            <a:effectRef idx="0">
+              <a:schemeClr val="accent1"/>
+            </a:effectRef>
+            <a:fontRef idx="minor">
+              <a:schemeClr val="lt1"/>
+            </a:fontRef>
+          </p:style>
+          <p:txBody>
+            <a:bodyPr rtlCol="0" anchor="ctr"/>
+            <a:lstStyle/>
+            <a:p>
+              <a:pPr algn="ctr"/>
+              <a:endParaRPr lang="en-US"/>
+            </a:p>
+          </p:txBody>
+        </p:sp>
+        <p:sp>
+          <p:nvSpPr>
+            <p:cNvPr id="12" name="Oval 11"/>
+            <p:cNvSpPr/>
+            <p:nvPr/>
+          </p:nvSpPr>
+          <p:spPr>
+            <a:xfrm>
+              <a:off x="1164921" y="200416"/>
+              <a:ext cx="1202498" cy="1139869"/>
+            </a:xfrm>
+            <a:prstGeom prst="ellipse">
+              <a:avLst/>
+            </a:prstGeom>
+          </p:spPr>
+          <p:style>
+            <a:lnRef idx="2">
+              <a:schemeClr val="accent1">
+                <a:shade val="50000"/>
+              </a:schemeClr>
+            </a:lnRef>
+            <a:fillRef idx="1">
+              <a:schemeClr val="accent1"/>
+            </a:fillRef>
+            <a:effectRef idx="0">
+              <a:schemeClr val="accent1"/>
+            </a:effectRef>
+            <a:fontRef idx="minor">
+              <a:schemeClr val="lt1"/>
+            </a:fontRef>
+          </p:style>
+          <p:txBody>
+            <a:bodyPr rtlCol="0" anchor="ctr"/>
+            <a:lstStyle/>
+            <a:p>
+              <a:pPr algn="ctr"/>
+              <a:r>
+                <a:rPr lang="en-US" dirty="0" smtClean="0"/>
+                <a:t>Sec</a:t>
+              </a:r>
+              <a:endParaRPr lang="en-US" dirty="0"/>
+            </a:p>
+          </p:txBody>
+        </p:sp>
+      </p:grpSp>
+      <p:grpSp>
+        <p:nvGrpSpPr>
+          <p:cNvPr id="13" name="Group 12"/>
+          <p:cNvGrpSpPr/>
+          <p:nvPr/>
+        </p:nvGrpSpPr>
+        <p:grpSpPr>
+          <a:xfrm>
+            <a:off x="7148143" y="3588862"/>
+            <a:ext cx="1309178" cy="1309178"/>
+            <a:chOff x="7304898" y="5238836"/>
+            <a:chExt cx="1309178" cy="1309178"/>
+          </a:xfrm>
+        </p:grpSpPr>
+        <p:pic>
+          <p:nvPicPr>
+            <p:cNvPr id="22" name="Picture 21"/>
+            <p:cNvPicPr>
+              <a:picLocks noChangeAspect="1"/>
+            </p:cNvPicPr>
+            <p:nvPr/>
+          </p:nvPicPr>
+          <p:blipFill>
+            <a:blip r:embed="rId2">
+              <a:extLst>
+                <a:ext uri="{28A0092B-C50C-407E-A947-70E740481C1C}">
+                  <a14:useLocalDpi xmlns:a14="http://schemas.microsoft.com/office/drawing/2010/main" val="0"/>
+                </a:ext>
+              </a:extLst>
+            </a:blip>
+            <a:stretch>
+              <a:fillRect/>
+            </a:stretch>
+          </p:blipFill>
+          <p:spPr>
+            <a:xfrm>
+              <a:off x="7423010" y="5238836"/>
+              <a:ext cx="1066980" cy="1309178"/>
+            </a:xfrm>
+            <a:prstGeom prst="rect">
+              <a:avLst/>
+            </a:prstGeom>
+          </p:spPr>
+        </p:pic>
+        <p:pic>
+          <p:nvPicPr>
+            <p:cNvPr id="23" name="Picture 22"/>
+            <p:cNvPicPr>
+              <a:picLocks noChangeAspect="1"/>
+            </p:cNvPicPr>
+            <p:nvPr/>
+          </p:nvPicPr>
+          <p:blipFill>
+            <a:blip r:embed="rId3">
+              <a:extLst>
+                <a:ext uri="{28A0092B-C50C-407E-A947-70E740481C1C}">
+                  <a14:useLocalDpi xmlns:a14="http://schemas.microsoft.com/office/drawing/2010/main" val="0"/>
+                </a:ext>
+              </a:extLst>
+            </a:blip>
+            <a:stretch>
+              <a:fillRect/>
+            </a:stretch>
+          </p:blipFill>
+          <p:spPr>
+            <a:xfrm>
+              <a:off x="7528943" y="5618663"/>
+              <a:ext cx="700735" cy="700735"/>
+            </a:xfrm>
+            <a:prstGeom prst="rect">
+              <a:avLst/>
+            </a:prstGeom>
+          </p:spPr>
+        </p:pic>
+        <p:pic>
+          <p:nvPicPr>
+            <p:cNvPr id="20" name="Picture 19"/>
+            <p:cNvPicPr>
+              <a:picLocks noChangeAspect="1"/>
+            </p:cNvPicPr>
+            <p:nvPr/>
+          </p:nvPicPr>
+          <p:blipFill>
+            <a:blip r:embed="rId4">
+              <a:extLst>
+                <a:ext uri="{28A0092B-C50C-407E-A947-70E740481C1C}">
+                  <a14:useLocalDpi xmlns:a14="http://schemas.microsoft.com/office/drawing/2010/main" val="0"/>
+                </a:ext>
+              </a:extLst>
+            </a:blip>
+            <a:stretch>
+              <a:fillRect/>
+            </a:stretch>
+          </p:blipFill>
+          <p:spPr>
+            <a:xfrm>
+              <a:off x="7304898" y="5238836"/>
+              <a:ext cx="1309178" cy="1309178"/>
+            </a:xfrm>
+            <a:prstGeom prst="rect">
+              <a:avLst/>
+            </a:prstGeom>
+          </p:spPr>
+        </p:pic>
+      </p:grpSp>
+      <p:sp>
+        <p:nvSpPr>
+          <p:cNvPr id="15" name="Right Arrow 14"/>
+          <p:cNvSpPr/>
+          <p:nvPr/>
+        </p:nvSpPr>
+        <p:spPr>
+          <a:xfrm>
+            <a:off x="3795012" y="3573543"/>
+            <a:ext cx="2481943" cy="1125383"/>
+          </a:xfrm>
+          <a:prstGeom prst="rightArrow">
+            <a:avLst>
+              <a:gd name="adj1" fmla="val 29106"/>
+              <a:gd name="adj2" fmla="val 50000"/>
+            </a:avLst>
+          </a:prstGeom>
+        </p:spPr>
+        <p:style>
+          <a:lnRef idx="2">
+            <a:schemeClr val="accent1">
+              <a:shade val="50000"/>
+            </a:schemeClr>
+          </a:lnRef>
+          <a:fillRef idx="1">
+            <a:schemeClr val="accent1"/>
+          </a:fillRef>
+          <a:effectRef idx="0">
+            <a:schemeClr val="accent1"/>
+          </a:effectRef>
+          <a:fontRef idx="minor">
+            <a:schemeClr val="lt1"/>
+          </a:fontRef>
+        </p:style>
+        <p:txBody>
+          <a:bodyPr rtlCol="0" anchor="ctr"/>
+          <a:lstStyle/>
+          <a:p>
+            <a:pPr algn="ctr"/>
+            <a:endParaRPr lang="en-US"/>
+          </a:p>
+        </p:txBody>
+      </p:sp>
+      <p:sp>
+        <p:nvSpPr>
+          <p:cNvPr id="27" name="Right Arrow 26"/>
+          <p:cNvSpPr/>
+          <p:nvPr/>
+        </p:nvSpPr>
+        <p:spPr>
+          <a:xfrm>
+            <a:off x="3777905" y="1690688"/>
+            <a:ext cx="2481943" cy="1125383"/>
+          </a:xfrm>
+          <a:prstGeom prst="rightArrow">
+            <a:avLst>
+              <a:gd name="adj1" fmla="val 29106"/>
+              <a:gd name="adj2" fmla="val 50000"/>
+            </a:avLst>
+          </a:prstGeom>
+        </p:spPr>
+        <p:style>
+          <a:lnRef idx="2">
+            <a:schemeClr val="accent1">
+              <a:shade val="50000"/>
+            </a:schemeClr>
+          </a:lnRef>
+          <a:fillRef idx="1">
+            <a:schemeClr val="accent1"/>
+          </a:fillRef>
+          <a:effectRef idx="0">
+            <a:schemeClr val="accent1"/>
+          </a:effectRef>
+          <a:fontRef idx="minor">
+            <a:schemeClr val="lt1"/>
+          </a:fontRef>
+        </p:style>
+        <p:txBody>
+          <a:bodyPr rtlCol="0" anchor="ctr"/>
+          <a:lstStyle/>
+          <a:p>
+            <a:pPr algn="ctr"/>
+            <a:endParaRPr lang="en-US"/>
+          </a:p>
+        </p:txBody>
+      </p:sp>
+      <p:sp>
+        <p:nvSpPr>
+          <p:cNvPr id="28" name="Right Arrow 27"/>
+          <p:cNvSpPr/>
+          <p:nvPr/>
+        </p:nvSpPr>
+        <p:spPr>
+          <a:xfrm>
+            <a:off x="3795012" y="5468039"/>
+            <a:ext cx="2481943" cy="1125383"/>
+          </a:xfrm>
+          <a:prstGeom prst="rightArrow">
+            <a:avLst>
+              <a:gd name="adj1" fmla="val 29106"/>
+              <a:gd name="adj2" fmla="val 50000"/>
+            </a:avLst>
+          </a:prstGeom>
+        </p:spPr>
+        <p:style>
+          <a:lnRef idx="2">
+            <a:schemeClr val="accent1">
+              <a:shade val="50000"/>
+            </a:schemeClr>
+          </a:lnRef>
+          <a:fillRef idx="1">
+            <a:schemeClr val="accent1"/>
+          </a:fillRef>
+          <a:effectRef idx="0">
+            <a:schemeClr val="accent1"/>
+          </a:effectRef>
+          <a:fontRef idx="minor">
+            <a:schemeClr val="lt1"/>
+          </a:fontRef>
+        </p:style>
+        <p:txBody>
+          <a:bodyPr rtlCol="0" anchor="ctr"/>
+          <a:lstStyle/>
+          <a:p>
+            <a:pPr algn="ctr"/>
+            <a:endParaRPr lang="en-US"/>
+          </a:p>
+        </p:txBody>
+      </p:sp>
+    </p:spTree>
+    <p:extLst>
+      <p:ext uri="{BB962C8B-B14F-4D97-AF65-F5344CB8AC3E}">
+        <p14:creationId xmlns:p14="http://schemas.microsoft.com/office/powerpoint/2010/main" val="1779264557"/>
       </p:ext>
     </p:extLst>
   </p:cSld>

--- a/Hashi-Demo-Preso.pptx
+++ b/Hashi-Demo-Preso.pptx
@@ -224,7 +224,7 @@
           <a:p>
             <a:fld id="{A7D27B38-BC7B-0F42-9939-18E2CF59109A}" type="datetimeFigureOut">
               <a:rPr lang="en-US" smtClean="0"/>
-              <a:t>7/25/17</a:t>
+              <a:t>8/2/17</a:t>
             </a:fld>
             <a:endParaRPr lang="en-US"/>
           </a:p>
@@ -1368,7 +1368,7 @@
           <a:p>
             <a:fld id="{C10039DE-A79E-DE4B-BBC3-ADFF44ED1DFE}" type="datetimeFigureOut">
               <a:rPr lang="en-US" smtClean="0"/>
-              <a:t>7/25/17</a:t>
+              <a:t>8/2/17</a:t>
             </a:fld>
             <a:endParaRPr lang="en-US"/>
           </a:p>
@@ -1533,7 +1533,7 @@
           <a:p>
             <a:fld id="{C10039DE-A79E-DE4B-BBC3-ADFF44ED1DFE}" type="datetimeFigureOut">
               <a:rPr lang="en-US" smtClean="0"/>
-              <a:t>7/25/17</a:t>
+              <a:t>8/2/17</a:t>
             </a:fld>
             <a:endParaRPr lang="en-US"/>
           </a:p>
@@ -1708,7 +1708,7 @@
           <a:p>
             <a:fld id="{C10039DE-A79E-DE4B-BBC3-ADFF44ED1DFE}" type="datetimeFigureOut">
               <a:rPr lang="en-US" smtClean="0"/>
-              <a:t>7/25/17</a:t>
+              <a:t>8/2/17</a:t>
             </a:fld>
             <a:endParaRPr lang="en-US"/>
           </a:p>
@@ -1873,7 +1873,7 @@
           <a:p>
             <a:fld id="{C10039DE-A79E-DE4B-BBC3-ADFF44ED1DFE}" type="datetimeFigureOut">
               <a:rPr lang="en-US" smtClean="0"/>
-              <a:t>7/25/17</a:t>
+              <a:t>8/2/17</a:t>
             </a:fld>
             <a:endParaRPr lang="en-US"/>
           </a:p>
@@ -2114,7 +2114,7 @@
           <a:p>
             <a:fld id="{C10039DE-A79E-DE4B-BBC3-ADFF44ED1DFE}" type="datetimeFigureOut">
               <a:rPr lang="en-US" smtClean="0"/>
-              <a:t>7/25/17</a:t>
+              <a:t>8/2/17</a:t>
             </a:fld>
             <a:endParaRPr lang="en-US"/>
           </a:p>
@@ -2341,7 +2341,7 @@
           <a:p>
             <a:fld id="{C10039DE-A79E-DE4B-BBC3-ADFF44ED1DFE}" type="datetimeFigureOut">
               <a:rPr lang="en-US" smtClean="0"/>
-              <a:t>7/25/17</a:t>
+              <a:t>8/2/17</a:t>
             </a:fld>
             <a:endParaRPr lang="en-US"/>
           </a:p>
@@ -2703,7 +2703,7 @@
           <a:p>
             <a:fld id="{C10039DE-A79E-DE4B-BBC3-ADFF44ED1DFE}" type="datetimeFigureOut">
               <a:rPr lang="en-US" smtClean="0"/>
-              <a:t>7/25/17</a:t>
+              <a:t>8/2/17</a:t>
             </a:fld>
             <a:endParaRPr lang="en-US"/>
           </a:p>
@@ -2816,7 +2816,7 @@
           <a:p>
             <a:fld id="{C10039DE-A79E-DE4B-BBC3-ADFF44ED1DFE}" type="datetimeFigureOut">
               <a:rPr lang="en-US" smtClean="0"/>
-              <a:t>7/25/17</a:t>
+              <a:t>8/2/17</a:t>
             </a:fld>
             <a:endParaRPr lang="en-US"/>
           </a:p>
@@ -2906,7 +2906,7 @@
           <a:p>
             <a:fld id="{C10039DE-A79E-DE4B-BBC3-ADFF44ED1DFE}" type="datetimeFigureOut">
               <a:rPr lang="en-US" smtClean="0"/>
-              <a:t>7/25/17</a:t>
+              <a:t>8/2/17</a:t>
             </a:fld>
             <a:endParaRPr lang="en-US"/>
           </a:p>
@@ -3178,7 +3178,7 @@
           <a:p>
             <a:fld id="{C10039DE-A79E-DE4B-BBC3-ADFF44ED1DFE}" type="datetimeFigureOut">
               <a:rPr lang="en-US" smtClean="0"/>
-              <a:t>7/25/17</a:t>
+              <a:t>8/2/17</a:t>
             </a:fld>
             <a:endParaRPr lang="en-US"/>
           </a:p>
@@ -3430,7 +3430,7 @@
           <a:p>
             <a:fld id="{C10039DE-A79E-DE4B-BBC3-ADFF44ED1DFE}" type="datetimeFigureOut">
               <a:rPr lang="en-US" smtClean="0"/>
-              <a:t>7/25/17</a:t>
+              <a:t>8/2/17</a:t>
             </a:fld>
             <a:endParaRPr lang="en-US"/>
           </a:p>
@@ -3638,7 +3638,7 @@
           <a:p>
             <a:fld id="{C10039DE-A79E-DE4B-BBC3-ADFF44ED1DFE}" type="datetimeFigureOut">
               <a:rPr lang="en-US" smtClean="0"/>
-              <a:t>7/25/17</a:t>
+              <a:t>8/2/17</a:t>
             </a:fld>
             <a:endParaRPr lang="en-US"/>
           </a:p>
@@ -4323,6 +4323,13 @@
   <p:clrMapOvr>
     <a:masterClrMapping/>
   </p:clrMapOvr>
+  <p:timing>
+    <p:tnLst>
+      <p:par>
+        <p:cTn id="1" dur="indefinite" restart="never" nodeType="tmRoot"/>
+      </p:par>
+    </p:tnLst>
+  </p:timing>
 </p:sld>
 </file>
 
@@ -5224,6 +5231,13 @@
   <p:clrMapOvr>
     <a:masterClrMapping/>
   </p:clrMapOvr>
+  <p:timing>
+    <p:tnLst>
+      <p:par>
+        <p:cTn id="1" dur="indefinite" restart="never" nodeType="tmRoot"/>
+      </p:par>
+    </p:tnLst>
+  </p:timing>
 </p:sld>
 </file>
 
@@ -5549,6 +5563,13 @@
   <p:clrMapOvr>
     <a:masterClrMapping/>
   </p:clrMapOvr>
+  <p:timing>
+    <p:tnLst>
+      <p:par>
+        <p:cTn id="1" dur="indefinite" restart="never" nodeType="tmRoot"/>
+      </p:par>
+    </p:tnLst>
+  </p:timing>
 </p:sld>
 </file>
 
@@ -5678,6 +5699,13 @@
   <p:clrMapOvr>
     <a:masterClrMapping/>
   </p:clrMapOvr>
+  <p:timing>
+    <p:tnLst>
+      <p:par>
+        <p:cTn id="1" dur="indefinite" restart="never" nodeType="tmRoot"/>
+      </p:par>
+    </p:tnLst>
+  </p:timing>
 </p:sld>
 </file>
 
@@ -6404,7 +6432,7 @@
           <a:p>
             <a:r>
               <a:rPr lang="en-US" dirty="0" smtClean="0"/>
-              <a:t>Define the Problem</a:t>
+              <a:t>What are our challenges</a:t>
             </a:r>
             <a:endParaRPr lang="en-US" dirty="0"/>
           </a:p>
@@ -8203,11 +8231,31 @@
             <a:pPr lvl="1"/>
             <a:r>
               <a:rPr lang="en-US" dirty="0" smtClean="0"/>
-              <a:t>Even minor changes require all teams involvement</a:t>
+              <a:t>Even minor changes require all teams </a:t>
+            </a:r>
+            <a:r>
+              <a:rPr lang="en-US" dirty="0" smtClean="0"/>
+              <a:t>involvement</a:t>
             </a:r>
           </a:p>
           <a:p>
             <a:pPr lvl="1"/>
+            <a:r>
+              <a:rPr lang="en-US" dirty="0" smtClean="0"/>
+              <a:t>Significant </a:t>
+            </a:r>
+            <a:r>
+              <a:rPr lang="en-US" b="1" dirty="0" smtClean="0"/>
+              <a:t>“wait time”</a:t>
+            </a:r>
+            <a:endParaRPr lang="en-US" b="1" dirty="0" smtClean="0"/>
+          </a:p>
+          <a:p>
+            <a:pPr lvl="1"/>
+            <a:r>
+              <a:rPr lang="en-US" smtClean="0"/>
+              <a:t>Stakeholder is next person in line</a:t>
+            </a:r>
             <a:endParaRPr lang="en-US" dirty="0" smtClean="0"/>
           </a:p>
           <a:p>
@@ -8226,6 +8274,13 @@
   <p:clrMapOvr>
     <a:masterClrMapping/>
   </p:clrMapOvr>
+  <p:timing>
+    <p:tnLst>
+      <p:par>
+        <p:cTn id="1" dur="indefinite" restart="never" nodeType="tmRoot"/>
+      </p:par>
+    </p:tnLst>
+  </p:timing>
 </p:sld>
 </file>
 
@@ -8893,6 +8948,195 @@
           </a:prstGeom>
         </p:spPr>
       </p:pic>
+      <p:cxnSp>
+        <p:nvCxnSpPr>
+          <p:cNvPr id="14" name="Straight Arrow Connector 13"/>
+          <p:cNvCxnSpPr/>
+          <p:nvPr/>
+        </p:nvCxnSpPr>
+        <p:spPr>
+          <a:xfrm flipV="1">
+            <a:off x="5727700" y="1384300"/>
+            <a:ext cx="635000" cy="325385"/>
+          </a:xfrm>
+          <a:prstGeom prst="straightConnector1">
+            <a:avLst/>
+          </a:prstGeom>
+          <a:ln>
+            <a:tailEnd type="triangle"/>
+          </a:ln>
+        </p:spPr>
+        <p:style>
+          <a:lnRef idx="1">
+            <a:schemeClr val="accent1"/>
+          </a:lnRef>
+          <a:fillRef idx="0">
+            <a:schemeClr val="accent1"/>
+          </a:fillRef>
+          <a:effectRef idx="0">
+            <a:schemeClr val="accent1"/>
+          </a:effectRef>
+          <a:fontRef idx="minor">
+            <a:schemeClr val="tx1"/>
+          </a:fontRef>
+        </p:style>
+      </p:cxnSp>
+      <p:sp>
+        <p:nvSpPr>
+          <p:cNvPr id="15" name="TextBox 14"/>
+          <p:cNvSpPr txBox="1"/>
+          <p:nvPr/>
+        </p:nvSpPr>
+        <p:spPr>
+          <a:xfrm>
+            <a:off x="6413582" y="1027906"/>
+            <a:ext cx="2372076" cy="369332"/>
+          </a:xfrm>
+          <a:prstGeom prst="rect">
+            <a:avLst/>
+          </a:prstGeom>
+          <a:noFill/>
+        </p:spPr>
+        <p:txBody>
+          <a:bodyPr wrap="square" rtlCol="0">
+            <a:spAutoFit/>
+          </a:bodyPr>
+          <a:lstStyle/>
+          <a:p>
+            <a:r>
+              <a:rPr lang="en-US" dirty="0" smtClean="0"/>
+              <a:t>Wait Time</a:t>
+            </a:r>
+            <a:endParaRPr lang="en-US" dirty="0"/>
+          </a:p>
+        </p:txBody>
+      </p:sp>
+      <p:cxnSp>
+        <p:nvCxnSpPr>
+          <p:cNvPr id="24" name="Straight Arrow Connector 23"/>
+          <p:cNvCxnSpPr/>
+          <p:nvPr/>
+        </p:nvCxnSpPr>
+        <p:spPr>
+          <a:xfrm flipV="1">
+            <a:off x="5854700" y="3289300"/>
+            <a:ext cx="635000" cy="325385"/>
+          </a:xfrm>
+          <a:prstGeom prst="straightConnector1">
+            <a:avLst/>
+          </a:prstGeom>
+          <a:ln>
+            <a:tailEnd type="triangle"/>
+          </a:ln>
+        </p:spPr>
+        <p:style>
+          <a:lnRef idx="1">
+            <a:schemeClr val="accent1"/>
+          </a:lnRef>
+          <a:fillRef idx="0">
+            <a:schemeClr val="accent1"/>
+          </a:fillRef>
+          <a:effectRef idx="0">
+            <a:schemeClr val="accent1"/>
+          </a:effectRef>
+          <a:fontRef idx="minor">
+            <a:schemeClr val="tx1"/>
+          </a:fontRef>
+        </p:style>
+      </p:cxnSp>
+      <p:sp>
+        <p:nvSpPr>
+          <p:cNvPr id="25" name="TextBox 24"/>
+          <p:cNvSpPr txBox="1"/>
+          <p:nvPr/>
+        </p:nvSpPr>
+        <p:spPr>
+          <a:xfrm>
+            <a:off x="6540582" y="2932906"/>
+            <a:ext cx="2372076" cy="369332"/>
+          </a:xfrm>
+          <a:prstGeom prst="rect">
+            <a:avLst/>
+          </a:prstGeom>
+          <a:noFill/>
+        </p:spPr>
+        <p:txBody>
+          <a:bodyPr wrap="square" rtlCol="0">
+            <a:spAutoFit/>
+          </a:bodyPr>
+          <a:lstStyle/>
+          <a:p>
+            <a:r>
+              <a:rPr lang="en-US" dirty="0" smtClean="0"/>
+              <a:t>Wait Time</a:t>
+            </a:r>
+            <a:endParaRPr lang="en-US" dirty="0"/>
+          </a:p>
+        </p:txBody>
+      </p:sp>
+      <p:cxnSp>
+        <p:nvCxnSpPr>
+          <p:cNvPr id="26" name="Straight Arrow Connector 25"/>
+          <p:cNvCxnSpPr/>
+          <p:nvPr/>
+        </p:nvCxnSpPr>
+        <p:spPr>
+          <a:xfrm flipV="1">
+            <a:off x="5880100" y="5219700"/>
+            <a:ext cx="635000" cy="325385"/>
+          </a:xfrm>
+          <a:prstGeom prst="straightConnector1">
+            <a:avLst/>
+          </a:prstGeom>
+          <a:ln>
+            <a:tailEnd type="triangle"/>
+          </a:ln>
+        </p:spPr>
+        <p:style>
+          <a:lnRef idx="1">
+            <a:schemeClr val="accent1"/>
+          </a:lnRef>
+          <a:fillRef idx="0">
+            <a:schemeClr val="accent1"/>
+          </a:fillRef>
+          <a:effectRef idx="0">
+            <a:schemeClr val="accent1"/>
+          </a:effectRef>
+          <a:fontRef idx="minor">
+            <a:schemeClr val="tx1"/>
+          </a:fontRef>
+        </p:style>
+      </p:cxnSp>
+      <p:sp>
+        <p:nvSpPr>
+          <p:cNvPr id="27" name="TextBox 26"/>
+          <p:cNvSpPr txBox="1"/>
+          <p:nvPr/>
+        </p:nvSpPr>
+        <p:spPr>
+          <a:xfrm>
+            <a:off x="6565982" y="4863306"/>
+            <a:ext cx="2372076" cy="369332"/>
+          </a:xfrm>
+          <a:prstGeom prst="rect">
+            <a:avLst/>
+          </a:prstGeom>
+          <a:noFill/>
+        </p:spPr>
+        <p:txBody>
+          <a:bodyPr wrap="square" rtlCol="0">
+            <a:spAutoFit/>
+          </a:bodyPr>
+          <a:lstStyle/>
+          <a:p>
+            <a:r>
+              <a:rPr lang="en-US" dirty="0" smtClean="0"/>
+              <a:t>Wait Time</a:t>
+            </a:r>
+            <a:endParaRPr lang="en-US" dirty="0"/>
+          </a:p>
+        </p:txBody>
+      </p:sp>
     </p:spTree>
     <p:extLst>
       <p:ext uri="{BB962C8B-B14F-4D97-AF65-F5344CB8AC3E}">
@@ -8903,6 +9147,13 @@
   <p:clrMapOvr>
     <a:masterClrMapping/>
   </p:clrMapOvr>
+  <p:timing>
+    <p:tnLst>
+      <p:par>
+        <p:cTn id="1" dur="indefinite" restart="never" nodeType="tmRoot"/>
+      </p:par>
+    </p:tnLst>
+  </p:timing>
 </p:sld>
 </file>
 
@@ -9487,6 +9738,13 @@
   <p:clrMapOvr>
     <a:masterClrMapping/>
   </p:clrMapOvr>
+  <p:timing>
+    <p:tnLst>
+      <p:par>
+        <p:cTn id="1" dur="indefinite" restart="never" nodeType="tmRoot"/>
+      </p:par>
+    </p:tnLst>
+  </p:timing>
 </p:sld>
 </file>
 

--- a/Hashi-Demo-Preso.pptx
+++ b/Hashi-Demo-Preso.pptx
@@ -5,7 +5,7 @@
     <p:sldMasterId id="2147483672" r:id="rId1"/>
   </p:sldMasterIdLst>
   <p:notesMasterIdLst>
-    <p:notesMasterId r:id="rId47"/>
+    <p:notesMasterId r:id="rId51"/>
   </p:notesMasterIdLst>
   <p:sldIdLst>
     <p:sldId id="256" r:id="rId2"/>
@@ -19,40 +19,44 @@
     <p:sldId id="267" r:id="rId10"/>
     <p:sldId id="268" r:id="rId11"/>
     <p:sldId id="305" r:id="rId12"/>
-    <p:sldId id="310" r:id="rId13"/>
-    <p:sldId id="311" r:id="rId14"/>
-    <p:sldId id="312" r:id="rId15"/>
-    <p:sldId id="269" r:id="rId16"/>
-    <p:sldId id="270" r:id="rId17"/>
-    <p:sldId id="271" r:id="rId18"/>
-    <p:sldId id="272" r:id="rId19"/>
-    <p:sldId id="273" r:id="rId20"/>
-    <p:sldId id="276" r:id="rId21"/>
-    <p:sldId id="284" r:id="rId22"/>
-    <p:sldId id="285" r:id="rId23"/>
-    <p:sldId id="277" r:id="rId24"/>
-    <p:sldId id="281" r:id="rId25"/>
-    <p:sldId id="282" r:id="rId26"/>
-    <p:sldId id="286" r:id="rId27"/>
-    <p:sldId id="287" r:id="rId28"/>
-    <p:sldId id="289" r:id="rId29"/>
-    <p:sldId id="288" r:id="rId30"/>
-    <p:sldId id="290" r:id="rId31"/>
-    <p:sldId id="291" r:id="rId32"/>
-    <p:sldId id="279" r:id="rId33"/>
-    <p:sldId id="292" r:id="rId34"/>
-    <p:sldId id="313" r:id="rId35"/>
-    <p:sldId id="314" r:id="rId36"/>
-    <p:sldId id="315" r:id="rId37"/>
-    <p:sldId id="316" r:id="rId38"/>
+    <p:sldId id="311" r:id="rId13"/>
+    <p:sldId id="312" r:id="rId14"/>
+    <p:sldId id="269" r:id="rId15"/>
+    <p:sldId id="270" r:id="rId16"/>
+    <p:sldId id="271" r:id="rId17"/>
+    <p:sldId id="272" r:id="rId18"/>
+    <p:sldId id="273" r:id="rId19"/>
+    <p:sldId id="321" r:id="rId20"/>
+    <p:sldId id="322" r:id="rId21"/>
+    <p:sldId id="323" r:id="rId22"/>
+    <p:sldId id="324" r:id="rId23"/>
+    <p:sldId id="281" r:id="rId24"/>
+    <p:sldId id="282" r:id="rId25"/>
+    <p:sldId id="286" r:id="rId26"/>
+    <p:sldId id="287" r:id="rId27"/>
+    <p:sldId id="289" r:id="rId28"/>
+    <p:sldId id="288" r:id="rId29"/>
+    <p:sldId id="290" r:id="rId30"/>
+    <p:sldId id="291" r:id="rId31"/>
+    <p:sldId id="279" r:id="rId32"/>
+    <p:sldId id="292" r:id="rId33"/>
+    <p:sldId id="313" r:id="rId34"/>
+    <p:sldId id="314" r:id="rId35"/>
+    <p:sldId id="315" r:id="rId36"/>
+    <p:sldId id="316" r:id="rId37"/>
+    <p:sldId id="319" r:id="rId38"/>
     <p:sldId id="293" r:id="rId39"/>
     <p:sldId id="294" r:id="rId40"/>
     <p:sldId id="295" r:id="rId41"/>
-    <p:sldId id="296" r:id="rId42"/>
+    <p:sldId id="320" r:id="rId42"/>
     <p:sldId id="298" r:id="rId43"/>
     <p:sldId id="299" r:id="rId44"/>
-    <p:sldId id="301" r:id="rId45"/>
-    <p:sldId id="302" r:id="rId46"/>
+    <p:sldId id="317" r:id="rId45"/>
+    <p:sldId id="325" r:id="rId46"/>
+    <p:sldId id="326" r:id="rId47"/>
+    <p:sldId id="318" r:id="rId48"/>
+    <p:sldId id="301" r:id="rId49"/>
+    <p:sldId id="302" r:id="rId50"/>
   </p:sldIdLst>
   <p:sldSz cx="12192000" cy="6858000"/>
   <p:notesSz cx="6858000" cy="9144000"/>
@@ -673,6 +677,10 @@
           <a:bodyPr/>
           <a:lstStyle/>
           <a:p>
+            <a:r>
+              <a:rPr lang="en-US" dirty="0" smtClean="0"/>
+              <a:t>Demo Slide</a:t>
+            </a:r>
             <a:endParaRPr lang="en-US" dirty="0"/>
           </a:p>
         </p:txBody>
@@ -703,7 +711,7 @@
     </p:spTree>
     <p:extLst>
       <p:ext uri="{BB962C8B-B14F-4D97-AF65-F5344CB8AC3E}">
-        <p14:creationId xmlns:p14="http://schemas.microsoft.com/office/powerpoint/2010/main" val="1010993121"/>
+        <p14:creationId xmlns:p14="http://schemas.microsoft.com/office/powerpoint/2010/main" val="694763430"/>
       </p:ext>
     </p:extLst>
   </p:cSld>
@@ -759,7 +767,68 @@
           <a:p>
             <a:r>
               <a:rPr lang="en-US" dirty="0" smtClean="0"/>
-              <a:t>Demo Slide</a:t>
+              <a:t>https://</a:t>
+            </a:r>
+            <a:r>
+              <a:rPr lang="en-US" dirty="0" err="1" smtClean="0"/>
+              <a:t>www.vagrantup.com</a:t>
+            </a:r>
+            <a:r>
+              <a:rPr lang="en-US" dirty="0" smtClean="0"/>
+              <a:t>/intro/</a:t>
+            </a:r>
+            <a:r>
+              <a:rPr lang="en-US" dirty="0" err="1" smtClean="0"/>
+              <a:t>index.html</a:t>
+            </a:r>
+            <a:r>
+              <a:rPr lang="en-US" baseline="0" dirty="0" smtClean="0"/>
+              <a:t> - </a:t>
+            </a:r>
+            <a:r>
+              <a:rPr lang="en-US" dirty="0" smtClean="0"/>
+              <a:t>https</a:t>
+            </a:r>
+            <a:r>
+              <a:rPr lang="en-US" dirty="0" smtClean="0"/>
+              <a:t>://</a:t>
+            </a:r>
+            <a:r>
+              <a:rPr lang="en-US" dirty="0" err="1" smtClean="0"/>
+              <a:t>www.hashicorp.com</a:t>
+            </a:r>
+            <a:r>
+              <a:rPr lang="en-US" dirty="0" smtClean="0"/>
+              <a:t>/blog/the-</a:t>
+            </a:r>
+            <a:r>
+              <a:rPr lang="en-US" dirty="0" err="1" smtClean="0"/>
+              <a:t>tao</a:t>
+            </a:r>
+            <a:r>
+              <a:rPr lang="en-US" dirty="0" smtClean="0"/>
+              <a:t>-of-</a:t>
+            </a:r>
+            <a:r>
+              <a:rPr lang="en-US" dirty="0" err="1" smtClean="0"/>
+              <a:t>hashicorp</a:t>
+            </a:r>
+            <a:r>
+              <a:rPr lang="en-US" dirty="0" smtClean="0"/>
+              <a:t>/</a:t>
+            </a:r>
+          </a:p>
+          <a:p>
+            <a:endParaRPr lang="en-US" dirty="0" smtClean="0"/>
+          </a:p>
+          <a:p>
+            <a:r>
+              <a:rPr lang="en-US" dirty="0" smtClean="0"/>
+              <a:t>Composability</a:t>
+            </a:r>
+            <a:r>
+              <a:rPr lang="en-US" baseline="0" dirty="0" smtClean="0"/>
+              <a:t> is self-contained and modular, stateless and ephemeral </a:t>
             </a:r>
             <a:endParaRPr lang="en-US" dirty="0"/>
           </a:p>
@@ -782,7 +851,7 @@
           <a:p>
             <a:fld id="{495C6D0C-1D89-BF45-8B1A-0D3C57F306C2}" type="slidenum">
               <a:rPr lang="en-US" smtClean="0"/>
-              <a:t>14</a:t>
+              <a:t>15</a:t>
             </a:fld>
             <a:endParaRPr lang="en-US"/>
           </a:p>
@@ -791,7 +860,7 @@
     </p:spTree>
     <p:extLst>
       <p:ext uri="{BB962C8B-B14F-4D97-AF65-F5344CB8AC3E}">
-        <p14:creationId xmlns:p14="http://schemas.microsoft.com/office/powerpoint/2010/main" val="694763430"/>
+        <p14:creationId xmlns:p14="http://schemas.microsoft.com/office/powerpoint/2010/main" val="1547968714"/>
       </p:ext>
     </p:extLst>
   </p:cSld>
@@ -847,68 +916,7 @@
           <a:p>
             <a:r>
               <a:rPr lang="en-US" dirty="0" smtClean="0"/>
-              <a:t>https://</a:t>
-            </a:r>
-            <a:r>
-              <a:rPr lang="en-US" dirty="0" err="1" smtClean="0"/>
-              <a:t>www.vagrantup.com</a:t>
-            </a:r>
-            <a:r>
-              <a:rPr lang="en-US" dirty="0" smtClean="0"/>
-              <a:t>/intro/</a:t>
-            </a:r>
-            <a:r>
-              <a:rPr lang="en-US" dirty="0" err="1" smtClean="0"/>
-              <a:t>index.html</a:t>
-            </a:r>
-            <a:r>
-              <a:rPr lang="en-US" baseline="0" dirty="0" smtClean="0"/>
-              <a:t> - </a:t>
-            </a:r>
-            <a:r>
-              <a:rPr lang="en-US" dirty="0" smtClean="0"/>
-              <a:t>https</a:t>
-            </a:r>
-            <a:r>
-              <a:rPr lang="en-US" dirty="0" smtClean="0"/>
-              <a:t>://</a:t>
-            </a:r>
-            <a:r>
-              <a:rPr lang="en-US" dirty="0" err="1" smtClean="0"/>
-              <a:t>www.hashicorp.com</a:t>
-            </a:r>
-            <a:r>
-              <a:rPr lang="en-US" dirty="0" smtClean="0"/>
-              <a:t>/blog/the-</a:t>
-            </a:r>
-            <a:r>
-              <a:rPr lang="en-US" dirty="0" err="1" smtClean="0"/>
-              <a:t>tao</a:t>
-            </a:r>
-            <a:r>
-              <a:rPr lang="en-US" dirty="0" smtClean="0"/>
-              <a:t>-of-</a:t>
-            </a:r>
-            <a:r>
-              <a:rPr lang="en-US" dirty="0" err="1" smtClean="0"/>
-              <a:t>hashicorp</a:t>
-            </a:r>
-            <a:r>
-              <a:rPr lang="en-US" dirty="0" smtClean="0"/>
-              <a:t>/</a:t>
-            </a:r>
-          </a:p>
-          <a:p>
-            <a:endParaRPr lang="en-US" dirty="0" smtClean="0"/>
-          </a:p>
-          <a:p>
-            <a:r>
-              <a:rPr lang="en-US" dirty="0" smtClean="0"/>
-              <a:t>Composability</a:t>
-            </a:r>
-            <a:r>
-              <a:rPr lang="en-US" baseline="0" dirty="0" smtClean="0"/>
-              <a:t> is self-contained and modular, stateless and ephemeral </a:t>
+              <a:t>Demo Slide</a:t>
             </a:r>
             <a:endParaRPr lang="en-US" dirty="0"/>
           </a:p>
@@ -940,7 +948,7 @@
     </p:spTree>
     <p:extLst>
       <p:ext uri="{BB962C8B-B14F-4D97-AF65-F5344CB8AC3E}">
-        <p14:creationId xmlns:p14="http://schemas.microsoft.com/office/powerpoint/2010/main" val="1547968714"/>
+        <p14:creationId xmlns:p14="http://schemas.microsoft.com/office/powerpoint/2010/main" val="388297100"/>
       </p:ext>
     </p:extLst>
   </p:cSld>
@@ -996,7 +1004,53 @@
           <a:p>
             <a:r>
               <a:rPr lang="en-US" dirty="0" smtClean="0"/>
-              <a:t>Demo Slide</a:t>
+              <a:t>https://</a:t>
+            </a:r>
+            <a:r>
+              <a:rPr lang="en-US" dirty="0" err="1" smtClean="0"/>
+              <a:t>www.vagrantup.com</a:t>
+            </a:r>
+            <a:r>
+              <a:rPr lang="en-US" dirty="0" smtClean="0"/>
+              <a:t>/intro/</a:t>
+            </a:r>
+            <a:r>
+              <a:rPr lang="en-US" dirty="0" err="1" smtClean="0"/>
+              <a:t>index.html</a:t>
+            </a:r>
+            <a:endParaRPr lang="en-US" dirty="0" smtClean="0"/>
+          </a:p>
+          <a:p>
+            <a:endParaRPr lang="en-US" dirty="0" smtClean="0"/>
+          </a:p>
+          <a:p>
+            <a:r>
+              <a:rPr lang="en-US" dirty="0" smtClean="0"/>
+              <a:t>https://</a:t>
+            </a:r>
+            <a:r>
+              <a:rPr lang="en-US" dirty="0" err="1" smtClean="0"/>
+              <a:t>www.hashicorp.com</a:t>
+            </a:r>
+            <a:r>
+              <a:rPr lang="en-US" dirty="0" smtClean="0"/>
+              <a:t>/blog/the-</a:t>
+            </a:r>
+            <a:r>
+              <a:rPr lang="en-US" dirty="0" err="1" smtClean="0"/>
+              <a:t>tao</a:t>
+            </a:r>
+            <a:r>
+              <a:rPr lang="en-US" dirty="0" smtClean="0"/>
+              <a:t>-of-</a:t>
+            </a:r>
+            <a:r>
+              <a:rPr lang="en-US" dirty="0" err="1" smtClean="0"/>
+              <a:t>hashicorp</a:t>
+            </a:r>
+            <a:r>
+              <a:rPr lang="en-US" dirty="0" smtClean="0"/>
+              <a:t>/</a:t>
             </a:r>
             <a:endParaRPr lang="en-US" dirty="0"/>
           </a:p>
@@ -1028,7 +1082,7 @@
     </p:spTree>
     <p:extLst>
       <p:ext uri="{BB962C8B-B14F-4D97-AF65-F5344CB8AC3E}">
-        <p14:creationId xmlns:p14="http://schemas.microsoft.com/office/powerpoint/2010/main" val="388297100"/>
+        <p14:creationId xmlns:p14="http://schemas.microsoft.com/office/powerpoint/2010/main" val="1084212343"/>
       </p:ext>
     </p:extLst>
   </p:cSld>
@@ -1084,53 +1138,11 @@
           <a:p>
             <a:r>
               <a:rPr lang="en-US" dirty="0" smtClean="0"/>
-              <a:t>https://</a:t>
-            </a:r>
-            <a:r>
-              <a:rPr lang="en-US" dirty="0" err="1" smtClean="0"/>
-              <a:t>www.vagrantup.com</a:t>
-            </a:r>
-            <a:r>
-              <a:rPr lang="en-US" dirty="0" smtClean="0"/>
-              <a:t>/intro/</a:t>
-            </a:r>
-            <a:r>
-              <a:rPr lang="en-US" dirty="0" err="1" smtClean="0"/>
-              <a:t>index.html</a:t>
-            </a:r>
-            <a:endParaRPr lang="en-US" dirty="0" smtClean="0"/>
-          </a:p>
-          <a:p>
-            <a:endParaRPr lang="en-US" dirty="0" smtClean="0"/>
-          </a:p>
-          <a:p>
-            <a:r>
-              <a:rPr lang="en-US" dirty="0" smtClean="0"/>
-              <a:t>https://</a:t>
-            </a:r>
-            <a:r>
-              <a:rPr lang="en-US" dirty="0" err="1" smtClean="0"/>
-              <a:t>www.hashicorp.com</a:t>
-            </a:r>
-            <a:r>
-              <a:rPr lang="en-US" dirty="0" smtClean="0"/>
-              <a:t>/blog/the-</a:t>
-            </a:r>
-            <a:r>
-              <a:rPr lang="en-US" dirty="0" err="1" smtClean="0"/>
-              <a:t>tao</a:t>
-            </a:r>
-            <a:r>
-              <a:rPr lang="en-US" dirty="0" smtClean="0"/>
-              <a:t>-of-</a:t>
-            </a:r>
-            <a:r>
-              <a:rPr lang="en-US" dirty="0" err="1" smtClean="0"/>
-              <a:t>hashicorp</a:t>
-            </a:r>
-            <a:r>
-              <a:rPr lang="en-US" dirty="0" smtClean="0"/>
-              <a:t>/</a:t>
+              <a:t>Codification of everything</a:t>
+            </a:r>
+            <a:r>
+              <a:rPr lang="en-US" baseline="0" dirty="0" smtClean="0"/>
+              <a:t> from Network requirements to Server specifications to Middleware requirements. We’re trying to extrapolate the desired state of our end goal infrastructure into a repeatable, testable artifact. This artifact can then be templated and used across multiple clouds in a multitude of environments.</a:t>
             </a:r>
             <a:endParaRPr lang="en-US" dirty="0"/>
           </a:p>
@@ -1153,7 +1165,7 @@
           <a:p>
             <a:fld id="{495C6D0C-1D89-BF45-8B1A-0D3C57F306C2}" type="slidenum">
               <a:rPr lang="en-US" smtClean="0"/>
-              <a:t>18</a:t>
+              <a:t>19</a:t>
             </a:fld>
             <a:endParaRPr lang="en-US"/>
           </a:p>
@@ -1162,7 +1174,7 @@
     </p:spTree>
     <p:extLst>
       <p:ext uri="{BB962C8B-B14F-4D97-AF65-F5344CB8AC3E}">
-        <p14:creationId xmlns:p14="http://schemas.microsoft.com/office/powerpoint/2010/main" val="1084212343"/>
+        <p14:creationId xmlns:p14="http://schemas.microsoft.com/office/powerpoint/2010/main" val="367321702"/>
       </p:ext>
     </p:extLst>
   </p:cSld>
@@ -1216,6 +1228,23 @@
           <a:bodyPr/>
           <a:lstStyle/>
           <a:p>
+            <a:r>
+              <a:rPr lang="en-US" dirty="0" smtClean="0"/>
+              <a:t>Each stakeholder contributes their knowledge and their requirements</a:t>
+            </a:r>
+            <a:r>
+              <a:rPr lang="en-US" baseline="0" dirty="0" smtClean="0"/>
+              <a:t> to the infrastructure as code artifact  which is then used to orchestrate the build of the infrastructure  in the provider. </a:t>
+            </a:r>
+          </a:p>
+          <a:p>
+            <a:endParaRPr lang="en-US" baseline="0" dirty="0" smtClean="0"/>
+          </a:p>
+          <a:p>
+            <a:r>
+              <a:rPr lang="en-US" baseline="0" dirty="0" smtClean="0"/>
+              <a:t>This approach focuses on giving increased visibility into the build process for our environments. </a:t>
+            </a:r>
             <a:endParaRPr lang="en-US" dirty="0"/>
           </a:p>
         </p:txBody>
@@ -1246,7 +1275,7 @@
     </p:spTree>
     <p:extLst>
       <p:ext uri="{BB962C8B-B14F-4D97-AF65-F5344CB8AC3E}">
-        <p14:creationId xmlns:p14="http://schemas.microsoft.com/office/powerpoint/2010/main" val="1413427300"/>
+        <p14:creationId xmlns:p14="http://schemas.microsoft.com/office/powerpoint/2010/main" val="468287250"/>
       </p:ext>
     </p:extLst>
   </p:cSld>
@@ -1300,6 +1329,26 @@
           <a:bodyPr/>
           <a:lstStyle/>
           <a:p>
+            <a:r>
+              <a:rPr lang="en-US" dirty="0" smtClean="0"/>
+              <a:t>and</a:t>
+            </a:r>
+            <a:r>
+              <a:rPr lang="en-US" baseline="0" dirty="0" smtClean="0"/>
+              <a:t> when executed correct allows us to rapidly provision to any location, on any framework, with any requirements. Remember </a:t>
+            </a:r>
+            <a:r>
+              <a:rPr lang="en-US" sz="1200" b="0" i="0" kern="1200" dirty="0" smtClean="0">
+                <a:solidFill>
+                  <a:schemeClr val="tx1"/>
+                </a:solidFill>
+                <a:effectLst/>
+                <a:latin typeface="+mn-lt"/>
+                <a:ea typeface="+mn-ea"/>
+                <a:cs typeface="+mn-cs"/>
+              </a:rPr>
+              <a:t>multi-cloud deployments can be very challenging as many existing tools for infrastructure management are cloud-specific. Terraform is cloud-agnostic and allows a single configuration to be used to manage multiple providers, and to even handle cross-cloud dependencies. This simplifies management and orchestration, helping operators build large-scale multi-cloud infrastructures.</a:t>
+            </a:r>
             <a:endParaRPr lang="en-US" dirty="0"/>
           </a:p>
         </p:txBody>
@@ -1330,7 +1379,7 @@
     </p:spTree>
     <p:extLst>
       <p:ext uri="{BB962C8B-B14F-4D97-AF65-F5344CB8AC3E}">
-        <p14:creationId xmlns:p14="http://schemas.microsoft.com/office/powerpoint/2010/main" val="296489154"/>
+        <p14:creationId xmlns:p14="http://schemas.microsoft.com/office/powerpoint/2010/main" val="173185807"/>
       </p:ext>
     </p:extLst>
   </p:cSld>
@@ -1384,6 +1433,205 @@
           <a:bodyPr/>
           <a:lstStyle/>
           <a:p>
+            <a:r>
+              <a:rPr lang="en-US" dirty="0" smtClean="0"/>
+              <a:t>So</a:t>
+            </a:r>
+            <a:r>
+              <a:rPr lang="en-US" baseline="0" dirty="0" smtClean="0"/>
+              <a:t> when we look at Infrastructure as code at a glance we really focus on 3 main returns on investment, reducing cost, speeding up feature delivery and reducing risk. And we can demonstrate those in a myriad of ways;</a:t>
+            </a:r>
+            <a:endParaRPr lang="en-US" dirty="0" smtClean="0"/>
+          </a:p>
+          <a:p>
+            <a:endParaRPr lang="en-US" dirty="0" smtClean="0"/>
+          </a:p>
+          <a:p>
+            <a:r>
+              <a:rPr lang="en-US" dirty="0" smtClean="0"/>
+              <a:t>Recovery</a:t>
+            </a:r>
+            <a:r>
+              <a:rPr lang="en-US" baseline="0" dirty="0" smtClean="0"/>
+              <a:t> process </a:t>
+            </a:r>
+            <a:r>
+              <a:rPr lang="mr-IN" baseline="0" dirty="0" smtClean="0"/>
+              <a:t>–</a:t>
+            </a:r>
+            <a:r>
+              <a:rPr lang="en-US" baseline="0" dirty="0" smtClean="0"/>
+              <a:t> for example this allows us to easily manage and orchestrate a blue/green or ‘canary’ style deployment. For a particular set of nodes we can target a new application release. Also if our deployments and changes are automated it frees our administrators and developers to contribute value else-where. </a:t>
+            </a:r>
+          </a:p>
+          <a:p>
+            <a:endParaRPr lang="en-US" baseline="0" dirty="0" smtClean="0"/>
+          </a:p>
+          <a:p>
+            <a:r>
+              <a:rPr lang="en-US" baseline="0" dirty="0" smtClean="0"/>
+              <a:t>Focus on Mean time to Recovery </a:t>
+            </a:r>
+            <a:r>
+              <a:rPr lang="mr-IN" baseline="0" dirty="0" smtClean="0"/>
+              <a:t>–</a:t>
+            </a:r>
+            <a:r>
+              <a:rPr lang="en-US" baseline="0" dirty="0" smtClean="0"/>
+              <a:t> applications fail, servers fail, this is part of IT. A failed component means a loss of revenue for the company and mean time to recovery is the focus on getting that component operationalized again. </a:t>
+            </a:r>
+          </a:p>
+          <a:p>
+            <a:endParaRPr lang="en-US" baseline="0" dirty="0" smtClean="0"/>
+          </a:p>
+          <a:p>
+            <a:r>
+              <a:rPr lang="en-US" baseline="0" dirty="0" err="1" smtClean="0"/>
+              <a:t>composable</a:t>
+            </a:r>
+            <a:r>
+              <a:rPr lang="en-US" baseline="0" dirty="0" smtClean="0"/>
+              <a:t> means we focus on the fact that Terraform can be deployed independently or in conjecture with the rest of the </a:t>
+            </a:r>
+            <a:r>
+              <a:rPr lang="en-US" baseline="0" dirty="0" err="1" smtClean="0"/>
+              <a:t>Hashicorp</a:t>
+            </a:r>
+            <a:r>
+              <a:rPr lang="en-US" baseline="0" dirty="0" smtClean="0"/>
+              <a:t> suite which will discuss later. </a:t>
+            </a:r>
+          </a:p>
+          <a:p>
+            <a:endParaRPr lang="en-US" baseline="0" dirty="0" smtClean="0"/>
+          </a:p>
+          <a:p>
+            <a:r>
+              <a:rPr lang="en-US" baseline="0" dirty="0" smtClean="0"/>
+              <a:t>And the ephemeral code base </a:t>
+            </a:r>
+            <a:r>
+              <a:rPr lang="en-US" sz="1200" b="0" i="0" kern="1200" dirty="0" smtClean="0">
+                <a:solidFill>
+                  <a:schemeClr val="tx1"/>
+                </a:solidFill>
+                <a:effectLst/>
+                <a:latin typeface="+mn-lt"/>
+                <a:ea typeface="+mn-ea"/>
+                <a:cs typeface="+mn-cs"/>
+              </a:rPr>
+              <a:t>provides value by being </a:t>
+            </a:r>
+            <a:r>
+              <a:rPr lang="en-US" sz="1200" b="0" i="0" kern="1200" dirty="0" err="1" smtClean="0">
+                <a:solidFill>
+                  <a:schemeClr val="tx1"/>
+                </a:solidFill>
+                <a:effectLst/>
+                <a:latin typeface="+mn-lt"/>
+                <a:ea typeface="+mn-ea"/>
+                <a:cs typeface="+mn-cs"/>
+              </a:rPr>
+              <a:t>versionable</a:t>
+            </a:r>
+            <a:r>
+              <a:rPr lang="en-US" sz="1200" b="0" i="0" kern="1200" dirty="0" smtClean="0">
+                <a:solidFill>
+                  <a:schemeClr val="tx1"/>
+                </a:solidFill>
+                <a:effectLst/>
+                <a:latin typeface="+mn-lt"/>
+                <a:ea typeface="+mn-ea"/>
+                <a:cs typeface="+mn-cs"/>
+              </a:rPr>
+              <a:t>, allowing rollback and roll forwards. You can inspect and write code atomically. Using versions enables auditing and creates a clear history of how the current state was reached. When something breaks, the origin of the error can be determined using the version history.</a:t>
+            </a:r>
+            <a:endParaRPr lang="en-US" baseline="0" dirty="0" smtClean="0"/>
+          </a:p>
+          <a:p>
+            <a:endParaRPr lang="en-US" baseline="0" dirty="0" smtClean="0"/>
+          </a:p>
+          <a:p>
+            <a:endParaRPr lang="en-US" baseline="0" dirty="0" smtClean="0"/>
+          </a:p>
+          <a:p>
+            <a:pPr marL="0" marR="0" lvl="0" indent="0" algn="l" defTabSz="914400" rtl="0" eaLnBrk="1" fontAlgn="auto" latinLnBrk="0" hangingPunct="1">
+              <a:lnSpc>
+                <a:spcPct val="100000"/>
+              </a:lnSpc>
+              <a:spcBef>
+                <a:spcPts val="0"/>
+              </a:spcBef>
+              <a:spcAft>
+                <a:spcPts val="0"/>
+              </a:spcAft>
+              <a:buClrTx/>
+              <a:buSzTx/>
+              <a:buFontTx/>
+              <a:buNone/>
+              <a:tabLst/>
+              <a:defRPr/>
+            </a:pPr>
+            <a:r>
+              <a:rPr lang="en-US" baseline="0" dirty="0" smtClean="0"/>
+              <a:t>Practice makes perfect - </a:t>
+            </a:r>
+            <a:r>
+              <a:rPr lang="en-US" dirty="0" smtClean="0"/>
+              <a:t>Reduces the risk of human error through automation</a:t>
+            </a:r>
+          </a:p>
+          <a:p>
+            <a:endParaRPr lang="en-US" dirty="0" smtClean="0"/>
+          </a:p>
+          <a:p>
+            <a:endParaRPr lang="en-US" dirty="0" smtClean="0"/>
+          </a:p>
+          <a:p>
+            <a:endParaRPr lang="en-US" dirty="0" smtClean="0"/>
+          </a:p>
+          <a:p>
+            <a:r>
+              <a:rPr lang="en-US" dirty="0" smtClean="0"/>
+              <a:t>https://</a:t>
+            </a:r>
+            <a:r>
+              <a:rPr lang="en-US" dirty="0" err="1" smtClean="0"/>
+              <a:t>stelligent.com</a:t>
+            </a:r>
+            <a:r>
+              <a:rPr lang="en-US" dirty="0" smtClean="0"/>
+              <a:t>/2017/06/29/</a:t>
+            </a:r>
+            <a:r>
+              <a:rPr lang="en-US" dirty="0" err="1" smtClean="0"/>
+              <a:t>devops</a:t>
+            </a:r>
+            <a:r>
+              <a:rPr lang="en-US" dirty="0" smtClean="0"/>
+              <a:t>-benefits-of-infrastructure-as-code/</a:t>
+            </a:r>
+          </a:p>
+          <a:p>
+            <a:endParaRPr lang="en-US" dirty="0" smtClean="0"/>
+          </a:p>
+          <a:p>
+            <a:r>
+              <a:rPr lang="en-US" dirty="0" smtClean="0"/>
+              <a:t>https://</a:t>
+            </a:r>
+            <a:r>
+              <a:rPr lang="en-US" dirty="0" err="1" smtClean="0"/>
+              <a:t>en.wikipedia.org</a:t>
+            </a:r>
+            <a:r>
+              <a:rPr lang="en-US" dirty="0" smtClean="0"/>
+              <a:t>/wiki/</a:t>
+            </a:r>
+            <a:r>
+              <a:rPr lang="en-US" dirty="0" err="1" smtClean="0"/>
+              <a:t>Infrastructure_as_Code</a:t>
+            </a:r>
             <a:endParaRPr lang="en-US" dirty="0"/>
           </a:p>
         </p:txBody>
@@ -1414,7 +1662,7 @@
     </p:spTree>
     <p:extLst>
       <p:ext uri="{BB962C8B-B14F-4D97-AF65-F5344CB8AC3E}">
-        <p14:creationId xmlns:p14="http://schemas.microsoft.com/office/powerpoint/2010/main" val="991466730"/>
+        <p14:creationId xmlns:p14="http://schemas.microsoft.com/office/powerpoint/2010/main" val="2127231324"/>
       </p:ext>
     </p:extLst>
   </p:cSld>
@@ -1474,15 +1722,64 @@
             </a:r>
             <a:r>
               <a:rPr lang="en-US" dirty="0" err="1" smtClean="0"/>
-              <a:t>en.wikipedia.org</a:t>
-            </a:r>
-            <a:r>
-              <a:rPr lang="en-US" dirty="0" smtClean="0"/>
-              <a:t>/wiki/</a:t>
+              <a:t>www.vagrantup.com</a:t>
+            </a:r>
+            <a:r>
+              <a:rPr lang="en-US" dirty="0" smtClean="0"/>
+              <a:t>/intro/</a:t>
             </a:r>
             <a:r>
               <a:rPr lang="en-US" dirty="0" err="1" smtClean="0"/>
-              <a:t>Infrastructure_as_Code</a:t>
+              <a:t>index.html</a:t>
+            </a:r>
+            <a:r>
+              <a:rPr lang="en-US" baseline="0" dirty="0" smtClean="0"/>
+              <a:t> - </a:t>
+            </a:r>
+            <a:r>
+              <a:rPr lang="en-US" dirty="0" smtClean="0"/>
+              <a:t>https</a:t>
+            </a:r>
+            <a:r>
+              <a:rPr lang="en-US" dirty="0" smtClean="0"/>
+              <a:t>://</a:t>
+            </a:r>
+            <a:r>
+              <a:rPr lang="en-US" dirty="0" err="1" smtClean="0"/>
+              <a:t>www.hashicorp.com</a:t>
+            </a:r>
+            <a:r>
+              <a:rPr lang="en-US" dirty="0" smtClean="0"/>
+              <a:t>/blog/the-</a:t>
+            </a:r>
+            <a:r>
+              <a:rPr lang="en-US" dirty="0" err="1" smtClean="0"/>
+              <a:t>tao</a:t>
+            </a:r>
+            <a:r>
+              <a:rPr lang="en-US" dirty="0" smtClean="0"/>
+              <a:t>-of-</a:t>
+            </a:r>
+            <a:r>
+              <a:rPr lang="en-US" dirty="0" err="1" smtClean="0"/>
+              <a:t>hashicorp</a:t>
+            </a:r>
+            <a:r>
+              <a:rPr lang="en-US" dirty="0" smtClean="0"/>
+              <a:t>/</a:t>
+            </a:r>
+          </a:p>
+          <a:p>
+            <a:endParaRPr lang="en-US" dirty="0" smtClean="0"/>
+          </a:p>
+          <a:p>
+            <a:r>
+              <a:rPr lang="en-US" dirty="0" smtClean="0"/>
+              <a:t>Composability</a:t>
+            </a:r>
+            <a:r>
+              <a:rPr lang="en-US" baseline="0" dirty="0" smtClean="0"/>
+              <a:t> is self-contained and modular, stateless and ephemeral </a:t>
             </a:r>
             <a:endParaRPr lang="en-US" dirty="0"/>
           </a:p>
@@ -1505,7 +1802,7 @@
           <a:p>
             <a:fld id="{495C6D0C-1D89-BF45-8B1A-0D3C57F306C2}" type="slidenum">
               <a:rPr lang="en-US" smtClean="0"/>
-              <a:t>23</a:t>
+              <a:t>24</a:t>
             </a:fld>
             <a:endParaRPr lang="en-US"/>
           </a:p>
@@ -1514,7 +1811,7 @@
     </p:spTree>
     <p:extLst>
       <p:ext uri="{BB962C8B-B14F-4D97-AF65-F5344CB8AC3E}">
-        <p14:creationId xmlns:p14="http://schemas.microsoft.com/office/powerpoint/2010/main" val="165328205"/>
+        <p14:creationId xmlns:p14="http://schemas.microsoft.com/office/powerpoint/2010/main" val="1410145489"/>
       </p:ext>
     </p:extLst>
   </p:cSld>
@@ -1570,68 +1867,7 @@
           <a:p>
             <a:r>
               <a:rPr lang="en-US" dirty="0" smtClean="0"/>
-              <a:t>https://</a:t>
-            </a:r>
-            <a:r>
-              <a:rPr lang="en-US" dirty="0" err="1" smtClean="0"/>
-              <a:t>www.vagrantup.com</a:t>
-            </a:r>
-            <a:r>
-              <a:rPr lang="en-US" dirty="0" smtClean="0"/>
-              <a:t>/intro/</a:t>
-            </a:r>
-            <a:r>
-              <a:rPr lang="en-US" dirty="0" err="1" smtClean="0"/>
-              <a:t>index.html</a:t>
-            </a:r>
-            <a:r>
-              <a:rPr lang="en-US" baseline="0" dirty="0" smtClean="0"/>
-              <a:t> - </a:t>
-            </a:r>
-            <a:r>
-              <a:rPr lang="en-US" dirty="0" smtClean="0"/>
-              <a:t>https</a:t>
-            </a:r>
-            <a:r>
-              <a:rPr lang="en-US" dirty="0" smtClean="0"/>
-              <a:t>://</a:t>
-            </a:r>
-            <a:r>
-              <a:rPr lang="en-US" dirty="0" err="1" smtClean="0"/>
-              <a:t>www.hashicorp.com</a:t>
-            </a:r>
-            <a:r>
-              <a:rPr lang="en-US" dirty="0" smtClean="0"/>
-              <a:t>/blog/the-</a:t>
-            </a:r>
-            <a:r>
-              <a:rPr lang="en-US" dirty="0" err="1" smtClean="0"/>
-              <a:t>tao</a:t>
-            </a:r>
-            <a:r>
-              <a:rPr lang="en-US" dirty="0" smtClean="0"/>
-              <a:t>-of-</a:t>
-            </a:r>
-            <a:r>
-              <a:rPr lang="en-US" dirty="0" err="1" smtClean="0"/>
-              <a:t>hashicorp</a:t>
-            </a:r>
-            <a:r>
-              <a:rPr lang="en-US" dirty="0" smtClean="0"/>
-              <a:t>/</a:t>
-            </a:r>
-          </a:p>
-          <a:p>
-            <a:endParaRPr lang="en-US" dirty="0" smtClean="0"/>
-          </a:p>
-          <a:p>
-            <a:r>
-              <a:rPr lang="en-US" dirty="0" smtClean="0"/>
-              <a:t>Composability</a:t>
-            </a:r>
-            <a:r>
-              <a:rPr lang="en-US" baseline="0" dirty="0" smtClean="0"/>
-              <a:t> is self-contained and modular, stateless and ephemeral </a:t>
+              <a:t>Demo Slide</a:t>
             </a:r>
             <a:endParaRPr lang="en-US" dirty="0"/>
           </a:p>
@@ -1654,7 +1890,7 @@
           <a:p>
             <a:fld id="{495C6D0C-1D89-BF45-8B1A-0D3C57F306C2}" type="slidenum">
               <a:rPr lang="en-US" smtClean="0"/>
-              <a:t>25</a:t>
+              <a:t>28</a:t>
             </a:fld>
             <a:endParaRPr lang="en-US"/>
           </a:p>
@@ -1663,7 +1899,7 @@
     </p:spTree>
     <p:extLst>
       <p:ext uri="{BB962C8B-B14F-4D97-AF65-F5344CB8AC3E}">
-        <p14:creationId xmlns:p14="http://schemas.microsoft.com/office/powerpoint/2010/main" val="1410145489"/>
+        <p14:creationId xmlns:p14="http://schemas.microsoft.com/office/powerpoint/2010/main" val="1145226632"/>
       </p:ext>
     </p:extLst>
   </p:cSld>
@@ -1829,7 +2065,68 @@
           <a:p>
             <a:r>
               <a:rPr lang="en-US" dirty="0" smtClean="0"/>
-              <a:t>Demo Slide</a:t>
+              <a:t>https://</a:t>
+            </a:r>
+            <a:r>
+              <a:rPr lang="en-US" dirty="0" err="1" smtClean="0"/>
+              <a:t>www.vagrantup.com</a:t>
+            </a:r>
+            <a:r>
+              <a:rPr lang="en-US" dirty="0" smtClean="0"/>
+              <a:t>/intro/</a:t>
+            </a:r>
+            <a:r>
+              <a:rPr lang="en-US" dirty="0" err="1" smtClean="0"/>
+              <a:t>index.html</a:t>
+            </a:r>
+            <a:r>
+              <a:rPr lang="en-US" baseline="0" dirty="0" smtClean="0"/>
+              <a:t> - </a:t>
+            </a:r>
+            <a:r>
+              <a:rPr lang="en-US" dirty="0" smtClean="0"/>
+              <a:t>https</a:t>
+            </a:r>
+            <a:r>
+              <a:rPr lang="en-US" dirty="0" smtClean="0"/>
+              <a:t>://</a:t>
+            </a:r>
+            <a:r>
+              <a:rPr lang="en-US" dirty="0" err="1" smtClean="0"/>
+              <a:t>www.hashicorp.com</a:t>
+            </a:r>
+            <a:r>
+              <a:rPr lang="en-US" dirty="0" smtClean="0"/>
+              <a:t>/blog/the-</a:t>
+            </a:r>
+            <a:r>
+              <a:rPr lang="en-US" dirty="0" err="1" smtClean="0"/>
+              <a:t>tao</a:t>
+            </a:r>
+            <a:r>
+              <a:rPr lang="en-US" dirty="0" smtClean="0"/>
+              <a:t>-of-</a:t>
+            </a:r>
+            <a:r>
+              <a:rPr lang="en-US" dirty="0" err="1" smtClean="0"/>
+              <a:t>hashicorp</a:t>
+            </a:r>
+            <a:r>
+              <a:rPr lang="en-US" dirty="0" smtClean="0"/>
+              <a:t>/</a:t>
+            </a:r>
+          </a:p>
+          <a:p>
+            <a:endParaRPr lang="en-US" dirty="0" smtClean="0"/>
+          </a:p>
+          <a:p>
+            <a:r>
+              <a:rPr lang="en-US" dirty="0" smtClean="0"/>
+              <a:t>Composability</a:t>
+            </a:r>
+            <a:r>
+              <a:rPr lang="en-US" baseline="0" dirty="0" smtClean="0"/>
+              <a:t> is self-contained and modular, stateless and ephemeral </a:t>
             </a:r>
             <a:endParaRPr lang="en-US" dirty="0"/>
           </a:p>
@@ -1861,7 +2158,7 @@
     </p:spTree>
     <p:extLst>
       <p:ext uri="{BB962C8B-B14F-4D97-AF65-F5344CB8AC3E}">
-        <p14:creationId xmlns:p14="http://schemas.microsoft.com/office/powerpoint/2010/main" val="1145226632"/>
+        <p14:creationId xmlns:p14="http://schemas.microsoft.com/office/powerpoint/2010/main" val="1742751162"/>
       </p:ext>
     </p:extLst>
   </p:cSld>
@@ -1917,68 +2214,7 @@
           <a:p>
             <a:r>
               <a:rPr lang="en-US" dirty="0" smtClean="0"/>
-              <a:t>https://</a:t>
-            </a:r>
-            <a:r>
-              <a:rPr lang="en-US" dirty="0" err="1" smtClean="0"/>
-              <a:t>www.vagrantup.com</a:t>
-            </a:r>
-            <a:r>
-              <a:rPr lang="en-US" dirty="0" smtClean="0"/>
-              <a:t>/intro/</a:t>
-            </a:r>
-            <a:r>
-              <a:rPr lang="en-US" dirty="0" err="1" smtClean="0"/>
-              <a:t>index.html</a:t>
-            </a:r>
-            <a:r>
-              <a:rPr lang="en-US" baseline="0" dirty="0" smtClean="0"/>
-              <a:t> - </a:t>
-            </a:r>
-            <a:r>
-              <a:rPr lang="en-US" dirty="0" smtClean="0"/>
-              <a:t>https</a:t>
-            </a:r>
-            <a:r>
-              <a:rPr lang="en-US" dirty="0" smtClean="0"/>
-              <a:t>://</a:t>
-            </a:r>
-            <a:r>
-              <a:rPr lang="en-US" dirty="0" err="1" smtClean="0"/>
-              <a:t>www.hashicorp.com</a:t>
-            </a:r>
-            <a:r>
-              <a:rPr lang="en-US" dirty="0" smtClean="0"/>
-              <a:t>/blog/the-</a:t>
-            </a:r>
-            <a:r>
-              <a:rPr lang="en-US" dirty="0" err="1" smtClean="0"/>
-              <a:t>tao</a:t>
-            </a:r>
-            <a:r>
-              <a:rPr lang="en-US" dirty="0" smtClean="0"/>
-              <a:t>-of-</a:t>
-            </a:r>
-            <a:r>
-              <a:rPr lang="en-US" dirty="0" err="1" smtClean="0"/>
-              <a:t>hashicorp</a:t>
-            </a:r>
-            <a:r>
-              <a:rPr lang="en-US" dirty="0" smtClean="0"/>
-              <a:t>/</a:t>
-            </a:r>
-          </a:p>
-          <a:p>
-            <a:endParaRPr lang="en-US" dirty="0" smtClean="0"/>
-          </a:p>
-          <a:p>
-            <a:r>
-              <a:rPr lang="en-US" dirty="0" smtClean="0"/>
-              <a:t>Composability</a:t>
-            </a:r>
-            <a:r>
-              <a:rPr lang="en-US" baseline="0" dirty="0" smtClean="0"/>
-              <a:t> is self-contained and modular, stateless and ephemeral </a:t>
+              <a:t>Any Questions</a:t>
             </a:r>
             <a:endParaRPr lang="en-US" dirty="0"/>
           </a:p>
@@ -2010,7 +2246,7 @@
     </p:spTree>
     <p:extLst>
       <p:ext uri="{BB962C8B-B14F-4D97-AF65-F5344CB8AC3E}">
-        <p14:creationId xmlns:p14="http://schemas.microsoft.com/office/powerpoint/2010/main" val="1742751162"/>
+        <p14:creationId xmlns:p14="http://schemas.microsoft.com/office/powerpoint/2010/main" val="414640176"/>
       </p:ext>
     </p:extLst>
   </p:cSld>
@@ -2064,11 +2300,143 @@
           <a:bodyPr/>
           <a:lstStyle/>
           <a:p>
-            <a:r>
-              <a:rPr lang="en-US" dirty="0" smtClean="0"/>
-              <a:t>Any Questions</a:t>
-            </a:r>
-            <a:endParaRPr lang="en-US" dirty="0"/>
+            <a:endParaRPr lang="en-US" dirty="0" smtClean="0"/>
+          </a:p>
+          <a:p>
+            <a:r>
+              <a:rPr lang="en-US" dirty="0" smtClean="0"/>
+              <a:t>Modular </a:t>
+            </a:r>
+            <a:r>
+              <a:rPr lang="mr-IN" dirty="0" smtClean="0"/>
+              <a:t>–</a:t>
+            </a:r>
+            <a:r>
+              <a:rPr lang="en-US" dirty="0" smtClean="0"/>
+              <a:t> each piece</a:t>
+            </a:r>
+            <a:r>
+              <a:rPr lang="en-US" baseline="0" dirty="0" smtClean="0"/>
+              <a:t> of the infrastructure definition can be run separately, or used in another project. </a:t>
+            </a:r>
+          </a:p>
+          <a:p>
+            <a:endParaRPr lang="en-US" baseline="0" dirty="0" smtClean="0"/>
+          </a:p>
+          <a:p>
+            <a:r>
+              <a:rPr lang="en-US" baseline="0" dirty="0" smtClean="0"/>
+              <a:t>Variables </a:t>
+            </a:r>
+            <a:r>
+              <a:rPr lang="mr-IN" baseline="0" dirty="0" smtClean="0"/>
+              <a:t>–</a:t>
+            </a:r>
+            <a:r>
+              <a:rPr lang="en-US" baseline="0" dirty="0" smtClean="0"/>
+              <a:t> which means that to go from Dev to </a:t>
+            </a:r>
+            <a:r>
+              <a:rPr lang="en-US" baseline="0" dirty="0" err="1" smtClean="0"/>
+              <a:t>Qa</a:t>
+            </a:r>
+            <a:r>
+              <a:rPr lang="en-US" baseline="0" dirty="0" smtClean="0"/>
+              <a:t> to Production means swapping in a different variable file and the infrastructure definitions remain the same </a:t>
+            </a:r>
+          </a:p>
+          <a:p>
+            <a:endParaRPr lang="en-US" baseline="0" dirty="0" smtClean="0"/>
+          </a:p>
+          <a:p>
+            <a:r>
+              <a:rPr lang="en-US" baseline="0" dirty="0" smtClean="0"/>
+              <a:t>Cloud Agnostic </a:t>
+            </a:r>
+            <a:r>
+              <a:rPr lang="mr-IN" baseline="0" dirty="0" smtClean="0"/>
+              <a:t>–</a:t>
+            </a:r>
+            <a:r>
+              <a:rPr lang="en-US" baseline="0" dirty="0" smtClean="0"/>
+              <a:t> With minor changes in the provider you can build for AWS or Azure or GCP.</a:t>
+            </a:r>
+          </a:p>
+          <a:p>
+            <a:endParaRPr lang="en-US" dirty="0" smtClean="0"/>
+          </a:p>
+          <a:p>
+            <a:endParaRPr lang="en-US" dirty="0" smtClean="0"/>
+          </a:p>
+          <a:p>
+            <a:endParaRPr lang="en-US" dirty="0" smtClean="0"/>
+          </a:p>
+          <a:p>
+            <a:endParaRPr lang="en-US" dirty="0" smtClean="0"/>
+          </a:p>
+          <a:p>
+            <a:endParaRPr lang="en-US" dirty="0" smtClean="0"/>
+          </a:p>
+          <a:p>
+            <a:r>
+              <a:rPr lang="en-US" dirty="0" smtClean="0"/>
+              <a:t>https</a:t>
+            </a:r>
+            <a:r>
+              <a:rPr lang="en-US" dirty="0" smtClean="0"/>
+              <a:t>://</a:t>
+            </a:r>
+            <a:r>
+              <a:rPr lang="en-US" dirty="0" err="1" smtClean="0"/>
+              <a:t>www.vagrantup.com</a:t>
+            </a:r>
+            <a:r>
+              <a:rPr lang="en-US" dirty="0" smtClean="0"/>
+              <a:t>/intro/</a:t>
+            </a:r>
+            <a:r>
+              <a:rPr lang="en-US" dirty="0" err="1" smtClean="0"/>
+              <a:t>index.html</a:t>
+            </a:r>
+            <a:r>
+              <a:rPr lang="en-US" baseline="0" dirty="0" smtClean="0"/>
+              <a:t> - </a:t>
+            </a:r>
+            <a:r>
+              <a:rPr lang="en-US" dirty="0" smtClean="0"/>
+              <a:t>https</a:t>
+            </a:r>
+            <a:r>
+              <a:rPr lang="en-US" dirty="0" smtClean="0"/>
+              <a:t>://</a:t>
+            </a:r>
+            <a:r>
+              <a:rPr lang="en-US" dirty="0" err="1" smtClean="0"/>
+              <a:t>www.hashicorp.com</a:t>
+            </a:r>
+            <a:r>
+              <a:rPr lang="en-US" dirty="0" smtClean="0"/>
+              <a:t>/blog/the-</a:t>
+            </a:r>
+            <a:r>
+              <a:rPr lang="en-US" dirty="0" err="1" smtClean="0"/>
+              <a:t>tao</a:t>
+            </a:r>
+            <a:r>
+              <a:rPr lang="en-US" dirty="0" smtClean="0"/>
+              <a:t>-of-</a:t>
+            </a:r>
+            <a:r>
+              <a:rPr lang="en-US" dirty="0" err="1" smtClean="0"/>
+              <a:t>hashicorp</a:t>
+            </a:r>
+            <a:r>
+              <a:rPr lang="en-US" dirty="0" smtClean="0"/>
+              <a:t>/</a:t>
+            </a:r>
+          </a:p>
+          <a:p>
+            <a:endParaRPr lang="en-US" dirty="0" smtClean="0"/>
           </a:p>
         </p:txBody>
       </p:sp>
@@ -2089,7 +2457,7 @@
           <a:p>
             <a:fld id="{495C6D0C-1D89-BF45-8B1A-0D3C57F306C2}" type="slidenum">
               <a:rPr lang="en-US" smtClean="0"/>
-              <a:t>31</a:t>
+              <a:t>32</a:t>
             </a:fld>
             <a:endParaRPr lang="en-US"/>
           </a:p>
@@ -2098,7 +2466,7 @@
     </p:spTree>
     <p:extLst>
       <p:ext uri="{BB962C8B-B14F-4D97-AF65-F5344CB8AC3E}">
-        <p14:creationId xmlns:p14="http://schemas.microsoft.com/office/powerpoint/2010/main" val="414640176"/>
+        <p14:creationId xmlns:p14="http://schemas.microsoft.com/office/powerpoint/2010/main" val="1841956845"/>
       </p:ext>
     </p:extLst>
   </p:cSld>
@@ -2154,68 +2522,11 @@
           <a:p>
             <a:r>
               <a:rPr lang="en-US" dirty="0" smtClean="0"/>
-              <a:t>https://</a:t>
-            </a:r>
-            <a:r>
-              <a:rPr lang="en-US" dirty="0" err="1" smtClean="0"/>
-              <a:t>www.vagrantup.com</a:t>
-            </a:r>
-            <a:r>
-              <a:rPr lang="en-US" dirty="0" smtClean="0"/>
-              <a:t>/intro/</a:t>
-            </a:r>
-            <a:r>
-              <a:rPr lang="en-US" dirty="0" err="1" smtClean="0"/>
-              <a:t>index.html</a:t>
+              <a:t>Codification of everything</a:t>
             </a:r>
             <a:r>
               <a:rPr lang="en-US" baseline="0" dirty="0" smtClean="0"/>
-              <a:t> - </a:t>
-            </a:r>
-            <a:r>
-              <a:rPr lang="en-US" dirty="0" smtClean="0"/>
-              <a:t>https</a:t>
-            </a:r>
-            <a:r>
-              <a:rPr lang="en-US" dirty="0" smtClean="0"/>
-              <a:t>://</a:t>
-            </a:r>
-            <a:r>
-              <a:rPr lang="en-US" dirty="0" err="1" smtClean="0"/>
-              <a:t>www.hashicorp.com</a:t>
-            </a:r>
-            <a:r>
-              <a:rPr lang="en-US" dirty="0" smtClean="0"/>
-              <a:t>/blog/the-</a:t>
-            </a:r>
-            <a:r>
-              <a:rPr lang="en-US" dirty="0" err="1" smtClean="0"/>
-              <a:t>tao</a:t>
-            </a:r>
-            <a:r>
-              <a:rPr lang="en-US" dirty="0" smtClean="0"/>
-              <a:t>-of-</a:t>
-            </a:r>
-            <a:r>
-              <a:rPr lang="en-US" dirty="0" err="1" smtClean="0"/>
-              <a:t>hashicorp</a:t>
-            </a:r>
-            <a:r>
-              <a:rPr lang="en-US" dirty="0" smtClean="0"/>
-              <a:t>/</a:t>
-            </a:r>
-          </a:p>
-          <a:p>
-            <a:endParaRPr lang="en-US" dirty="0" smtClean="0"/>
-          </a:p>
-          <a:p>
-            <a:r>
-              <a:rPr lang="en-US" dirty="0" smtClean="0"/>
-              <a:t>Composability</a:t>
-            </a:r>
-            <a:r>
-              <a:rPr lang="en-US" baseline="0" dirty="0" smtClean="0"/>
-              <a:t> is self-contained and modular, stateless and ephemeral </a:t>
+              <a:t> from Network requirements to Server specifications to Middleware requirements. We’re trying to extrapolate the desired state of our end goal infrastructure into a repeatable, testable artifact. This artifact can then be templated and used across multiple clouds in a multitude of environments.</a:t>
             </a:r>
             <a:endParaRPr lang="en-US" dirty="0"/>
           </a:p>
@@ -2247,7 +2558,7 @@
     </p:spTree>
     <p:extLst>
       <p:ext uri="{BB962C8B-B14F-4D97-AF65-F5344CB8AC3E}">
-        <p14:creationId xmlns:p14="http://schemas.microsoft.com/office/powerpoint/2010/main" val="1841956845"/>
+        <p14:creationId xmlns:p14="http://schemas.microsoft.com/office/powerpoint/2010/main" val="1864360121"/>
       </p:ext>
     </p:extLst>
   </p:cSld>
@@ -2301,6 +2612,23 @@
           <a:bodyPr/>
           <a:lstStyle/>
           <a:p>
+            <a:r>
+              <a:rPr lang="en-US" dirty="0" smtClean="0"/>
+              <a:t>Each stakeholder contributes their knowledge and their requirements</a:t>
+            </a:r>
+            <a:r>
+              <a:rPr lang="en-US" baseline="0" dirty="0" smtClean="0"/>
+              <a:t> to the infrastructure as code artifact  which is then used to orchestrate the build of the infrastructure  in the provider. </a:t>
+            </a:r>
+          </a:p>
+          <a:p>
+            <a:endParaRPr lang="en-US" baseline="0" dirty="0" smtClean="0"/>
+          </a:p>
+          <a:p>
+            <a:r>
+              <a:rPr lang="en-US" baseline="0" dirty="0" smtClean="0"/>
+              <a:t>This approach focuses on giving increased visibility into the build process for our environments. </a:t>
+            </a:r>
             <a:endParaRPr lang="en-US" dirty="0"/>
           </a:p>
         </p:txBody>
@@ -2331,7 +2659,7 @@
     </p:spTree>
     <p:extLst>
       <p:ext uri="{BB962C8B-B14F-4D97-AF65-F5344CB8AC3E}">
-        <p14:creationId xmlns:p14="http://schemas.microsoft.com/office/powerpoint/2010/main" val="1864360121"/>
+        <p14:creationId xmlns:p14="http://schemas.microsoft.com/office/powerpoint/2010/main" val="1328574647"/>
       </p:ext>
     </p:extLst>
   </p:cSld>
@@ -2385,6 +2713,26 @@
           <a:bodyPr/>
           <a:lstStyle/>
           <a:p>
+            <a:r>
+              <a:rPr lang="en-US" dirty="0" smtClean="0"/>
+              <a:t>and</a:t>
+            </a:r>
+            <a:r>
+              <a:rPr lang="en-US" baseline="0" dirty="0" smtClean="0"/>
+              <a:t> when executed correct allows us to rapidly provision to any location, on any framework, with any requirements. Remember </a:t>
+            </a:r>
+            <a:r>
+              <a:rPr lang="en-US" sz="1200" b="0" i="0" kern="1200" dirty="0" smtClean="0">
+                <a:solidFill>
+                  <a:schemeClr val="tx1"/>
+                </a:solidFill>
+                <a:effectLst/>
+                <a:latin typeface="+mn-lt"/>
+                <a:ea typeface="+mn-ea"/>
+                <a:cs typeface="+mn-cs"/>
+              </a:rPr>
+              <a:t>multi-cloud deployments can be very challenging as many existing tools for infrastructure management are cloud-specific. Terraform is cloud-agnostic and allows a single configuration to be used to manage multiple providers, and to even handle cross-cloud dependencies. This simplifies management and orchestration, helping operators build large-scale multi-cloud infrastructures.</a:t>
+            </a:r>
             <a:endParaRPr lang="en-US" dirty="0"/>
           </a:p>
         </p:txBody>
@@ -2415,7 +2763,7 @@
     </p:spTree>
     <p:extLst>
       <p:ext uri="{BB962C8B-B14F-4D97-AF65-F5344CB8AC3E}">
-        <p14:creationId xmlns:p14="http://schemas.microsoft.com/office/powerpoint/2010/main" val="1328574647"/>
+        <p14:creationId xmlns:p14="http://schemas.microsoft.com/office/powerpoint/2010/main" val="965224913"/>
       </p:ext>
     </p:extLst>
   </p:cSld>
@@ -2469,6 +2817,205 @@
           <a:bodyPr/>
           <a:lstStyle/>
           <a:p>
+            <a:r>
+              <a:rPr lang="en-US" dirty="0" smtClean="0"/>
+              <a:t>So</a:t>
+            </a:r>
+            <a:r>
+              <a:rPr lang="en-US" baseline="0" dirty="0" smtClean="0"/>
+              <a:t> when we look at Infrastructure as code at a glance we really focus on 3 main returns on investment, reducing cost, speeding up feature delivery and reducing risk. And we can demonstrate those in a myriad of ways;</a:t>
+            </a:r>
+            <a:endParaRPr lang="en-US" dirty="0" smtClean="0"/>
+          </a:p>
+          <a:p>
+            <a:endParaRPr lang="en-US" dirty="0" smtClean="0"/>
+          </a:p>
+          <a:p>
+            <a:r>
+              <a:rPr lang="en-US" dirty="0" smtClean="0"/>
+              <a:t>Recovery</a:t>
+            </a:r>
+            <a:r>
+              <a:rPr lang="en-US" baseline="0" dirty="0" smtClean="0"/>
+              <a:t> process </a:t>
+            </a:r>
+            <a:r>
+              <a:rPr lang="mr-IN" baseline="0" dirty="0" smtClean="0"/>
+              <a:t>–</a:t>
+            </a:r>
+            <a:r>
+              <a:rPr lang="en-US" baseline="0" dirty="0" smtClean="0"/>
+              <a:t> for example this allows us to easily manage and orchestrate a blue/green or ‘canary’ style deployment. For a particular set of nodes we can target a new application release. Also if our deployments and changes are automated it frees our administrators and developers to contribute value else-where. </a:t>
+            </a:r>
+          </a:p>
+          <a:p>
+            <a:endParaRPr lang="en-US" baseline="0" dirty="0" smtClean="0"/>
+          </a:p>
+          <a:p>
+            <a:r>
+              <a:rPr lang="en-US" baseline="0" dirty="0" smtClean="0"/>
+              <a:t>Focus on Mean time to Recovery </a:t>
+            </a:r>
+            <a:r>
+              <a:rPr lang="mr-IN" baseline="0" dirty="0" smtClean="0"/>
+              <a:t>–</a:t>
+            </a:r>
+            <a:r>
+              <a:rPr lang="en-US" baseline="0" dirty="0" smtClean="0"/>
+              <a:t> applications fail, servers fail, this is part of IT. A failed component means a loss of revenue for the company and mean time to recovery is the focus on getting that component operationalized again. </a:t>
+            </a:r>
+          </a:p>
+          <a:p>
+            <a:endParaRPr lang="en-US" baseline="0" dirty="0" smtClean="0"/>
+          </a:p>
+          <a:p>
+            <a:r>
+              <a:rPr lang="en-US" baseline="0" dirty="0" err="1" smtClean="0"/>
+              <a:t>composable</a:t>
+            </a:r>
+            <a:r>
+              <a:rPr lang="en-US" baseline="0" dirty="0" smtClean="0"/>
+              <a:t> means we focus on the fact that Terraform can be deployed independently or in conjecture with the rest of the </a:t>
+            </a:r>
+            <a:r>
+              <a:rPr lang="en-US" baseline="0" dirty="0" err="1" smtClean="0"/>
+              <a:t>Hashicorp</a:t>
+            </a:r>
+            <a:r>
+              <a:rPr lang="en-US" baseline="0" dirty="0" smtClean="0"/>
+              <a:t> suite which will discuss later. </a:t>
+            </a:r>
+          </a:p>
+          <a:p>
+            <a:endParaRPr lang="en-US" baseline="0" dirty="0" smtClean="0"/>
+          </a:p>
+          <a:p>
+            <a:r>
+              <a:rPr lang="en-US" baseline="0" dirty="0" smtClean="0"/>
+              <a:t>And the ephemeral code base </a:t>
+            </a:r>
+            <a:r>
+              <a:rPr lang="en-US" sz="1200" b="0" i="0" kern="1200" dirty="0" smtClean="0">
+                <a:solidFill>
+                  <a:schemeClr val="tx1"/>
+                </a:solidFill>
+                <a:effectLst/>
+                <a:latin typeface="+mn-lt"/>
+                <a:ea typeface="+mn-ea"/>
+                <a:cs typeface="+mn-cs"/>
+              </a:rPr>
+              <a:t>provides value by being </a:t>
+            </a:r>
+            <a:r>
+              <a:rPr lang="en-US" sz="1200" b="0" i="0" kern="1200" dirty="0" err="1" smtClean="0">
+                <a:solidFill>
+                  <a:schemeClr val="tx1"/>
+                </a:solidFill>
+                <a:effectLst/>
+                <a:latin typeface="+mn-lt"/>
+                <a:ea typeface="+mn-ea"/>
+                <a:cs typeface="+mn-cs"/>
+              </a:rPr>
+              <a:t>versionable</a:t>
+            </a:r>
+            <a:r>
+              <a:rPr lang="en-US" sz="1200" b="0" i="0" kern="1200" dirty="0" smtClean="0">
+                <a:solidFill>
+                  <a:schemeClr val="tx1"/>
+                </a:solidFill>
+                <a:effectLst/>
+                <a:latin typeface="+mn-lt"/>
+                <a:ea typeface="+mn-ea"/>
+                <a:cs typeface="+mn-cs"/>
+              </a:rPr>
+              <a:t>, allowing rollback and roll forwards. You can inspect and write code atomically. Using versions enables auditing and creates a clear history of how the current state was reached. When something breaks, the origin of the error can be determined using the version history.</a:t>
+            </a:r>
+            <a:endParaRPr lang="en-US" baseline="0" dirty="0" smtClean="0"/>
+          </a:p>
+          <a:p>
+            <a:endParaRPr lang="en-US" baseline="0" dirty="0" smtClean="0"/>
+          </a:p>
+          <a:p>
+            <a:endParaRPr lang="en-US" baseline="0" dirty="0" smtClean="0"/>
+          </a:p>
+          <a:p>
+            <a:pPr marL="0" marR="0" lvl="0" indent="0" algn="l" defTabSz="914400" rtl="0" eaLnBrk="1" fontAlgn="auto" latinLnBrk="0" hangingPunct="1">
+              <a:lnSpc>
+                <a:spcPct val="100000"/>
+              </a:lnSpc>
+              <a:spcBef>
+                <a:spcPts val="0"/>
+              </a:spcBef>
+              <a:spcAft>
+                <a:spcPts val="0"/>
+              </a:spcAft>
+              <a:buClrTx/>
+              <a:buSzTx/>
+              <a:buFontTx/>
+              <a:buNone/>
+              <a:tabLst/>
+              <a:defRPr/>
+            </a:pPr>
+            <a:r>
+              <a:rPr lang="en-US" baseline="0" dirty="0" smtClean="0"/>
+              <a:t>Practice makes perfect - </a:t>
+            </a:r>
+            <a:r>
+              <a:rPr lang="en-US" dirty="0" smtClean="0"/>
+              <a:t>Reduces the risk of human error through automation</a:t>
+            </a:r>
+          </a:p>
+          <a:p>
+            <a:endParaRPr lang="en-US" dirty="0" smtClean="0"/>
+          </a:p>
+          <a:p>
+            <a:endParaRPr lang="en-US" dirty="0" smtClean="0"/>
+          </a:p>
+          <a:p>
+            <a:endParaRPr lang="en-US" dirty="0" smtClean="0"/>
+          </a:p>
+          <a:p>
+            <a:r>
+              <a:rPr lang="en-US" dirty="0" smtClean="0"/>
+              <a:t>https://</a:t>
+            </a:r>
+            <a:r>
+              <a:rPr lang="en-US" dirty="0" err="1" smtClean="0"/>
+              <a:t>stelligent.com</a:t>
+            </a:r>
+            <a:r>
+              <a:rPr lang="en-US" dirty="0" smtClean="0"/>
+              <a:t>/2017/06/29/</a:t>
+            </a:r>
+            <a:r>
+              <a:rPr lang="en-US" dirty="0" err="1" smtClean="0"/>
+              <a:t>devops</a:t>
+            </a:r>
+            <a:r>
+              <a:rPr lang="en-US" dirty="0" smtClean="0"/>
+              <a:t>-benefits-of-infrastructure-as-code/</a:t>
+            </a:r>
+          </a:p>
+          <a:p>
+            <a:endParaRPr lang="en-US" dirty="0" smtClean="0"/>
+          </a:p>
+          <a:p>
+            <a:r>
+              <a:rPr lang="en-US" dirty="0" smtClean="0"/>
+              <a:t>https://</a:t>
+            </a:r>
+            <a:r>
+              <a:rPr lang="en-US" dirty="0" err="1" smtClean="0"/>
+              <a:t>en.wikipedia.org</a:t>
+            </a:r>
+            <a:r>
+              <a:rPr lang="en-US" dirty="0" smtClean="0"/>
+              <a:t>/wiki/</a:t>
+            </a:r>
+            <a:r>
+              <a:rPr lang="en-US" dirty="0" err="1" smtClean="0"/>
+              <a:t>Infrastructure_as_Code</a:t>
+            </a:r>
             <a:endParaRPr lang="en-US" dirty="0"/>
           </a:p>
         </p:txBody>
@@ -2499,7 +3046,7 @@
     </p:spTree>
     <p:extLst>
       <p:ext uri="{BB962C8B-B14F-4D97-AF65-F5344CB8AC3E}">
-        <p14:creationId xmlns:p14="http://schemas.microsoft.com/office/powerpoint/2010/main" val="965224913"/>
+        <p14:creationId xmlns:p14="http://schemas.microsoft.com/office/powerpoint/2010/main" val="250611487"/>
       </p:ext>
     </p:extLst>
   </p:cSld>
@@ -2555,19 +3102,7 @@
           <a:p>
             <a:r>
               <a:rPr lang="en-US" dirty="0" smtClean="0"/>
-              <a:t>https://</a:t>
-            </a:r>
-            <a:r>
-              <a:rPr lang="en-US" dirty="0" err="1" smtClean="0"/>
-              <a:t>en.wikipedia.org</a:t>
-            </a:r>
-            <a:r>
-              <a:rPr lang="en-US" dirty="0" smtClean="0"/>
-              <a:t>/wiki/</a:t>
-            </a:r>
-            <a:r>
-              <a:rPr lang="en-US" dirty="0" err="1" smtClean="0"/>
-              <a:t>Infrastructure_as_Code</a:t>
+              <a:t>Demo Slide</a:t>
             </a:r>
             <a:endParaRPr lang="en-US" dirty="0"/>
           </a:p>
@@ -2590,7 +3125,7 @@
           <a:p>
             <a:fld id="{495C6D0C-1D89-BF45-8B1A-0D3C57F306C2}" type="slidenum">
               <a:rPr lang="en-US" smtClean="0"/>
-              <a:t>37</a:t>
+              <a:t>41</a:t>
             </a:fld>
             <a:endParaRPr lang="en-US"/>
           </a:p>
@@ -2599,7 +3134,7 @@
     </p:spTree>
     <p:extLst>
       <p:ext uri="{BB962C8B-B14F-4D97-AF65-F5344CB8AC3E}">
-        <p14:creationId xmlns:p14="http://schemas.microsoft.com/office/powerpoint/2010/main" val="250611487"/>
+        <p14:creationId xmlns:p14="http://schemas.microsoft.com/office/powerpoint/2010/main" val="1587175447"/>
       </p:ext>
     </p:extLst>
   </p:cSld>
@@ -2655,7 +3190,68 @@
           <a:p>
             <a:r>
               <a:rPr lang="en-US" dirty="0" smtClean="0"/>
-              <a:t>Demo Slide</a:t>
+              <a:t>https://</a:t>
+            </a:r>
+            <a:r>
+              <a:rPr lang="en-US" dirty="0" err="1" smtClean="0"/>
+              <a:t>www.vagrantup.com</a:t>
+            </a:r>
+            <a:r>
+              <a:rPr lang="en-US" dirty="0" smtClean="0"/>
+              <a:t>/intro/</a:t>
+            </a:r>
+            <a:r>
+              <a:rPr lang="en-US" dirty="0" err="1" smtClean="0"/>
+              <a:t>index.html</a:t>
+            </a:r>
+            <a:r>
+              <a:rPr lang="en-US" baseline="0" dirty="0" smtClean="0"/>
+              <a:t> - </a:t>
+            </a:r>
+            <a:r>
+              <a:rPr lang="en-US" dirty="0" smtClean="0"/>
+              <a:t>https</a:t>
+            </a:r>
+            <a:r>
+              <a:rPr lang="en-US" dirty="0" smtClean="0"/>
+              <a:t>://</a:t>
+            </a:r>
+            <a:r>
+              <a:rPr lang="en-US" dirty="0" err="1" smtClean="0"/>
+              <a:t>www.hashicorp.com</a:t>
+            </a:r>
+            <a:r>
+              <a:rPr lang="en-US" dirty="0" smtClean="0"/>
+              <a:t>/blog/the-</a:t>
+            </a:r>
+            <a:r>
+              <a:rPr lang="en-US" dirty="0" err="1" smtClean="0"/>
+              <a:t>tao</a:t>
+            </a:r>
+            <a:r>
+              <a:rPr lang="en-US" dirty="0" smtClean="0"/>
+              <a:t>-of-</a:t>
+            </a:r>
+            <a:r>
+              <a:rPr lang="en-US" dirty="0" err="1" smtClean="0"/>
+              <a:t>hashicorp</a:t>
+            </a:r>
+            <a:r>
+              <a:rPr lang="en-US" dirty="0" smtClean="0"/>
+              <a:t>/</a:t>
+            </a:r>
+          </a:p>
+          <a:p>
+            <a:endParaRPr lang="en-US" dirty="0" smtClean="0"/>
+          </a:p>
+          <a:p>
+            <a:r>
+              <a:rPr lang="en-US" dirty="0" smtClean="0"/>
+              <a:t>Composability</a:t>
+            </a:r>
+            <a:r>
+              <a:rPr lang="en-US" baseline="0" dirty="0" smtClean="0"/>
+              <a:t> is self-contained and modular, stateless and ephemeral </a:t>
             </a:r>
             <a:endParaRPr lang="en-US" dirty="0"/>
           </a:p>
@@ -2678,7 +3274,7 @@
           <a:p>
             <a:fld id="{495C6D0C-1D89-BF45-8B1A-0D3C57F306C2}" type="slidenum">
               <a:rPr lang="en-US" smtClean="0"/>
-              <a:t>41</a:t>
+              <a:t>42</a:t>
             </a:fld>
             <a:endParaRPr lang="en-US"/>
           </a:p>
@@ -2687,7 +3283,7 @@
     </p:spTree>
     <p:extLst>
       <p:ext uri="{BB962C8B-B14F-4D97-AF65-F5344CB8AC3E}">
-        <p14:creationId xmlns:p14="http://schemas.microsoft.com/office/powerpoint/2010/main" val="1007903716"/>
+        <p14:creationId xmlns:p14="http://schemas.microsoft.com/office/powerpoint/2010/main" val="1969432865"/>
       </p:ext>
     </p:extLst>
   </p:cSld>
@@ -2743,68 +3339,19 @@
           <a:p>
             <a:r>
               <a:rPr lang="en-US" dirty="0" smtClean="0"/>
-              <a:t>https://</a:t>
-            </a:r>
-            <a:r>
-              <a:rPr lang="en-US" dirty="0" err="1" smtClean="0"/>
-              <a:t>www.vagrantup.com</a:t>
-            </a:r>
-            <a:r>
-              <a:rPr lang="en-US" dirty="0" smtClean="0"/>
-              <a:t>/intro/</a:t>
-            </a:r>
-            <a:r>
-              <a:rPr lang="en-US" dirty="0" err="1" smtClean="0"/>
-              <a:t>index.html</a:t>
+              <a:t>So</a:t>
             </a:r>
             <a:r>
               <a:rPr lang="en-US" baseline="0" dirty="0" smtClean="0"/>
-              <a:t> - </a:t>
-            </a:r>
-            <a:r>
-              <a:rPr lang="en-US" dirty="0" smtClean="0"/>
-              <a:t>https</a:t>
-            </a:r>
-            <a:r>
-              <a:rPr lang="en-US" dirty="0" smtClean="0"/>
-              <a:t>://</a:t>
-            </a:r>
-            <a:r>
-              <a:rPr lang="en-US" dirty="0" err="1" smtClean="0"/>
-              <a:t>www.hashicorp.com</a:t>
-            </a:r>
-            <a:r>
-              <a:rPr lang="en-US" dirty="0" smtClean="0"/>
-              <a:t>/blog/the-</a:t>
-            </a:r>
-            <a:r>
-              <a:rPr lang="en-US" dirty="0" err="1" smtClean="0"/>
-              <a:t>tao</a:t>
-            </a:r>
-            <a:r>
-              <a:rPr lang="en-US" dirty="0" smtClean="0"/>
-              <a:t>-of-</a:t>
-            </a:r>
-            <a:r>
-              <a:rPr lang="en-US" dirty="0" err="1" smtClean="0"/>
-              <a:t>hashicorp</a:t>
-            </a:r>
-            <a:r>
-              <a:rPr lang="en-US" dirty="0" smtClean="0"/>
-              <a:t>/</a:t>
-            </a:r>
-          </a:p>
-          <a:p>
-            <a:endParaRPr lang="en-US" dirty="0" smtClean="0"/>
-          </a:p>
-          <a:p>
-            <a:r>
-              <a:rPr lang="en-US" dirty="0" smtClean="0"/>
-              <a:t>Composability</a:t>
+              <a:t> you can see how as a Terraform user with some small changes you can build out the exact same infrastructure in all your environments and cloud by customizing some variables and modifying the provider. This allows us to easily provision and orchestrate large changes across data centers, be cloud agnostic in our a technology choices and rapidly introduce change </a:t>
+            </a:r>
+            <a:r>
+              <a:rPr lang="en-US" baseline="0" dirty="0" err="1" smtClean="0"/>
+              <a:t>safetly</a:t>
             </a:r>
             <a:r>
               <a:rPr lang="en-US" baseline="0" dirty="0" smtClean="0"/>
-              <a:t> is self-contained and modular, stateless and ephemeral </a:t>
+              <a:t>.</a:t>
             </a:r>
             <a:endParaRPr lang="en-US" dirty="0"/>
           </a:p>
@@ -2827,7 +3374,7 @@
           <a:p>
             <a:fld id="{495C6D0C-1D89-BF45-8B1A-0D3C57F306C2}" type="slidenum">
               <a:rPr lang="en-US" smtClean="0"/>
-              <a:t>42</a:t>
+              <a:t>43</a:t>
             </a:fld>
             <a:endParaRPr lang="en-US"/>
           </a:p>
@@ -2836,7 +3383,7 @@
     </p:spTree>
     <p:extLst>
       <p:ext uri="{BB962C8B-B14F-4D97-AF65-F5344CB8AC3E}">
-        <p14:creationId xmlns:p14="http://schemas.microsoft.com/office/powerpoint/2010/main" val="1969432865"/>
+        <p14:creationId xmlns:p14="http://schemas.microsoft.com/office/powerpoint/2010/main" val="2134165097"/>
       </p:ext>
     </p:extLst>
   </p:cSld>
@@ -2935,6 +3482,53 @@
               <a:rPr lang="en-US" sz="1200" dirty="0" smtClean="0"/>
               <a:t>DevOps is about minimizing the challenges of shipping, rapidly iterating, and securing software applications.</a:t>
             </a:r>
+          </a:p>
+          <a:p>
+            <a:pPr marL="0" marR="0" indent="0" algn="l" defTabSz="914400" rtl="0" eaLnBrk="1" fontAlgn="auto" latinLnBrk="0" hangingPunct="1">
+              <a:lnSpc>
+                <a:spcPct val="100000"/>
+              </a:lnSpc>
+              <a:spcBef>
+                <a:spcPts val="0"/>
+              </a:spcBef>
+              <a:spcAft>
+                <a:spcPts val="0"/>
+              </a:spcAft>
+              <a:buClrTx/>
+              <a:buSzTx/>
+              <a:buFontTx/>
+              <a:buNone/>
+              <a:tabLst/>
+              <a:defRPr/>
+            </a:pPr>
+            <a:endParaRPr lang="en-US" sz="1200" b="0" i="0" kern="1200" dirty="0" smtClean="0">
+              <a:solidFill>
+                <a:schemeClr val="tx1"/>
+              </a:solidFill>
+              <a:effectLst/>
+              <a:latin typeface="+mn-lt"/>
+              <a:ea typeface="+mn-ea"/>
+              <a:cs typeface="+mn-cs"/>
+            </a:endParaRPr>
+          </a:p>
+          <a:p>
+            <a:pPr marL="0" marR="0" indent="0" algn="l" defTabSz="914400" rtl="0" eaLnBrk="1" fontAlgn="auto" latinLnBrk="0" hangingPunct="1">
+              <a:lnSpc>
+                <a:spcPct val="100000"/>
+              </a:lnSpc>
+              <a:spcBef>
+                <a:spcPts val="0"/>
+              </a:spcBef>
+              <a:spcAft>
+                <a:spcPts val="0"/>
+              </a:spcAft>
+              <a:buClrTx/>
+              <a:buSzTx/>
+              <a:buFontTx/>
+              <a:buNone/>
+              <a:tabLst/>
+              <a:defRPr/>
+            </a:pPr>
             <a:endParaRPr lang="en-US" sz="1200" b="0" i="0" kern="1200" dirty="0" smtClean="0">
               <a:solidFill>
                 <a:schemeClr val="tx1"/>
@@ -3316,8 +3910,32 @@
           <a:lstStyle/>
           <a:p>
             <a:r>
-              <a:rPr lang="en-US" dirty="0" smtClean="0"/>
-              <a:t>Any Questions?</a:t>
+              <a:rPr lang="en-US" dirty="0" err="1" smtClean="0"/>
+              <a:t>Similair</a:t>
+            </a:r>
+            <a:r>
+              <a:rPr lang="en-US" dirty="0" smtClean="0"/>
+              <a:t> to https://</a:t>
+            </a:r>
+            <a:r>
+              <a:rPr lang="en-US" dirty="0" err="1" smtClean="0"/>
+              <a:t>github.com</a:t>
+            </a:r>
+            <a:r>
+              <a:rPr lang="en-US" dirty="0" smtClean="0"/>
+              <a:t>/</a:t>
+            </a:r>
+            <a:r>
+              <a:rPr lang="en-US" dirty="0" err="1" smtClean="0"/>
+              <a:t>coreos</a:t>
+            </a:r>
+            <a:r>
+              <a:rPr lang="en-US" dirty="0" smtClean="0"/>
+              <a:t>/</a:t>
+            </a:r>
+            <a:r>
+              <a:rPr lang="en-US" dirty="0" err="1" smtClean="0"/>
+              <a:t>etcd</a:t>
             </a:r>
             <a:endParaRPr lang="en-US" dirty="0"/>
           </a:p>
@@ -3340,7 +3958,7 @@
           <a:p>
             <a:fld id="{495C6D0C-1D89-BF45-8B1A-0D3C57F306C2}" type="slidenum">
               <a:rPr lang="en-US" smtClean="0"/>
-              <a:t>43</a:t>
+              <a:t>44</a:t>
             </a:fld>
             <a:endParaRPr lang="en-US"/>
           </a:p>
@@ -3349,7 +3967,7 @@
     </p:spTree>
     <p:extLst>
       <p:ext uri="{BB962C8B-B14F-4D97-AF65-F5344CB8AC3E}">
-        <p14:creationId xmlns:p14="http://schemas.microsoft.com/office/powerpoint/2010/main" val="2134165097"/>
+        <p14:creationId xmlns:p14="http://schemas.microsoft.com/office/powerpoint/2010/main" val="714726720"/>
       </p:ext>
     </p:extLst>
   </p:cSld>
@@ -3405,70 +4023,121 @@
           <a:p>
             <a:r>
               <a:rPr lang="en-US" dirty="0" smtClean="0"/>
-              <a:t>https://</a:t>
-            </a:r>
-            <a:r>
-              <a:rPr lang="en-US" dirty="0" err="1" smtClean="0"/>
-              <a:t>www.vagrantup.com</a:t>
-            </a:r>
-            <a:r>
-              <a:rPr lang="en-US" dirty="0" smtClean="0"/>
-              <a:t>/intro/</a:t>
-            </a:r>
-            <a:r>
-              <a:rPr lang="en-US" dirty="0" err="1" smtClean="0"/>
-              <a:t>index.html</a:t>
+              <a:t>Service</a:t>
             </a:r>
             <a:r>
               <a:rPr lang="en-US" baseline="0" dirty="0" smtClean="0"/>
-              <a:t> - </a:t>
-            </a:r>
-            <a:r>
-              <a:rPr lang="en-US" dirty="0" smtClean="0"/>
-              <a:t>https</a:t>
-            </a:r>
-            <a:r>
-              <a:rPr lang="en-US" dirty="0" smtClean="0"/>
-              <a:t>://</a:t>
-            </a:r>
-            <a:r>
-              <a:rPr lang="en-US" dirty="0" err="1" smtClean="0"/>
-              <a:t>www.hashicorp.com</a:t>
-            </a:r>
-            <a:r>
-              <a:rPr lang="en-US" dirty="0" smtClean="0"/>
-              <a:t>/blog/the-</a:t>
-            </a:r>
-            <a:r>
-              <a:rPr lang="en-US" dirty="0" err="1" smtClean="0"/>
-              <a:t>tao</a:t>
-            </a:r>
-            <a:r>
-              <a:rPr lang="en-US" dirty="0" smtClean="0"/>
-              <a:t>-of-</a:t>
-            </a:r>
-            <a:r>
-              <a:rPr lang="en-US" dirty="0" err="1" smtClean="0"/>
-              <a:t>hashicorp</a:t>
-            </a:r>
-            <a:r>
-              <a:rPr lang="en-US" dirty="0" smtClean="0"/>
-              <a:t>/</a:t>
-            </a:r>
+              <a:t> Discovery </a:t>
+            </a:r>
+            <a:r>
+              <a:rPr lang="mr-IN" baseline="0" dirty="0" smtClean="0"/>
+              <a:t>–</a:t>
+            </a:r>
+            <a:r>
+              <a:rPr lang="en-US" baseline="0" dirty="0" smtClean="0"/>
+              <a:t> by configuring a simple check Consul is able to provide another Consul Client a DNS or HTTP API to query that services. </a:t>
+            </a:r>
+          </a:p>
+          <a:p>
+            <a:endParaRPr lang="en-US" baseline="0" dirty="0" smtClean="0"/>
+          </a:p>
+          <a:p>
+            <a:r>
+              <a:rPr lang="en-US" baseline="0" dirty="0" smtClean="0"/>
+              <a:t>Health Checking </a:t>
+            </a:r>
+            <a:r>
+              <a:rPr lang="mr-IN" baseline="0" dirty="0" smtClean="0"/>
+              <a:t>–</a:t>
+            </a:r>
+            <a:r>
+              <a:rPr lang="en-US" baseline="0" dirty="0" smtClean="0"/>
+              <a:t> either as part of a service configuration for discovery or a separate check for something like memory consumption Consul can be used to monitor and manage cluster health</a:t>
+            </a:r>
+          </a:p>
+          <a:p>
+            <a:endParaRPr lang="en-US" baseline="0" dirty="0" smtClean="0"/>
+          </a:p>
+          <a:p>
+            <a:r>
+              <a:rPr lang="en-US" baseline="0" dirty="0" smtClean="0"/>
+              <a:t>Consul can also supports a KV store that can be used by applications for </a:t>
+            </a:r>
+            <a:r>
+              <a:rPr lang="en-US" sz="1200" b="0" i="0" kern="1200" dirty="0" smtClean="0">
+                <a:solidFill>
+                  <a:schemeClr val="tx1"/>
+                </a:solidFill>
+                <a:effectLst/>
+                <a:latin typeface="+mn-lt"/>
+                <a:ea typeface="+mn-ea"/>
+                <a:cs typeface="+mn-cs"/>
+              </a:rPr>
+              <a:t>dynamic configuration, feature flagging, coordination, and even</a:t>
+            </a:r>
+            <a:r>
+              <a:rPr lang="en-US" sz="1200" b="0" i="0" kern="1200" baseline="0" dirty="0" smtClean="0">
+                <a:solidFill>
+                  <a:schemeClr val="tx1"/>
+                </a:solidFill>
+                <a:effectLst/>
+                <a:latin typeface="+mn-lt"/>
+                <a:ea typeface="+mn-ea"/>
+                <a:cs typeface="+mn-cs"/>
+              </a:rPr>
+              <a:t> leader election will be specifically called out in the demo.</a:t>
+            </a:r>
+          </a:p>
+          <a:p>
+            <a:endParaRPr lang="en-US" sz="1200" b="0" i="0" kern="1200" baseline="0" dirty="0" smtClean="0">
+              <a:solidFill>
+                <a:schemeClr val="tx1"/>
+              </a:solidFill>
+              <a:effectLst/>
+              <a:latin typeface="+mn-lt"/>
+              <a:ea typeface="+mn-ea"/>
+              <a:cs typeface="+mn-cs"/>
+            </a:endParaRPr>
+          </a:p>
+          <a:p>
+            <a:endParaRPr lang="en-US" sz="1200" b="0" i="0" kern="1200" baseline="0" dirty="0" smtClean="0">
+              <a:solidFill>
+                <a:schemeClr val="tx1"/>
+              </a:solidFill>
+              <a:effectLst/>
+              <a:latin typeface="+mn-lt"/>
+              <a:ea typeface="+mn-ea"/>
+              <a:cs typeface="+mn-cs"/>
+            </a:endParaRPr>
+          </a:p>
+          <a:p>
+            <a:endParaRPr lang="en-US" sz="1200" b="0" i="0" kern="1200" baseline="0" dirty="0" smtClean="0">
+              <a:solidFill>
+                <a:schemeClr val="tx1"/>
+              </a:solidFill>
+              <a:effectLst/>
+              <a:latin typeface="+mn-lt"/>
+              <a:ea typeface="+mn-ea"/>
+              <a:cs typeface="+mn-cs"/>
+            </a:endParaRPr>
+          </a:p>
+          <a:p>
+            <a:endParaRPr lang="en-US" baseline="0" dirty="0" smtClean="0"/>
+          </a:p>
+          <a:p>
+            <a:endParaRPr lang="en-US" baseline="0" dirty="0" smtClean="0"/>
+          </a:p>
+          <a:p>
+            <a:endParaRPr lang="en-US" baseline="0" dirty="0" smtClean="0"/>
+          </a:p>
+          <a:p>
+            <a:endParaRPr lang="en-US" baseline="0" dirty="0" smtClean="0"/>
+          </a:p>
+          <a:p>
+            <a:endParaRPr lang="en-US" baseline="0" dirty="0" smtClean="0"/>
           </a:p>
           <a:p>
             <a:endParaRPr lang="en-US" dirty="0" smtClean="0"/>
-          </a:p>
-          <a:p>
-            <a:r>
-              <a:rPr lang="en-US" dirty="0" smtClean="0"/>
-              <a:t>Composability</a:t>
-            </a:r>
-            <a:r>
-              <a:rPr lang="en-US" baseline="0" dirty="0" smtClean="0"/>
-              <a:t> is self-contained and modular, stateless and ephemeral </a:t>
-            </a:r>
-            <a:endParaRPr lang="en-US" dirty="0"/>
           </a:p>
         </p:txBody>
       </p:sp>
@@ -3490,6 +4159,377 @@
             <a:fld id="{495C6D0C-1D89-BF45-8B1A-0D3C57F306C2}" type="slidenum">
               <a:rPr lang="en-US" smtClean="0"/>
               <a:t>45</a:t>
+            </a:fld>
+            <a:endParaRPr lang="en-US"/>
+          </a:p>
+        </p:txBody>
+      </p:sp>
+    </p:spTree>
+    <p:extLst>
+      <p:ext uri="{BB962C8B-B14F-4D97-AF65-F5344CB8AC3E}">
+        <p14:creationId xmlns:p14="http://schemas.microsoft.com/office/powerpoint/2010/main" val="2107520076"/>
+      </p:ext>
+    </p:extLst>
+  </p:cSld>
+  <p:clrMapOvr>
+    <a:masterClrMapping/>
+  </p:clrMapOvr>
+</p:notes>
+</file>
+
+<file path=ppt/notesSlides/notesSlide32.xml><?xml version="1.0" encoding="utf-8"?>
+<p:notes xmlns:a="http://schemas.openxmlformats.org/drawingml/2006/main" xmlns:r="http://schemas.openxmlformats.org/officeDocument/2006/relationships" xmlns:p="http://schemas.openxmlformats.org/presentationml/2006/main">
+  <p:cSld>
+    <p:spTree>
+      <p:nvGrpSpPr>
+        <p:cNvPr id="1" name=""/>
+        <p:cNvGrpSpPr/>
+        <p:nvPr/>
+      </p:nvGrpSpPr>
+      <p:grpSpPr>
+        <a:xfrm>
+          <a:off x="0" y="0"/>
+          <a:ext cx="0" cy="0"/>
+          <a:chOff x="0" y="0"/>
+          <a:chExt cx="0" cy="0"/>
+        </a:xfrm>
+      </p:grpSpPr>
+      <p:sp>
+        <p:nvSpPr>
+          <p:cNvPr id="2" name="Slide Image Placeholder 1"/>
+          <p:cNvSpPr>
+            <a:spLocks noGrp="1" noRot="1" noChangeAspect="1"/>
+          </p:cNvSpPr>
+          <p:nvPr>
+            <p:ph type="sldImg"/>
+          </p:nvPr>
+        </p:nvSpPr>
+        <p:spPr/>
+      </p:sp>
+      <p:sp>
+        <p:nvSpPr>
+          <p:cNvPr id="3" name="Notes Placeholder 2"/>
+          <p:cNvSpPr>
+            <a:spLocks noGrp="1"/>
+          </p:cNvSpPr>
+          <p:nvPr>
+            <p:ph type="body" idx="1"/>
+          </p:nvPr>
+        </p:nvSpPr>
+        <p:spPr/>
+        <p:txBody>
+          <a:bodyPr/>
+          <a:lstStyle/>
+          <a:p>
+            <a:r>
+              <a:rPr lang="en-US" dirty="0" smtClean="0"/>
+              <a:t>So lets talk about each of the individual</a:t>
+            </a:r>
+            <a:r>
+              <a:rPr lang="en-US" baseline="0" dirty="0" smtClean="0"/>
+              <a:t> features in </a:t>
+            </a:r>
+            <a:r>
+              <a:rPr lang="en-US" baseline="0" smtClean="0"/>
+              <a:t>more depth.</a:t>
+            </a:r>
+            <a:endParaRPr lang="en-US" smtClean="0"/>
+          </a:p>
+          <a:p>
+            <a:endParaRPr lang="en-US" dirty="0" smtClean="0"/>
+          </a:p>
+          <a:p>
+            <a:r>
+              <a:rPr lang="en-US" dirty="0" smtClean="0"/>
+              <a:t>When</a:t>
+            </a:r>
+            <a:r>
+              <a:rPr lang="en-US" baseline="0" dirty="0" smtClean="0"/>
+              <a:t> you query the DNS or HTTP API it will return all the nodes in the cluster that have that service and their advertised address. This is extremely useful when it comes to clustering applications, </a:t>
+            </a:r>
+            <a:endParaRPr lang="en-US" dirty="0" smtClean="0"/>
+          </a:p>
+        </p:txBody>
+      </p:sp>
+      <p:sp>
+        <p:nvSpPr>
+          <p:cNvPr id="4" name="Slide Number Placeholder 3"/>
+          <p:cNvSpPr>
+            <a:spLocks noGrp="1"/>
+          </p:cNvSpPr>
+          <p:nvPr>
+            <p:ph type="sldNum" sz="quarter" idx="10"/>
+          </p:nvPr>
+        </p:nvSpPr>
+        <p:spPr/>
+        <p:txBody>
+          <a:bodyPr/>
+          <a:lstStyle/>
+          <a:p>
+            <a:fld id="{495C6D0C-1D89-BF45-8B1A-0D3C57F306C2}" type="slidenum">
+              <a:rPr lang="en-US" smtClean="0"/>
+              <a:t>46</a:t>
+            </a:fld>
+            <a:endParaRPr lang="en-US"/>
+          </a:p>
+        </p:txBody>
+      </p:sp>
+    </p:spTree>
+    <p:extLst>
+      <p:ext uri="{BB962C8B-B14F-4D97-AF65-F5344CB8AC3E}">
+        <p14:creationId xmlns:p14="http://schemas.microsoft.com/office/powerpoint/2010/main" val="1321597570"/>
+      </p:ext>
+    </p:extLst>
+  </p:cSld>
+  <p:clrMapOvr>
+    <a:masterClrMapping/>
+  </p:clrMapOvr>
+</p:notes>
+</file>
+
+<file path=ppt/notesSlides/notesSlide33.xml><?xml version="1.0" encoding="utf-8"?>
+<p:notes xmlns:a="http://schemas.openxmlformats.org/drawingml/2006/main" xmlns:r="http://schemas.openxmlformats.org/officeDocument/2006/relationships" xmlns:p="http://schemas.openxmlformats.org/presentationml/2006/main">
+  <p:cSld>
+    <p:spTree>
+      <p:nvGrpSpPr>
+        <p:cNvPr id="1" name=""/>
+        <p:cNvGrpSpPr/>
+        <p:nvPr/>
+      </p:nvGrpSpPr>
+      <p:grpSpPr>
+        <a:xfrm>
+          <a:off x="0" y="0"/>
+          <a:ext cx="0" cy="0"/>
+          <a:chOff x="0" y="0"/>
+          <a:chExt cx="0" cy="0"/>
+        </a:xfrm>
+      </p:grpSpPr>
+      <p:sp>
+        <p:nvSpPr>
+          <p:cNvPr id="2" name="Slide Image Placeholder 1"/>
+          <p:cNvSpPr>
+            <a:spLocks noGrp="1" noRot="1" noChangeAspect="1"/>
+          </p:cNvSpPr>
+          <p:nvPr>
+            <p:ph type="sldImg"/>
+          </p:nvPr>
+        </p:nvSpPr>
+        <p:spPr/>
+      </p:sp>
+      <p:sp>
+        <p:nvSpPr>
+          <p:cNvPr id="3" name="Notes Placeholder 2"/>
+          <p:cNvSpPr>
+            <a:spLocks noGrp="1"/>
+          </p:cNvSpPr>
+          <p:nvPr>
+            <p:ph type="body" idx="1"/>
+          </p:nvPr>
+        </p:nvSpPr>
+        <p:spPr/>
+        <p:txBody>
+          <a:bodyPr/>
+          <a:lstStyle/>
+          <a:p>
+            <a:r>
+              <a:rPr lang="en-US" dirty="0" err="1"/>
+              <a:t>Similair</a:t>
+            </a:r>
+            <a:r>
+              <a:rPr lang="en-US" dirty="0"/>
+              <a:t> to https://</a:t>
+            </a:r>
+            <a:r>
+              <a:rPr lang="en-US" dirty="0" err="1"/>
+              <a:t>github.com</a:t>
+            </a:r>
+            <a:r>
+              <a:rPr lang="en-US" dirty="0"/>
+              <a:t>/</a:t>
+            </a:r>
+            <a:r>
+              <a:rPr lang="en-US" dirty="0" err="1"/>
+              <a:t>coreos</a:t>
+            </a:r>
+            <a:r>
+              <a:rPr lang="en-US" dirty="0"/>
+              <a:t>/</a:t>
+            </a:r>
+            <a:r>
+              <a:rPr lang="en-US" dirty="0" err="1"/>
+              <a:t>etcd</a:t>
+            </a:r>
+            <a:endParaRPr lang="en-US" dirty="0"/>
+          </a:p>
+        </p:txBody>
+      </p:sp>
+      <p:sp>
+        <p:nvSpPr>
+          <p:cNvPr id="4" name="Slide Number Placeholder 3"/>
+          <p:cNvSpPr>
+            <a:spLocks noGrp="1"/>
+          </p:cNvSpPr>
+          <p:nvPr>
+            <p:ph type="sldNum" sz="quarter" idx="10"/>
+          </p:nvPr>
+        </p:nvSpPr>
+        <p:spPr/>
+        <p:txBody>
+          <a:bodyPr/>
+          <a:lstStyle/>
+          <a:p>
+            <a:fld id="{495C6D0C-1D89-BF45-8B1A-0D3C57F306C2}" type="slidenum">
+              <a:rPr lang="en-US" smtClean="0"/>
+              <a:t>47</a:t>
+            </a:fld>
+            <a:endParaRPr lang="en-US"/>
+          </a:p>
+        </p:txBody>
+      </p:sp>
+    </p:spTree>
+    <p:extLst>
+      <p:ext uri="{BB962C8B-B14F-4D97-AF65-F5344CB8AC3E}">
+        <p14:creationId xmlns:p14="http://schemas.microsoft.com/office/powerpoint/2010/main" val="1525139726"/>
+      </p:ext>
+    </p:extLst>
+  </p:cSld>
+  <p:clrMapOvr>
+    <a:masterClrMapping/>
+  </p:clrMapOvr>
+</p:notes>
+</file>
+
+<file path=ppt/notesSlides/notesSlide34.xml><?xml version="1.0" encoding="utf-8"?>
+<p:notes xmlns:a="http://schemas.openxmlformats.org/drawingml/2006/main" xmlns:r="http://schemas.openxmlformats.org/officeDocument/2006/relationships" xmlns:p="http://schemas.openxmlformats.org/presentationml/2006/main">
+  <p:cSld>
+    <p:spTree>
+      <p:nvGrpSpPr>
+        <p:cNvPr id="1" name=""/>
+        <p:cNvGrpSpPr/>
+        <p:nvPr/>
+      </p:nvGrpSpPr>
+      <p:grpSpPr>
+        <a:xfrm>
+          <a:off x="0" y="0"/>
+          <a:ext cx="0" cy="0"/>
+          <a:chOff x="0" y="0"/>
+          <a:chExt cx="0" cy="0"/>
+        </a:xfrm>
+      </p:grpSpPr>
+      <p:sp>
+        <p:nvSpPr>
+          <p:cNvPr id="2" name="Slide Image Placeholder 1"/>
+          <p:cNvSpPr>
+            <a:spLocks noGrp="1" noRot="1" noChangeAspect="1"/>
+          </p:cNvSpPr>
+          <p:nvPr>
+            <p:ph type="sldImg"/>
+          </p:nvPr>
+        </p:nvSpPr>
+        <p:spPr/>
+      </p:sp>
+      <p:sp>
+        <p:nvSpPr>
+          <p:cNvPr id="3" name="Notes Placeholder 2"/>
+          <p:cNvSpPr>
+            <a:spLocks noGrp="1"/>
+          </p:cNvSpPr>
+          <p:nvPr>
+            <p:ph type="body" idx="1"/>
+          </p:nvPr>
+        </p:nvSpPr>
+        <p:spPr/>
+        <p:txBody>
+          <a:bodyPr/>
+          <a:lstStyle/>
+          <a:p>
+            <a:r>
+              <a:rPr lang="en-US" dirty="0" smtClean="0"/>
+              <a:t>https://</a:t>
+            </a:r>
+            <a:r>
+              <a:rPr lang="en-US" dirty="0" err="1" smtClean="0"/>
+              <a:t>www.vagrantup.com</a:t>
+            </a:r>
+            <a:r>
+              <a:rPr lang="en-US" dirty="0" smtClean="0"/>
+              <a:t>/intro/</a:t>
+            </a:r>
+            <a:r>
+              <a:rPr lang="en-US" dirty="0" err="1" smtClean="0"/>
+              <a:t>index.html</a:t>
+            </a:r>
+            <a:r>
+              <a:rPr lang="en-US" baseline="0" dirty="0" smtClean="0"/>
+              <a:t> - </a:t>
+            </a:r>
+            <a:r>
+              <a:rPr lang="en-US" dirty="0" smtClean="0"/>
+              <a:t>https</a:t>
+            </a:r>
+            <a:r>
+              <a:rPr lang="en-US" dirty="0" smtClean="0"/>
+              <a:t>://</a:t>
+            </a:r>
+            <a:r>
+              <a:rPr lang="en-US" dirty="0" err="1" smtClean="0"/>
+              <a:t>www.hashicorp.com</a:t>
+            </a:r>
+            <a:r>
+              <a:rPr lang="en-US" dirty="0" smtClean="0"/>
+              <a:t>/blog/the-</a:t>
+            </a:r>
+            <a:r>
+              <a:rPr lang="en-US" dirty="0" err="1" smtClean="0"/>
+              <a:t>tao</a:t>
+            </a:r>
+            <a:r>
+              <a:rPr lang="en-US" dirty="0" smtClean="0"/>
+              <a:t>-of-</a:t>
+            </a:r>
+            <a:r>
+              <a:rPr lang="en-US" dirty="0" err="1" smtClean="0"/>
+              <a:t>hashicorp</a:t>
+            </a:r>
+            <a:r>
+              <a:rPr lang="en-US" dirty="0" smtClean="0"/>
+              <a:t>/</a:t>
+            </a:r>
+          </a:p>
+          <a:p>
+            <a:endParaRPr lang="en-US" dirty="0" smtClean="0"/>
+          </a:p>
+          <a:p>
+            <a:r>
+              <a:rPr lang="en-US" dirty="0" smtClean="0"/>
+              <a:t>Composability</a:t>
+            </a:r>
+            <a:r>
+              <a:rPr lang="en-US" baseline="0" dirty="0" smtClean="0"/>
+              <a:t> is self-contained and modular, stateless and ephemeral </a:t>
+            </a:r>
+            <a:endParaRPr lang="en-US" dirty="0"/>
+          </a:p>
+        </p:txBody>
+      </p:sp>
+      <p:sp>
+        <p:nvSpPr>
+          <p:cNvPr id="4" name="Slide Number Placeholder 3"/>
+          <p:cNvSpPr>
+            <a:spLocks noGrp="1"/>
+          </p:cNvSpPr>
+          <p:nvPr>
+            <p:ph type="sldNum" sz="quarter" idx="10"/>
+          </p:nvPr>
+        </p:nvSpPr>
+        <p:spPr/>
+        <p:txBody>
+          <a:bodyPr/>
+          <a:lstStyle/>
+          <a:p>
+            <a:fld id="{495C6D0C-1D89-BF45-8B1A-0D3C57F306C2}" type="slidenum">
+              <a:rPr lang="en-US" smtClean="0"/>
+              <a:t>49</a:t>
             </a:fld>
             <a:endParaRPr lang="en-US"/>
           </a:p>
@@ -3558,7 +4598,7 @@
             </a:r>
             <a:r>
               <a:rPr lang="en-US" baseline="0" dirty="0" smtClean="0"/>
-              <a:t> waterfall methodology has a lot of wait times included in the process. Waiting for requirements, waiting for infrastructure and waiting for security reviews. If at any point in the cycle there’s an issue the entire cycle needs to restart, for example if Security scans and finds a vulnerability, the application and infrastructure need to be returned to the teams and reviewed before being resubmitted for scanning and approval.</a:t>
+              <a:t> waterfall methodology has a lot of wait times included in the process. Waiting for requirements, waiting for infrastructure and waiting for security reviews. If at any point in the cycle there’s an issue the entire cycle needs to restart, for example if Security scans and finds a vulnerability, the application and infrastructure need to be returned to the teams and reviewed again before being resubmitted for scanning and approval.</a:t>
             </a:r>
             <a:endParaRPr lang="en-US" dirty="0"/>
           </a:p>
@@ -3650,7 +4690,7 @@
             </a:r>
             <a:r>
               <a:rPr lang="en-US" sz="2000" baseline="0" dirty="0" smtClean="0"/>
-              <a:t> and collaborate on requirements and deliver value to the end customer. If just one these organizations started increasing the velocity at which they work how much faster could we deliver value to our customers whether they be internal or external or part of the Dev Ops cycle. </a:t>
+              <a:t> and collaborate on requirements and deliver value to the end customer. If just one these organizations started increasing the velocity at which they work how much faster could we deliver value to our customers whether they be internal or external or even part of the Dev Ops cycle. </a:t>
             </a:r>
             <a:endParaRPr lang="en-US" sz="2000" dirty="0"/>
           </a:p>
@@ -3736,6 +4776,134 @@
           <a:bodyPr/>
           <a:lstStyle/>
           <a:p>
+            <a:pPr marL="0" marR="0" indent="0" algn="l" defTabSz="914400" rtl="0" eaLnBrk="1" fontAlgn="auto" latinLnBrk="0" hangingPunct="1">
+              <a:lnSpc>
+                <a:spcPct val="100000"/>
+              </a:lnSpc>
+              <a:spcBef>
+                <a:spcPts val="0"/>
+              </a:spcBef>
+              <a:spcAft>
+                <a:spcPts val="0"/>
+              </a:spcAft>
+              <a:buClrTx/>
+              <a:buSzTx/>
+              <a:buFontTx/>
+              <a:buNone/>
+              <a:tabLst/>
+              <a:defRPr/>
+            </a:pPr>
+            <a:r>
+              <a:rPr lang="en-US" b="1" dirty="0" smtClean="0"/>
+              <a:t>of all components</a:t>
+            </a:r>
+            <a:r>
+              <a:rPr lang="en-US" b="1" baseline="0" dirty="0" smtClean="0"/>
+              <a:t> </a:t>
+            </a:r>
+            <a:r>
+              <a:rPr lang="mr-IN" b="1" baseline="0" dirty="0" smtClean="0"/>
+              <a:t>–</a:t>
+            </a:r>
+            <a:r>
+              <a:rPr lang="en-US" b="1" baseline="0" dirty="0" smtClean="0"/>
+              <a:t> </a:t>
+            </a:r>
+            <a:r>
+              <a:rPr lang="en-US" b="0" baseline="0" dirty="0" smtClean="0"/>
+              <a:t>whether it be application features, infrastructure upgrades or security requirements.</a:t>
+            </a:r>
+          </a:p>
+          <a:p>
+            <a:pPr marL="0" marR="0" indent="0" algn="l" defTabSz="914400" rtl="0" eaLnBrk="1" fontAlgn="auto" latinLnBrk="0" hangingPunct="1">
+              <a:lnSpc>
+                <a:spcPct val="100000"/>
+              </a:lnSpc>
+              <a:spcBef>
+                <a:spcPts val="0"/>
+              </a:spcBef>
+              <a:spcAft>
+                <a:spcPts val="0"/>
+              </a:spcAft>
+              <a:buClrTx/>
+              <a:buSzTx/>
+              <a:buFontTx/>
+              <a:buNone/>
+              <a:tabLst/>
+              <a:defRPr/>
+            </a:pPr>
+            <a:endParaRPr lang="en-US" b="0" baseline="0" dirty="0" smtClean="0"/>
+          </a:p>
+          <a:p>
+            <a:pPr marL="0" marR="0" indent="0" algn="l" defTabSz="914400" rtl="0" eaLnBrk="1" fontAlgn="auto" latinLnBrk="0" hangingPunct="1">
+              <a:lnSpc>
+                <a:spcPct val="100000"/>
+              </a:lnSpc>
+              <a:spcBef>
+                <a:spcPts val="0"/>
+              </a:spcBef>
+              <a:spcAft>
+                <a:spcPts val="0"/>
+              </a:spcAft>
+              <a:buClrTx/>
+              <a:buSzTx/>
+              <a:buFontTx/>
+              <a:buNone/>
+              <a:tabLst/>
+              <a:defRPr/>
+            </a:pPr>
+            <a:r>
+              <a:rPr lang="en-US" b="0" baseline="0" dirty="0" smtClean="0"/>
+              <a:t>And when it comes down to ROI </a:t>
+            </a:r>
+            <a:endParaRPr lang="en-US" b="0" dirty="0" smtClean="0"/>
+          </a:p>
+          <a:p>
+            <a:endParaRPr lang="en-US" dirty="0" smtClean="0"/>
+          </a:p>
+          <a:p>
+            <a:r>
+              <a:rPr lang="en-US" dirty="0" smtClean="0"/>
+              <a:t>So simply put shifting towards a Dev</a:t>
+            </a:r>
+            <a:r>
+              <a:rPr lang="en-US" baseline="0" dirty="0" smtClean="0"/>
+              <a:t> Ops culture will make your company more profitable.</a:t>
+            </a:r>
+            <a:endParaRPr lang="en-US" dirty="0" smtClean="0"/>
+          </a:p>
+          <a:p>
+            <a:endParaRPr lang="en-US" dirty="0" smtClean="0"/>
+          </a:p>
+          <a:p>
+            <a:r>
+              <a:rPr lang="en-US" dirty="0" smtClean="0"/>
+              <a:t>https://</a:t>
+            </a:r>
+            <a:r>
+              <a:rPr lang="en-US" dirty="0" err="1" smtClean="0"/>
+              <a:t>devops.com</a:t>
+            </a:r>
+            <a:r>
+              <a:rPr lang="en-US" dirty="0" smtClean="0"/>
+              <a:t>/the-</a:t>
+            </a:r>
+            <a:r>
+              <a:rPr lang="en-US" dirty="0" err="1" smtClean="0"/>
+              <a:t>roi</a:t>
+            </a:r>
+            <a:r>
+              <a:rPr lang="en-US" dirty="0" smtClean="0"/>
+              <a:t>-of-enterprise-</a:t>
+            </a:r>
+            <a:r>
+              <a:rPr lang="en-US" dirty="0" err="1" smtClean="0"/>
+              <a:t>devops</a:t>
+            </a:r>
+            <a:r>
+              <a:rPr lang="en-US" dirty="0" smtClean="0"/>
+              <a:t>/</a:t>
+            </a:r>
             <a:endParaRPr lang="en-US" dirty="0"/>
           </a:p>
         </p:txBody>
@@ -3822,7 +4990,7 @@
           <a:p>
             <a:r>
               <a:rPr lang="en-US" baseline="0" dirty="0" smtClean="0"/>
-              <a:t>But who and where are our customers?  They are globally distributed so we need to be as well.</a:t>
+              <a:t>So instead of the traditional waterfall methodology we have a continuous cycle of delivering features and value to our customers. But who and where are our customers?  They are globally distributed so we need to be as well.</a:t>
             </a:r>
             <a:endParaRPr lang="en-US" dirty="0"/>
           </a:p>
@@ -3910,6 +5078,20 @@
           <a:p>
             <a:r>
               <a:rPr lang="en-US" dirty="0" smtClean="0"/>
+              <a:t>This means that they will have a private</a:t>
+            </a:r>
+            <a:r>
+              <a:rPr lang="en-US" baseline="0" dirty="0" smtClean="0"/>
+              <a:t> and public cloud footprint, possibly even multiple public clouds.</a:t>
+            </a:r>
+            <a:endParaRPr lang="en-US" dirty="0" smtClean="0"/>
+          </a:p>
+          <a:p>
+            <a:endParaRPr lang="en-US" dirty="0" smtClean="0"/>
+          </a:p>
+          <a:p>
+            <a:r>
+              <a:rPr lang="en-US" dirty="0" smtClean="0"/>
               <a:t>http://</a:t>
             </a:r>
             <a:r>
@@ -4105,141 +5287,93 @@
           <a:p>
             <a:r>
               <a:rPr lang="en-US" dirty="0" smtClean="0"/>
-              <a:t>Why is this?</a:t>
-            </a:r>
-          </a:p>
-          <a:p>
+              <a:t>Need</a:t>
+            </a:r>
+            <a:r>
+              <a:rPr lang="en-US" baseline="0" dirty="0" smtClean="0"/>
+              <a:t> </a:t>
+            </a:r>
+            <a:r>
+              <a:rPr lang="mr-IN" baseline="0" dirty="0" smtClean="0"/>
+              <a:t>–</a:t>
+            </a:r>
+            <a:r>
+              <a:rPr lang="en-US" baseline="0" dirty="0" smtClean="0"/>
+              <a:t> in this new model</a:t>
+            </a:r>
+          </a:p>
+          <a:p>
+            <a:endParaRPr lang="en-US" baseline="0" dirty="0" smtClean="0"/>
+          </a:p>
+          <a:p>
+            <a:r>
+              <a:rPr lang="en-US" baseline="0" dirty="0" smtClean="0"/>
+              <a:t>Environments </a:t>
+            </a:r>
+            <a:r>
+              <a:rPr lang="mr-IN" baseline="0" dirty="0" smtClean="0"/>
+              <a:t>–</a:t>
+            </a:r>
+            <a:r>
+              <a:rPr lang="en-US" baseline="0" dirty="0" smtClean="0"/>
+              <a:t> if we focus on feature driven outcomes that means significantly more deployments to handle</a:t>
+            </a:r>
             <a:endParaRPr lang="en-US" dirty="0" smtClean="0"/>
           </a:p>
           <a:p>
-            <a:r>
-              <a:rPr lang="en-US" dirty="0" smtClean="0"/>
-              <a:t>We either don’t have enough time to address the vulnerabilities,</a:t>
+            <a:endParaRPr lang="en-US" dirty="0" smtClean="0"/>
+          </a:p>
+          <a:p>
+            <a:r>
+              <a:rPr lang="en-US" dirty="0" smtClean="0"/>
+              <a:t>Hybrid infrastructure</a:t>
             </a:r>
             <a:r>
               <a:rPr lang="en-US" baseline="0" dirty="0" smtClean="0"/>
-              <a:t> can’t rapidly update our underlying technology fast enough or are adverse to change because it will impact application stability</a:t>
-            </a:r>
-            <a:endParaRPr lang="en-US" dirty="0" smtClean="0"/>
-          </a:p>
-          <a:p>
-            <a:endParaRPr lang="en-US" dirty="0" smtClean="0"/>
-          </a:p>
-          <a:p>
-            <a:endParaRPr lang="en-US" dirty="0" smtClean="0"/>
-          </a:p>
-          <a:p>
-            <a:r>
-              <a:rPr lang="en-US" dirty="0" smtClean="0"/>
-              <a:t>http://</a:t>
-            </a:r>
-            <a:r>
-              <a:rPr lang="en-US" dirty="0" err="1" smtClean="0"/>
-              <a:t>www.gartner.com</a:t>
-            </a:r>
-            <a:r>
-              <a:rPr lang="en-US" dirty="0" smtClean="0"/>
-              <a:t>/newsroom/id/3666917 - </a:t>
-            </a:r>
-            <a:r>
-              <a:rPr lang="en-US" sz="1200" b="1" i="0" kern="1200" dirty="0" smtClean="0">
-                <a:solidFill>
-                  <a:schemeClr val="tx1"/>
-                </a:solidFill>
-                <a:effectLst/>
-                <a:latin typeface="+mn-lt"/>
-                <a:ea typeface="+mn-ea"/>
-                <a:cs typeface="+mn-cs"/>
-              </a:rPr>
-              <a:t>Gartner predicts that by 2020, 90 percent of organizations will adopt hybrid infrastructure management capabilities.</a:t>
-            </a:r>
-          </a:p>
-          <a:p>
-            <a:pPr marL="0" marR="0" indent="0" algn="l" defTabSz="914400" rtl="0" eaLnBrk="1" fontAlgn="auto" latinLnBrk="0" hangingPunct="1">
-              <a:lnSpc>
-                <a:spcPct val="100000"/>
-              </a:lnSpc>
-              <a:spcBef>
-                <a:spcPts val="0"/>
-              </a:spcBef>
-              <a:spcAft>
-                <a:spcPts val="0"/>
-              </a:spcAft>
-              <a:buClrTx/>
-              <a:buSzTx/>
-              <a:buFontTx/>
-              <a:buNone/>
-              <a:tabLst/>
-              <a:defRPr/>
-            </a:pPr>
-            <a:r>
-              <a:rPr lang="en-US" sz="1200" b="0" i="0" kern="1200" dirty="0" smtClean="0">
-                <a:solidFill>
-                  <a:schemeClr val="tx1"/>
-                </a:solidFill>
-                <a:effectLst/>
-                <a:latin typeface="+mn-lt"/>
-                <a:ea typeface="+mn-ea"/>
-                <a:cs typeface="+mn-cs"/>
-              </a:rPr>
-              <a:t>https://</a:t>
-            </a:r>
-            <a:r>
-              <a:rPr lang="en-US" sz="1200" b="0" i="0" kern="1200" dirty="0" err="1" smtClean="0">
-                <a:solidFill>
-                  <a:schemeClr val="tx1"/>
-                </a:solidFill>
-                <a:effectLst/>
-                <a:latin typeface="+mn-lt"/>
-                <a:ea typeface="+mn-ea"/>
-                <a:cs typeface="+mn-cs"/>
-              </a:rPr>
-              <a:t>www.technative.io</a:t>
-            </a:r>
-            <a:r>
-              <a:rPr lang="en-US" sz="1200" b="0" i="0" kern="1200" dirty="0" smtClean="0">
-                <a:solidFill>
-                  <a:schemeClr val="tx1"/>
-                </a:solidFill>
-                <a:effectLst/>
-                <a:latin typeface="+mn-lt"/>
-                <a:ea typeface="+mn-ea"/>
-                <a:cs typeface="+mn-cs"/>
-              </a:rPr>
-              <a:t>/90-of-organizations-will-adopt-hybrid-it-infrastructure-by-2020/ - </a:t>
-            </a:r>
-            <a:r>
-              <a:rPr lang="en-US" sz="1200" b="1" i="0" kern="1200" dirty="0" smtClean="0">
-                <a:solidFill>
-                  <a:schemeClr val="tx1"/>
-                </a:solidFill>
-                <a:effectLst/>
-                <a:latin typeface="+mn-lt"/>
-                <a:ea typeface="+mn-ea"/>
-                <a:cs typeface="+mn-cs"/>
-              </a:rPr>
-              <a:t>90% of Organizations Will Adopt Hybrid IT Infrastructure by 2020</a:t>
-            </a:r>
-          </a:p>
-          <a:p>
-            <a:endParaRPr lang="en-US" sz="1200" b="0" i="0" kern="1200" dirty="0" smtClean="0">
-              <a:solidFill>
-                <a:schemeClr val="tx1"/>
-              </a:solidFill>
-              <a:effectLst/>
-              <a:latin typeface="+mn-lt"/>
-              <a:ea typeface="+mn-ea"/>
-              <a:cs typeface="+mn-cs"/>
-            </a:endParaRPr>
-          </a:p>
-          <a:p>
-            <a:r>
-              <a:rPr lang="en-US" dirty="0" smtClean="0"/>
-              <a:t/>
-            </a:r>
-            <a:br>
-              <a:rPr lang="en-US" dirty="0" smtClean="0"/>
-            </a:br>
+              <a:t> </a:t>
+            </a:r>
+            <a:r>
+              <a:rPr lang="mr-IN" baseline="0" dirty="0" smtClean="0"/>
+              <a:t>–</a:t>
+            </a:r>
+            <a:r>
+              <a:rPr lang="en-US" baseline="0" dirty="0" smtClean="0"/>
+              <a:t> if 90% of the world companies are going to transition to this model, solutions will need to support this requirement.</a:t>
+            </a:r>
+          </a:p>
+          <a:p>
+            <a:endParaRPr lang="en-US" baseline="0" dirty="0" smtClean="0"/>
+          </a:p>
+          <a:p>
+            <a:r>
+              <a:rPr lang="en-US" baseline="0" dirty="0" smtClean="0"/>
+              <a:t>Applications </a:t>
+            </a:r>
+            <a:r>
+              <a:rPr lang="mr-IN" baseline="0" dirty="0" smtClean="0"/>
+              <a:t>–</a:t>
+            </a:r>
+            <a:r>
+              <a:rPr lang="en-US" baseline="0" dirty="0" smtClean="0"/>
+              <a:t> given this is a new frontier for many large organizations the same standards we had in our private clouds may not fit the public cloud model.</a:t>
+            </a:r>
+          </a:p>
+          <a:p>
+            <a:endParaRPr lang="en-US" baseline="0" dirty="0" smtClean="0"/>
+          </a:p>
+          <a:p>
+            <a:r>
+              <a:rPr lang="en-US" baseline="0" dirty="0" smtClean="0"/>
+              <a:t>Datacenter situations </a:t>
+            </a:r>
+            <a:r>
+              <a:rPr lang="mr-IN" baseline="0" dirty="0" smtClean="0"/>
+              <a:t>–</a:t>
+            </a:r>
+            <a:r>
+              <a:rPr lang="en-US" baseline="0" dirty="0" smtClean="0"/>
+              <a:t> this means that its imperative that solutions provide service discovery and high availability built into the product </a:t>
+            </a:r>
             <a:endParaRPr lang="en-US" dirty="0"/>
           </a:p>
         </p:txBody>
@@ -4270,7 +5404,7 @@
     </p:spTree>
     <p:extLst>
       <p:ext uri="{BB962C8B-B14F-4D97-AF65-F5344CB8AC3E}">
-        <p14:creationId xmlns:p14="http://schemas.microsoft.com/office/powerpoint/2010/main" val="458096336"/>
+        <p14:creationId xmlns:p14="http://schemas.microsoft.com/office/powerpoint/2010/main" val="1010993121"/>
       </p:ext>
     </p:extLst>
   </p:cSld>
@@ -8276,46 +9410,81 @@
       </p:grpSpPr>
       <p:sp>
         <p:nvSpPr>
-          <p:cNvPr id="3" name="Subtitle 2"/>
+          <p:cNvPr id="2" name="Title 1"/>
           <p:cNvSpPr>
             <a:spLocks noGrp="1"/>
           </p:cNvSpPr>
           <p:nvPr>
-            <p:ph type="subTitle" idx="1"/>
+            <p:ph type="title"/>
           </p:nvPr>
         </p:nvSpPr>
-        <p:spPr>
-          <a:xfrm>
-            <a:off x="1485900" y="2243138"/>
-            <a:ext cx="9144000" cy="1655762"/>
-          </a:xfrm>
-        </p:spPr>
+        <p:spPr/>
         <p:txBody>
-          <a:bodyPr>
-            <a:normAutofit fontScale="92500"/>
-          </a:bodyPr>
+          <a:bodyPr/>
           <a:lstStyle/>
           <a:p>
             <a:r>
-              <a:rPr lang="en-US" sz="3200" dirty="0" smtClean="0"/>
-              <a:t>Gartner predicts that “</a:t>
-            </a:r>
-            <a:r>
-              <a:rPr lang="mr-IN" sz="3200" dirty="0" smtClean="0"/>
-              <a:t>…</a:t>
-            </a:r>
-            <a:r>
-              <a:rPr lang="en-US" sz="3200" dirty="0" smtClean="0"/>
-              <a:t>through 2020, 99% of vulnerabilities exploited will continue to be ones known by security and IT professionals for at least one year” </a:t>
-            </a:r>
-            <a:endParaRPr lang="en-US" sz="3200" dirty="0"/>
+              <a:rPr lang="en-US" dirty="0"/>
+              <a:t>What will successful IT </a:t>
+            </a:r>
+            <a:r>
+              <a:rPr lang="en-US" dirty="0" smtClean="0"/>
+              <a:t>Organizations </a:t>
+            </a:r>
+            <a:r>
+              <a:rPr lang="en-US" dirty="0"/>
+              <a:t>Need?</a:t>
+            </a:r>
+          </a:p>
+        </p:txBody>
+      </p:sp>
+      <p:sp>
+        <p:nvSpPr>
+          <p:cNvPr id="3" name="Content Placeholder 2"/>
+          <p:cNvSpPr>
+            <a:spLocks noGrp="1"/>
+          </p:cNvSpPr>
+          <p:nvPr>
+            <p:ph idx="1"/>
+          </p:nvPr>
+        </p:nvSpPr>
+        <p:spPr/>
+        <p:txBody>
+          <a:bodyPr/>
+          <a:lstStyle/>
+          <a:p>
+            <a:r>
+              <a:rPr lang="en-US" dirty="0" smtClean="0"/>
+              <a:t>The ability to rapidly provision and update Dev and QA environments</a:t>
+            </a:r>
+          </a:p>
+          <a:p>
+            <a:r>
+              <a:rPr lang="en-US" dirty="0" smtClean="0"/>
+              <a:t>Flexibility when it comes to hybrid infrastructure </a:t>
+            </a:r>
+          </a:p>
+          <a:p>
+            <a:r>
+              <a:rPr lang="en-US" dirty="0" smtClean="0"/>
+              <a:t>Security standards around access and credential management for the cloud and applications</a:t>
+            </a:r>
+          </a:p>
+          <a:p>
+            <a:r>
+              <a:rPr lang="en-US" dirty="0" smtClean="0"/>
+              <a:t>Solutions designed to be fault tolerant and focused around multi-datacenter situations</a:t>
+            </a:r>
+          </a:p>
+          <a:p>
+            <a:endParaRPr lang="en-US" dirty="0"/>
           </a:p>
         </p:txBody>
       </p:sp>
     </p:spTree>
     <p:extLst>
       <p:ext uri="{BB962C8B-B14F-4D97-AF65-F5344CB8AC3E}">
-        <p14:creationId xmlns:p14="http://schemas.microsoft.com/office/powerpoint/2010/main" val="1493056733"/>
+        <p14:creationId xmlns:p14="http://schemas.microsoft.com/office/powerpoint/2010/main" val="2037552721"/>
       </p:ext>
     </p:extLst>
   </p:cSld>
@@ -8351,121 +9520,6 @@
       </p:grpSpPr>
       <p:sp>
         <p:nvSpPr>
-          <p:cNvPr id="2" name="Title 1"/>
-          <p:cNvSpPr>
-            <a:spLocks noGrp="1"/>
-          </p:cNvSpPr>
-          <p:nvPr>
-            <p:ph type="title"/>
-          </p:nvPr>
-        </p:nvSpPr>
-        <p:spPr/>
-        <p:txBody>
-          <a:bodyPr/>
-          <a:lstStyle/>
-          <a:p>
-            <a:r>
-              <a:rPr lang="en-US" dirty="0"/>
-              <a:t>What will successful IT </a:t>
-            </a:r>
-            <a:r>
-              <a:rPr lang="en-US" dirty="0" smtClean="0"/>
-              <a:t>Organizations </a:t>
-            </a:r>
-            <a:r>
-              <a:rPr lang="en-US" dirty="0"/>
-              <a:t>Need?</a:t>
-            </a:r>
-          </a:p>
-        </p:txBody>
-      </p:sp>
-      <p:sp>
-        <p:nvSpPr>
-          <p:cNvPr id="3" name="Content Placeholder 2"/>
-          <p:cNvSpPr>
-            <a:spLocks noGrp="1"/>
-          </p:cNvSpPr>
-          <p:nvPr>
-            <p:ph idx="1"/>
-          </p:nvPr>
-        </p:nvSpPr>
-        <p:spPr/>
-        <p:txBody>
-          <a:bodyPr/>
-          <a:lstStyle/>
-          <a:p>
-            <a:r>
-              <a:rPr lang="en-US" dirty="0" smtClean="0"/>
-              <a:t>The ability for developers to rapidly iterate over applications in a similar environment to production</a:t>
-            </a:r>
-          </a:p>
-          <a:p>
-            <a:r>
-              <a:rPr lang="en-US" dirty="0" smtClean="0"/>
-              <a:t>Flexibility when it comes to hybrid infrastructure </a:t>
-            </a:r>
-          </a:p>
-          <a:p>
-            <a:r>
-              <a:rPr lang="en-US" dirty="0" smtClean="0"/>
-              <a:t>Access and key management for the cloud and applications</a:t>
-            </a:r>
-          </a:p>
-          <a:p>
-            <a:r>
-              <a:rPr lang="en-US" dirty="0" smtClean="0"/>
-              <a:t>Fault tolerant and focused around </a:t>
-            </a:r>
-            <a:r>
-              <a:rPr lang="en-US" smtClean="0"/>
-              <a:t>multi-datacenter situations</a:t>
-            </a:r>
-            <a:endParaRPr lang="en-US" dirty="0" smtClean="0"/>
-          </a:p>
-          <a:p>
-            <a:endParaRPr lang="en-US" dirty="0"/>
-          </a:p>
-        </p:txBody>
-      </p:sp>
-    </p:spTree>
-    <p:extLst>
-      <p:ext uri="{BB962C8B-B14F-4D97-AF65-F5344CB8AC3E}">
-        <p14:creationId xmlns:p14="http://schemas.microsoft.com/office/powerpoint/2010/main" val="2037552721"/>
-      </p:ext>
-    </p:extLst>
-  </p:cSld>
-  <p:clrMapOvr>
-    <a:masterClrMapping/>
-  </p:clrMapOvr>
-  <p:timing>
-    <p:tnLst>
-      <p:par>
-        <p:cTn id="1" dur="indefinite" restart="never" nodeType="tmRoot"/>
-      </p:par>
-    </p:tnLst>
-  </p:timing>
-</p:sld>
-</file>
-
-<file path=ppt/slides/slide14.xml><?xml version="1.0" encoding="utf-8"?>
-<p:sld xmlns:a="http://schemas.openxmlformats.org/drawingml/2006/main" xmlns:r="http://schemas.openxmlformats.org/officeDocument/2006/relationships" xmlns:p="http://schemas.openxmlformats.org/presentationml/2006/main">
-  <p:cSld>
-    <p:spTree>
-      <p:nvGrpSpPr>
-        <p:cNvPr id="1" name=""/>
-        <p:cNvGrpSpPr/>
-        <p:nvPr/>
-      </p:nvGrpSpPr>
-      <p:grpSpPr>
-        <a:xfrm>
-          <a:off x="0" y="0"/>
-          <a:ext cx="0" cy="0"/>
-          <a:chOff x="0" y="0"/>
-          <a:chExt cx="0" cy="0"/>
-        </a:xfrm>
-      </p:grpSpPr>
-      <p:sp>
-        <p:nvSpPr>
           <p:cNvPr id="2" name="TextBox 1"/>
           <p:cNvSpPr txBox="1"/>
           <p:nvPr/>
@@ -8514,7 +9568,7 @@
 </p:sld>
 </file>
 
-<file path=ppt/slides/slide15.xml><?xml version="1.0" encoding="utf-8"?>
+<file path=ppt/slides/slide14.xml><?xml version="1.0" encoding="utf-8"?>
 <p:sld xmlns:a="http://schemas.openxmlformats.org/drawingml/2006/main" xmlns:r="http://schemas.openxmlformats.org/officeDocument/2006/relationships" xmlns:p="http://schemas.openxmlformats.org/presentationml/2006/main" show="0">
   <p:cSld>
     <p:spTree>
@@ -8854,7 +9908,7 @@
 </p:sld>
 </file>
 
-<file path=ppt/slides/slide16.xml><?xml version="1.0" encoding="utf-8"?>
+<file path=ppt/slides/slide15.xml><?xml version="1.0" encoding="utf-8"?>
 <p:sld xmlns:a="http://schemas.openxmlformats.org/drawingml/2006/main" xmlns:r="http://schemas.openxmlformats.org/officeDocument/2006/relationships" xmlns:p="http://schemas.openxmlformats.org/presentationml/2006/main" show="0">
   <p:cSld>
     <p:spTree>
@@ -9010,7 +10064,7 @@
 </p:sld>
 </file>
 
-<file path=ppt/slides/slide17.xml><?xml version="1.0" encoding="utf-8"?>
+<file path=ppt/slides/slide16.xml><?xml version="1.0" encoding="utf-8"?>
 <p:sld xmlns:a="http://schemas.openxmlformats.org/drawingml/2006/main" xmlns:r="http://schemas.openxmlformats.org/officeDocument/2006/relationships" xmlns:p="http://schemas.openxmlformats.org/presentationml/2006/main" show="0">
   <p:cSld>
     <p:spTree>
@@ -9055,7 +10109,7 @@
 </p:sld>
 </file>
 
-<file path=ppt/slides/slide18.xml><?xml version="1.0" encoding="utf-8"?>
+<file path=ppt/slides/slide17.xml><?xml version="1.0" encoding="utf-8"?>
 <p:sld xmlns:a="http://schemas.openxmlformats.org/drawingml/2006/main" xmlns:r="http://schemas.openxmlformats.org/officeDocument/2006/relationships" xmlns:p="http://schemas.openxmlformats.org/presentationml/2006/main" show="0">
   <p:cSld>
     <p:spTree>
@@ -9174,6 +10228,97 @@
     <p:extLst>
       <p:ext uri="{BB962C8B-B14F-4D97-AF65-F5344CB8AC3E}">
         <p14:creationId xmlns:p14="http://schemas.microsoft.com/office/powerpoint/2010/main" val="1495904996"/>
+      </p:ext>
+    </p:extLst>
+  </p:cSld>
+  <p:clrMapOvr>
+    <a:masterClrMapping/>
+  </p:clrMapOvr>
+  <mc:AlternateContent xmlns:mc="http://schemas.openxmlformats.org/markup-compatibility/2006">
+    <mc:Choice xmlns:p14="http://schemas.microsoft.com/office/powerpoint/2010/main" Requires="p14">
+      <p:transition spd="slow" p14:dur="2000"/>
+    </mc:Choice>
+    <mc:Fallback>
+      <p:transition spd="slow"/>
+    </mc:Fallback>
+  </mc:AlternateContent>
+  <p:timing>
+    <p:tnLst>
+      <p:par>
+        <p:cTn id="1" dur="indefinite" restart="never" nodeType="tmRoot"/>
+      </p:par>
+    </p:tnLst>
+  </p:timing>
+</p:sld>
+</file>
+
+<file path=ppt/slides/slide18.xml><?xml version="1.0" encoding="utf-8"?>
+<p:sld xmlns:a="http://schemas.openxmlformats.org/drawingml/2006/main" xmlns:r="http://schemas.openxmlformats.org/officeDocument/2006/relationships" xmlns:p="http://schemas.openxmlformats.org/presentationml/2006/main" show="0">
+  <p:cSld>
+    <p:spTree>
+      <p:nvGrpSpPr>
+        <p:cNvPr id="1" name=""/>
+        <p:cNvGrpSpPr/>
+        <p:nvPr/>
+      </p:nvGrpSpPr>
+      <p:grpSpPr>
+        <a:xfrm>
+          <a:off x="0" y="0"/>
+          <a:ext cx="0" cy="0"/>
+          <a:chOff x="0" y="0"/>
+          <a:chExt cx="0" cy="0"/>
+        </a:xfrm>
+      </p:grpSpPr>
+      <p:sp>
+        <p:nvSpPr>
+          <p:cNvPr id="2" name="Title 1"/>
+          <p:cNvSpPr>
+            <a:spLocks noGrp="1"/>
+          </p:cNvSpPr>
+          <p:nvPr>
+            <p:ph type="title"/>
+          </p:nvPr>
+        </p:nvSpPr>
+        <p:spPr/>
+        <p:txBody>
+          <a:bodyPr/>
+          <a:lstStyle/>
+          <a:p>
+            <a:r>
+              <a:rPr lang="en-US" dirty="0" smtClean="0"/>
+              <a:t>Infrastructure as Code	</a:t>
+            </a:r>
+            <a:endParaRPr lang="en-US" dirty="0"/>
+          </a:p>
+        </p:txBody>
+      </p:sp>
+      <p:sp>
+        <p:nvSpPr>
+          <p:cNvPr id="3" name="Text Placeholder 2"/>
+          <p:cNvSpPr>
+            <a:spLocks noGrp="1"/>
+          </p:cNvSpPr>
+          <p:nvPr>
+            <p:ph type="body" idx="1"/>
+          </p:nvPr>
+        </p:nvSpPr>
+        <p:spPr/>
+        <p:txBody>
+          <a:bodyPr/>
+          <a:lstStyle/>
+          <a:p>
+            <a:r>
+              <a:rPr lang="en-US" dirty="0" smtClean="0"/>
+              <a:t>Iterative, Testable, Repeatable, Consumable</a:t>
+            </a:r>
+            <a:endParaRPr lang="en-US" dirty="0"/>
+          </a:p>
+        </p:txBody>
+      </p:sp>
+    </p:spTree>
+    <p:extLst>
+      <p:ext uri="{BB962C8B-B14F-4D97-AF65-F5344CB8AC3E}">
+        <p14:creationId xmlns:p14="http://schemas.microsoft.com/office/powerpoint/2010/main" val="1962473518"/>
       </p:ext>
     </p:extLst>
   </p:cSld>
@@ -9232,276 +10377,6 @@
           <a:p>
             <a:r>
               <a:rPr lang="en-US" dirty="0" smtClean="0"/>
-              <a:t>Infrastructure as Code	</a:t>
-            </a:r>
-            <a:endParaRPr lang="en-US" dirty="0"/>
-          </a:p>
-        </p:txBody>
-      </p:sp>
-      <p:sp>
-        <p:nvSpPr>
-          <p:cNvPr id="3" name="Text Placeholder 2"/>
-          <p:cNvSpPr>
-            <a:spLocks noGrp="1"/>
-          </p:cNvSpPr>
-          <p:nvPr>
-            <p:ph type="body" idx="1"/>
-          </p:nvPr>
-        </p:nvSpPr>
-        <p:spPr/>
-        <p:txBody>
-          <a:bodyPr/>
-          <a:lstStyle/>
-          <a:p>
-            <a:r>
-              <a:rPr lang="en-US" dirty="0" smtClean="0"/>
-              <a:t>Iterative, Testable, Repeatable, Consumable</a:t>
-            </a:r>
-            <a:endParaRPr lang="en-US" dirty="0"/>
-          </a:p>
-        </p:txBody>
-      </p:sp>
-    </p:spTree>
-    <p:extLst>
-      <p:ext uri="{BB962C8B-B14F-4D97-AF65-F5344CB8AC3E}">
-        <p14:creationId xmlns:p14="http://schemas.microsoft.com/office/powerpoint/2010/main" val="1962473518"/>
-      </p:ext>
-    </p:extLst>
-  </p:cSld>
-  <p:clrMapOvr>
-    <a:masterClrMapping/>
-  </p:clrMapOvr>
-  <mc:AlternateContent xmlns:mc="http://schemas.openxmlformats.org/markup-compatibility/2006">
-    <mc:Choice xmlns:p14="http://schemas.microsoft.com/office/powerpoint/2010/main" Requires="p14">
-      <p:transition spd="slow" p14:dur="2000"/>
-    </mc:Choice>
-    <mc:Fallback>
-      <p:transition spd="slow"/>
-    </mc:Fallback>
-  </mc:AlternateContent>
-  <p:timing>
-    <p:tnLst>
-      <p:par>
-        <p:cTn id="1" dur="indefinite" restart="never" nodeType="tmRoot"/>
-      </p:par>
-    </p:tnLst>
-  </p:timing>
-</p:sld>
-</file>
-
-<file path=ppt/slides/slide2.xml><?xml version="1.0" encoding="utf-8"?>
-<p:sld xmlns:a="http://schemas.openxmlformats.org/drawingml/2006/main" xmlns:r="http://schemas.openxmlformats.org/officeDocument/2006/relationships" xmlns:p="http://schemas.openxmlformats.org/presentationml/2006/main">
-  <p:cSld>
-    <p:spTree>
-      <p:nvGrpSpPr>
-        <p:cNvPr id="1" name=""/>
-        <p:cNvGrpSpPr/>
-        <p:nvPr/>
-      </p:nvGrpSpPr>
-      <p:grpSpPr>
-        <a:xfrm>
-          <a:off x="0" y="0"/>
-          <a:ext cx="0" cy="0"/>
-          <a:chOff x="0" y="0"/>
-          <a:chExt cx="0" cy="0"/>
-        </a:xfrm>
-      </p:grpSpPr>
-      <p:pic>
-        <p:nvPicPr>
-          <p:cNvPr id="7" name="Content Placeholder 3"/>
-          <p:cNvPicPr>
-            <a:picLocks noChangeAspect="1"/>
-          </p:cNvPicPr>
-          <p:nvPr/>
-        </p:nvPicPr>
-        <p:blipFill rotWithShape="1">
-          <a:blip r:embed="rId3">
-            <a:extLst>
-              <a:ext uri="{28A0092B-C50C-407E-A947-70E740481C1C}">
-                <a14:useLocalDpi xmlns:a14="http://schemas.microsoft.com/office/drawing/2010/main" val="0"/>
-              </a:ext>
-            </a:extLst>
-          </a:blip>
-          <a:srcRect l="2816"/>
-          <a:stretch/>
-        </p:blipFill>
-        <p:spPr>
-          <a:xfrm>
-            <a:off x="6608749" y="1169233"/>
-            <a:ext cx="4943588" cy="5048686"/>
-          </a:xfrm>
-          <a:prstGeom prst="rect">
-            <a:avLst/>
-          </a:prstGeom>
-          <a:effectLst/>
-        </p:spPr>
-      </p:pic>
-      <p:sp>
-        <p:nvSpPr>
-          <p:cNvPr id="2" name="Title 1"/>
-          <p:cNvSpPr>
-            <a:spLocks noGrp="1"/>
-          </p:cNvSpPr>
-          <p:nvPr>
-            <p:ph type="title"/>
-          </p:nvPr>
-        </p:nvSpPr>
-        <p:spPr>
-          <a:xfrm>
-            <a:off x="648929" y="629266"/>
-            <a:ext cx="5127031" cy="1676603"/>
-          </a:xfrm>
-        </p:spPr>
-        <p:txBody>
-          <a:bodyPr>
-            <a:normAutofit/>
-          </a:bodyPr>
-          <a:lstStyle/>
-          <a:p>
-            <a:r>
-              <a:rPr lang="en-US" dirty="0"/>
-              <a:t>Who Am I?</a:t>
-            </a:r>
-          </a:p>
-        </p:txBody>
-      </p:sp>
-      <p:sp>
-        <p:nvSpPr>
-          <p:cNvPr id="9" name="Content Placeholder 8"/>
-          <p:cNvSpPr>
-            <a:spLocks noGrp="1"/>
-          </p:cNvSpPr>
-          <p:nvPr>
-            <p:ph idx="1"/>
-          </p:nvPr>
-        </p:nvSpPr>
-        <p:spPr>
-          <a:xfrm>
-            <a:off x="648930" y="1993692"/>
-            <a:ext cx="5407096" cy="4230127"/>
-          </a:xfrm>
-        </p:spPr>
-        <p:txBody>
-          <a:bodyPr>
-            <a:normAutofit lnSpcReduction="10000"/>
-          </a:bodyPr>
-          <a:lstStyle/>
-          <a:p>
-            <a:r>
-              <a:rPr lang="en-US" dirty="0" smtClean="0"/>
-              <a:t>Chef Software Inc. Solutions Architect </a:t>
-            </a:r>
-            <a:r>
-              <a:rPr lang="mr-IN" dirty="0" smtClean="0"/>
-              <a:t>–</a:t>
-            </a:r>
-            <a:r>
-              <a:rPr lang="en-US" dirty="0" smtClean="0"/>
-              <a:t> 2 years</a:t>
-            </a:r>
-          </a:p>
-          <a:p>
-            <a:r>
-              <a:rPr lang="en-US" dirty="0" smtClean="0"/>
-              <a:t>Open Text </a:t>
-            </a:r>
-            <a:r>
-              <a:rPr lang="mr-IN" dirty="0" smtClean="0"/>
-              <a:t>–</a:t>
-            </a:r>
-            <a:r>
-              <a:rPr lang="en-US" dirty="0" smtClean="0"/>
-              <a:t> 1 year</a:t>
-            </a:r>
-          </a:p>
-          <a:p>
-            <a:r>
-              <a:rPr lang="en-US" dirty="0" smtClean="0"/>
-              <a:t>Blackberry Inc. (previously Research in Motion) </a:t>
-            </a:r>
-            <a:r>
-              <a:rPr lang="mr-IN" dirty="0" smtClean="0"/>
-              <a:t>–</a:t>
-            </a:r>
-            <a:r>
-              <a:rPr lang="en-US" dirty="0" smtClean="0"/>
-              <a:t> 5 years</a:t>
-            </a:r>
-          </a:p>
-          <a:p>
-            <a:endParaRPr lang="en-US" dirty="0" smtClean="0"/>
-          </a:p>
-          <a:p>
-            <a:r>
-              <a:rPr lang="en-US" dirty="0" smtClean="0"/>
-              <a:t>My goal is to make it easy to do your job</a:t>
-            </a:r>
-          </a:p>
-          <a:p>
-            <a:r>
-              <a:rPr lang="en-US" dirty="0" smtClean="0"/>
-              <a:t>Striving to reduce the technology gap </a:t>
-            </a:r>
-          </a:p>
-          <a:p>
-            <a:endParaRPr lang="en-US" dirty="0"/>
-          </a:p>
-        </p:txBody>
-      </p:sp>
-    </p:spTree>
-    <p:extLst>
-      <p:ext uri="{BB962C8B-B14F-4D97-AF65-F5344CB8AC3E}">
-        <p14:creationId xmlns:p14="http://schemas.microsoft.com/office/powerpoint/2010/main" val="3867408311"/>
-      </p:ext>
-    </p:extLst>
-  </p:cSld>
-  <p:clrMapOvr>
-    <a:masterClrMapping/>
-  </p:clrMapOvr>
-  <p:timing>
-    <p:tnLst>
-      <p:par>
-        <p:cTn id="1" dur="indefinite" restart="never" nodeType="tmRoot"/>
-      </p:par>
-    </p:tnLst>
-  </p:timing>
-</p:sld>
-</file>
-
-<file path=ppt/slides/slide20.xml><?xml version="1.0" encoding="utf-8"?>
-<p:sld xmlns:a="http://schemas.openxmlformats.org/drawingml/2006/main" xmlns:r="http://schemas.openxmlformats.org/officeDocument/2006/relationships" xmlns:p="http://schemas.openxmlformats.org/presentationml/2006/main" show="0">
-  <p:cSld>
-    <p:spTree>
-      <p:nvGrpSpPr>
-        <p:cNvPr id="1" name=""/>
-        <p:cNvGrpSpPr/>
-        <p:nvPr/>
-      </p:nvGrpSpPr>
-      <p:grpSpPr>
-        <a:xfrm>
-          <a:off x="0" y="0"/>
-          <a:ext cx="0" cy="0"/>
-          <a:chOff x="0" y="0"/>
-          <a:chExt cx="0" cy="0"/>
-        </a:xfrm>
-      </p:grpSpPr>
-      <p:sp>
-        <p:nvSpPr>
-          <p:cNvPr id="2" name="Title 1"/>
-          <p:cNvSpPr>
-            <a:spLocks noGrp="1"/>
-          </p:cNvSpPr>
-          <p:nvPr>
-            <p:ph type="title"/>
-          </p:nvPr>
-        </p:nvSpPr>
-        <p:spPr/>
-        <p:txBody>
-          <a:bodyPr/>
-          <a:lstStyle/>
-          <a:p>
-            <a:r>
-              <a:rPr lang="en-US" dirty="0" smtClean="0"/>
               <a:t>Infrastructure as Code</a:t>
             </a:r>
             <a:endParaRPr lang="en-US" dirty="0"/>
@@ -9527,7 +10402,7 @@
           <a:p>
             <a:r>
               <a:rPr lang="en-US" dirty="0" smtClean="0"/>
-              <a:t>Define everything from </a:t>
+              <a:t>Codification of everything from </a:t>
             </a:r>
           </a:p>
           <a:p>
@@ -10391,7 +11266,7 @@
     </p:spTree>
     <p:extLst>
       <p:ext uri="{BB962C8B-B14F-4D97-AF65-F5344CB8AC3E}">
-        <p14:creationId xmlns:p14="http://schemas.microsoft.com/office/powerpoint/2010/main" val="1291559703"/>
+        <p14:creationId xmlns:p14="http://schemas.microsoft.com/office/powerpoint/2010/main" val="2140477978"/>
       </p:ext>
     </p:extLst>
   </p:cSld>
@@ -10416,7 +11291,190 @@
 </p:sld>
 </file>
 
-<file path=ppt/slides/slide21.xml><?xml version="1.0" encoding="utf-8"?>
+<file path=ppt/slides/slide2.xml><?xml version="1.0" encoding="utf-8"?>
+<p:sld xmlns:a="http://schemas.openxmlformats.org/drawingml/2006/main" xmlns:r="http://schemas.openxmlformats.org/officeDocument/2006/relationships" xmlns:p="http://schemas.openxmlformats.org/presentationml/2006/main">
+  <p:cSld>
+    <p:spTree>
+      <p:nvGrpSpPr>
+        <p:cNvPr id="1" name=""/>
+        <p:cNvGrpSpPr/>
+        <p:nvPr/>
+      </p:nvGrpSpPr>
+      <p:grpSpPr>
+        <a:xfrm>
+          <a:off x="0" y="0"/>
+          <a:ext cx="0" cy="0"/>
+          <a:chOff x="0" y="0"/>
+          <a:chExt cx="0" cy="0"/>
+        </a:xfrm>
+      </p:grpSpPr>
+      <p:pic>
+        <p:nvPicPr>
+          <p:cNvPr id="7" name="Content Placeholder 3"/>
+          <p:cNvPicPr>
+            <a:picLocks noChangeAspect="1"/>
+          </p:cNvPicPr>
+          <p:nvPr/>
+        </p:nvPicPr>
+        <p:blipFill rotWithShape="1">
+          <a:blip r:embed="rId3">
+            <a:extLst>
+              <a:ext uri="{28A0092B-C50C-407E-A947-70E740481C1C}">
+                <a14:useLocalDpi xmlns:a14="http://schemas.microsoft.com/office/drawing/2010/main" val="0"/>
+              </a:ext>
+            </a:extLst>
+          </a:blip>
+          <a:srcRect l="2816"/>
+          <a:stretch/>
+        </p:blipFill>
+        <p:spPr>
+          <a:xfrm>
+            <a:off x="6608749" y="1169233"/>
+            <a:ext cx="4943588" cy="5048686"/>
+          </a:xfrm>
+          <a:prstGeom prst="rect">
+            <a:avLst/>
+          </a:prstGeom>
+          <a:effectLst/>
+        </p:spPr>
+      </p:pic>
+      <p:sp>
+        <p:nvSpPr>
+          <p:cNvPr id="2" name="Title 1"/>
+          <p:cNvSpPr>
+            <a:spLocks noGrp="1"/>
+          </p:cNvSpPr>
+          <p:nvPr>
+            <p:ph type="title"/>
+          </p:nvPr>
+        </p:nvSpPr>
+        <p:spPr>
+          <a:xfrm>
+            <a:off x="648929" y="629266"/>
+            <a:ext cx="5127031" cy="1676603"/>
+          </a:xfrm>
+        </p:spPr>
+        <p:txBody>
+          <a:bodyPr>
+            <a:normAutofit/>
+          </a:bodyPr>
+          <a:lstStyle/>
+          <a:p>
+            <a:r>
+              <a:rPr lang="en-US" dirty="0"/>
+              <a:t>Who Am I?</a:t>
+            </a:r>
+          </a:p>
+        </p:txBody>
+      </p:sp>
+      <p:sp>
+        <p:nvSpPr>
+          <p:cNvPr id="9" name="Content Placeholder 8"/>
+          <p:cNvSpPr>
+            <a:spLocks noGrp="1"/>
+          </p:cNvSpPr>
+          <p:nvPr>
+            <p:ph idx="1"/>
+          </p:nvPr>
+        </p:nvSpPr>
+        <p:spPr>
+          <a:xfrm>
+            <a:off x="648930" y="1993692"/>
+            <a:ext cx="5407096" cy="4230127"/>
+          </a:xfrm>
+        </p:spPr>
+        <p:txBody>
+          <a:bodyPr>
+            <a:normAutofit fontScale="92500" lnSpcReduction="10000"/>
+          </a:bodyPr>
+          <a:lstStyle/>
+          <a:p>
+            <a:r>
+              <a:rPr lang="en-US" dirty="0" smtClean="0"/>
+              <a:t>Chef Software Inc. Solutions Architect </a:t>
+            </a:r>
+            <a:r>
+              <a:rPr lang="mr-IN" dirty="0" smtClean="0"/>
+              <a:t>–</a:t>
+            </a:r>
+            <a:r>
+              <a:rPr lang="en-US" dirty="0" smtClean="0"/>
+              <a:t> 2 </a:t>
+            </a:r>
+            <a:r>
+              <a:rPr lang="en-US" dirty="0" smtClean="0"/>
+              <a:t>years</a:t>
+            </a:r>
+          </a:p>
+          <a:p>
+            <a:pPr lvl="1"/>
+            <a:r>
+              <a:rPr lang="en-US" dirty="0" smtClean="0"/>
+              <a:t>Sold to 2 of the Fortune 10</a:t>
+            </a:r>
+          </a:p>
+          <a:p>
+            <a:r>
+              <a:rPr lang="en-US" dirty="0" smtClean="0"/>
+              <a:t>Blackberry </a:t>
+            </a:r>
+            <a:r>
+              <a:rPr lang="en-US" dirty="0" smtClean="0"/>
+              <a:t>Inc. (previously Research in Motion) </a:t>
+            </a:r>
+            <a:r>
+              <a:rPr lang="mr-IN" dirty="0" smtClean="0"/>
+              <a:t>–</a:t>
+            </a:r>
+            <a:r>
+              <a:rPr lang="en-US" dirty="0" smtClean="0"/>
+              <a:t> 5 years</a:t>
+            </a:r>
+          </a:p>
+          <a:p>
+            <a:endParaRPr lang="en-US" dirty="0" smtClean="0"/>
+          </a:p>
+          <a:p>
+            <a:endParaRPr lang="en-US" dirty="0" smtClean="0"/>
+          </a:p>
+          <a:p>
+            <a:r>
+              <a:rPr lang="en-US" dirty="0" smtClean="0"/>
+              <a:t>My goal is to make it easy to do your job</a:t>
+            </a:r>
+          </a:p>
+          <a:p>
+            <a:r>
+              <a:rPr lang="en-US" dirty="0" smtClean="0"/>
+              <a:t>Striving to reduce the technology gap </a:t>
+            </a:r>
+          </a:p>
+          <a:p>
+            <a:endParaRPr lang="en-US" dirty="0"/>
+          </a:p>
+        </p:txBody>
+      </p:sp>
+    </p:spTree>
+    <p:extLst>
+      <p:ext uri="{BB962C8B-B14F-4D97-AF65-F5344CB8AC3E}">
+        <p14:creationId xmlns:p14="http://schemas.microsoft.com/office/powerpoint/2010/main" val="3867408311"/>
+      </p:ext>
+    </p:extLst>
+  </p:cSld>
+  <p:clrMapOvr>
+    <a:masterClrMapping/>
+  </p:clrMapOvr>
+  <p:timing>
+    <p:tnLst>
+      <p:par>
+        <p:cTn id="1" dur="indefinite" restart="never" nodeType="tmRoot"/>
+      </p:par>
+    </p:tnLst>
+  </p:timing>
+</p:sld>
+</file>
+
+<file path=ppt/slides/slide20.xml><?xml version="1.0" encoding="utf-8"?>
 <p:sld xmlns:a="http://schemas.openxmlformats.org/drawingml/2006/main" xmlns:r="http://schemas.openxmlformats.org/officeDocument/2006/relationships" xmlns:p="http://schemas.openxmlformats.org/presentationml/2006/main" show="0">
   <p:cSld>
     <p:spTree>
@@ -11163,7 +12221,7 @@
     </p:spTree>
     <p:extLst>
       <p:ext uri="{BB962C8B-B14F-4D97-AF65-F5344CB8AC3E}">
-        <p14:creationId xmlns:p14="http://schemas.microsoft.com/office/powerpoint/2010/main" val="1969165599"/>
+        <p14:creationId xmlns:p14="http://schemas.microsoft.com/office/powerpoint/2010/main" val="1707844036"/>
       </p:ext>
     </p:extLst>
   </p:cSld>
@@ -11188,7 +12246,7 @@
 </p:sld>
 </file>
 
-<file path=ppt/slides/slide22.xml><?xml version="1.0" encoding="utf-8"?>
+<file path=ppt/slides/slide21.xml><?xml version="1.0" encoding="utf-8"?>
 <p:sld xmlns:a="http://schemas.openxmlformats.org/drawingml/2006/main" xmlns:r="http://schemas.openxmlformats.org/officeDocument/2006/relationships" xmlns:p="http://schemas.openxmlformats.org/presentationml/2006/main" show="0">
   <p:cSld>
     <p:spTree>
@@ -13456,7 +14514,7 @@
     </p:spTree>
     <p:extLst>
       <p:ext uri="{BB962C8B-B14F-4D97-AF65-F5344CB8AC3E}">
-        <p14:creationId xmlns:p14="http://schemas.microsoft.com/office/powerpoint/2010/main" val="1964827007"/>
+        <p14:creationId xmlns:p14="http://schemas.microsoft.com/office/powerpoint/2010/main" val="2123728142"/>
       </p:ext>
     </p:extLst>
   </p:cSld>
@@ -13481,7 +14539,7 @@
 </p:sld>
 </file>
 
-<file path=ppt/slides/slide23.xml><?xml version="1.0" encoding="utf-8"?>
+<file path=ppt/slides/slide22.xml><?xml version="1.0" encoding="utf-8"?>
 <p:sld xmlns:a="http://schemas.openxmlformats.org/drawingml/2006/main" xmlns:r="http://schemas.openxmlformats.org/officeDocument/2006/relationships" xmlns:p="http://schemas.openxmlformats.org/presentationml/2006/main" show="0">
   <p:cSld>
     <p:spTree>
@@ -13619,7 +14677,7 @@
         <p:spPr>
           <a:xfrm>
             <a:off x="1536700" y="1762522"/>
-            <a:ext cx="9410700" cy="923330"/>
+            <a:ext cx="9410700" cy="646331"/>
           </a:xfrm>
           <a:prstGeom prst="rect">
             <a:avLst/>
@@ -13651,7 +14709,7 @@
             </a:pPr>
             <a:r>
               <a:rPr lang="en-US" dirty="0" smtClean="0"/>
-              <a:t>Reduces the people effort by allowing collaboration and unified direction, freeing resources to work on other enterprise tasks</a:t>
+              <a:t>Automate your deployment and recovery process</a:t>
             </a:r>
           </a:p>
           <a:p>
@@ -13744,7 +14802,7 @@
             </a:pPr>
             <a:r>
               <a:rPr lang="en-US" dirty="0" smtClean="0"/>
-              <a:t>Gives visibility to all stakeholders</a:t>
+              <a:t>Focus on Mean Time to Recovery</a:t>
             </a:r>
           </a:p>
           <a:p>
@@ -13775,7 +14833,7 @@
             </a:r>
             <a:r>
               <a:rPr lang="en-US" dirty="0" smtClean="0"/>
-              <a:t> and ephemeral infrastructure </a:t>
+              <a:t> and an ephemeral code base</a:t>
             </a:r>
           </a:p>
           <a:p>
@@ -13841,7 +14899,7 @@
             </a:pPr>
             <a:r>
               <a:rPr lang="en-US" dirty="0" smtClean="0"/>
-              <a:t>Reduces the risk of human error through automation</a:t>
+              <a:t>Reducing human errors through automation</a:t>
             </a:r>
           </a:p>
           <a:p>
@@ -13896,7 +14954,7 @@
     </p:spTree>
     <p:extLst>
       <p:ext uri="{BB962C8B-B14F-4D97-AF65-F5344CB8AC3E}">
-        <p14:creationId xmlns:p14="http://schemas.microsoft.com/office/powerpoint/2010/main" val="913437441"/>
+        <p14:creationId xmlns:p14="http://schemas.microsoft.com/office/powerpoint/2010/main" val="893516564"/>
       </p:ext>
     </p:extLst>
   </p:cSld>
@@ -13921,7 +14979,7 @@
 </p:sld>
 </file>
 
-<file path=ppt/slides/slide24.xml><?xml version="1.0" encoding="utf-8"?>
+<file path=ppt/slides/slide23.xml><?xml version="1.0" encoding="utf-8"?>
 <p:sld xmlns:a="http://schemas.openxmlformats.org/drawingml/2006/main" xmlns:r="http://schemas.openxmlformats.org/officeDocument/2006/relationships" xmlns:p="http://schemas.openxmlformats.org/presentationml/2006/main" show="0">
   <p:cSld>
     <p:spTree>
@@ -14247,7 +15305,7 @@
 </p:sld>
 </file>
 
-<file path=ppt/slides/slide25.xml><?xml version="1.0" encoding="utf-8"?>
+<file path=ppt/slides/slide24.xml><?xml version="1.0" encoding="utf-8"?>
 <p:sld xmlns:a="http://schemas.openxmlformats.org/drawingml/2006/main" xmlns:r="http://schemas.openxmlformats.org/officeDocument/2006/relationships" xmlns:p="http://schemas.openxmlformats.org/presentationml/2006/main" show="0">
   <p:cSld>
     <p:spTree>
@@ -14432,6 +15490,346 @@
     <p:extLst>
       <p:ext uri="{BB962C8B-B14F-4D97-AF65-F5344CB8AC3E}">
         <p14:creationId xmlns:p14="http://schemas.microsoft.com/office/powerpoint/2010/main" val="1966385196"/>
+      </p:ext>
+    </p:extLst>
+  </p:cSld>
+  <p:clrMapOvr>
+    <a:masterClrMapping/>
+  </p:clrMapOvr>
+  <mc:AlternateContent xmlns:mc="http://schemas.openxmlformats.org/markup-compatibility/2006">
+    <mc:Choice xmlns:p14="http://schemas.microsoft.com/office/powerpoint/2010/main" Requires="p14">
+      <p:transition spd="slow" p14:dur="2000"/>
+    </mc:Choice>
+    <mc:Fallback>
+      <p:transition spd="slow"/>
+    </mc:Fallback>
+  </mc:AlternateContent>
+  <p:timing>
+    <p:tnLst>
+      <p:par>
+        <p:cTn id="1" dur="indefinite" restart="never" nodeType="tmRoot"/>
+      </p:par>
+    </p:tnLst>
+  </p:timing>
+</p:sld>
+</file>
+
+<file path=ppt/slides/slide25.xml><?xml version="1.0" encoding="utf-8"?>
+<p:sld xmlns:a="http://schemas.openxmlformats.org/drawingml/2006/main" xmlns:r="http://schemas.openxmlformats.org/officeDocument/2006/relationships" xmlns:p="http://schemas.openxmlformats.org/presentationml/2006/main" show="0">
+  <p:cSld>
+    <p:spTree>
+      <p:nvGrpSpPr>
+        <p:cNvPr id="1" name=""/>
+        <p:cNvGrpSpPr/>
+        <p:nvPr/>
+      </p:nvGrpSpPr>
+      <p:grpSpPr>
+        <a:xfrm>
+          <a:off x="0" y="0"/>
+          <a:ext cx="0" cy="0"/>
+          <a:chOff x="0" y="0"/>
+          <a:chExt cx="0" cy="0"/>
+        </a:xfrm>
+      </p:grpSpPr>
+      <p:sp>
+        <p:nvSpPr>
+          <p:cNvPr id="2" name="Title 1"/>
+          <p:cNvSpPr>
+            <a:spLocks noGrp="1"/>
+          </p:cNvSpPr>
+          <p:nvPr>
+            <p:ph type="title"/>
+          </p:nvPr>
+        </p:nvSpPr>
+        <p:spPr/>
+        <p:txBody>
+          <a:bodyPr/>
+          <a:lstStyle/>
+          <a:p>
+            <a:r>
+              <a:rPr lang="en-US" dirty="0" smtClean="0"/>
+              <a:t>What is Packer</a:t>
+            </a:r>
+            <a:endParaRPr lang="en-US" dirty="0"/>
+          </a:p>
+        </p:txBody>
+      </p:sp>
+      <p:sp>
+        <p:nvSpPr>
+          <p:cNvPr id="3" name="Content Placeholder 2"/>
+          <p:cNvSpPr>
+            <a:spLocks noGrp="1"/>
+          </p:cNvSpPr>
+          <p:nvPr>
+            <p:ph sz="half" idx="1"/>
+          </p:nvPr>
+        </p:nvSpPr>
+        <p:spPr/>
+        <p:txBody>
+          <a:bodyPr/>
+          <a:lstStyle/>
+          <a:p>
+            <a:r>
+              <a:rPr lang="en-US" dirty="0" smtClean="0"/>
+              <a:t>Define a builder</a:t>
+            </a:r>
+          </a:p>
+          <a:p>
+            <a:pPr lvl="1"/>
+            <a:r>
+              <a:rPr lang="en-US" dirty="0" smtClean="0"/>
+              <a:t>AWS</a:t>
+            </a:r>
+          </a:p>
+          <a:p>
+            <a:pPr lvl="1"/>
+            <a:r>
+              <a:rPr lang="en-US" dirty="0" smtClean="0"/>
+              <a:t>Azure</a:t>
+            </a:r>
+          </a:p>
+          <a:p>
+            <a:pPr lvl="1"/>
+            <a:r>
+              <a:rPr lang="en-US" dirty="0" smtClean="0"/>
+              <a:t>Google Cloud</a:t>
+            </a:r>
+            <a:endParaRPr lang="en-US" dirty="0"/>
+          </a:p>
+        </p:txBody>
+      </p:sp>
+      <p:sp>
+        <p:nvSpPr>
+          <p:cNvPr id="4" name="Content Placeholder 3"/>
+          <p:cNvSpPr>
+            <a:spLocks noGrp="1"/>
+          </p:cNvSpPr>
+          <p:nvPr>
+            <p:ph sz="half" idx="2"/>
+          </p:nvPr>
+        </p:nvSpPr>
+        <p:spPr/>
+        <p:txBody>
+          <a:bodyPr/>
+          <a:lstStyle/>
+          <a:p>
+            <a:r>
+              <a:rPr lang="en-US" dirty="0"/>
+              <a:t>{</a:t>
+            </a:r>
+            <a:r>
+              <a:rPr lang="en-US" dirty="0"/>
+              <a:t> "builders"</a:t>
+            </a:r>
+            <a:r>
+              <a:rPr lang="en-US" dirty="0"/>
+              <a:t>:</a:t>
+            </a:r>
+            <a:r>
+              <a:rPr lang="en-US" dirty="0"/>
+              <a:t> </a:t>
+            </a:r>
+            <a:r>
+              <a:rPr lang="en-US" dirty="0"/>
+              <a:t>[</a:t>
+            </a:r>
+            <a:r>
+              <a:rPr lang="en-US" dirty="0"/>
+              <a:t> // ... one or more builder definitions here </a:t>
+            </a:r>
+            <a:r>
+              <a:rPr lang="en-US" dirty="0"/>
+              <a:t>]</a:t>
+            </a:r>
+            <a:r>
+              <a:rPr lang="en-US" dirty="0"/>
+              <a:t> </a:t>
+            </a:r>
+            <a:r>
+              <a:rPr lang="en-US" dirty="0" smtClean="0"/>
+              <a:t>}</a:t>
+            </a:r>
+          </a:p>
+          <a:p>
+            <a:pPr lvl="1"/>
+            <a:r>
+              <a:rPr lang="en-US" dirty="0" smtClean="0"/>
+              <a:t>{</a:t>
+            </a:r>
+            <a:r>
+              <a:rPr lang="en-US" dirty="0"/>
+              <a:t>"type"</a:t>
+            </a:r>
+            <a:r>
+              <a:rPr lang="en-US" dirty="0"/>
+              <a:t>:</a:t>
+            </a:r>
+            <a:r>
+              <a:rPr lang="en-US" dirty="0"/>
+              <a:t> "amazon-</a:t>
+            </a:r>
+            <a:r>
+              <a:rPr lang="en-US" dirty="0" err="1"/>
+              <a:t>ebs</a:t>
+            </a:r>
+            <a:r>
+              <a:rPr lang="en-US" dirty="0" smtClean="0"/>
+              <a:t>",}</a:t>
+            </a:r>
+          </a:p>
+          <a:p>
+            <a:pPr lvl="1"/>
+            <a:r>
+              <a:rPr lang="en-US" dirty="0" smtClean="0"/>
+              <a:t>{</a:t>
+            </a:r>
+            <a:r>
+              <a:rPr lang="en-US" dirty="0"/>
+              <a:t>"type"</a:t>
+            </a:r>
+            <a:r>
+              <a:rPr lang="en-US" dirty="0"/>
+              <a:t>:</a:t>
+            </a:r>
+            <a:r>
+              <a:rPr lang="en-US" dirty="0"/>
+              <a:t> "</a:t>
+            </a:r>
+            <a:r>
+              <a:rPr lang="en-US" dirty="0" err="1"/>
+              <a:t>vmware-vmx</a:t>
+            </a:r>
+            <a:r>
+              <a:rPr lang="en-US" dirty="0" smtClean="0"/>
+              <a:t>",}</a:t>
+            </a:r>
+          </a:p>
+          <a:p>
+            <a:pPr lvl="1"/>
+            <a:r>
+              <a:rPr lang="en-US" dirty="0" smtClean="0"/>
+              <a:t>{</a:t>
+            </a:r>
+            <a:r>
+              <a:rPr lang="en-US" dirty="0"/>
+              <a:t>"type"</a:t>
+            </a:r>
+            <a:r>
+              <a:rPr lang="en-US" dirty="0"/>
+              <a:t>:</a:t>
+            </a:r>
+            <a:r>
+              <a:rPr lang="en-US" dirty="0"/>
+              <a:t> "</a:t>
+            </a:r>
+            <a:r>
+              <a:rPr lang="en-US" dirty="0" err="1"/>
+              <a:t>googlecompute</a:t>
+            </a:r>
+            <a:r>
+              <a:rPr lang="en-US" dirty="0" smtClean="0"/>
+              <a:t>",}</a:t>
+            </a:r>
+          </a:p>
+          <a:p>
+            <a:endParaRPr lang="en-US" dirty="0"/>
+          </a:p>
+        </p:txBody>
+      </p:sp>
+      <p:pic>
+        <p:nvPicPr>
+          <p:cNvPr id="5" name="Picture 4"/>
+          <p:cNvPicPr>
+            <a:picLocks noChangeAspect="1"/>
+          </p:cNvPicPr>
+          <p:nvPr/>
+        </p:nvPicPr>
+        <p:blipFill>
+          <a:blip r:embed="rId2">
+            <a:extLst>
+              <a:ext uri="{28A0092B-C50C-407E-A947-70E740481C1C}">
+                <a14:useLocalDpi xmlns:a14="http://schemas.microsoft.com/office/drawing/2010/main" val="0"/>
+              </a:ext>
+            </a:extLst>
+          </a:blip>
+          <a:stretch>
+            <a:fillRect/>
+          </a:stretch>
+        </p:blipFill>
+        <p:spPr>
+          <a:xfrm>
+            <a:off x="10705789" y="4642612"/>
+            <a:ext cx="1308959" cy="1969983"/>
+          </a:xfrm>
+          <a:prstGeom prst="rect">
+            <a:avLst/>
+          </a:prstGeom>
+        </p:spPr>
+      </p:pic>
+      <p:pic>
+        <p:nvPicPr>
+          <p:cNvPr id="6" name="Picture 5"/>
+          <p:cNvPicPr>
+            <a:picLocks noChangeAspect="1"/>
+          </p:cNvPicPr>
+          <p:nvPr/>
+        </p:nvPicPr>
+        <p:blipFill>
+          <a:blip r:embed="rId3">
+            <a:extLst>
+              <a:ext uri="{28A0092B-C50C-407E-A947-70E740481C1C}">
+                <a14:useLocalDpi xmlns:a14="http://schemas.microsoft.com/office/drawing/2010/main" val="0"/>
+              </a:ext>
+            </a:extLst>
+          </a:blip>
+          <a:stretch>
+            <a:fillRect/>
+          </a:stretch>
+        </p:blipFill>
+        <p:spPr>
+          <a:xfrm>
+            <a:off x="599281" y="6195083"/>
+            <a:ext cx="562217" cy="417512"/>
+          </a:xfrm>
+          <a:prstGeom prst="rect">
+            <a:avLst/>
+          </a:prstGeom>
+        </p:spPr>
+      </p:pic>
+      <p:pic>
+        <p:nvPicPr>
+          <p:cNvPr id="7" name="Picture 6"/>
+          <p:cNvPicPr>
+            <a:picLocks noChangeAspect="1"/>
+          </p:cNvPicPr>
+          <p:nvPr/>
+        </p:nvPicPr>
+        <p:blipFill>
+          <a:blip r:embed="rId4">
+            <a:extLst>
+              <a:ext uri="{28A0092B-C50C-407E-A947-70E740481C1C}">
+                <a14:useLocalDpi xmlns:a14="http://schemas.microsoft.com/office/drawing/2010/main" val="0"/>
+              </a:ext>
+            </a:extLst>
+          </a:blip>
+          <a:stretch>
+            <a:fillRect/>
+          </a:stretch>
+        </p:blipFill>
+        <p:spPr>
+          <a:xfrm>
+            <a:off x="0" y="6176963"/>
+            <a:ext cx="599281" cy="599281"/>
+          </a:xfrm>
+          <a:prstGeom prst="rect">
+            <a:avLst/>
+          </a:prstGeom>
+        </p:spPr>
+      </p:pic>
+    </p:spTree>
+    <p:extLst>
+      <p:ext uri="{BB962C8B-B14F-4D97-AF65-F5344CB8AC3E}">
+        <p14:creationId xmlns:p14="http://schemas.microsoft.com/office/powerpoint/2010/main" val="892547446"/>
       </p:ext>
     </p:extLst>
   </p:cSld>
@@ -14513,30 +15911,20 @@
           <a:p>
             <a:r>
               <a:rPr lang="en-US" dirty="0" smtClean="0"/>
-              <a:t>Define a builder</a:t>
-            </a:r>
+              <a:t>Define a </a:t>
+            </a:r>
+            <a:r>
+              <a:rPr lang="en-US" dirty="0" err="1" smtClean="0"/>
+              <a:t>provisioner</a:t>
+            </a:r>
+            <a:endParaRPr lang="en-US" dirty="0" smtClean="0"/>
           </a:p>
           <a:p>
             <a:pPr lvl="1"/>
             <a:r>
               <a:rPr lang="en-US" dirty="0" smtClean="0"/>
-              <a:t>AWS</a:t>
-            </a:r>
-          </a:p>
-          <a:p>
-            <a:pPr lvl="1"/>
-            <a:r>
-              <a:rPr lang="en-US" dirty="0" smtClean="0"/>
-              <a:t>Azure</a:t>
-            </a:r>
-          </a:p>
-          <a:p>
-            <a:pPr lvl="1"/>
-            <a:r>
-              <a:rPr lang="en-US" dirty="0" smtClean="0"/>
-              <a:t>Google Cloud</a:t>
-            </a:r>
-            <a:endParaRPr lang="en-US" dirty="0"/>
+              <a:t>What do I want to do?</a:t>
+            </a:r>
           </a:p>
         </p:txBody>
       </p:sp>
@@ -14561,7 +15949,62 @@
             </a:r>
             <a:r>
               <a:rPr lang="en-US" dirty="0"/>
-              <a:t> "builders"</a:t>
+              <a:t> </a:t>
+            </a:r>
+            <a:r>
+              <a:rPr lang="en-US" dirty="0" smtClean="0"/>
+              <a:t>”</a:t>
+            </a:r>
+            <a:r>
+              <a:rPr lang="en-US" dirty="0" err="1" smtClean="0"/>
+              <a:t>provisioners</a:t>
+            </a:r>
+            <a:r>
+              <a:rPr lang="en-US" dirty="0" smtClean="0"/>
+              <a:t>": </a:t>
+            </a:r>
+            <a:r>
+              <a:rPr lang="en-US" dirty="0"/>
+              <a:t>[</a:t>
+            </a:r>
+            <a:r>
+              <a:rPr lang="en-US" dirty="0"/>
+              <a:t> // ... one or more </a:t>
+            </a:r>
+            <a:r>
+              <a:rPr lang="en-US" dirty="0" err="1" smtClean="0"/>
+              <a:t>provisioners</a:t>
+            </a:r>
+            <a:r>
+              <a:rPr lang="en-US" dirty="0"/>
+              <a:t> </a:t>
+            </a:r>
+            <a:r>
+              <a:rPr lang="en-US" dirty="0" smtClean="0"/>
+              <a:t>here </a:t>
+            </a:r>
+            <a:r>
+              <a:rPr lang="en-US" dirty="0"/>
+              <a:t>]</a:t>
+            </a:r>
+            <a:r>
+              <a:rPr lang="en-US" dirty="0"/>
+              <a:t> </a:t>
+            </a:r>
+            <a:r>
+              <a:rPr lang="en-US" dirty="0" smtClean="0"/>
+              <a:t>}</a:t>
+            </a:r>
+          </a:p>
+          <a:p>
+            <a:pPr lvl="1"/>
+            <a:r>
+              <a:rPr lang="en-US" dirty="0" smtClean="0"/>
+              <a:t>{</a:t>
+            </a:r>
+            <a:r>
+              <a:rPr lang="en-US" dirty="0"/>
+              <a:t>"type"</a:t>
             </a:r>
             <a:r>
               <a:rPr lang="en-US" dirty="0"/>
@@ -14572,16 +16015,23 @@
               <a:t> </a:t>
             </a:r>
             <a:r>
+              <a:rPr lang="en-US" dirty="0" smtClean="0"/>
+              <a:t>”file",}</a:t>
+            </a:r>
+          </a:p>
+          <a:p>
+            <a:pPr lvl="1"/>
+            <a:r>
+              <a:rPr lang="en-US" dirty="0" smtClean="0"/>
+              <a:t>{</a:t>
+            </a:r>
+            <a:r>
               <a:rPr lang="en-US" dirty="0"/>
-              <a:t>[</a:t>
+              <a:t>"type"</a:t>
             </a:r>
             <a:r>
               <a:rPr lang="en-US" dirty="0"/>
-              <a:t> // ... one or more builder definitions here </a:t>
-            </a:r>
-            <a:r>
-              <a:rPr lang="en-US" dirty="0"/>
-              <a:t>]</a:t>
+              <a:t>:</a:t>
             </a:r>
             <a:r>
               <a:rPr lang="en-US" dirty="0"/>
@@ -14589,7 +16039,7 @@
             </a:r>
             <a:r>
               <a:rPr lang="en-US" dirty="0" smtClean="0"/>
-              <a:t>}</a:t>
+              <a:t>”shell",}</a:t>
             </a:r>
           </a:p>
           <a:p>
@@ -14608,15 +16058,11 @@
             </a:r>
             <a:r>
               <a:rPr lang="en-US" dirty="0"/>
-              <a:t> "amazon-</a:t>
-            </a:r>
-            <a:r>
-              <a:rPr lang="en-US" dirty="0" err="1"/>
-              <a:t>ebs</a:t>
-            </a:r>
-            <a:r>
-              <a:rPr lang="en-US" dirty="0" smtClean="0"/>
-              <a:t>",}</a:t>
+              <a:t> </a:t>
+            </a:r>
+            <a:r>
+              <a:rPr lang="en-US" dirty="0" smtClean="0"/>
+              <a:t>”script",}</a:t>
             </a:r>
           </a:p>
           <a:p>
@@ -14627,51 +16073,31 @@
             </a:r>
             <a:r>
               <a:rPr lang="en-US" dirty="0"/>
-              <a:t>"type"</a:t>
-            </a:r>
+              <a:t>"type": </a:t>
+            </a:r>
+            <a:r>
+              <a:rPr lang="en-US" dirty="0" smtClean="0"/>
+              <a:t>”chef",}</a:t>
+            </a:r>
+          </a:p>
+          <a:p>
+            <a:pPr lvl="1"/>
             <a:r>
               <a:rPr lang="en-US" dirty="0"/>
-              <a:t>:</a:t>
-            </a:r>
-            <a:r>
-              <a:rPr lang="en-US" dirty="0"/>
-              <a:t> "</a:t>
-            </a:r>
-            <a:r>
-              <a:rPr lang="en-US" dirty="0" err="1"/>
-              <a:t>vmware-vmx</a:t>
-            </a:r>
-            <a:r>
-              <a:rPr lang="en-US" dirty="0" smtClean="0"/>
-              <a:t>",}</a:t>
+              <a:t>{"type": </a:t>
+            </a:r>
+            <a:r>
+              <a:rPr lang="en-US" dirty="0" smtClean="0"/>
+              <a:t>”puppet",}</a:t>
             </a:r>
           </a:p>
           <a:p>
             <a:pPr lvl="1"/>
             <a:r>
-              <a:rPr lang="en-US" dirty="0" smtClean="0"/>
-              <a:t>{</a:t>
-            </a:r>
-            <a:r>
-              <a:rPr lang="en-US" dirty="0"/>
-              <a:t>"type"</a:t>
-            </a:r>
-            <a:r>
-              <a:rPr lang="en-US" dirty="0"/>
-              <a:t>:</a:t>
-            </a:r>
-            <a:r>
-              <a:rPr lang="en-US" dirty="0"/>
-              <a:t> "</a:t>
-            </a:r>
-            <a:r>
-              <a:rPr lang="en-US" dirty="0" err="1"/>
-              <a:t>googlecompute</a:t>
-            </a:r>
-            <a:r>
-              <a:rPr lang="en-US" dirty="0" smtClean="0"/>
-              <a:t>",}</a:t>
-            </a:r>
+              <a:rPr lang="mr-IN" dirty="0" smtClean="0"/>
+              <a:t>…</a:t>
+            </a:r>
+            <a:endParaRPr lang="en-US" dirty="0" smtClean="0"/>
           </a:p>
           <a:p>
             <a:endParaRPr lang="en-US" dirty="0"/>
@@ -14771,7 +16197,7 @@
     </p:spTree>
     <p:extLst>
       <p:ext uri="{BB962C8B-B14F-4D97-AF65-F5344CB8AC3E}">
-        <p14:creationId xmlns:p14="http://schemas.microsoft.com/office/powerpoint/2010/main" val="892547446"/>
+        <p14:creationId xmlns:p14="http://schemas.microsoft.com/office/powerpoint/2010/main" val="2146862609"/>
       </p:ext>
     </p:extLst>
   </p:cSld>
@@ -14853,19 +16279,7 @@
           <a:p>
             <a:r>
               <a:rPr lang="en-US" dirty="0" smtClean="0"/>
-              <a:t>Define a </a:t>
-            </a:r>
-            <a:r>
-              <a:rPr lang="en-US" dirty="0" err="1" smtClean="0"/>
-              <a:t>provisioner</a:t>
-            </a:r>
-            <a:endParaRPr lang="en-US" dirty="0" smtClean="0"/>
-          </a:p>
-          <a:p>
-            <a:pPr lvl="1"/>
-            <a:r>
-              <a:rPr lang="en-US" dirty="0" smtClean="0"/>
-              <a:t>What do I want to do?</a:t>
+              <a:t>Customize with Variables</a:t>
             </a:r>
           </a:p>
         </p:txBody>
@@ -14887,66 +16301,15 @@
           <a:p>
             <a:r>
               <a:rPr lang="en-US" dirty="0"/>
-              <a:t>{</a:t>
+              <a:t>"</a:t>
+            </a:r>
+            <a:r>
+              <a:rPr lang="en-US" dirty="0" err="1"/>
+              <a:t>access_key</a:t>
             </a:r>
             <a:r>
               <a:rPr lang="en-US" dirty="0"/>
-              <a:t> </a:t>
-            </a:r>
-            <a:r>
-              <a:rPr lang="en-US" dirty="0" smtClean="0"/>
-              <a:t>”</a:t>
-            </a:r>
-            <a:r>
-              <a:rPr lang="en-US" dirty="0" err="1" smtClean="0"/>
-              <a:t>provisioners</a:t>
-            </a:r>
-            <a:r>
-              <a:rPr lang="en-US" dirty="0" smtClean="0"/>
-              <a:t>": </a:t>
-            </a:r>
-            <a:r>
-              <a:rPr lang="en-US" dirty="0"/>
-              <a:t>[</a:t>
-            </a:r>
-            <a:r>
-              <a:rPr lang="en-US" dirty="0"/>
-              <a:t> // ... one or more </a:t>
-            </a:r>
-            <a:r>
-              <a:rPr lang="en-US" dirty="0" err="1" smtClean="0"/>
-              <a:t>provisioners</a:t>
-            </a:r>
-            <a:r>
-              <a:rPr lang="en-US" dirty="0"/>
-              <a:t> </a:t>
-            </a:r>
-            <a:r>
-              <a:rPr lang="en-US" dirty="0" smtClean="0"/>
-              <a:t>here </a:t>
-            </a:r>
-            <a:r>
-              <a:rPr lang="en-US" dirty="0"/>
-              <a:t>]</a:t>
-            </a:r>
-            <a:r>
-              <a:rPr lang="en-US" dirty="0"/>
-              <a:t> </a:t>
-            </a:r>
-            <a:r>
-              <a:rPr lang="en-US" dirty="0" smtClean="0"/>
-              <a:t>}</a:t>
-            </a:r>
-          </a:p>
-          <a:p>
-            <a:pPr lvl="1"/>
-            <a:r>
-              <a:rPr lang="en-US" dirty="0" smtClean="0"/>
-              <a:t>{</a:t>
-            </a:r>
-            <a:r>
-              <a:rPr lang="en-US" dirty="0"/>
-              <a:t>"type"</a:t>
+              <a:t>"</a:t>
             </a:r>
             <a:r>
               <a:rPr lang="en-US" dirty="0"/>
@@ -14954,22 +16317,29 @@
             </a:r>
             <a:r>
               <a:rPr lang="en-US" dirty="0"/>
-              <a:t> </a:t>
-            </a:r>
-            <a:r>
-              <a:rPr lang="en-US" dirty="0" smtClean="0"/>
-              <a:t>”file",}</a:t>
-            </a:r>
-          </a:p>
-          <a:p>
-            <a:pPr lvl="1"/>
-            <a:r>
-              <a:rPr lang="en-US" dirty="0" smtClean="0"/>
-              <a:t>{</a:t>
-            </a:r>
+              <a:t> "{{user `</a:t>
+            </a:r>
+            <a:r>
+              <a:rPr lang="en-US" dirty="0" err="1"/>
+              <a:t>aws_access_key</a:t>
+            </a:r>
+            <a:r>
+              <a:rPr lang="en-US" dirty="0" smtClean="0"/>
+              <a:t>`}}",</a:t>
+            </a:r>
+          </a:p>
+          <a:p>
             <a:r>
               <a:rPr lang="en-US" dirty="0"/>
-              <a:t>"type"</a:t>
+              <a:t>"</a:t>
+            </a:r>
+            <a:r>
+              <a:rPr lang="en-US" dirty="0" err="1"/>
+              <a:t>secret_key</a:t>
+            </a:r>
+            <a:r>
+              <a:rPr lang="en-US" dirty="0"/>
+              <a:t>"</a:t>
             </a:r>
             <a:r>
               <a:rPr lang="en-US" dirty="0"/>
@@ -14977,71 +16347,30 @@
             </a:r>
             <a:r>
               <a:rPr lang="en-US" dirty="0"/>
-              <a:t> </a:t>
-            </a:r>
-            <a:r>
-              <a:rPr lang="en-US" dirty="0" smtClean="0"/>
-              <a:t>”shell",}</a:t>
-            </a:r>
-          </a:p>
-          <a:p>
-            <a:pPr lvl="1"/>
-            <a:r>
-              <a:rPr lang="en-US" dirty="0" smtClean="0"/>
-              <a:t>{</a:t>
-            </a:r>
-            <a:r>
-              <a:rPr lang="en-US" dirty="0"/>
-              <a:t>"type"</a:t>
-            </a:r>
-            <a:r>
-              <a:rPr lang="en-US" dirty="0"/>
-              <a:t>:</a:t>
-            </a:r>
-            <a:r>
-              <a:rPr lang="en-US" dirty="0"/>
-              <a:t> </a:t>
-            </a:r>
-            <a:r>
-              <a:rPr lang="en-US" dirty="0" smtClean="0"/>
-              <a:t>”script",}</a:t>
-            </a:r>
-          </a:p>
-          <a:p>
-            <a:pPr lvl="1"/>
-            <a:r>
-              <a:rPr lang="en-US" dirty="0" smtClean="0"/>
-              <a:t>{</a:t>
-            </a:r>
-            <a:r>
-              <a:rPr lang="en-US" dirty="0"/>
-              <a:t>"type": </a:t>
-            </a:r>
-            <a:r>
-              <a:rPr lang="en-US" dirty="0" smtClean="0"/>
-              <a:t>”chef",}</a:t>
-            </a:r>
-          </a:p>
-          <a:p>
-            <a:pPr lvl="1"/>
-            <a:r>
-              <a:rPr lang="en-US" dirty="0"/>
-              <a:t>{"type": </a:t>
-            </a:r>
-            <a:r>
-              <a:rPr lang="en-US" dirty="0" smtClean="0"/>
-              <a:t>”puppet",}</a:t>
-            </a:r>
-          </a:p>
-          <a:p>
-            <a:pPr lvl="1"/>
-            <a:r>
-              <a:rPr lang="mr-IN" dirty="0" smtClean="0"/>
-              <a:t>…</a:t>
-            </a:r>
-            <a:endParaRPr lang="en-US" dirty="0" smtClean="0"/>
-          </a:p>
-          <a:p>
+              <a:t> "{{user `</a:t>
+            </a:r>
+            <a:r>
+              <a:rPr lang="en-US" dirty="0" err="1"/>
+              <a:t>aws_secret_key</a:t>
+            </a:r>
+            <a:r>
+              <a:rPr lang="en-US" dirty="0" smtClean="0"/>
+              <a:t>`}}",</a:t>
+            </a:r>
+          </a:p>
+          <a:p>
+            <a:r>
+              <a:rPr lang="mr-IN" dirty="0"/>
+              <a:t>{{</a:t>
+            </a:r>
+            <a:r>
+              <a:rPr lang="mr-IN" dirty="0" err="1"/>
+              <a:t>isotime</a:t>
+            </a:r>
+            <a:r>
+              <a:rPr lang="mr-IN" dirty="0"/>
+              <a:t> \"2006-01-02\"}}</a:t>
+            </a:r>
             <a:endParaRPr lang="en-US" dirty="0"/>
           </a:p>
         </p:txBody>
@@ -15139,7 +16468,7 @@
     </p:spTree>
     <p:extLst>
       <p:ext uri="{BB962C8B-B14F-4D97-AF65-F5344CB8AC3E}">
-        <p14:creationId xmlns:p14="http://schemas.microsoft.com/office/powerpoint/2010/main" val="2146862609"/>
+        <p14:creationId xmlns:p14="http://schemas.microsoft.com/office/powerpoint/2010/main" val="1095029964"/>
       </p:ext>
     </p:extLst>
   </p:cSld>
@@ -15181,236 +16510,10 @@
           <a:chExt cx="0" cy="0"/>
         </a:xfrm>
       </p:grpSpPr>
-      <p:sp>
-        <p:nvSpPr>
-          <p:cNvPr id="2" name="Title 1"/>
-          <p:cNvSpPr>
-            <a:spLocks noGrp="1"/>
-          </p:cNvSpPr>
-          <p:nvPr>
-            <p:ph type="title"/>
-          </p:nvPr>
-        </p:nvSpPr>
-        <p:spPr/>
-        <p:txBody>
-          <a:bodyPr/>
-          <a:lstStyle/>
-          <a:p>
-            <a:r>
-              <a:rPr lang="en-US" dirty="0" smtClean="0"/>
-              <a:t>What is Packer</a:t>
-            </a:r>
-            <a:endParaRPr lang="en-US" dirty="0"/>
-          </a:p>
-        </p:txBody>
-      </p:sp>
-      <p:sp>
-        <p:nvSpPr>
-          <p:cNvPr id="3" name="Content Placeholder 2"/>
-          <p:cNvSpPr>
-            <a:spLocks noGrp="1"/>
-          </p:cNvSpPr>
-          <p:nvPr>
-            <p:ph sz="half" idx="1"/>
-          </p:nvPr>
-        </p:nvSpPr>
-        <p:spPr/>
-        <p:txBody>
-          <a:bodyPr/>
-          <a:lstStyle/>
-          <a:p>
-            <a:r>
-              <a:rPr lang="en-US" dirty="0" smtClean="0"/>
-              <a:t>Customize with Variables</a:t>
-            </a:r>
-          </a:p>
-        </p:txBody>
-      </p:sp>
-      <p:sp>
-        <p:nvSpPr>
-          <p:cNvPr id="4" name="Content Placeholder 3"/>
-          <p:cNvSpPr>
-            <a:spLocks noGrp="1"/>
-          </p:cNvSpPr>
-          <p:nvPr>
-            <p:ph sz="half" idx="2"/>
-          </p:nvPr>
-        </p:nvSpPr>
-        <p:spPr/>
-        <p:txBody>
-          <a:bodyPr/>
-          <a:lstStyle/>
-          <a:p>
-            <a:r>
-              <a:rPr lang="en-US" dirty="0"/>
-              <a:t>"</a:t>
-            </a:r>
-            <a:r>
-              <a:rPr lang="en-US" dirty="0" err="1"/>
-              <a:t>access_key</a:t>
-            </a:r>
-            <a:r>
-              <a:rPr lang="en-US" dirty="0"/>
-              <a:t>"</a:t>
-            </a:r>
-            <a:r>
-              <a:rPr lang="en-US" dirty="0"/>
-              <a:t>:</a:t>
-            </a:r>
-            <a:r>
-              <a:rPr lang="en-US" dirty="0"/>
-              <a:t> "{{user `</a:t>
-            </a:r>
-            <a:r>
-              <a:rPr lang="en-US" dirty="0" err="1"/>
-              <a:t>aws_access_key</a:t>
-            </a:r>
-            <a:r>
-              <a:rPr lang="en-US" dirty="0" smtClean="0"/>
-              <a:t>`}}",</a:t>
-            </a:r>
-          </a:p>
-          <a:p>
-            <a:r>
-              <a:rPr lang="en-US" dirty="0"/>
-              <a:t>"</a:t>
-            </a:r>
-            <a:r>
-              <a:rPr lang="en-US" dirty="0" err="1"/>
-              <a:t>secret_key</a:t>
-            </a:r>
-            <a:r>
-              <a:rPr lang="en-US" dirty="0"/>
-              <a:t>"</a:t>
-            </a:r>
-            <a:r>
-              <a:rPr lang="en-US" dirty="0"/>
-              <a:t>:</a:t>
-            </a:r>
-            <a:r>
-              <a:rPr lang="en-US" dirty="0"/>
-              <a:t> "{{user `</a:t>
-            </a:r>
-            <a:r>
-              <a:rPr lang="en-US" dirty="0" err="1"/>
-              <a:t>aws_secret_key</a:t>
-            </a:r>
-            <a:r>
-              <a:rPr lang="en-US" dirty="0" smtClean="0"/>
-              <a:t>`}}",</a:t>
-            </a:r>
-          </a:p>
-          <a:p>
-            <a:r>
-              <a:rPr lang="mr-IN" dirty="0"/>
-              <a:t>{{</a:t>
-            </a:r>
-            <a:r>
-              <a:rPr lang="mr-IN" dirty="0" err="1"/>
-              <a:t>isotime</a:t>
-            </a:r>
-            <a:r>
-              <a:rPr lang="mr-IN" dirty="0"/>
-              <a:t> \"2006-01-02\"}}</a:t>
-            </a:r>
-            <a:endParaRPr lang="en-US" dirty="0"/>
-          </a:p>
-        </p:txBody>
-      </p:sp>
-      <p:pic>
-        <p:nvPicPr>
-          <p:cNvPr id="5" name="Picture 4"/>
-          <p:cNvPicPr>
-            <a:picLocks noChangeAspect="1"/>
-          </p:cNvPicPr>
-          <p:nvPr/>
-        </p:nvPicPr>
-        <p:blipFill>
-          <a:blip r:embed="rId2">
-            <a:extLst>
-              <a:ext uri="{28A0092B-C50C-407E-A947-70E740481C1C}">
-                <a14:useLocalDpi xmlns:a14="http://schemas.microsoft.com/office/drawing/2010/main" val="0"/>
-              </a:ext>
-            </a:extLst>
-          </a:blip>
-          <a:stretch>
-            <a:fillRect/>
-          </a:stretch>
-        </p:blipFill>
-        <p:spPr>
-          <a:xfrm>
-            <a:off x="10705789" y="4642612"/>
-            <a:ext cx="1308959" cy="1969983"/>
-          </a:xfrm>
-          <a:prstGeom prst="rect">
-            <a:avLst/>
-          </a:prstGeom>
-        </p:spPr>
-      </p:pic>
-      <p:pic>
-        <p:nvPicPr>
-          <p:cNvPr id="6" name="Picture 5"/>
-          <p:cNvPicPr>
-            <a:picLocks noChangeAspect="1"/>
-          </p:cNvPicPr>
-          <p:nvPr/>
-        </p:nvPicPr>
-        <p:blipFill>
-          <a:blip r:embed="rId3">
-            <a:extLst>
-              <a:ext uri="{28A0092B-C50C-407E-A947-70E740481C1C}">
-                <a14:useLocalDpi xmlns:a14="http://schemas.microsoft.com/office/drawing/2010/main" val="0"/>
-              </a:ext>
-            </a:extLst>
-          </a:blip>
-          <a:stretch>
-            <a:fillRect/>
-          </a:stretch>
-        </p:blipFill>
-        <p:spPr>
-          <a:xfrm>
-            <a:off x="599281" y="6195083"/>
-            <a:ext cx="562217" cy="417512"/>
-          </a:xfrm>
-          <a:prstGeom prst="rect">
-            <a:avLst/>
-          </a:prstGeom>
-        </p:spPr>
-      </p:pic>
-      <p:pic>
-        <p:nvPicPr>
-          <p:cNvPr id="7" name="Picture 6"/>
-          <p:cNvPicPr>
-            <a:picLocks noChangeAspect="1"/>
-          </p:cNvPicPr>
-          <p:nvPr/>
-        </p:nvPicPr>
-        <p:blipFill>
-          <a:blip r:embed="rId4">
-            <a:extLst>
-              <a:ext uri="{28A0092B-C50C-407E-A947-70E740481C1C}">
-                <a14:useLocalDpi xmlns:a14="http://schemas.microsoft.com/office/drawing/2010/main" val="0"/>
-              </a:ext>
-            </a:extLst>
-          </a:blip>
-          <a:stretch>
-            <a:fillRect/>
-          </a:stretch>
-        </p:blipFill>
-        <p:spPr>
-          <a:xfrm>
-            <a:off x="0" y="6176963"/>
-            <a:ext cx="599281" cy="599281"/>
-          </a:xfrm>
-          <a:prstGeom prst="rect">
-            <a:avLst/>
-          </a:prstGeom>
-        </p:spPr>
-      </p:pic>
     </p:spTree>
     <p:extLst>
       <p:ext uri="{BB962C8B-B14F-4D97-AF65-F5344CB8AC3E}">
-        <p14:creationId xmlns:p14="http://schemas.microsoft.com/office/powerpoint/2010/main" val="1095029964"/>
+        <p14:creationId xmlns:p14="http://schemas.microsoft.com/office/powerpoint/2010/main" val="1441833665"/>
       </p:ext>
     </p:extLst>
   </p:cSld>
@@ -15452,10 +16555,197 @@
           <a:chExt cx="0" cy="0"/>
         </a:xfrm>
       </p:grpSpPr>
+      <p:sp>
+        <p:nvSpPr>
+          <p:cNvPr id="2" name="Title 1"/>
+          <p:cNvSpPr>
+            <a:spLocks noGrp="1"/>
+          </p:cNvSpPr>
+          <p:nvPr>
+            <p:ph type="title"/>
+          </p:nvPr>
+        </p:nvSpPr>
+        <p:spPr/>
+        <p:txBody>
+          <a:bodyPr/>
+          <a:lstStyle/>
+          <a:p>
+            <a:r>
+              <a:rPr lang="en-US" dirty="0" smtClean="0"/>
+              <a:t>Packer</a:t>
+            </a:r>
+            <a:endParaRPr lang="en-US" dirty="0"/>
+          </a:p>
+        </p:txBody>
+      </p:sp>
+      <p:sp>
+        <p:nvSpPr>
+          <p:cNvPr id="3" name="Content Placeholder 2"/>
+          <p:cNvSpPr>
+            <a:spLocks noGrp="1"/>
+          </p:cNvSpPr>
+          <p:nvPr>
+            <p:ph idx="1"/>
+          </p:nvPr>
+        </p:nvSpPr>
+        <p:spPr/>
+        <p:txBody>
+          <a:bodyPr/>
+          <a:lstStyle/>
+          <a:p>
+            <a:endParaRPr lang="en-US" dirty="0" smtClean="0"/>
+          </a:p>
+          <a:p>
+            <a:r>
+              <a:rPr lang="en-US" dirty="0" smtClean="0"/>
+              <a:t>We built a share-able and customizable image that </a:t>
+            </a:r>
+            <a:r>
+              <a:rPr lang="en-US" b="1" dirty="0" smtClean="0"/>
+              <a:t>anyone </a:t>
+            </a:r>
+            <a:r>
+              <a:rPr lang="en-US" dirty="0" smtClean="0"/>
+              <a:t>can use</a:t>
+            </a:r>
+          </a:p>
+          <a:p>
+            <a:r>
+              <a:rPr lang="en-US" dirty="0" smtClean="0"/>
+              <a:t>Built a </a:t>
+            </a:r>
+            <a:r>
+              <a:rPr lang="en-US" b="1" dirty="0" smtClean="0"/>
+              <a:t>standard </a:t>
+            </a:r>
+            <a:r>
+              <a:rPr lang="en-US" dirty="0" smtClean="0"/>
+              <a:t>image that can be used across hybrid infrastructure</a:t>
+            </a:r>
+          </a:p>
+          <a:p>
+            <a:r>
+              <a:rPr lang="en-US" dirty="0" smtClean="0"/>
+              <a:t>Included patches, middleware and sizing definitions into the build process</a:t>
+            </a:r>
+          </a:p>
+          <a:p>
+            <a:r>
+              <a:rPr lang="en-US" dirty="0" smtClean="0"/>
+              <a:t>Produced a </a:t>
+            </a:r>
+            <a:r>
+              <a:rPr lang="en-US" b="1" dirty="0" smtClean="0"/>
+              <a:t>coded artifact</a:t>
+            </a:r>
+            <a:r>
+              <a:rPr lang="en-US" dirty="0" smtClean="0"/>
+              <a:t> that can be used to collaborate, review and inspect easily the state of infrastructure</a:t>
+            </a:r>
+            <a:endParaRPr lang="en-US" dirty="0" smtClean="0"/>
+          </a:p>
+          <a:p>
+            <a:endParaRPr lang="en-US" dirty="0" smtClean="0"/>
+          </a:p>
+          <a:p>
+            <a:endParaRPr lang="en-US" dirty="0"/>
+          </a:p>
+        </p:txBody>
+      </p:sp>
+      <p:pic>
+        <p:nvPicPr>
+          <p:cNvPr id="5" name="Picture 4"/>
+          <p:cNvPicPr>
+            <a:picLocks noChangeAspect="1"/>
+          </p:cNvPicPr>
+          <p:nvPr/>
+        </p:nvPicPr>
+        <p:blipFill>
+          <a:blip r:embed="rId3">
+            <a:extLst>
+              <a:ext uri="{28A0092B-C50C-407E-A947-70E740481C1C}">
+                <a14:useLocalDpi xmlns:a14="http://schemas.microsoft.com/office/drawing/2010/main" val="0"/>
+              </a:ext>
+            </a:extLst>
+          </a:blip>
+          <a:stretch>
+            <a:fillRect/>
+          </a:stretch>
+        </p:blipFill>
+        <p:spPr>
+          <a:xfrm>
+            <a:off x="10705789" y="4642612"/>
+            <a:ext cx="1308959" cy="1969983"/>
+          </a:xfrm>
+          <a:prstGeom prst="rect">
+            <a:avLst/>
+          </a:prstGeom>
+        </p:spPr>
+      </p:pic>
+      <p:pic>
+        <p:nvPicPr>
+          <p:cNvPr id="6" name="Picture 5"/>
+          <p:cNvPicPr>
+            <a:picLocks noChangeAspect="1"/>
+          </p:cNvPicPr>
+          <p:nvPr/>
+        </p:nvPicPr>
+        <p:blipFill>
+          <a:blip r:embed="rId4">
+            <a:extLst>
+              <a:ext uri="{28A0092B-C50C-407E-A947-70E740481C1C}">
+                <a14:useLocalDpi xmlns:a14="http://schemas.microsoft.com/office/drawing/2010/main" val="0"/>
+              </a:ext>
+            </a:extLst>
+          </a:blip>
+          <a:stretch>
+            <a:fillRect/>
+          </a:stretch>
+        </p:blipFill>
+        <p:spPr>
+          <a:xfrm>
+            <a:off x="599281" y="6195083"/>
+            <a:ext cx="562217" cy="417512"/>
+          </a:xfrm>
+          <a:prstGeom prst="rect">
+            <a:avLst/>
+          </a:prstGeom>
+        </p:spPr>
+      </p:pic>
+      <p:pic>
+        <p:nvPicPr>
+          <p:cNvPr id="7" name="Picture 6"/>
+          <p:cNvPicPr>
+            <a:picLocks noChangeAspect="1"/>
+          </p:cNvPicPr>
+          <p:nvPr/>
+        </p:nvPicPr>
+        <p:blipFill>
+          <a:blip r:embed="rId5">
+            <a:extLst>
+              <a:ext uri="{28A0092B-C50C-407E-A947-70E740481C1C}">
+                <a14:useLocalDpi xmlns:a14="http://schemas.microsoft.com/office/drawing/2010/main" val="0"/>
+              </a:ext>
+            </a:extLst>
+          </a:blip>
+          <a:stretch>
+            <a:fillRect/>
+          </a:stretch>
+        </p:blipFill>
+        <p:spPr>
+          <a:xfrm>
+            <a:off x="0" y="6176963"/>
+            <a:ext cx="599281" cy="599281"/>
+          </a:xfrm>
+          <a:prstGeom prst="rect">
+            <a:avLst/>
+          </a:prstGeom>
+        </p:spPr>
+      </p:pic>
     </p:spTree>
     <p:extLst>
       <p:ext uri="{BB962C8B-B14F-4D97-AF65-F5344CB8AC3E}">
-        <p14:creationId xmlns:p14="http://schemas.microsoft.com/office/powerpoint/2010/main" val="1441833665"/>
+        <p14:creationId xmlns:p14="http://schemas.microsoft.com/office/powerpoint/2010/main" val="319664387"/>
       </p:ext>
     </p:extLst>
   </p:cSld>
@@ -15586,7 +16876,7 @@
           <a:p>
             <a:r>
               <a:rPr lang="en-US" dirty="0" smtClean="0"/>
-              <a:t>What is Dev Ops</a:t>
+              <a:t>What is Dev Ops Culture</a:t>
             </a:r>
             <a:endParaRPr lang="en-US" dirty="0" smtClean="0"/>
           </a:p>
@@ -15669,238 +16959,6 @@
 </file>
 
 <file path=ppt/slides/slide30.xml><?xml version="1.0" encoding="utf-8"?>
-<p:sld xmlns:a="http://schemas.openxmlformats.org/drawingml/2006/main" xmlns:r="http://schemas.openxmlformats.org/officeDocument/2006/relationships" xmlns:p="http://schemas.openxmlformats.org/presentationml/2006/main" show="0">
-  <p:cSld>
-    <p:spTree>
-      <p:nvGrpSpPr>
-        <p:cNvPr id="1" name=""/>
-        <p:cNvGrpSpPr/>
-        <p:nvPr/>
-      </p:nvGrpSpPr>
-      <p:grpSpPr>
-        <a:xfrm>
-          <a:off x="0" y="0"/>
-          <a:ext cx="0" cy="0"/>
-          <a:chOff x="0" y="0"/>
-          <a:chExt cx="0" cy="0"/>
-        </a:xfrm>
-      </p:grpSpPr>
-      <p:sp>
-        <p:nvSpPr>
-          <p:cNvPr id="2" name="Title 1"/>
-          <p:cNvSpPr>
-            <a:spLocks noGrp="1"/>
-          </p:cNvSpPr>
-          <p:nvPr>
-            <p:ph type="title"/>
-          </p:nvPr>
-        </p:nvSpPr>
-        <p:spPr/>
-        <p:txBody>
-          <a:bodyPr/>
-          <a:lstStyle/>
-          <a:p>
-            <a:r>
-              <a:rPr lang="en-US" dirty="0" smtClean="0"/>
-              <a:t>Packer</a:t>
-            </a:r>
-            <a:endParaRPr lang="en-US" dirty="0"/>
-          </a:p>
-        </p:txBody>
-      </p:sp>
-      <p:sp>
-        <p:nvSpPr>
-          <p:cNvPr id="3" name="Content Placeholder 2"/>
-          <p:cNvSpPr>
-            <a:spLocks noGrp="1"/>
-          </p:cNvSpPr>
-          <p:nvPr>
-            <p:ph idx="1"/>
-          </p:nvPr>
-        </p:nvSpPr>
-        <p:spPr/>
-        <p:txBody>
-          <a:bodyPr/>
-          <a:lstStyle/>
-          <a:p>
-            <a:endParaRPr lang="en-US" dirty="0" smtClean="0"/>
-          </a:p>
-          <a:p>
-            <a:r>
-              <a:rPr lang="en-US" dirty="0" smtClean="0"/>
-              <a:t>We built a share-able and customizable image that </a:t>
-            </a:r>
-            <a:r>
-              <a:rPr lang="en-US" b="1" dirty="0" smtClean="0"/>
-              <a:t>anyone </a:t>
-            </a:r>
-            <a:r>
-              <a:rPr lang="en-US" dirty="0" smtClean="0"/>
-              <a:t>can use</a:t>
-            </a:r>
-          </a:p>
-          <a:p>
-            <a:r>
-              <a:rPr lang="en-US" dirty="0" smtClean="0"/>
-              <a:t>Built a </a:t>
-            </a:r>
-            <a:r>
-              <a:rPr lang="en-US" b="1" dirty="0" smtClean="0"/>
-              <a:t>standard </a:t>
-            </a:r>
-            <a:r>
-              <a:rPr lang="en-US" dirty="0" smtClean="0"/>
-              <a:t>image that can be used across hybrid infrastructure</a:t>
-            </a:r>
-          </a:p>
-          <a:p>
-            <a:r>
-              <a:rPr lang="en-US" dirty="0" smtClean="0"/>
-              <a:t>Included patches, middleware and sizing definitions into the build process</a:t>
-            </a:r>
-          </a:p>
-          <a:p>
-            <a:r>
-              <a:rPr lang="en-US" dirty="0" smtClean="0"/>
-              <a:t>Produced a </a:t>
-            </a:r>
-            <a:r>
-              <a:rPr lang="en-US" b="1" dirty="0" smtClean="0"/>
-              <a:t>coded artifact</a:t>
-            </a:r>
-            <a:r>
-              <a:rPr lang="en-US" dirty="0" smtClean="0"/>
-              <a:t> that can be used to collaborate, review and inspect easily the state of infrastructure</a:t>
-            </a:r>
-            <a:endParaRPr lang="en-US" dirty="0" smtClean="0"/>
-          </a:p>
-          <a:p>
-            <a:endParaRPr lang="en-US" dirty="0" smtClean="0"/>
-          </a:p>
-          <a:p>
-            <a:endParaRPr lang="en-US" dirty="0"/>
-          </a:p>
-        </p:txBody>
-      </p:sp>
-      <p:pic>
-        <p:nvPicPr>
-          <p:cNvPr id="5" name="Picture 4"/>
-          <p:cNvPicPr>
-            <a:picLocks noChangeAspect="1"/>
-          </p:cNvPicPr>
-          <p:nvPr/>
-        </p:nvPicPr>
-        <p:blipFill>
-          <a:blip r:embed="rId3">
-            <a:extLst>
-              <a:ext uri="{28A0092B-C50C-407E-A947-70E740481C1C}">
-                <a14:useLocalDpi xmlns:a14="http://schemas.microsoft.com/office/drawing/2010/main" val="0"/>
-              </a:ext>
-            </a:extLst>
-          </a:blip>
-          <a:stretch>
-            <a:fillRect/>
-          </a:stretch>
-        </p:blipFill>
-        <p:spPr>
-          <a:xfrm>
-            <a:off x="10705789" y="4642612"/>
-            <a:ext cx="1308959" cy="1969983"/>
-          </a:xfrm>
-          <a:prstGeom prst="rect">
-            <a:avLst/>
-          </a:prstGeom>
-        </p:spPr>
-      </p:pic>
-      <p:pic>
-        <p:nvPicPr>
-          <p:cNvPr id="6" name="Picture 5"/>
-          <p:cNvPicPr>
-            <a:picLocks noChangeAspect="1"/>
-          </p:cNvPicPr>
-          <p:nvPr/>
-        </p:nvPicPr>
-        <p:blipFill>
-          <a:blip r:embed="rId4">
-            <a:extLst>
-              <a:ext uri="{28A0092B-C50C-407E-A947-70E740481C1C}">
-                <a14:useLocalDpi xmlns:a14="http://schemas.microsoft.com/office/drawing/2010/main" val="0"/>
-              </a:ext>
-            </a:extLst>
-          </a:blip>
-          <a:stretch>
-            <a:fillRect/>
-          </a:stretch>
-        </p:blipFill>
-        <p:spPr>
-          <a:xfrm>
-            <a:off x="599281" y="6195083"/>
-            <a:ext cx="562217" cy="417512"/>
-          </a:xfrm>
-          <a:prstGeom prst="rect">
-            <a:avLst/>
-          </a:prstGeom>
-        </p:spPr>
-      </p:pic>
-      <p:pic>
-        <p:nvPicPr>
-          <p:cNvPr id="7" name="Picture 6"/>
-          <p:cNvPicPr>
-            <a:picLocks noChangeAspect="1"/>
-          </p:cNvPicPr>
-          <p:nvPr/>
-        </p:nvPicPr>
-        <p:blipFill>
-          <a:blip r:embed="rId5">
-            <a:extLst>
-              <a:ext uri="{28A0092B-C50C-407E-A947-70E740481C1C}">
-                <a14:useLocalDpi xmlns:a14="http://schemas.microsoft.com/office/drawing/2010/main" val="0"/>
-              </a:ext>
-            </a:extLst>
-          </a:blip>
-          <a:stretch>
-            <a:fillRect/>
-          </a:stretch>
-        </p:blipFill>
-        <p:spPr>
-          <a:xfrm>
-            <a:off x="0" y="6176963"/>
-            <a:ext cx="599281" cy="599281"/>
-          </a:xfrm>
-          <a:prstGeom prst="rect">
-            <a:avLst/>
-          </a:prstGeom>
-        </p:spPr>
-      </p:pic>
-    </p:spTree>
-    <p:extLst>
-      <p:ext uri="{BB962C8B-B14F-4D97-AF65-F5344CB8AC3E}">
-        <p14:creationId xmlns:p14="http://schemas.microsoft.com/office/powerpoint/2010/main" val="319664387"/>
-      </p:ext>
-    </p:extLst>
-  </p:cSld>
-  <p:clrMapOvr>
-    <a:masterClrMapping/>
-  </p:clrMapOvr>
-  <mc:AlternateContent xmlns:mc="http://schemas.openxmlformats.org/markup-compatibility/2006">
-    <mc:Choice xmlns:p14="http://schemas.microsoft.com/office/powerpoint/2010/main" Requires="p14">
-      <p:transition spd="slow" p14:dur="2000"/>
-    </mc:Choice>
-    <mc:Fallback>
-      <p:transition spd="slow"/>
-    </mc:Fallback>
-  </mc:AlternateContent>
-  <p:timing>
-    <p:tnLst>
-      <p:par>
-        <p:cTn id="1" dur="indefinite" restart="never" nodeType="tmRoot"/>
-      </p:par>
-    </p:tnLst>
-  </p:timing>
-</p:sld>
-</file>
-
-<file path=ppt/slides/slide31.xml><?xml version="1.0" encoding="utf-8"?>
 <p:sld xmlns:a="http://schemas.openxmlformats.org/drawingml/2006/main" xmlns:r="http://schemas.openxmlformats.org/officeDocument/2006/relationships" xmlns:p="http://schemas.openxmlformats.org/presentationml/2006/main" show="0">
   <p:cSld>
     <p:spTree>
@@ -16569,7 +17627,7 @@
 </p:sld>
 </file>
 
-<file path=ppt/slides/slide32.xml><?xml version="1.0" encoding="utf-8"?>
+<file path=ppt/slides/slide31.xml><?xml version="1.0" encoding="utf-8"?>
 <p:sld xmlns:a="http://schemas.openxmlformats.org/drawingml/2006/main" xmlns:r="http://schemas.openxmlformats.org/officeDocument/2006/relationships" xmlns:p="http://schemas.openxmlformats.org/presentationml/2006/main">
   <p:cSld>
     <p:spTree>
@@ -16872,10 +17930,196 @@
           </a:prstGeom>
         </p:spPr>
       </p:pic>
+      <p:sp>
+        <p:nvSpPr>
+          <p:cNvPr id="6" name="TextBox 5"/>
+          <p:cNvSpPr txBox="1"/>
+          <p:nvPr/>
+        </p:nvSpPr>
+        <p:spPr>
+          <a:xfrm>
+            <a:off x="9001125" y="5141679"/>
+            <a:ext cx="4611745" cy="1077218"/>
+          </a:xfrm>
+          <a:prstGeom prst="rect">
+            <a:avLst/>
+          </a:prstGeom>
+          <a:noFill/>
+        </p:spPr>
+        <p:txBody>
+          <a:bodyPr wrap="square" rtlCol="0">
+            <a:spAutoFit/>
+          </a:bodyPr>
+          <a:lstStyle/>
+          <a:p>
+            <a:r>
+              <a:rPr lang="en-US" sz="3200" b="1" dirty="0" err="1" smtClean="0"/>
+              <a:t>HashiCorp</a:t>
+            </a:r>
+            <a:r>
+              <a:rPr lang="en-US" sz="3200" b="1" dirty="0" smtClean="0"/>
+              <a:t> </a:t>
+            </a:r>
+          </a:p>
+          <a:p>
+            <a:r>
+              <a:rPr lang="en-US" sz="3200" b="1" dirty="0"/>
+              <a:t>	</a:t>
+            </a:r>
+            <a:r>
+              <a:rPr lang="en-US" sz="3200" b="1" dirty="0" smtClean="0"/>
+              <a:t>Terraform</a:t>
+            </a:r>
+            <a:endParaRPr lang="en-US" sz="3200" b="1" dirty="0"/>
+          </a:p>
+        </p:txBody>
+      </p:sp>
     </p:spTree>
     <p:extLst>
       <p:ext uri="{BB962C8B-B14F-4D97-AF65-F5344CB8AC3E}">
         <p14:creationId xmlns:p14="http://schemas.microsoft.com/office/powerpoint/2010/main" val="2022455110"/>
+      </p:ext>
+    </p:extLst>
+  </p:cSld>
+  <p:clrMapOvr>
+    <a:masterClrMapping/>
+  </p:clrMapOvr>
+  <p:timing>
+    <p:tnLst>
+      <p:par>
+        <p:cTn id="1" dur="indefinite" restart="never" nodeType="tmRoot"/>
+      </p:par>
+    </p:tnLst>
+  </p:timing>
+</p:sld>
+</file>
+
+<file path=ppt/slides/slide32.xml><?xml version="1.0" encoding="utf-8"?>
+<p:sld xmlns:a="http://schemas.openxmlformats.org/drawingml/2006/main" xmlns:r="http://schemas.openxmlformats.org/officeDocument/2006/relationships" xmlns:p="http://schemas.openxmlformats.org/presentationml/2006/main">
+  <p:cSld>
+    <p:spTree>
+      <p:nvGrpSpPr>
+        <p:cNvPr id="1" name=""/>
+        <p:cNvGrpSpPr/>
+        <p:nvPr/>
+      </p:nvGrpSpPr>
+      <p:grpSpPr>
+        <a:xfrm>
+          <a:off x="0" y="0"/>
+          <a:ext cx="0" cy="0"/>
+          <a:chOff x="0" y="0"/>
+          <a:chExt cx="0" cy="0"/>
+        </a:xfrm>
+      </p:grpSpPr>
+      <p:sp>
+        <p:nvSpPr>
+          <p:cNvPr id="2" name="Title 1"/>
+          <p:cNvSpPr>
+            <a:spLocks noGrp="1"/>
+          </p:cNvSpPr>
+          <p:nvPr>
+            <p:ph type="title"/>
+          </p:nvPr>
+        </p:nvSpPr>
+        <p:spPr/>
+        <p:txBody>
+          <a:bodyPr/>
+          <a:lstStyle/>
+          <a:p>
+            <a:r>
+              <a:rPr lang="en-US" dirty="0" smtClean="0"/>
+              <a:t>Terraform is</a:t>
+            </a:r>
+            <a:r>
+              <a:rPr lang="mr-IN" dirty="0" smtClean="0"/>
+              <a:t>…</a:t>
+            </a:r>
+            <a:endParaRPr lang="en-US" dirty="0"/>
+          </a:p>
+        </p:txBody>
+      </p:sp>
+      <p:sp>
+        <p:nvSpPr>
+          <p:cNvPr id="3" name="Content Placeholder 2"/>
+          <p:cNvSpPr>
+            <a:spLocks noGrp="1"/>
+          </p:cNvSpPr>
+          <p:nvPr>
+            <p:ph idx="1"/>
+          </p:nvPr>
+        </p:nvSpPr>
+        <p:spPr/>
+        <p:txBody>
+          <a:bodyPr/>
+          <a:lstStyle/>
+          <a:p>
+            <a:r>
+              <a:rPr lang="en-US" dirty="0" smtClean="0"/>
+              <a:t>Terraform is a workflow for designing, planning, building and changing infrastructure and its topology </a:t>
+            </a:r>
+            <a:endParaRPr lang="en-US" b="1" dirty="0" smtClean="0"/>
+          </a:p>
+          <a:p>
+            <a:r>
+              <a:rPr lang="en-US" dirty="0" smtClean="0"/>
+              <a:t>Designed to be modular</a:t>
+            </a:r>
+          </a:p>
+          <a:p>
+            <a:r>
+              <a:rPr lang="en-US" dirty="0" smtClean="0"/>
+              <a:t>Customized via variables</a:t>
+            </a:r>
+          </a:p>
+          <a:p>
+            <a:r>
+              <a:rPr lang="en-US" dirty="0" smtClean="0"/>
+              <a:t>Cloud agnostic</a:t>
+            </a:r>
+          </a:p>
+          <a:p>
+            <a:r>
+              <a:rPr lang="en-US" dirty="0" smtClean="0"/>
+              <a:t>Terraform uses the concept of Infrastructure as Code to define desired state</a:t>
+            </a:r>
+            <a:endParaRPr lang="en-US" dirty="0"/>
+          </a:p>
+        </p:txBody>
+      </p:sp>
+      <p:pic>
+        <p:nvPicPr>
+          <p:cNvPr id="8" name="Content Placeholder 3"/>
+          <p:cNvPicPr>
+            <a:picLocks noChangeAspect="1"/>
+          </p:cNvPicPr>
+          <p:nvPr/>
+        </p:nvPicPr>
+        <p:blipFill>
+          <a:blip r:embed="rId3">
+            <a:extLst>
+              <a:ext uri="{28A0092B-C50C-407E-A947-70E740481C1C}">
+                <a14:useLocalDpi xmlns:a14="http://schemas.microsoft.com/office/drawing/2010/main" val="0"/>
+              </a:ext>
+            </a:extLst>
+          </a:blip>
+          <a:stretch>
+            <a:fillRect/>
+          </a:stretch>
+        </p:blipFill>
+        <p:spPr>
+          <a:xfrm>
+            <a:off x="9909035" y="4594372"/>
+            <a:ext cx="2263628" cy="2263628"/>
+          </a:xfrm>
+          <a:prstGeom prst="rect">
+            <a:avLst/>
+          </a:prstGeom>
+        </p:spPr>
+      </p:pic>
+    </p:spTree>
+    <p:extLst>
+      <p:ext uri="{BB962C8B-B14F-4D97-AF65-F5344CB8AC3E}">
+        <p14:creationId xmlns:p14="http://schemas.microsoft.com/office/powerpoint/2010/main" val="506219116"/>
       </p:ext>
     </p:extLst>
   </p:cSld>
@@ -16926,11 +18170,7 @@
           <a:p>
             <a:r>
               <a:rPr lang="en-US" dirty="0" smtClean="0"/>
-              <a:t>What is </a:t>
-            </a:r>
-            <a:r>
-              <a:rPr lang="en-US" dirty="0" smtClean="0"/>
-              <a:t>Terraform</a:t>
+              <a:t>Infrastructure as Code</a:t>
             </a:r>
             <a:endParaRPr lang="en-US" dirty="0"/>
           </a:p>
@@ -16948,138 +18188,6 @@
         </p:nvSpPr>
         <p:spPr/>
         <p:txBody>
-          <a:bodyPr/>
-          <a:lstStyle/>
-          <a:p>
-            <a:r>
-              <a:rPr lang="en-US" dirty="0" smtClean="0"/>
-              <a:t>Terraform is a workflow for designing, planning, building and changing infrastructure and its topology </a:t>
-            </a:r>
-            <a:endParaRPr lang="en-US" b="1" dirty="0" smtClean="0"/>
-          </a:p>
-          <a:p>
-            <a:r>
-              <a:rPr lang="en-US" dirty="0" smtClean="0"/>
-              <a:t>Designed to be modular and variable defined</a:t>
-            </a:r>
-          </a:p>
-          <a:p>
-            <a:r>
-              <a:rPr lang="en-US" dirty="0" smtClean="0"/>
-              <a:t>Cloud agnostic, with orchestration and large-scale built in mind</a:t>
-            </a:r>
-          </a:p>
-          <a:p>
-            <a:r>
-              <a:rPr lang="en-US" dirty="0" smtClean="0"/>
-              <a:t>Terraform uses the concept of Infrastructure as Code to define desired state</a:t>
-            </a:r>
-            <a:endParaRPr lang="en-US" dirty="0"/>
-          </a:p>
-        </p:txBody>
-      </p:sp>
-      <p:pic>
-        <p:nvPicPr>
-          <p:cNvPr id="8" name="Content Placeholder 3"/>
-          <p:cNvPicPr>
-            <a:picLocks noChangeAspect="1"/>
-          </p:cNvPicPr>
-          <p:nvPr/>
-        </p:nvPicPr>
-        <p:blipFill>
-          <a:blip r:embed="rId3">
-            <a:extLst>
-              <a:ext uri="{28A0092B-C50C-407E-A947-70E740481C1C}">
-                <a14:useLocalDpi xmlns:a14="http://schemas.microsoft.com/office/drawing/2010/main" val="0"/>
-              </a:ext>
-            </a:extLst>
-          </a:blip>
-          <a:stretch>
-            <a:fillRect/>
-          </a:stretch>
-        </p:blipFill>
-        <p:spPr>
-          <a:xfrm>
-            <a:off x="9909035" y="4594372"/>
-            <a:ext cx="2263628" cy="2263628"/>
-          </a:xfrm>
-          <a:prstGeom prst="rect">
-            <a:avLst/>
-          </a:prstGeom>
-        </p:spPr>
-      </p:pic>
-    </p:spTree>
-    <p:extLst>
-      <p:ext uri="{BB962C8B-B14F-4D97-AF65-F5344CB8AC3E}">
-        <p14:creationId xmlns:p14="http://schemas.microsoft.com/office/powerpoint/2010/main" val="506219116"/>
-      </p:ext>
-    </p:extLst>
-  </p:cSld>
-  <p:clrMapOvr>
-    <a:masterClrMapping/>
-  </p:clrMapOvr>
-  <p:timing>
-    <p:tnLst>
-      <p:par>
-        <p:cTn id="1" dur="indefinite" restart="never" nodeType="tmRoot"/>
-      </p:par>
-    </p:tnLst>
-  </p:timing>
-</p:sld>
-</file>
-
-<file path=ppt/slides/slide34.xml><?xml version="1.0" encoding="utf-8"?>
-<p:sld xmlns:a="http://schemas.openxmlformats.org/drawingml/2006/main" xmlns:r="http://schemas.openxmlformats.org/officeDocument/2006/relationships" xmlns:p="http://schemas.openxmlformats.org/presentationml/2006/main">
-  <p:cSld>
-    <p:spTree>
-      <p:nvGrpSpPr>
-        <p:cNvPr id="1" name=""/>
-        <p:cNvGrpSpPr/>
-        <p:nvPr/>
-      </p:nvGrpSpPr>
-      <p:grpSpPr>
-        <a:xfrm>
-          <a:off x="0" y="0"/>
-          <a:ext cx="0" cy="0"/>
-          <a:chOff x="0" y="0"/>
-          <a:chExt cx="0" cy="0"/>
-        </a:xfrm>
-      </p:grpSpPr>
-      <p:sp>
-        <p:nvSpPr>
-          <p:cNvPr id="2" name="Title 1"/>
-          <p:cNvSpPr>
-            <a:spLocks noGrp="1"/>
-          </p:cNvSpPr>
-          <p:nvPr>
-            <p:ph type="title"/>
-          </p:nvPr>
-        </p:nvSpPr>
-        <p:spPr/>
-        <p:txBody>
-          <a:bodyPr/>
-          <a:lstStyle/>
-          <a:p>
-            <a:r>
-              <a:rPr lang="en-US" dirty="0" smtClean="0"/>
-              <a:t>Infrastructure as Code</a:t>
-            </a:r>
-            <a:endParaRPr lang="en-US" dirty="0"/>
-          </a:p>
-        </p:txBody>
-      </p:sp>
-      <p:sp>
-        <p:nvSpPr>
-          <p:cNvPr id="3" name="Content Placeholder 2"/>
-          <p:cNvSpPr>
-            <a:spLocks noGrp="1"/>
-          </p:cNvSpPr>
-          <p:nvPr>
-            <p:ph idx="1"/>
-          </p:nvPr>
-        </p:nvSpPr>
-        <p:spPr/>
-        <p:txBody>
           <a:bodyPr>
             <a:normAutofit lnSpcReduction="10000"/>
           </a:bodyPr>
@@ -17087,7 +18195,7 @@
           <a:p>
             <a:r>
               <a:rPr lang="en-US" dirty="0" smtClean="0"/>
-              <a:t>Define everything from </a:t>
+              <a:t>Codification of everything from </a:t>
             </a:r>
           </a:p>
           <a:p>
@@ -17976,7 +19084,7 @@
 </p:sld>
 </file>
 
-<file path=ppt/slides/slide35.xml><?xml version="1.0" encoding="utf-8"?>
+<file path=ppt/slides/slide34.xml><?xml version="1.0" encoding="utf-8"?>
 <p:sld xmlns:a="http://schemas.openxmlformats.org/drawingml/2006/main" xmlns:r="http://schemas.openxmlformats.org/officeDocument/2006/relationships" xmlns:p="http://schemas.openxmlformats.org/presentationml/2006/main">
   <p:cSld>
     <p:spTree>
@@ -18748,7 +19856,7 @@
 </p:sld>
 </file>
 
-<file path=ppt/slides/slide36.xml><?xml version="1.0" encoding="utf-8"?>
+<file path=ppt/slides/slide35.xml><?xml version="1.0" encoding="utf-8"?>
 <p:sld xmlns:a="http://schemas.openxmlformats.org/drawingml/2006/main" xmlns:r="http://schemas.openxmlformats.org/officeDocument/2006/relationships" xmlns:p="http://schemas.openxmlformats.org/presentationml/2006/main">
   <p:cSld>
     <p:spTree>
@@ -21041,7 +22149,7 @@
 </p:sld>
 </file>
 
-<file path=ppt/slides/slide37.xml><?xml version="1.0" encoding="utf-8"?>
+<file path=ppt/slides/slide36.xml><?xml version="1.0" encoding="utf-8"?>
 <p:sld xmlns:a="http://schemas.openxmlformats.org/drawingml/2006/main" xmlns:r="http://schemas.openxmlformats.org/officeDocument/2006/relationships" xmlns:p="http://schemas.openxmlformats.org/presentationml/2006/main">
   <p:cSld>
     <p:spTree>
@@ -21179,7 +22287,7 @@
         <p:spPr>
           <a:xfrm>
             <a:off x="1536700" y="1762522"/>
-            <a:ext cx="9410700" cy="923330"/>
+            <a:ext cx="9410700" cy="646331"/>
           </a:xfrm>
           <a:prstGeom prst="rect">
             <a:avLst/>
@@ -21211,7 +22319,7 @@
             </a:pPr>
             <a:r>
               <a:rPr lang="en-US" dirty="0" smtClean="0"/>
-              <a:t>Reduces the people effort by allowing collaboration and unified direction, freeing resources to work on other enterprise tasks</a:t>
+              <a:t>Automate your deployment and recovery process</a:t>
             </a:r>
           </a:p>
           <a:p>
@@ -21304,7 +22412,7 @@
             </a:pPr>
             <a:r>
               <a:rPr lang="en-US" dirty="0" smtClean="0"/>
-              <a:t>Gives visibility to all stakeholders</a:t>
+              <a:t>Focus on Mean Time to Recovery</a:t>
             </a:r>
           </a:p>
           <a:p>
@@ -21335,7 +22443,7 @@
             </a:r>
             <a:r>
               <a:rPr lang="en-US" dirty="0" smtClean="0"/>
-              <a:t> and ephemeral infrastructure </a:t>
+              <a:t> and an ephemeral code base</a:t>
             </a:r>
           </a:p>
           <a:p>
@@ -21401,7 +22509,7 @@
             </a:pPr>
             <a:r>
               <a:rPr lang="en-US" dirty="0" smtClean="0"/>
-              <a:t>Reduces the risk of human error through automation</a:t>
+              <a:t>Reducing human errors through automation</a:t>
             </a:r>
           </a:p>
           <a:p>
@@ -21481,6 +22589,85 @@
 </p:sld>
 </file>
 
+<file path=ppt/slides/slide37.xml><?xml version="1.0" encoding="utf-8"?>
+<p:sld xmlns:a="http://schemas.openxmlformats.org/drawingml/2006/main" xmlns:r="http://schemas.openxmlformats.org/officeDocument/2006/relationships" xmlns:p="http://schemas.openxmlformats.org/presentationml/2006/main">
+  <p:cSld>
+    <p:spTree>
+      <p:nvGrpSpPr>
+        <p:cNvPr id="1" name=""/>
+        <p:cNvGrpSpPr/>
+        <p:nvPr/>
+      </p:nvGrpSpPr>
+      <p:grpSpPr>
+        <a:xfrm>
+          <a:off x="0" y="0"/>
+          <a:ext cx="0" cy="0"/>
+          <a:chOff x="0" y="0"/>
+          <a:chExt cx="0" cy="0"/>
+        </a:xfrm>
+      </p:grpSpPr>
+      <p:sp>
+        <p:nvSpPr>
+          <p:cNvPr id="2" name="Title 1"/>
+          <p:cNvSpPr>
+            <a:spLocks noGrp="1"/>
+          </p:cNvSpPr>
+          <p:nvPr>
+            <p:ph type="title"/>
+          </p:nvPr>
+        </p:nvSpPr>
+        <p:spPr/>
+        <p:txBody>
+          <a:bodyPr/>
+          <a:lstStyle/>
+          <a:p>
+            <a:r>
+              <a:rPr lang="en-US" dirty="0" smtClean="0"/>
+              <a:t>How it Works</a:t>
+            </a:r>
+            <a:endParaRPr lang="en-US" dirty="0"/>
+          </a:p>
+        </p:txBody>
+      </p:sp>
+      <p:sp>
+        <p:nvSpPr>
+          <p:cNvPr id="3" name="Text Placeholder 2"/>
+          <p:cNvSpPr>
+            <a:spLocks noGrp="1"/>
+          </p:cNvSpPr>
+          <p:nvPr>
+            <p:ph type="body" idx="1"/>
+          </p:nvPr>
+        </p:nvSpPr>
+        <p:spPr/>
+        <p:txBody>
+          <a:bodyPr/>
+          <a:lstStyle/>
+          <a:p>
+            <a:endParaRPr lang="en-US" dirty="0"/>
+          </a:p>
+        </p:txBody>
+      </p:sp>
+    </p:spTree>
+    <p:extLst>
+      <p:ext uri="{BB962C8B-B14F-4D97-AF65-F5344CB8AC3E}">
+        <p14:creationId xmlns:p14="http://schemas.microsoft.com/office/powerpoint/2010/main" val="927619309"/>
+      </p:ext>
+    </p:extLst>
+  </p:cSld>
+  <p:clrMapOvr>
+    <a:masterClrMapping/>
+  </p:clrMapOvr>
+  <p:timing>
+    <p:tnLst>
+      <p:par>
+        <p:cTn id="1" dur="indefinite" restart="never" nodeType="tmRoot"/>
+      </p:par>
+    </p:tnLst>
+  </p:timing>
+</p:sld>
+</file>
+
 <file path=ppt/slides/slide38.xml><?xml version="1.0" encoding="utf-8"?>
 <p:sld xmlns:a="http://schemas.openxmlformats.org/drawingml/2006/main" xmlns:r="http://schemas.openxmlformats.org/officeDocument/2006/relationships" xmlns:p="http://schemas.openxmlformats.org/presentationml/2006/main">
   <p:cSld>
@@ -21515,7 +22702,7 @@
           <a:p>
             <a:r>
               <a:rPr lang="en-US" dirty="0" smtClean="0"/>
-              <a:t>What is Terraform</a:t>
+              <a:t>Platform</a:t>
             </a:r>
             <a:endParaRPr lang="en-US" dirty="0"/>
           </a:p>
@@ -22028,7 +23215,7 @@
           <a:p>
             <a:r>
               <a:rPr lang="en-US" dirty="0" smtClean="0"/>
-              <a:t>What is Terraform</a:t>
+              <a:t>Function</a:t>
             </a:r>
             <a:endParaRPr lang="en-US" dirty="0"/>
           </a:p>
@@ -22414,7 +23601,15 @@
           <a:p>
             <a:r>
               <a:rPr lang="en-US" dirty="0" smtClean="0"/>
-              <a:t>What is DevOps	</a:t>
+              <a:t>What is </a:t>
+            </a:r>
+            <a:r>
+              <a:rPr lang="en-US" dirty="0" smtClean="0"/>
+              <a:t>DevOps Culture</a:t>
+            </a:r>
+            <a:r>
+              <a:rPr lang="en-US" dirty="0" smtClean="0"/>
+              <a:t>	</a:t>
             </a:r>
             <a:endParaRPr lang="en-US" dirty="0"/>
           </a:p>
@@ -22497,7 +23692,7 @@
           <a:p>
             <a:r>
               <a:rPr lang="en-US" dirty="0" smtClean="0"/>
-              <a:t>What is Terraform</a:t>
+              <a:t>Customize</a:t>
             </a:r>
             <a:endParaRPr lang="en-US" dirty="0"/>
           </a:p>
@@ -22825,10 +24020,40 @@
           <a:chExt cx="0" cy="0"/>
         </a:xfrm>
       </p:grpSpPr>
+      <p:sp>
+        <p:nvSpPr>
+          <p:cNvPr id="2" name="TextBox 1"/>
+          <p:cNvSpPr txBox="1"/>
+          <p:nvPr/>
+        </p:nvSpPr>
+        <p:spPr>
+          <a:xfrm>
+            <a:off x="5085566" y="3136612"/>
+            <a:ext cx="3507288" cy="584775"/>
+          </a:xfrm>
+          <a:prstGeom prst="rect">
+            <a:avLst/>
+          </a:prstGeom>
+          <a:noFill/>
+        </p:spPr>
+        <p:txBody>
+          <a:bodyPr wrap="square" rtlCol="0">
+            <a:spAutoFit/>
+          </a:bodyPr>
+          <a:lstStyle/>
+          <a:p>
+            <a:r>
+              <a:rPr lang="en-US" sz="3200" dirty="0" smtClean="0"/>
+              <a:t>Questions?</a:t>
+            </a:r>
+            <a:endParaRPr lang="en-US" sz="3200" dirty="0"/>
+          </a:p>
+        </p:txBody>
+      </p:sp>
     </p:spTree>
     <p:extLst>
       <p:ext uri="{BB962C8B-B14F-4D97-AF65-F5344CB8AC3E}">
-        <p14:creationId xmlns:p14="http://schemas.microsoft.com/office/powerpoint/2010/main" val="1041027975"/>
+        <p14:creationId xmlns:p14="http://schemas.microsoft.com/office/powerpoint/2010/main" val="1106865623"/>
       </p:ext>
     </p:extLst>
   </p:cSld>
@@ -23118,685 +24343,6 @@
           <a:chExt cx="0" cy="0"/>
         </a:xfrm>
       </p:grpSpPr>
-      <p:grpSp>
-        <p:nvGrpSpPr>
-          <p:cNvPr id="2" name="Group 1"/>
-          <p:cNvGrpSpPr/>
-          <p:nvPr/>
-        </p:nvGrpSpPr>
-        <p:grpSpPr>
-          <a:xfrm>
-            <a:off x="277339" y="4438512"/>
-            <a:ext cx="3768866" cy="1964252"/>
-            <a:chOff x="177130" y="3638935"/>
-            <a:chExt cx="5655301" cy="2947421"/>
-          </a:xfrm>
-        </p:grpSpPr>
-        <p:pic>
-          <p:nvPicPr>
-            <p:cNvPr id="5" name="Picture 4"/>
-            <p:cNvPicPr>
-              <a:picLocks noChangeAspect="1"/>
-            </p:cNvPicPr>
-            <p:nvPr/>
-          </p:nvPicPr>
-          <p:blipFill>
-            <a:blip r:embed="rId3">
-              <a:extLst>
-                <a:ext uri="{28A0092B-C50C-407E-A947-70E740481C1C}">
-                  <a14:useLocalDpi xmlns:a14="http://schemas.microsoft.com/office/drawing/2010/main" val="0"/>
-                </a:ext>
-              </a:extLst>
-            </a:blip>
-            <a:stretch>
-              <a:fillRect/>
-            </a:stretch>
-          </p:blipFill>
-          <p:spPr>
-            <a:xfrm>
-              <a:off x="577808" y="4678029"/>
-              <a:ext cx="729465" cy="889592"/>
-            </a:xfrm>
-            <a:prstGeom prst="rect">
-              <a:avLst/>
-            </a:prstGeom>
-          </p:spPr>
-        </p:pic>
-        <p:grpSp>
-          <p:nvGrpSpPr>
-            <p:cNvPr id="6" name="Group 5"/>
-            <p:cNvGrpSpPr/>
-            <p:nvPr/>
-          </p:nvGrpSpPr>
-          <p:grpSpPr>
-            <a:xfrm>
-              <a:off x="177130" y="5933504"/>
-              <a:ext cx="449409" cy="646026"/>
-              <a:chOff x="1164921" y="200416"/>
-              <a:chExt cx="1202498" cy="1728592"/>
-            </a:xfrm>
-          </p:grpSpPr>
-          <p:sp>
-            <p:nvSpPr>
-              <p:cNvPr id="7" name="Triangle 6"/>
-              <p:cNvSpPr/>
-              <p:nvPr/>
-            </p:nvSpPr>
-            <p:spPr>
-              <a:xfrm>
-                <a:off x="1164921" y="989556"/>
-                <a:ext cx="1202498" cy="939452"/>
-              </a:xfrm>
-              <a:prstGeom prst="triangle">
-                <a:avLst/>
-              </a:prstGeom>
-            </p:spPr>
-            <p:style>
-              <a:lnRef idx="2">
-                <a:schemeClr val="accent1">
-                  <a:shade val="50000"/>
-                </a:schemeClr>
-              </a:lnRef>
-              <a:fillRef idx="1">
-                <a:schemeClr val="accent1"/>
-              </a:fillRef>
-              <a:effectRef idx="0">
-                <a:schemeClr val="accent1"/>
-              </a:effectRef>
-              <a:fontRef idx="minor">
-                <a:schemeClr val="lt1"/>
-              </a:fontRef>
-            </p:style>
-            <p:txBody>
-              <a:bodyPr rtlCol="0" anchor="ctr"/>
-              <a:lstStyle/>
-              <a:p>
-                <a:pPr algn="ctr"/>
-                <a:endParaRPr lang="en-US"/>
-              </a:p>
-            </p:txBody>
-          </p:sp>
-          <p:sp>
-            <p:nvSpPr>
-              <p:cNvPr id="8" name="Oval 7"/>
-              <p:cNvSpPr/>
-              <p:nvPr/>
-            </p:nvSpPr>
-            <p:spPr>
-              <a:xfrm>
-                <a:off x="1164921" y="200416"/>
-                <a:ext cx="1202498" cy="1139869"/>
-              </a:xfrm>
-              <a:prstGeom prst="ellipse">
-                <a:avLst/>
-              </a:prstGeom>
-            </p:spPr>
-            <p:style>
-              <a:lnRef idx="2">
-                <a:schemeClr val="accent1">
-                  <a:shade val="50000"/>
-                </a:schemeClr>
-              </a:lnRef>
-              <a:fillRef idx="1">
-                <a:schemeClr val="accent1"/>
-              </a:fillRef>
-              <a:effectRef idx="0">
-                <a:schemeClr val="accent1"/>
-              </a:effectRef>
-              <a:fontRef idx="minor">
-                <a:schemeClr val="lt1"/>
-              </a:fontRef>
-            </p:style>
-            <p:txBody>
-              <a:bodyPr rtlCol="0" anchor="ctr"/>
-              <a:lstStyle/>
-              <a:p>
-                <a:pPr algn="ctr"/>
-                <a:endParaRPr lang="en-US" dirty="0"/>
-              </a:p>
-            </p:txBody>
-          </p:sp>
-        </p:grpSp>
-        <p:grpSp>
-          <p:nvGrpSpPr>
-            <p:cNvPr id="9" name="Group 8"/>
-            <p:cNvGrpSpPr/>
-            <p:nvPr/>
-          </p:nvGrpSpPr>
-          <p:grpSpPr>
-            <a:xfrm>
-              <a:off x="717837" y="5940330"/>
-              <a:ext cx="449409" cy="646026"/>
-              <a:chOff x="1164921" y="200416"/>
-              <a:chExt cx="1202498" cy="1728592"/>
-            </a:xfrm>
-          </p:grpSpPr>
-          <p:sp>
-            <p:nvSpPr>
-              <p:cNvPr id="10" name="Triangle 9"/>
-              <p:cNvSpPr/>
-              <p:nvPr/>
-            </p:nvSpPr>
-            <p:spPr>
-              <a:xfrm>
-                <a:off x="1164921" y="989556"/>
-                <a:ext cx="1202498" cy="939452"/>
-              </a:xfrm>
-              <a:prstGeom prst="triangle">
-                <a:avLst/>
-              </a:prstGeom>
-            </p:spPr>
-            <p:style>
-              <a:lnRef idx="2">
-                <a:schemeClr val="accent1">
-                  <a:shade val="50000"/>
-                </a:schemeClr>
-              </a:lnRef>
-              <a:fillRef idx="1">
-                <a:schemeClr val="accent1"/>
-              </a:fillRef>
-              <a:effectRef idx="0">
-                <a:schemeClr val="accent1"/>
-              </a:effectRef>
-              <a:fontRef idx="minor">
-                <a:schemeClr val="lt1"/>
-              </a:fontRef>
-            </p:style>
-            <p:txBody>
-              <a:bodyPr rtlCol="0" anchor="ctr"/>
-              <a:lstStyle/>
-              <a:p>
-                <a:pPr algn="ctr"/>
-                <a:endParaRPr lang="en-US"/>
-              </a:p>
-            </p:txBody>
-          </p:sp>
-          <p:sp>
-            <p:nvSpPr>
-              <p:cNvPr id="11" name="Oval 10"/>
-              <p:cNvSpPr/>
-              <p:nvPr/>
-            </p:nvSpPr>
-            <p:spPr>
-              <a:xfrm>
-                <a:off x="1164921" y="200416"/>
-                <a:ext cx="1202498" cy="1139869"/>
-              </a:xfrm>
-              <a:prstGeom prst="ellipse">
-                <a:avLst/>
-              </a:prstGeom>
-            </p:spPr>
-            <p:style>
-              <a:lnRef idx="2">
-                <a:schemeClr val="accent1">
-                  <a:shade val="50000"/>
-                </a:schemeClr>
-              </a:lnRef>
-              <a:fillRef idx="1">
-                <a:schemeClr val="accent1"/>
-              </a:fillRef>
-              <a:effectRef idx="0">
-                <a:schemeClr val="accent1"/>
-              </a:effectRef>
-              <a:fontRef idx="minor">
-                <a:schemeClr val="lt1"/>
-              </a:fontRef>
-            </p:style>
-            <p:txBody>
-              <a:bodyPr rtlCol="0" anchor="ctr"/>
-              <a:lstStyle/>
-              <a:p>
-                <a:pPr algn="ctr"/>
-                <a:endParaRPr lang="en-US" dirty="0"/>
-              </a:p>
-            </p:txBody>
-          </p:sp>
-        </p:grpSp>
-        <p:grpSp>
-          <p:nvGrpSpPr>
-            <p:cNvPr id="12" name="Group 11"/>
-            <p:cNvGrpSpPr/>
-            <p:nvPr/>
-          </p:nvGrpSpPr>
-          <p:grpSpPr>
-            <a:xfrm>
-              <a:off x="1258544" y="5940330"/>
-              <a:ext cx="449409" cy="646026"/>
-              <a:chOff x="1164921" y="200416"/>
-              <a:chExt cx="1202498" cy="1728592"/>
-            </a:xfrm>
-          </p:grpSpPr>
-          <p:sp>
-            <p:nvSpPr>
-              <p:cNvPr id="13" name="Triangle 12"/>
-              <p:cNvSpPr/>
-              <p:nvPr/>
-            </p:nvSpPr>
-            <p:spPr>
-              <a:xfrm>
-                <a:off x="1164921" y="989556"/>
-                <a:ext cx="1202498" cy="939452"/>
-              </a:xfrm>
-              <a:prstGeom prst="triangle">
-                <a:avLst/>
-              </a:prstGeom>
-            </p:spPr>
-            <p:style>
-              <a:lnRef idx="2">
-                <a:schemeClr val="accent1">
-                  <a:shade val="50000"/>
-                </a:schemeClr>
-              </a:lnRef>
-              <a:fillRef idx="1">
-                <a:schemeClr val="accent1"/>
-              </a:fillRef>
-              <a:effectRef idx="0">
-                <a:schemeClr val="accent1"/>
-              </a:effectRef>
-              <a:fontRef idx="minor">
-                <a:schemeClr val="lt1"/>
-              </a:fontRef>
-            </p:style>
-            <p:txBody>
-              <a:bodyPr rtlCol="0" anchor="ctr"/>
-              <a:lstStyle/>
-              <a:p>
-                <a:pPr algn="ctr"/>
-                <a:endParaRPr lang="en-US"/>
-              </a:p>
-            </p:txBody>
-          </p:sp>
-          <p:sp>
-            <p:nvSpPr>
-              <p:cNvPr id="14" name="Oval 13"/>
-              <p:cNvSpPr/>
-              <p:nvPr/>
-            </p:nvSpPr>
-            <p:spPr>
-              <a:xfrm>
-                <a:off x="1164921" y="200416"/>
-                <a:ext cx="1202498" cy="1139869"/>
-              </a:xfrm>
-              <a:prstGeom prst="ellipse">
-                <a:avLst/>
-              </a:prstGeom>
-            </p:spPr>
-            <p:style>
-              <a:lnRef idx="2">
-                <a:schemeClr val="accent1">
-                  <a:shade val="50000"/>
-                </a:schemeClr>
-              </a:lnRef>
-              <a:fillRef idx="1">
-                <a:schemeClr val="accent1"/>
-              </a:fillRef>
-              <a:effectRef idx="0">
-                <a:schemeClr val="accent1"/>
-              </a:effectRef>
-              <a:fontRef idx="minor">
-                <a:schemeClr val="lt1"/>
-              </a:fontRef>
-            </p:style>
-            <p:txBody>
-              <a:bodyPr rtlCol="0" anchor="ctr"/>
-              <a:lstStyle/>
-              <a:p>
-                <a:pPr algn="ctr"/>
-                <a:endParaRPr lang="en-US" dirty="0"/>
-              </a:p>
-            </p:txBody>
-          </p:sp>
-        </p:grpSp>
-        <p:pic>
-          <p:nvPicPr>
-            <p:cNvPr id="15" name="Picture 14"/>
-            <p:cNvPicPr>
-              <a:picLocks noChangeAspect="1"/>
-            </p:cNvPicPr>
-            <p:nvPr/>
-          </p:nvPicPr>
-          <p:blipFill>
-            <a:blip r:embed="rId4">
-              <a:extLst>
-                <a:ext uri="{28A0092B-C50C-407E-A947-70E740481C1C}">
-                  <a14:useLocalDpi xmlns:a14="http://schemas.microsoft.com/office/drawing/2010/main" val="0"/>
-                </a:ext>
-              </a:extLst>
-            </a:blip>
-            <a:stretch>
-              <a:fillRect/>
-            </a:stretch>
-          </p:blipFill>
-          <p:spPr>
-            <a:xfrm>
-              <a:off x="3034253" y="5413906"/>
-              <a:ext cx="551530" cy="551530"/>
-            </a:xfrm>
-            <a:prstGeom prst="rect">
-              <a:avLst/>
-            </a:prstGeom>
-          </p:spPr>
-        </p:pic>
-        <p:sp>
-          <p:nvSpPr>
-            <p:cNvPr id="16" name="Right Arrow 15"/>
-            <p:cNvSpPr/>
-            <p:nvPr/>
-          </p:nvSpPr>
-          <p:spPr>
-            <a:xfrm>
-              <a:off x="3887406" y="5496615"/>
-              <a:ext cx="859883" cy="363255"/>
-            </a:xfrm>
-            <a:prstGeom prst="rightArrow">
-              <a:avLst/>
-            </a:prstGeom>
-          </p:spPr>
-          <p:style>
-            <a:lnRef idx="2">
-              <a:schemeClr val="accent1">
-                <a:shade val="50000"/>
-              </a:schemeClr>
-            </a:lnRef>
-            <a:fillRef idx="1">
-              <a:schemeClr val="accent1"/>
-            </a:fillRef>
-            <a:effectRef idx="0">
-              <a:schemeClr val="accent1"/>
-            </a:effectRef>
-            <a:fontRef idx="minor">
-              <a:schemeClr val="lt1"/>
-            </a:fontRef>
-          </p:style>
-          <p:txBody>
-            <a:bodyPr rtlCol="0" anchor="ctr"/>
-            <a:lstStyle/>
-            <a:p>
-              <a:pPr algn="ctr"/>
-              <a:endParaRPr lang="en-US"/>
-            </a:p>
-          </p:txBody>
-        </p:sp>
-        <p:grpSp>
-          <p:nvGrpSpPr>
-            <p:cNvPr id="17" name="Group 16"/>
-            <p:cNvGrpSpPr/>
-            <p:nvPr/>
-          </p:nvGrpSpPr>
-          <p:grpSpPr>
-            <a:xfrm>
-              <a:off x="5043776" y="5094737"/>
-              <a:ext cx="788655" cy="1133692"/>
-              <a:chOff x="1164921" y="200416"/>
-              <a:chExt cx="1202498" cy="1728592"/>
-            </a:xfrm>
-          </p:grpSpPr>
-          <p:sp>
-            <p:nvSpPr>
-              <p:cNvPr id="18" name="Triangle 17"/>
-              <p:cNvSpPr/>
-              <p:nvPr/>
-            </p:nvSpPr>
-            <p:spPr>
-              <a:xfrm>
-                <a:off x="1164921" y="989556"/>
-                <a:ext cx="1202498" cy="939452"/>
-              </a:xfrm>
-              <a:prstGeom prst="triangle">
-                <a:avLst/>
-              </a:prstGeom>
-            </p:spPr>
-            <p:style>
-              <a:lnRef idx="2">
-                <a:schemeClr val="accent1">
-                  <a:shade val="50000"/>
-                </a:schemeClr>
-              </a:lnRef>
-              <a:fillRef idx="1">
-                <a:schemeClr val="accent1"/>
-              </a:fillRef>
-              <a:effectRef idx="0">
-                <a:schemeClr val="accent1"/>
-              </a:effectRef>
-              <a:fontRef idx="minor">
-                <a:schemeClr val="lt1"/>
-              </a:fontRef>
-            </p:style>
-            <p:txBody>
-              <a:bodyPr rtlCol="0" anchor="ctr"/>
-              <a:lstStyle/>
-              <a:p>
-                <a:pPr algn="ctr"/>
-                <a:endParaRPr lang="en-US"/>
-              </a:p>
-            </p:txBody>
-          </p:sp>
-          <p:sp>
-            <p:nvSpPr>
-              <p:cNvPr id="19" name="Oval 18"/>
-              <p:cNvSpPr/>
-              <p:nvPr/>
-            </p:nvSpPr>
-            <p:spPr>
-              <a:xfrm>
-                <a:off x="1164921" y="200416"/>
-                <a:ext cx="1202498" cy="1139869"/>
-              </a:xfrm>
-              <a:prstGeom prst="ellipse">
-                <a:avLst/>
-              </a:prstGeom>
-            </p:spPr>
-            <p:style>
-              <a:lnRef idx="2">
-                <a:schemeClr val="accent1">
-                  <a:shade val="50000"/>
-                </a:schemeClr>
-              </a:lnRef>
-              <a:fillRef idx="1">
-                <a:schemeClr val="accent1"/>
-              </a:fillRef>
-              <a:effectRef idx="0">
-                <a:schemeClr val="accent1"/>
-              </a:effectRef>
-              <a:fontRef idx="minor">
-                <a:schemeClr val="lt1"/>
-              </a:fontRef>
-            </p:style>
-            <p:txBody>
-              <a:bodyPr rtlCol="0" anchor="ctr"/>
-              <a:lstStyle/>
-              <a:p>
-                <a:pPr algn="ctr"/>
-                <a:endParaRPr lang="en-US" dirty="0"/>
-              </a:p>
-            </p:txBody>
-          </p:sp>
-        </p:grpSp>
-        <p:sp>
-          <p:nvSpPr>
-            <p:cNvPr id="20" name="Right Arrow 19"/>
-            <p:cNvSpPr/>
-            <p:nvPr/>
-          </p:nvSpPr>
-          <p:spPr>
-            <a:xfrm>
-              <a:off x="1871981" y="5508044"/>
-              <a:ext cx="859883" cy="363255"/>
-            </a:xfrm>
-            <a:prstGeom prst="rightArrow">
-              <a:avLst/>
-            </a:prstGeom>
-          </p:spPr>
-          <p:style>
-            <a:lnRef idx="2">
-              <a:schemeClr val="accent1">
-                <a:shade val="50000"/>
-              </a:schemeClr>
-            </a:lnRef>
-            <a:fillRef idx="1">
-              <a:schemeClr val="accent1"/>
-            </a:fillRef>
-            <a:effectRef idx="0">
-              <a:schemeClr val="accent1"/>
-            </a:effectRef>
-            <a:fontRef idx="minor">
-              <a:schemeClr val="lt1"/>
-            </a:fontRef>
-          </p:style>
-          <p:txBody>
-            <a:bodyPr rtlCol="0" anchor="ctr"/>
-            <a:lstStyle/>
-            <a:p>
-              <a:pPr algn="ctr"/>
-              <a:endParaRPr lang="en-US"/>
-            </a:p>
-          </p:txBody>
-        </p:sp>
-        <p:pic>
-          <p:nvPicPr>
-            <p:cNvPr id="21" name="Picture 20"/>
-            <p:cNvPicPr>
-              <a:picLocks noChangeAspect="1"/>
-            </p:cNvPicPr>
-            <p:nvPr/>
-          </p:nvPicPr>
-          <p:blipFill>
-            <a:blip r:embed="rId5">
-              <a:extLst>
-                <a:ext uri="{28A0092B-C50C-407E-A947-70E740481C1C}">
-                  <a14:useLocalDpi xmlns:a14="http://schemas.microsoft.com/office/drawing/2010/main" val="0"/>
-                </a:ext>
-              </a:extLst>
-            </a:blip>
-            <a:stretch>
-              <a:fillRect/>
-            </a:stretch>
-          </p:blipFill>
-          <p:spPr>
-            <a:xfrm>
-              <a:off x="5112599" y="3698264"/>
-              <a:ext cx="651007" cy="979765"/>
-            </a:xfrm>
-            <a:prstGeom prst="rect">
-              <a:avLst/>
-            </a:prstGeom>
-          </p:spPr>
-        </p:pic>
-        <p:sp>
-          <p:nvSpPr>
-            <p:cNvPr id="23" name="Bent-Up Arrow 22"/>
-            <p:cNvSpPr/>
-            <p:nvPr/>
-          </p:nvSpPr>
-          <p:spPr>
-            <a:xfrm rot="10800000">
-              <a:off x="832658" y="4017221"/>
-              <a:ext cx="4065017" cy="513346"/>
-            </a:xfrm>
-            <a:prstGeom prst="bentUpArrow">
-              <a:avLst/>
-            </a:prstGeom>
-          </p:spPr>
-          <p:style>
-            <a:lnRef idx="2">
-              <a:schemeClr val="accent1">
-                <a:shade val="50000"/>
-              </a:schemeClr>
-            </a:lnRef>
-            <a:fillRef idx="1">
-              <a:schemeClr val="accent1"/>
-            </a:fillRef>
-            <a:effectRef idx="0">
-              <a:schemeClr val="accent1"/>
-            </a:effectRef>
-            <a:fontRef idx="minor">
-              <a:schemeClr val="lt1"/>
-            </a:fontRef>
-          </p:style>
-          <p:txBody>
-            <a:bodyPr rtlCol="0" anchor="ctr"/>
-            <a:lstStyle/>
-            <a:p>
-              <a:pPr algn="ctr"/>
-              <a:endParaRPr lang="en-US"/>
-            </a:p>
-          </p:txBody>
-        </p:sp>
-        <p:pic>
-          <p:nvPicPr>
-            <p:cNvPr id="24" name="Picture 23"/>
-            <p:cNvPicPr>
-              <a:picLocks noChangeAspect="1"/>
-            </p:cNvPicPr>
-            <p:nvPr/>
-          </p:nvPicPr>
-          <p:blipFill>
-            <a:blip r:embed="rId6">
-              <a:extLst>
-                <a:ext uri="{28A0092B-C50C-407E-A947-70E740481C1C}">
-                  <a14:useLocalDpi xmlns:a14="http://schemas.microsoft.com/office/drawing/2010/main" val="0"/>
-                </a:ext>
-              </a:extLst>
-            </a:blip>
-            <a:stretch>
-              <a:fillRect/>
-            </a:stretch>
-          </p:blipFill>
-          <p:spPr>
-            <a:xfrm>
-              <a:off x="2731864" y="3638935"/>
-              <a:ext cx="524514" cy="643576"/>
-            </a:xfrm>
-            <a:prstGeom prst="rect">
-              <a:avLst/>
-            </a:prstGeom>
-          </p:spPr>
-        </p:pic>
-      </p:grpSp>
-      <p:sp>
-        <p:nvSpPr>
-          <p:cNvPr id="3" name="Bent-Up Arrow 2"/>
-          <p:cNvSpPr/>
-          <p:nvPr/>
-        </p:nvSpPr>
-        <p:spPr>
-          <a:xfrm flipV="1">
-            <a:off x="4143568" y="4616880"/>
-            <a:ext cx="1380409" cy="514115"/>
-          </a:xfrm>
-          <a:prstGeom prst="bentUpArrow">
-            <a:avLst>
-              <a:gd name="adj1" fmla="val 25000"/>
-              <a:gd name="adj2" fmla="val 29096"/>
-              <a:gd name="adj3" fmla="val 25000"/>
-            </a:avLst>
-          </a:prstGeom>
-        </p:spPr>
-        <p:style>
-          <a:lnRef idx="2">
-            <a:schemeClr val="accent1">
-              <a:shade val="50000"/>
-            </a:schemeClr>
-          </a:lnRef>
-          <a:fillRef idx="1">
-            <a:schemeClr val="accent1"/>
-          </a:fillRef>
-          <a:effectRef idx="0">
-            <a:schemeClr val="accent1"/>
-          </a:effectRef>
-          <a:fontRef idx="minor">
-            <a:schemeClr val="lt1"/>
-          </a:fontRef>
-        </p:style>
-        <p:txBody>
-          <a:bodyPr rtlCol="0" anchor="ctr"/>
-          <a:lstStyle/>
-          <a:p>
-            <a:pPr algn="ctr"/>
-            <a:endParaRPr lang="en-US"/>
-          </a:p>
-        </p:txBody>
-      </p:sp>
       <p:pic>
         <p:nvPicPr>
           <p:cNvPr id="25" name="Content Placeholder 3"/>
@@ -23806,7 +24352,7 @@
           <p:nvPr/>
         </p:nvPicPr>
         <p:blipFill>
-          <a:blip r:embed="rId7">
+          <a:blip r:embed="rId3">
             <a:extLst>
               <a:ext uri="{28A0092B-C50C-407E-A947-70E740481C1C}">
                 <a14:useLocalDpi xmlns:a14="http://schemas.microsoft.com/office/drawing/2010/main" val="0"/>
@@ -23819,8 +24365,8 @@
         </p:blipFill>
         <p:spPr>
           <a:xfrm>
-            <a:off x="4833772" y="5324633"/>
-            <a:ext cx="857969" cy="857969"/>
+            <a:off x="3236262" y="2705903"/>
+            <a:ext cx="1704957" cy="1704957"/>
           </a:xfrm>
           <a:prstGeom prst="rect">
             <a:avLst/>
@@ -23835,7 +24381,7 @@
         </p:nvSpPr>
         <p:spPr>
           <a:xfrm>
-            <a:off x="4143568" y="5657808"/>
+            <a:off x="1999778" y="3357532"/>
             <a:ext cx="791687" cy="331156"/>
           </a:xfrm>
           <a:prstGeom prst="rightArrow">
@@ -23867,50 +24413,6 @@
           </a:p>
         </p:txBody>
       </p:sp>
-      <p:sp>
-        <p:nvSpPr>
-          <p:cNvPr id="22" name="Bent-Up Arrow 21"/>
-          <p:cNvSpPr/>
-          <p:nvPr/>
-        </p:nvSpPr>
-        <p:spPr>
-          <a:xfrm>
-            <a:off x="5813153" y="5161288"/>
-            <a:ext cx="3681860" cy="794964"/>
-          </a:xfrm>
-          <a:prstGeom prst="bentUpArrow">
-            <a:avLst>
-              <a:gd name="adj1" fmla="val 25048"/>
-              <a:gd name="adj2" fmla="val 39814"/>
-              <a:gd name="adj3" fmla="val 50000"/>
-            </a:avLst>
-          </a:prstGeom>
-        </p:spPr>
-        <p:style>
-          <a:lnRef idx="2">
-            <a:schemeClr val="accent1">
-              <a:shade val="50000"/>
-            </a:schemeClr>
-          </a:lnRef>
-          <a:fillRef idx="1">
-            <a:schemeClr val="accent1"/>
-          </a:fillRef>
-          <a:effectRef idx="0">
-            <a:schemeClr val="accent1"/>
-          </a:effectRef>
-          <a:fontRef idx="minor">
-            <a:schemeClr val="lt1"/>
-          </a:fontRef>
-        </p:style>
-        <p:txBody>
-          <a:bodyPr rtlCol="0" anchor="ctr"/>
-          <a:lstStyle/>
-          <a:p>
-            <a:pPr algn="ctr"/>
-            <a:endParaRPr lang="en-US"/>
-          </a:p>
-        </p:txBody>
-      </p:sp>
       <p:grpSp>
         <p:nvGrpSpPr>
           <p:cNvPr id="47" name="Group 46"/>
@@ -23919,7 +24421,7 @@
         </p:nvGrpSpPr>
         <p:grpSpPr>
           <a:xfrm>
-            <a:off x="9495012" y="1926563"/>
+            <a:off x="8292788" y="2457068"/>
             <a:ext cx="2105640" cy="1291340"/>
             <a:chOff x="3355042" y="5091551"/>
             <a:chExt cx="2105640" cy="1291340"/>
@@ -23975,7 +24477,7 @@
             <p:nvPr/>
           </p:nvPicPr>
           <p:blipFill>
-            <a:blip r:embed="rId6">
+            <a:blip r:embed="rId4">
               <a:extLst>
                 <a:ext uri="{28A0092B-C50C-407E-A947-70E740481C1C}">
                   <a14:useLocalDpi xmlns:a14="http://schemas.microsoft.com/office/drawing/2010/main" val="0"/>
@@ -24005,7 +24507,7 @@
             <p:nvPr/>
           </p:nvPicPr>
           <p:blipFill>
-            <a:blip r:embed="rId6">
+            <a:blip r:embed="rId4">
               <a:extLst>
                 <a:ext uri="{28A0092B-C50C-407E-A947-70E740481C1C}">
                   <a14:useLocalDpi xmlns:a14="http://schemas.microsoft.com/office/drawing/2010/main" val="0"/>
@@ -24035,7 +24537,7 @@
             <p:nvPr/>
           </p:nvPicPr>
           <p:blipFill>
-            <a:blip r:embed="rId6">
+            <a:blip r:embed="rId4">
               <a:extLst>
                 <a:ext uri="{28A0092B-C50C-407E-A947-70E740481C1C}">
                   <a14:useLocalDpi xmlns:a14="http://schemas.microsoft.com/office/drawing/2010/main" val="0"/>
@@ -24065,7 +24567,7 @@
             <p:nvPr/>
           </p:nvPicPr>
           <p:blipFill>
-            <a:blip r:embed="rId6">
+            <a:blip r:embed="rId4">
               <a:extLst>
                 <a:ext uri="{28A0092B-C50C-407E-A947-70E740481C1C}">
                   <a14:useLocalDpi xmlns:a14="http://schemas.microsoft.com/office/drawing/2010/main" val="0"/>
@@ -24095,7 +24597,7 @@
             <p:nvPr/>
           </p:nvPicPr>
           <p:blipFill>
-            <a:blip r:embed="rId6">
+            <a:blip r:embed="rId4">
               <a:extLst>
                 <a:ext uri="{28A0092B-C50C-407E-A947-70E740481C1C}">
                   <a14:useLocalDpi xmlns:a14="http://schemas.microsoft.com/office/drawing/2010/main" val="0"/>
@@ -24125,7 +24627,7 @@
         </p:nvGrpSpPr>
         <p:grpSpPr>
           <a:xfrm>
-            <a:off x="9453627" y="187710"/>
+            <a:off x="8251403" y="718215"/>
             <a:ext cx="2105640" cy="1291340"/>
             <a:chOff x="3355042" y="5091551"/>
             <a:chExt cx="2105640" cy="1291340"/>
@@ -24181,7 +24683,7 @@
             <p:nvPr/>
           </p:nvPicPr>
           <p:blipFill>
-            <a:blip r:embed="rId6">
+            <a:blip r:embed="rId4">
               <a:extLst>
                 <a:ext uri="{28A0092B-C50C-407E-A947-70E740481C1C}">
                   <a14:useLocalDpi xmlns:a14="http://schemas.microsoft.com/office/drawing/2010/main" val="0"/>
@@ -24211,7 +24713,7 @@
             <p:nvPr/>
           </p:nvPicPr>
           <p:blipFill>
-            <a:blip r:embed="rId6">
+            <a:blip r:embed="rId4">
               <a:extLst>
                 <a:ext uri="{28A0092B-C50C-407E-A947-70E740481C1C}">
                   <a14:useLocalDpi xmlns:a14="http://schemas.microsoft.com/office/drawing/2010/main" val="0"/>
@@ -24241,7 +24743,7 @@
             <p:nvPr/>
           </p:nvPicPr>
           <p:blipFill>
-            <a:blip r:embed="rId6">
+            <a:blip r:embed="rId4">
               <a:extLst>
                 <a:ext uri="{28A0092B-C50C-407E-A947-70E740481C1C}">
                   <a14:useLocalDpi xmlns:a14="http://schemas.microsoft.com/office/drawing/2010/main" val="0"/>
@@ -24271,7 +24773,7 @@
             <p:nvPr/>
           </p:nvPicPr>
           <p:blipFill>
-            <a:blip r:embed="rId6">
+            <a:blip r:embed="rId4">
               <a:extLst>
                 <a:ext uri="{28A0092B-C50C-407E-A947-70E740481C1C}">
                   <a14:useLocalDpi xmlns:a14="http://schemas.microsoft.com/office/drawing/2010/main" val="0"/>
@@ -24301,7 +24803,7 @@
             <p:nvPr/>
           </p:nvPicPr>
           <p:blipFill>
-            <a:blip r:embed="rId6">
+            <a:blip r:embed="rId4">
               <a:extLst>
                 <a:ext uri="{28A0092B-C50C-407E-A947-70E740481C1C}">
                   <a14:useLocalDpi xmlns:a14="http://schemas.microsoft.com/office/drawing/2010/main" val="0"/>
@@ -24331,7 +24833,7 @@
         </p:nvGrpSpPr>
         <p:grpSpPr>
           <a:xfrm>
-            <a:off x="9531070" y="3599177"/>
+            <a:off x="8328846" y="4129682"/>
             <a:ext cx="2105640" cy="1291340"/>
             <a:chOff x="3355042" y="5091551"/>
             <a:chExt cx="2105640" cy="1291340"/>
@@ -24387,7 +24889,7 @@
             <p:nvPr/>
           </p:nvPicPr>
           <p:blipFill>
-            <a:blip r:embed="rId6">
+            <a:blip r:embed="rId4">
               <a:extLst>
                 <a:ext uri="{28A0092B-C50C-407E-A947-70E740481C1C}">
                   <a14:useLocalDpi xmlns:a14="http://schemas.microsoft.com/office/drawing/2010/main" val="0"/>
@@ -24417,7 +24919,7 @@
             <p:nvPr/>
           </p:nvPicPr>
           <p:blipFill>
-            <a:blip r:embed="rId6">
+            <a:blip r:embed="rId4">
               <a:extLst>
                 <a:ext uri="{28A0092B-C50C-407E-A947-70E740481C1C}">
                   <a14:useLocalDpi xmlns:a14="http://schemas.microsoft.com/office/drawing/2010/main" val="0"/>
@@ -24447,7 +24949,7 @@
             <p:nvPr/>
           </p:nvPicPr>
           <p:blipFill>
-            <a:blip r:embed="rId6">
+            <a:blip r:embed="rId4">
               <a:extLst>
                 <a:ext uri="{28A0092B-C50C-407E-A947-70E740481C1C}">
                   <a14:useLocalDpi xmlns:a14="http://schemas.microsoft.com/office/drawing/2010/main" val="0"/>
@@ -24477,7 +24979,7 @@
             <p:nvPr/>
           </p:nvPicPr>
           <p:blipFill>
-            <a:blip r:embed="rId6">
+            <a:blip r:embed="rId4">
               <a:extLst>
                 <a:ext uri="{28A0092B-C50C-407E-A947-70E740481C1C}">
                   <a14:useLocalDpi xmlns:a14="http://schemas.microsoft.com/office/drawing/2010/main" val="0"/>
@@ -24507,7 +25009,7 @@
             <p:nvPr/>
           </p:nvPicPr>
           <p:blipFill>
-            <a:blip r:embed="rId6">
+            <a:blip r:embed="rId4">
               <a:extLst>
                 <a:ext uri="{28A0092B-C50C-407E-A947-70E740481C1C}">
                   <a14:useLocalDpi xmlns:a14="http://schemas.microsoft.com/office/drawing/2010/main" val="0"/>
@@ -24538,7 +25040,7 @@
           <p:nvPr/>
         </p:nvPicPr>
         <p:blipFill>
-          <a:blip r:embed="rId8">
+          <a:blip r:embed="rId5">
             <a:extLst>
               <a:ext uri="{28A0092B-C50C-407E-A947-70E740481C1C}">
                 <a14:useLocalDpi xmlns:a14="http://schemas.microsoft.com/office/drawing/2010/main" val="0"/>
@@ -24551,7 +25053,7 @@
         </p:blipFill>
         <p:spPr>
           <a:xfrm>
-            <a:off x="10925767" y="3945307"/>
+            <a:off x="9723543" y="4475812"/>
             <a:ext cx="1463396" cy="1463396"/>
           </a:xfrm>
           <a:prstGeom prst="rect">
@@ -24568,7 +25070,7 @@
           <p:nvPr/>
         </p:nvPicPr>
         <p:blipFill>
-          <a:blip r:embed="rId9">
+          <a:blip r:embed="rId6">
             <a:extLst>
               <a:ext uri="{28A0092B-C50C-407E-A947-70E740481C1C}">
                 <a14:useLocalDpi xmlns:a14="http://schemas.microsoft.com/office/drawing/2010/main" val="0"/>
@@ -24581,7 +25083,7 @@
         </p:blipFill>
         <p:spPr>
           <a:xfrm>
-            <a:off x="11199152" y="2738245"/>
+            <a:off x="9996928" y="3268750"/>
             <a:ext cx="916626" cy="523786"/>
           </a:xfrm>
           <a:prstGeom prst="rect">
@@ -24598,7 +25100,7 @@
           <p:nvPr/>
         </p:nvPicPr>
         <p:blipFill>
-          <a:blip r:embed="rId10">
+          <a:blip r:embed="rId7">
             <a:extLst>
               <a:ext uri="{28A0092B-C50C-407E-A947-70E740481C1C}">
                 <a14:useLocalDpi xmlns:a14="http://schemas.microsoft.com/office/drawing/2010/main" val="0"/>
@@ -24611,7 +25113,7 @@
         </p:blipFill>
         <p:spPr>
           <a:xfrm>
-            <a:off x="10972235" y="1024362"/>
+            <a:off x="9770011" y="1554867"/>
             <a:ext cx="1252896" cy="877126"/>
           </a:xfrm>
           <a:prstGeom prst="rect">
@@ -24627,7 +25129,7 @@
         </p:nvSpPr>
         <p:spPr>
           <a:xfrm>
-            <a:off x="7371193" y="1173151"/>
+            <a:off x="6168969" y="1703656"/>
             <a:ext cx="1680294" cy="369332"/>
           </a:xfrm>
           <a:prstGeom prst="rect">
@@ -24657,7 +25159,7 @@
         </p:nvGrpSpPr>
         <p:grpSpPr>
           <a:xfrm>
-            <a:off x="7329359" y="3228134"/>
+            <a:off x="6127135" y="3758639"/>
             <a:ext cx="1819237" cy="1115696"/>
             <a:chOff x="3355042" y="5091551"/>
             <a:chExt cx="2105640" cy="1291340"/>
@@ -24713,7 +25215,7 @@
             <p:nvPr/>
           </p:nvPicPr>
           <p:blipFill>
-            <a:blip r:embed="rId6">
+            <a:blip r:embed="rId4">
               <a:extLst>
                 <a:ext uri="{28A0092B-C50C-407E-A947-70E740481C1C}">
                   <a14:useLocalDpi xmlns:a14="http://schemas.microsoft.com/office/drawing/2010/main" val="0"/>
@@ -24743,7 +25245,7 @@
             <p:nvPr/>
           </p:nvPicPr>
           <p:blipFill>
-            <a:blip r:embed="rId6">
+            <a:blip r:embed="rId4">
               <a:extLst>
                 <a:ext uri="{28A0092B-C50C-407E-A947-70E740481C1C}">
                   <a14:useLocalDpi xmlns:a14="http://schemas.microsoft.com/office/drawing/2010/main" val="0"/>
@@ -24773,7 +25275,7 @@
             <p:nvPr/>
           </p:nvPicPr>
           <p:blipFill>
-            <a:blip r:embed="rId6">
+            <a:blip r:embed="rId4">
               <a:extLst>
                 <a:ext uri="{28A0092B-C50C-407E-A947-70E740481C1C}">
                   <a14:useLocalDpi xmlns:a14="http://schemas.microsoft.com/office/drawing/2010/main" val="0"/>
@@ -24803,7 +25305,7 @@
             <p:nvPr/>
           </p:nvPicPr>
           <p:blipFill>
-            <a:blip r:embed="rId6">
+            <a:blip r:embed="rId4">
               <a:extLst>
                 <a:ext uri="{28A0092B-C50C-407E-A947-70E740481C1C}">
                   <a14:useLocalDpi xmlns:a14="http://schemas.microsoft.com/office/drawing/2010/main" val="0"/>
@@ -24833,7 +25335,7 @@
             <p:nvPr/>
           </p:nvPicPr>
           <p:blipFill>
-            <a:blip r:embed="rId6">
+            <a:blip r:embed="rId4">
               <a:extLst>
                 <a:ext uri="{28A0092B-C50C-407E-A947-70E740481C1C}">
                   <a14:useLocalDpi xmlns:a14="http://schemas.microsoft.com/office/drawing/2010/main" val="0"/>
@@ -24863,7 +25365,7 @@
         </p:nvSpPr>
         <p:spPr>
           <a:xfrm>
-            <a:off x="7260124" y="2764192"/>
+            <a:off x="6057900" y="3294697"/>
             <a:ext cx="1680294" cy="369332"/>
           </a:xfrm>
           <a:prstGeom prst="rect">
@@ -24893,7 +25395,7 @@
         </p:nvGrpSpPr>
         <p:grpSpPr>
           <a:xfrm>
-            <a:off x="7417495" y="1626209"/>
+            <a:off x="6215271" y="2156714"/>
             <a:ext cx="1819237" cy="1115696"/>
             <a:chOff x="3355042" y="5091551"/>
             <a:chExt cx="2105640" cy="1291340"/>
@@ -24949,7 +25451,7 @@
             <p:nvPr/>
           </p:nvPicPr>
           <p:blipFill>
-            <a:blip r:embed="rId6">
+            <a:blip r:embed="rId4">
               <a:extLst>
                 <a:ext uri="{28A0092B-C50C-407E-A947-70E740481C1C}">
                   <a14:useLocalDpi xmlns:a14="http://schemas.microsoft.com/office/drawing/2010/main" val="0"/>
@@ -24979,7 +25481,7 @@
             <p:nvPr/>
           </p:nvPicPr>
           <p:blipFill>
-            <a:blip r:embed="rId6">
+            <a:blip r:embed="rId4">
               <a:extLst>
                 <a:ext uri="{28A0092B-C50C-407E-A947-70E740481C1C}">
                   <a14:useLocalDpi xmlns:a14="http://schemas.microsoft.com/office/drawing/2010/main" val="0"/>
@@ -25009,7 +25511,7 @@
             <p:nvPr/>
           </p:nvPicPr>
           <p:blipFill>
-            <a:blip r:embed="rId6">
+            <a:blip r:embed="rId4">
               <a:extLst>
                 <a:ext uri="{28A0092B-C50C-407E-A947-70E740481C1C}">
                   <a14:useLocalDpi xmlns:a14="http://schemas.microsoft.com/office/drawing/2010/main" val="0"/>
@@ -25039,7 +25541,7 @@
             <p:nvPr/>
           </p:nvPicPr>
           <p:blipFill>
-            <a:blip r:embed="rId6">
+            <a:blip r:embed="rId4">
               <a:extLst>
                 <a:ext uri="{28A0092B-C50C-407E-A947-70E740481C1C}">
                   <a14:useLocalDpi xmlns:a14="http://schemas.microsoft.com/office/drawing/2010/main" val="0"/>
@@ -25069,7 +25571,7 @@
             <p:nvPr/>
           </p:nvPicPr>
           <p:blipFill>
-            <a:blip r:embed="rId6">
+            <a:blip r:embed="rId4">
               <a:extLst>
                 <a:ext uri="{28A0092B-C50C-407E-A947-70E740481C1C}">
                   <a14:useLocalDpi xmlns:a14="http://schemas.microsoft.com/office/drawing/2010/main" val="0"/>
@@ -25091,6 +25593,141 @@
           </p:spPr>
         </p:pic>
       </p:grpSp>
+      <p:grpSp>
+        <p:nvGrpSpPr>
+          <p:cNvPr id="90" name="Group 89"/>
+          <p:cNvGrpSpPr/>
+          <p:nvPr/>
+        </p:nvGrpSpPr>
+        <p:grpSpPr>
+          <a:xfrm>
+            <a:off x="694830" y="2706271"/>
+            <a:ext cx="1070314" cy="1538576"/>
+            <a:chOff x="4308188" y="2158303"/>
+            <a:chExt cx="525584" cy="755527"/>
+          </a:xfrm>
+        </p:grpSpPr>
+        <p:sp>
+          <p:nvSpPr>
+            <p:cNvPr id="88" name="Triangle 87"/>
+            <p:cNvSpPr/>
+            <p:nvPr/>
+          </p:nvSpPr>
+          <p:spPr>
+            <a:xfrm>
+              <a:off x="4308188" y="2503218"/>
+              <a:ext cx="525584" cy="410612"/>
+            </a:xfrm>
+            <a:prstGeom prst="triangle">
+              <a:avLst/>
+            </a:prstGeom>
+          </p:spPr>
+          <p:style>
+            <a:lnRef idx="2">
+              <a:schemeClr val="accent1">
+                <a:shade val="50000"/>
+              </a:schemeClr>
+            </a:lnRef>
+            <a:fillRef idx="1">
+              <a:schemeClr val="accent1"/>
+            </a:fillRef>
+            <a:effectRef idx="0">
+              <a:schemeClr val="accent1"/>
+            </a:effectRef>
+            <a:fontRef idx="minor">
+              <a:schemeClr val="lt1"/>
+            </a:fontRef>
+          </p:style>
+          <p:txBody>
+            <a:bodyPr rtlCol="0" anchor="ctr"/>
+            <a:lstStyle/>
+            <a:p>
+              <a:pPr algn="ctr"/>
+              <a:endParaRPr lang="en-US"/>
+            </a:p>
+          </p:txBody>
+        </p:sp>
+        <p:sp>
+          <p:nvSpPr>
+            <p:cNvPr id="89" name="Oval 88"/>
+            <p:cNvSpPr/>
+            <p:nvPr/>
+          </p:nvSpPr>
+          <p:spPr>
+            <a:xfrm>
+              <a:off x="4308188" y="2158303"/>
+              <a:ext cx="525584" cy="498210"/>
+            </a:xfrm>
+            <a:prstGeom prst="ellipse">
+              <a:avLst/>
+            </a:prstGeom>
+          </p:spPr>
+          <p:style>
+            <a:lnRef idx="2">
+              <a:schemeClr val="accent1">
+                <a:shade val="50000"/>
+              </a:schemeClr>
+            </a:lnRef>
+            <a:fillRef idx="1">
+              <a:schemeClr val="accent1"/>
+            </a:fillRef>
+            <a:effectRef idx="0">
+              <a:schemeClr val="accent1"/>
+            </a:effectRef>
+            <a:fontRef idx="minor">
+              <a:schemeClr val="lt1"/>
+            </a:fontRef>
+          </p:style>
+          <p:txBody>
+            <a:bodyPr rtlCol="0" anchor="ctr"/>
+            <a:lstStyle/>
+            <a:p>
+              <a:pPr algn="ctr"/>
+              <a:endParaRPr lang="en-US" dirty="0"/>
+            </a:p>
+          </p:txBody>
+        </p:sp>
+      </p:grpSp>
+      <p:sp>
+        <p:nvSpPr>
+          <p:cNvPr id="91" name="Right Arrow 90"/>
+          <p:cNvSpPr/>
+          <p:nvPr/>
+        </p:nvSpPr>
+        <p:spPr>
+          <a:xfrm>
+            <a:off x="4941219" y="3417252"/>
+            <a:ext cx="791687" cy="331156"/>
+          </a:xfrm>
+          <a:prstGeom prst="rightArrow">
+            <a:avLst/>
+          </a:prstGeom>
+        </p:spPr>
+        <p:style>
+          <a:lnRef idx="2">
+            <a:schemeClr val="accent1">
+              <a:shade val="50000"/>
+            </a:schemeClr>
+          </a:lnRef>
+          <a:fillRef idx="1">
+            <a:schemeClr val="accent1"/>
+          </a:fillRef>
+          <a:effectRef idx="0">
+            <a:schemeClr val="accent1"/>
+          </a:effectRef>
+          <a:fontRef idx="minor">
+            <a:schemeClr val="lt1"/>
+          </a:fontRef>
+        </p:style>
+        <p:txBody>
+          <a:bodyPr rtlCol="0" anchor="ctr"/>
+          <a:lstStyle/>
+          <a:p>
+            <a:pPr algn="ctr"/>
+            <a:endParaRPr lang="en-US"/>
+          </a:p>
+        </p:txBody>
+      </p:sp>
     </p:spTree>
     <p:extLst>
       <p:ext uri="{BB962C8B-B14F-4D97-AF65-F5344CB8AC3E}">
@@ -25287,6 +25924,1021 @@
                   <a:srgbClr val="FFFFFF"/>
                 </a:solidFill>
               </a:rPr>
+              <a:t>Service Discovery and Configuration</a:t>
+            </a:r>
+            <a:endParaRPr lang="en-US" sz="5400" dirty="0">
+              <a:solidFill>
+                <a:srgbClr val="FFFFFF"/>
+              </a:solidFill>
+            </a:endParaRPr>
+          </a:p>
+        </p:txBody>
+      </p:sp>
+      <p:sp>
+        <p:nvSpPr>
+          <p:cNvPr id="3" name="Text Placeholder 2"/>
+          <p:cNvSpPr>
+            <a:spLocks noGrp="1"/>
+          </p:cNvSpPr>
+          <p:nvPr>
+            <p:ph type="body" idx="1"/>
+          </p:nvPr>
+        </p:nvSpPr>
+        <p:spPr>
+          <a:xfrm>
+            <a:off x="638921" y="4013165"/>
+            <a:ext cx="4204012" cy="2205732"/>
+          </a:xfrm>
+        </p:spPr>
+        <p:txBody>
+          <a:bodyPr vert="horz" lIns="91440" tIns="45720" rIns="91440" bIns="45720" rtlCol="0" anchor="t">
+            <a:normAutofit/>
+          </a:bodyPr>
+          <a:lstStyle/>
+          <a:p>
+            <a:pPr algn="r"/>
+            <a:r>
+              <a:rPr lang="en-US" sz="1800" dirty="0" smtClean="0">
+                <a:solidFill>
+                  <a:srgbClr val="FFFFFF"/>
+                </a:solidFill>
+              </a:rPr>
+              <a:t>Failure Detection, Global Focus, KV Storage </a:t>
+            </a:r>
+            <a:endParaRPr lang="en-US" sz="1800" dirty="0" smtClean="0">
+              <a:solidFill>
+                <a:srgbClr val="FFFFFF"/>
+              </a:solidFill>
+            </a:endParaRPr>
+          </a:p>
+          <a:p>
+            <a:pPr algn="r"/>
+            <a:endParaRPr lang="en-US" sz="1800" dirty="0">
+              <a:solidFill>
+                <a:srgbClr val="FFFFFF"/>
+              </a:solidFill>
+            </a:endParaRPr>
+          </a:p>
+          <a:p>
+            <a:pPr algn="r"/>
+            <a:endParaRPr lang="en-US" sz="1800" dirty="0" smtClean="0">
+              <a:solidFill>
+                <a:srgbClr val="FFFFFF"/>
+              </a:solidFill>
+            </a:endParaRPr>
+          </a:p>
+          <a:p>
+            <a:pPr algn="r"/>
+            <a:endParaRPr lang="en-US" sz="1800" dirty="0">
+              <a:solidFill>
+                <a:srgbClr val="FFFFFF"/>
+              </a:solidFill>
+            </a:endParaRPr>
+          </a:p>
+          <a:p>
+            <a:pPr algn="r"/>
+            <a:r>
+              <a:rPr lang="en-US" sz="1800" dirty="0" smtClean="0">
+                <a:solidFill>
+                  <a:srgbClr val="FFFFFF"/>
+                </a:solidFill>
+              </a:rPr>
+              <a:t>Discovery Made Easy</a:t>
+            </a:r>
+            <a:endParaRPr lang="en-US" sz="1800" dirty="0">
+              <a:solidFill>
+                <a:srgbClr val="FFFFFF"/>
+              </a:solidFill>
+            </a:endParaRPr>
+          </a:p>
+        </p:txBody>
+      </p:sp>
+      <p:pic>
+        <p:nvPicPr>
+          <p:cNvPr id="4" name="Picture 3"/>
+          <p:cNvPicPr>
+            <a:picLocks noChangeAspect="1"/>
+          </p:cNvPicPr>
+          <p:nvPr/>
+        </p:nvPicPr>
+        <p:blipFill>
+          <a:blip r:embed="rId3">
+            <a:extLst>
+              <a:ext uri="{28A0092B-C50C-407E-A947-70E740481C1C}">
+                <a14:useLocalDpi xmlns:a14="http://schemas.microsoft.com/office/drawing/2010/main" val="0"/>
+              </a:ext>
+            </a:extLst>
+          </a:blip>
+          <a:stretch>
+            <a:fillRect/>
+          </a:stretch>
+        </p:blipFill>
+        <p:spPr>
+          <a:xfrm>
+            <a:off x="5629611" y="230144"/>
+            <a:ext cx="6435251" cy="6397712"/>
+          </a:xfrm>
+          <a:prstGeom prst="rect">
+            <a:avLst/>
+          </a:prstGeom>
+        </p:spPr>
+      </p:pic>
+      <p:sp>
+        <p:nvSpPr>
+          <p:cNvPr id="9" name="TextBox 8"/>
+          <p:cNvSpPr txBox="1"/>
+          <p:nvPr/>
+        </p:nvSpPr>
+        <p:spPr>
+          <a:xfrm>
+            <a:off x="9001125" y="5141679"/>
+            <a:ext cx="4611745" cy="1077218"/>
+          </a:xfrm>
+          <a:prstGeom prst="rect">
+            <a:avLst/>
+          </a:prstGeom>
+          <a:noFill/>
+        </p:spPr>
+        <p:txBody>
+          <a:bodyPr wrap="square" rtlCol="0">
+            <a:spAutoFit/>
+          </a:bodyPr>
+          <a:lstStyle/>
+          <a:p>
+            <a:r>
+              <a:rPr lang="en-US" sz="3200" b="1" dirty="0" err="1" smtClean="0"/>
+              <a:t>HashiCorp</a:t>
+            </a:r>
+            <a:r>
+              <a:rPr lang="en-US" sz="3200" b="1" dirty="0" smtClean="0"/>
+              <a:t> </a:t>
+            </a:r>
+          </a:p>
+          <a:p>
+            <a:r>
+              <a:rPr lang="en-US" sz="3200" b="1" dirty="0"/>
+              <a:t>	</a:t>
+            </a:r>
+            <a:r>
+              <a:rPr lang="en-US" sz="3200" b="1" dirty="0" smtClean="0"/>
+              <a:t>Consul</a:t>
+            </a:r>
+            <a:endParaRPr lang="en-US" sz="3200" b="1" dirty="0"/>
+          </a:p>
+        </p:txBody>
+      </p:sp>
+    </p:spTree>
+    <p:extLst>
+      <p:ext uri="{BB962C8B-B14F-4D97-AF65-F5344CB8AC3E}">
+        <p14:creationId xmlns:p14="http://schemas.microsoft.com/office/powerpoint/2010/main" val="2119921401"/>
+      </p:ext>
+    </p:extLst>
+  </p:cSld>
+  <p:clrMapOvr>
+    <a:masterClrMapping/>
+  </p:clrMapOvr>
+  <p:timing>
+    <p:tnLst>
+      <p:par>
+        <p:cTn id="1" dur="indefinite" restart="never" nodeType="tmRoot"/>
+      </p:par>
+    </p:tnLst>
+  </p:timing>
+</p:sld>
+</file>
+
+<file path=ppt/slides/slide45.xml><?xml version="1.0" encoding="utf-8"?>
+<p:sld xmlns:a="http://schemas.openxmlformats.org/drawingml/2006/main" xmlns:r="http://schemas.openxmlformats.org/officeDocument/2006/relationships" xmlns:p="http://schemas.openxmlformats.org/presentationml/2006/main">
+  <p:cSld>
+    <p:spTree>
+      <p:nvGrpSpPr>
+        <p:cNvPr id="1" name=""/>
+        <p:cNvGrpSpPr/>
+        <p:nvPr/>
+      </p:nvGrpSpPr>
+      <p:grpSpPr>
+        <a:xfrm>
+          <a:off x="0" y="0"/>
+          <a:ext cx="0" cy="0"/>
+          <a:chOff x="0" y="0"/>
+          <a:chExt cx="0" cy="0"/>
+        </a:xfrm>
+      </p:grpSpPr>
+      <p:sp>
+        <p:nvSpPr>
+          <p:cNvPr id="2" name="Title 1"/>
+          <p:cNvSpPr>
+            <a:spLocks noGrp="1"/>
+          </p:cNvSpPr>
+          <p:nvPr>
+            <p:ph type="title"/>
+          </p:nvPr>
+        </p:nvSpPr>
+        <p:spPr/>
+        <p:txBody>
+          <a:bodyPr/>
+          <a:lstStyle/>
+          <a:p>
+            <a:r>
+              <a:rPr lang="en-US" dirty="0" smtClean="0"/>
+              <a:t>Consul is</a:t>
+            </a:r>
+            <a:r>
+              <a:rPr lang="mr-IN" dirty="0" smtClean="0"/>
+              <a:t>…</a:t>
+            </a:r>
+            <a:endParaRPr lang="en-US" dirty="0"/>
+          </a:p>
+        </p:txBody>
+      </p:sp>
+      <p:sp>
+        <p:nvSpPr>
+          <p:cNvPr id="3" name="Content Placeholder 2"/>
+          <p:cNvSpPr>
+            <a:spLocks noGrp="1"/>
+          </p:cNvSpPr>
+          <p:nvPr>
+            <p:ph idx="1"/>
+          </p:nvPr>
+        </p:nvSpPr>
+        <p:spPr/>
+        <p:txBody>
+          <a:bodyPr/>
+          <a:lstStyle/>
+          <a:p>
+            <a:r>
+              <a:rPr lang="en-US" dirty="0" smtClean="0"/>
+              <a:t>Service Discovery</a:t>
+            </a:r>
+            <a:endParaRPr lang="en-US" b="1" dirty="0" smtClean="0"/>
+          </a:p>
+          <a:p>
+            <a:r>
+              <a:rPr lang="en-US" dirty="0" smtClean="0"/>
+              <a:t>Health Checking</a:t>
+            </a:r>
+          </a:p>
+          <a:p>
+            <a:r>
+              <a:rPr lang="en-US" dirty="0" smtClean="0"/>
+              <a:t>KV Store</a:t>
+            </a:r>
+          </a:p>
+          <a:p>
+            <a:r>
+              <a:rPr lang="en-US" dirty="0" smtClean="0"/>
+              <a:t>Cloud agnostic</a:t>
+            </a:r>
+          </a:p>
+          <a:p>
+            <a:r>
+              <a:rPr lang="en-US" dirty="0" smtClean="0"/>
+              <a:t>Can be used a storage backend for other </a:t>
+            </a:r>
+            <a:r>
+              <a:rPr lang="en-US" dirty="0" err="1" smtClean="0"/>
+              <a:t>Hashicorp</a:t>
+            </a:r>
+            <a:r>
+              <a:rPr lang="en-US" dirty="0" smtClean="0"/>
+              <a:t> solutions!</a:t>
+            </a:r>
+            <a:endParaRPr lang="en-US" dirty="0"/>
+          </a:p>
+        </p:txBody>
+      </p:sp>
+      <p:pic>
+        <p:nvPicPr>
+          <p:cNvPr id="5" name="Picture 4"/>
+          <p:cNvPicPr>
+            <a:picLocks noChangeAspect="1"/>
+          </p:cNvPicPr>
+          <p:nvPr/>
+        </p:nvPicPr>
+        <p:blipFill>
+          <a:blip r:embed="rId3">
+            <a:extLst>
+              <a:ext uri="{28A0092B-C50C-407E-A947-70E740481C1C}">
+                <a14:useLocalDpi xmlns:a14="http://schemas.microsoft.com/office/drawing/2010/main" val="0"/>
+              </a:ext>
+            </a:extLst>
+          </a:blip>
+          <a:stretch>
+            <a:fillRect/>
+          </a:stretch>
+        </p:blipFill>
+        <p:spPr>
+          <a:xfrm>
+            <a:off x="10079415" y="4757738"/>
+            <a:ext cx="2112585" cy="2100262"/>
+          </a:xfrm>
+          <a:prstGeom prst="rect">
+            <a:avLst/>
+          </a:prstGeom>
+        </p:spPr>
+      </p:pic>
+    </p:spTree>
+    <p:extLst>
+      <p:ext uri="{BB962C8B-B14F-4D97-AF65-F5344CB8AC3E}">
+        <p14:creationId xmlns:p14="http://schemas.microsoft.com/office/powerpoint/2010/main" val="1857308403"/>
+      </p:ext>
+    </p:extLst>
+  </p:cSld>
+  <p:clrMapOvr>
+    <a:masterClrMapping/>
+  </p:clrMapOvr>
+  <p:timing>
+    <p:tnLst>
+      <p:par>
+        <p:cTn id="1" dur="indefinite" restart="never" nodeType="tmRoot"/>
+      </p:par>
+    </p:tnLst>
+  </p:timing>
+</p:sld>
+</file>
+
+<file path=ppt/slides/slide46.xml><?xml version="1.0" encoding="utf-8"?>
+<p:sld xmlns:a="http://schemas.openxmlformats.org/drawingml/2006/main" xmlns:r="http://schemas.openxmlformats.org/officeDocument/2006/relationships" xmlns:p="http://schemas.openxmlformats.org/presentationml/2006/main">
+  <p:cSld>
+    <p:spTree>
+      <p:nvGrpSpPr>
+        <p:cNvPr id="1" name=""/>
+        <p:cNvGrpSpPr/>
+        <p:nvPr/>
+      </p:nvGrpSpPr>
+      <p:grpSpPr>
+        <a:xfrm>
+          <a:off x="0" y="0"/>
+          <a:ext cx="0" cy="0"/>
+          <a:chOff x="0" y="0"/>
+          <a:chExt cx="0" cy="0"/>
+        </a:xfrm>
+      </p:grpSpPr>
+      <p:sp>
+        <p:nvSpPr>
+          <p:cNvPr id="2" name="Title 1"/>
+          <p:cNvSpPr>
+            <a:spLocks noGrp="1"/>
+          </p:cNvSpPr>
+          <p:nvPr>
+            <p:ph type="title"/>
+          </p:nvPr>
+        </p:nvSpPr>
+        <p:spPr/>
+        <p:txBody>
+          <a:bodyPr/>
+          <a:lstStyle/>
+          <a:p>
+            <a:r>
+              <a:rPr lang="en-US" dirty="0" smtClean="0"/>
+              <a:t>Service Discovery</a:t>
+            </a:r>
+            <a:endParaRPr lang="en-US" dirty="0"/>
+          </a:p>
+        </p:txBody>
+      </p:sp>
+      <p:sp>
+        <p:nvSpPr>
+          <p:cNvPr id="3" name="Content Placeholder 2"/>
+          <p:cNvSpPr>
+            <a:spLocks noGrp="1"/>
+          </p:cNvSpPr>
+          <p:nvPr>
+            <p:ph idx="1"/>
+          </p:nvPr>
+        </p:nvSpPr>
+        <p:spPr/>
+        <p:txBody>
+          <a:bodyPr/>
+          <a:lstStyle/>
+          <a:p>
+            <a:r>
+              <a:rPr lang="en-US" dirty="0" smtClean="0"/>
+              <a:t>JSON Format </a:t>
+            </a:r>
+          </a:p>
+          <a:p>
+            <a:pPr lvl="1"/>
+            <a:r>
+              <a:rPr lang="mr-IN" dirty="0"/>
+              <a:t>{"</a:t>
+            </a:r>
+            <a:r>
+              <a:rPr lang="mr-IN" dirty="0" err="1"/>
+              <a:t>service</a:t>
+            </a:r>
+            <a:r>
+              <a:rPr lang="mr-IN" dirty="0"/>
+              <a:t>": {"</a:t>
+            </a:r>
+            <a:r>
+              <a:rPr lang="mr-IN" dirty="0" err="1"/>
+              <a:t>name</a:t>
+            </a:r>
+            <a:r>
+              <a:rPr lang="mr-IN" dirty="0"/>
+              <a:t>": "</a:t>
+            </a:r>
+            <a:r>
+              <a:rPr lang="mr-IN" dirty="0" err="1"/>
+              <a:t>web</a:t>
+            </a:r>
+            <a:r>
+              <a:rPr lang="mr-IN" dirty="0"/>
+              <a:t>", "</a:t>
+            </a:r>
+            <a:r>
+              <a:rPr lang="mr-IN" dirty="0" err="1"/>
+              <a:t>tags</a:t>
+            </a:r>
+            <a:r>
+              <a:rPr lang="mr-IN" dirty="0"/>
+              <a:t>": ["</a:t>
+            </a:r>
+            <a:r>
+              <a:rPr lang="mr-IN" dirty="0" err="1"/>
+              <a:t>rails</a:t>
+            </a:r>
+            <a:r>
+              <a:rPr lang="mr-IN" dirty="0"/>
+              <a:t>"], "</a:t>
+            </a:r>
+            <a:r>
+              <a:rPr lang="mr-IN" dirty="0" err="1"/>
+              <a:t>port</a:t>
+            </a:r>
+            <a:r>
+              <a:rPr lang="mr-IN" dirty="0"/>
+              <a:t>": 80</a:t>
+            </a:r>
+            <a:r>
+              <a:rPr lang="mr-IN" dirty="0" smtClean="0"/>
+              <a:t>}}</a:t>
+            </a:r>
+            <a:endParaRPr lang="en-US" dirty="0" smtClean="0"/>
+          </a:p>
+          <a:p>
+            <a:r>
+              <a:rPr lang="en-US" dirty="0" smtClean="0"/>
+              <a:t>Placed inside the Consul </a:t>
+            </a:r>
+            <a:r>
+              <a:rPr lang="en-US" dirty="0" err="1" smtClean="0"/>
+              <a:t>Config</a:t>
+            </a:r>
+            <a:r>
+              <a:rPr lang="en-US" dirty="0" smtClean="0"/>
+              <a:t> Directory</a:t>
+            </a:r>
+          </a:p>
+          <a:p>
+            <a:r>
+              <a:rPr lang="en-US" dirty="0" smtClean="0"/>
+              <a:t>Consul is reloaded and ‘syncs’ the service</a:t>
+            </a:r>
+          </a:p>
+          <a:p>
+            <a:pPr lvl="1"/>
+            <a:r>
+              <a:rPr lang="en-US" dirty="0"/>
+              <a:t>[INFO] agent: Synced service </a:t>
+            </a:r>
+            <a:r>
+              <a:rPr lang="en-US" dirty="0" smtClean="0"/>
+              <a:t>'web’</a:t>
+            </a:r>
+          </a:p>
+          <a:p>
+            <a:r>
+              <a:rPr lang="en-US" dirty="0" smtClean="0"/>
+              <a:t>The service information is then able to be queried over DNS or HTTP API</a:t>
+            </a:r>
+          </a:p>
+          <a:p>
+            <a:pPr lvl="1"/>
+            <a:r>
+              <a:rPr lang="en-US" dirty="0" smtClean="0"/>
+              <a:t>This will return </a:t>
+            </a:r>
+            <a:r>
+              <a:rPr lang="en-US" b="1" dirty="0" smtClean="0"/>
+              <a:t>all nodes in the cluster that have that service enabled</a:t>
+            </a:r>
+            <a:endParaRPr lang="en-US" dirty="0" smtClean="0"/>
+          </a:p>
+          <a:p>
+            <a:pPr lvl="1"/>
+            <a:endParaRPr lang="en-US" dirty="0"/>
+          </a:p>
+        </p:txBody>
+      </p:sp>
+      <p:pic>
+        <p:nvPicPr>
+          <p:cNvPr id="5" name="Picture 4"/>
+          <p:cNvPicPr>
+            <a:picLocks noChangeAspect="1"/>
+          </p:cNvPicPr>
+          <p:nvPr/>
+        </p:nvPicPr>
+        <p:blipFill>
+          <a:blip r:embed="rId3">
+            <a:extLst>
+              <a:ext uri="{28A0092B-C50C-407E-A947-70E740481C1C}">
+                <a14:useLocalDpi xmlns:a14="http://schemas.microsoft.com/office/drawing/2010/main" val="0"/>
+              </a:ext>
+            </a:extLst>
+          </a:blip>
+          <a:stretch>
+            <a:fillRect/>
+          </a:stretch>
+        </p:blipFill>
+        <p:spPr>
+          <a:xfrm>
+            <a:off x="10079415" y="4757738"/>
+            <a:ext cx="2112585" cy="2100262"/>
+          </a:xfrm>
+          <a:prstGeom prst="rect">
+            <a:avLst/>
+          </a:prstGeom>
+        </p:spPr>
+      </p:pic>
+    </p:spTree>
+    <p:extLst>
+      <p:ext uri="{BB962C8B-B14F-4D97-AF65-F5344CB8AC3E}">
+        <p14:creationId xmlns:p14="http://schemas.microsoft.com/office/powerpoint/2010/main" val="908929183"/>
+      </p:ext>
+    </p:extLst>
+  </p:cSld>
+  <p:clrMapOvr>
+    <a:masterClrMapping/>
+  </p:clrMapOvr>
+  <p:timing>
+    <p:tnLst>
+      <p:par>
+        <p:cTn id="1" dur="indefinite" restart="never" nodeType="tmRoot"/>
+      </p:par>
+    </p:tnLst>
+  </p:timing>
+</p:sld>
+</file>
+
+<file path=ppt/slides/slide47.xml><?xml version="1.0" encoding="utf-8"?>
+<p:sld xmlns:a="http://schemas.openxmlformats.org/drawingml/2006/main" xmlns:r="http://schemas.openxmlformats.org/officeDocument/2006/relationships" xmlns:p="http://schemas.openxmlformats.org/presentationml/2006/main">
+  <p:cSld>
+    <p:spTree>
+      <p:nvGrpSpPr>
+        <p:cNvPr id="1" name=""/>
+        <p:cNvGrpSpPr/>
+        <p:nvPr/>
+      </p:nvGrpSpPr>
+      <p:grpSpPr>
+        <a:xfrm>
+          <a:off x="0" y="0"/>
+          <a:ext cx="0" cy="0"/>
+          <a:chOff x="0" y="0"/>
+          <a:chExt cx="0" cy="0"/>
+        </a:xfrm>
+      </p:grpSpPr>
+      <p:sp>
+        <p:nvSpPr>
+          <p:cNvPr id="19" name="Rectangle 18"/>
+          <p:cNvSpPr>
+            <a:spLocks noGrp="1" noRot="1" noChangeAspect="1" noMove="1" noResize="1" noEditPoints="1" noAdjustHandles="1" noChangeArrowheads="1" noChangeShapeType="1" noTextEdit="1"/>
+          </p:cNvSpPr>
+          <p:nvPr>
+            <p:extLst>
+              <p:ext uri="{386F3935-93C4-4BCD-93E2-E3B085C9AB24}">
+                <p16:designElem xmlns:p16="http://schemas.microsoft.com/office/powerpoint/2015/main" val="1"/>
+              </p:ext>
+            </p:extLst>
+          </p:nvPr>
+        </p:nvSpPr>
+        <p:spPr bwMode="white">
+          <a:xfrm>
+            <a:off x="0" y="0"/>
+            <a:ext cx="12192000" cy="6858000"/>
+          </a:xfrm>
+          <a:prstGeom prst="rect">
+            <a:avLst/>
+          </a:prstGeom>
+          <a:solidFill>
+            <a:schemeClr val="bg1"/>
+          </a:solidFill>
+          <a:ln>
+            <a:noFill/>
+          </a:ln>
+          <a:effectLst/>
+        </p:spPr>
+      </p:sp>
+      <p:pic>
+        <p:nvPicPr>
+          <p:cNvPr id="6" name="Picture 5"/>
+          <p:cNvPicPr>
+            <a:picLocks noChangeAspect="1"/>
+          </p:cNvPicPr>
+          <p:nvPr/>
+        </p:nvPicPr>
+        <p:blipFill>
+          <a:blip r:embed="rId3">
+            <a:extLst>
+              <a:ext uri="{28A0092B-C50C-407E-A947-70E740481C1C}">
+                <a14:useLocalDpi xmlns:a14="http://schemas.microsoft.com/office/drawing/2010/main" val="0"/>
+              </a:ext>
+            </a:extLst>
+          </a:blip>
+          <a:stretch>
+            <a:fillRect/>
+          </a:stretch>
+        </p:blipFill>
+        <p:spPr>
+          <a:xfrm>
+            <a:off x="5153822" y="1901080"/>
+            <a:ext cx="6553545" cy="3063782"/>
+          </a:xfrm>
+          <a:prstGeom prst="rect">
+            <a:avLst/>
+          </a:prstGeom>
+        </p:spPr>
+      </p:pic>
+      <p:sp>
+        <p:nvSpPr>
+          <p:cNvPr id="21" name="Rectangle 20"/>
+          <p:cNvSpPr>
+            <a:spLocks noGrp="1" noRot="1" noChangeAspect="1" noMove="1" noResize="1" noEditPoints="1" noAdjustHandles="1" noChangeArrowheads="1" noChangeShapeType="1" noTextEdit="1"/>
+          </p:cNvSpPr>
+          <p:nvPr>
+            <p:extLst>
+              <p:ext uri="{386F3935-93C4-4BCD-93E2-E3B085C9AB24}">
+                <p16:designElem xmlns:p16="http://schemas.microsoft.com/office/powerpoint/2015/main" val="1"/>
+              </p:ext>
+            </p:extLst>
+          </p:nvPr>
+        </p:nvSpPr>
+        <p:spPr bwMode="ltGray">
+          <a:xfrm>
+            <a:off x="336884" y="321177"/>
+            <a:ext cx="4332307" cy="6179552"/>
+          </a:xfrm>
+          <a:prstGeom prst="rect">
+            <a:avLst/>
+          </a:prstGeom>
+          <a:solidFill>
+            <a:schemeClr val="bg1">
+              <a:lumMod val="75000"/>
+              <a:lumOff val="25000"/>
+            </a:schemeClr>
+          </a:solidFill>
+          <a:ln w="127000" cap="sq" cmpd="thinThick">
+            <a:solidFill>
+              <a:schemeClr val="bg1">
+                <a:lumMod val="75000"/>
+                <a:lumOff val="25000"/>
+              </a:schemeClr>
+            </a:solidFill>
+          </a:ln>
+        </p:spPr>
+        <p:style>
+          <a:lnRef idx="2">
+            <a:schemeClr val="accent1">
+              <a:shade val="50000"/>
+            </a:schemeClr>
+          </a:lnRef>
+          <a:fillRef idx="1">
+            <a:schemeClr val="accent1"/>
+          </a:fillRef>
+          <a:effectRef idx="0">
+            <a:schemeClr val="accent1"/>
+          </a:effectRef>
+          <a:fontRef idx="minor">
+            <a:schemeClr val="lt1"/>
+          </a:fontRef>
+        </p:style>
+        <p:txBody>
+          <a:bodyPr rtlCol="0" anchor="ctr"/>
+          <a:lstStyle/>
+          <a:p>
+            <a:pPr algn="ctr"/>
+            <a:endParaRPr lang="en-US"/>
+          </a:p>
+        </p:txBody>
+      </p:sp>
+      <p:cxnSp>
+        <p:nvCxnSpPr>
+          <p:cNvPr id="23" name="Straight Connector 22"/>
+          <p:cNvCxnSpPr>
+            <a:cxnSpLocks noGrp="1" noRot="1" noChangeAspect="1" noMove="1" noResize="1" noEditPoints="1" noAdjustHandles="1" noChangeArrowheads="1" noChangeShapeType="1"/>
+          </p:cNvCxnSpPr>
+          <p:nvPr>
+            <p:extLst>
+              <p:ext uri="{386F3935-93C4-4BCD-93E2-E3B085C9AB24}">
+                <p16:designElem xmlns:p16="http://schemas.microsoft.com/office/powerpoint/2015/main" val="1"/>
+              </p:ext>
+            </p:extLst>
+          </p:nvPr>
+        </p:nvCxnSpPr>
+        <p:spPr>
+          <a:xfrm>
+            <a:off x="1191126" y="3910267"/>
+            <a:ext cx="2586790" cy="0"/>
+          </a:xfrm>
+          <a:prstGeom prst="line">
+            <a:avLst/>
+          </a:prstGeom>
+          <a:ln w="22225">
+            <a:solidFill>
+              <a:schemeClr val="tx1"/>
+            </a:solidFill>
+          </a:ln>
+        </p:spPr>
+        <p:style>
+          <a:lnRef idx="1">
+            <a:schemeClr val="accent1"/>
+          </a:lnRef>
+          <a:fillRef idx="0">
+            <a:schemeClr val="accent1"/>
+          </a:fillRef>
+          <a:effectRef idx="0">
+            <a:schemeClr val="accent1"/>
+          </a:effectRef>
+          <a:fontRef idx="minor">
+            <a:schemeClr val="tx1"/>
+          </a:fontRef>
+        </p:style>
+      </p:cxnSp>
+      <p:sp>
+        <p:nvSpPr>
+          <p:cNvPr id="2" name="Title 1"/>
+          <p:cNvSpPr>
+            <a:spLocks noGrp="1"/>
+          </p:cNvSpPr>
+          <p:nvPr>
+            <p:ph type="title"/>
+          </p:nvPr>
+        </p:nvSpPr>
+        <p:spPr>
+          <a:xfrm>
+            <a:off x="674237" y="914400"/>
+            <a:ext cx="3657600" cy="2887579"/>
+          </a:xfrm>
+        </p:spPr>
+        <p:txBody>
+          <a:bodyPr vert="horz" lIns="91440" tIns="45720" rIns="91440" bIns="45720" rtlCol="0" anchor="b">
+            <a:normAutofit/>
+          </a:bodyPr>
+          <a:lstStyle/>
+          <a:p>
+            <a:pPr algn="ctr"/>
+            <a:r>
+              <a:rPr lang="en-US" sz="4800" dirty="0" smtClean="0"/>
+              <a:t>Template Rendering and Supervisor</a:t>
+            </a:r>
+            <a:endParaRPr lang="en-US" sz="4800" dirty="0"/>
+          </a:p>
+        </p:txBody>
+      </p:sp>
+      <p:sp>
+        <p:nvSpPr>
+          <p:cNvPr id="3" name="Text Placeholder 2"/>
+          <p:cNvSpPr>
+            <a:spLocks noGrp="1"/>
+          </p:cNvSpPr>
+          <p:nvPr>
+            <p:ph type="body" idx="1"/>
+          </p:nvPr>
+        </p:nvSpPr>
+        <p:spPr>
+          <a:xfrm>
+            <a:off x="674237" y="4170501"/>
+            <a:ext cx="3657600" cy="1525597"/>
+          </a:xfrm>
+        </p:spPr>
+        <p:txBody>
+          <a:bodyPr vert="horz" lIns="91440" tIns="45720" rIns="91440" bIns="45720" rtlCol="0">
+            <a:normAutofit/>
+          </a:bodyPr>
+          <a:lstStyle/>
+          <a:p>
+            <a:pPr algn="ctr"/>
+            <a:endParaRPr lang="en-US" sz="1300" dirty="0">
+              <a:solidFill>
+                <a:schemeClr val="accent1"/>
+              </a:solidFill>
+            </a:endParaRPr>
+          </a:p>
+          <a:p>
+            <a:pPr algn="ctr"/>
+            <a:endParaRPr lang="en-US" sz="1300" dirty="0">
+              <a:solidFill>
+                <a:schemeClr val="accent1"/>
+              </a:solidFill>
+            </a:endParaRPr>
+          </a:p>
+          <a:p>
+            <a:pPr algn="ctr"/>
+            <a:endParaRPr lang="en-US" sz="1300" dirty="0">
+              <a:solidFill>
+                <a:schemeClr val="accent1"/>
+              </a:solidFill>
+            </a:endParaRPr>
+          </a:p>
+        </p:txBody>
+      </p:sp>
+    </p:spTree>
+    <p:extLst>
+      <p:ext uri="{BB962C8B-B14F-4D97-AF65-F5344CB8AC3E}">
+        <p14:creationId xmlns:p14="http://schemas.microsoft.com/office/powerpoint/2010/main" val="3450275820"/>
+      </p:ext>
+    </p:extLst>
+  </p:cSld>
+  <p:clrMapOvr>
+    <a:masterClrMapping/>
+  </p:clrMapOvr>
+  <p:timing>
+    <p:tnLst>
+      <p:par>
+        <p:cTn id="1" dur="indefinite" restart="never" nodeType="tmRoot"/>
+      </p:par>
+    </p:tnLst>
+  </p:timing>
+</p:sld>
+</file>
+
+<file path=ppt/slides/slide48.xml><?xml version="1.0" encoding="utf-8"?>
+<p:sld xmlns:a="http://schemas.openxmlformats.org/drawingml/2006/main" xmlns:r="http://schemas.openxmlformats.org/officeDocument/2006/relationships" xmlns:p="http://schemas.openxmlformats.org/presentationml/2006/main">
+  <p:cSld>
+    <p:spTree>
+      <p:nvGrpSpPr>
+        <p:cNvPr id="1" name=""/>
+        <p:cNvGrpSpPr/>
+        <p:nvPr/>
+      </p:nvGrpSpPr>
+      <p:grpSpPr>
+        <a:xfrm>
+          <a:off x="0" y="0"/>
+          <a:ext cx="0" cy="0"/>
+          <a:chOff x="0" y="0"/>
+          <a:chExt cx="0" cy="0"/>
+        </a:xfrm>
+      </p:grpSpPr>
+      <p:sp>
+        <p:nvSpPr>
+          <p:cNvPr id="10" name="Rectangle 9"/>
+          <p:cNvSpPr>
+            <a:spLocks noGrp="1" noRot="1" noChangeAspect="1" noMove="1" noResize="1" noEditPoints="1" noAdjustHandles="1" noChangeArrowheads="1" noChangeShapeType="1" noTextEdit="1"/>
+          </p:cNvSpPr>
+          <p:nvPr>
+            <p:extLst>
+              <p:ext uri="{386F3935-93C4-4BCD-93E2-E3B085C9AB24}">
+                <p16:designElem xmlns:p16="http://schemas.microsoft.com/office/powerpoint/2015/main" val="1"/>
+              </p:ext>
+            </p:extLst>
+          </p:nvPr>
+        </p:nvSpPr>
+        <p:spPr bwMode="white">
+          <a:xfrm>
+            <a:off x="0" y="0"/>
+            <a:ext cx="12192000" cy="6858000"/>
+          </a:xfrm>
+          <a:prstGeom prst="rect">
+            <a:avLst/>
+          </a:prstGeom>
+          <a:solidFill>
+            <a:schemeClr val="bg1"/>
+          </a:solidFill>
+          <a:ln>
+            <a:noFill/>
+          </a:ln>
+          <a:effectLst/>
+        </p:spPr>
+      </p:sp>
+      <p:sp>
+        <p:nvSpPr>
+          <p:cNvPr id="12" name="Rectangle 11"/>
+          <p:cNvSpPr>
+            <a:spLocks noGrp="1" noRot="1" noChangeAspect="1" noMove="1" noResize="1" noEditPoints="1" noAdjustHandles="1" noChangeArrowheads="1" noChangeShapeType="1" noTextEdit="1"/>
+          </p:cNvSpPr>
+          <p:nvPr>
+            <p:extLst>
+              <p:ext uri="{386F3935-93C4-4BCD-93E2-E3B085C9AB24}">
+                <p16:designElem xmlns:p16="http://schemas.microsoft.com/office/powerpoint/2015/main" val="1"/>
+              </p:ext>
+            </p:extLst>
+          </p:nvPr>
+        </p:nvSpPr>
+        <p:spPr>
+          <a:xfrm>
+            <a:off x="0" y="0"/>
+            <a:ext cx="5468548" cy="6858000"/>
+          </a:xfrm>
+          <a:prstGeom prst="rect">
+            <a:avLst/>
+          </a:prstGeom>
+          <a:solidFill>
+            <a:schemeClr val="accent1"/>
+          </a:solidFill>
+          <a:ln>
+            <a:noFill/>
+          </a:ln>
+        </p:spPr>
+        <p:style>
+          <a:lnRef idx="2">
+            <a:schemeClr val="accent1">
+              <a:shade val="50000"/>
+            </a:schemeClr>
+          </a:lnRef>
+          <a:fillRef idx="1">
+            <a:schemeClr val="accent1"/>
+          </a:fillRef>
+          <a:effectRef idx="0">
+            <a:schemeClr val="accent1"/>
+          </a:effectRef>
+          <a:fontRef idx="minor">
+            <a:schemeClr val="lt1"/>
+          </a:fontRef>
+        </p:style>
+        <p:txBody>
+          <a:bodyPr rtlCol="0" anchor="ctr"/>
+          <a:lstStyle/>
+          <a:p>
+            <a:pPr algn="ctr"/>
+            <a:endParaRPr lang="en-US"/>
+          </a:p>
+        </p:txBody>
+      </p:sp>
+      <p:cxnSp>
+        <p:nvCxnSpPr>
+          <p:cNvPr id="14" name="Straight Connector 13"/>
+          <p:cNvCxnSpPr>
+            <a:cxnSpLocks noGrp="1" noRot="1" noChangeAspect="1" noMove="1" noResize="1" noEditPoints="1" noAdjustHandles="1" noChangeArrowheads="1" noChangeShapeType="1"/>
+          </p:cNvCxnSpPr>
+          <p:nvPr>
+            <p:extLst>
+              <p:ext uri="{386F3935-93C4-4BCD-93E2-E3B085C9AB24}">
+                <p16:designElem xmlns:p16="http://schemas.microsoft.com/office/powerpoint/2015/main" val="1"/>
+              </p:ext>
+            </p:extLst>
+          </p:nvPr>
+        </p:nvCxnSpPr>
+        <p:spPr>
+          <a:xfrm>
+            <a:off x="786679" y="3928939"/>
+            <a:ext cx="3931920" cy="0"/>
+          </a:xfrm>
+          <a:prstGeom prst="line">
+            <a:avLst/>
+          </a:prstGeom>
+          <a:ln w="19050">
+            <a:solidFill>
+              <a:srgbClr val="FFFFFF">
+                <a:alpha val="80000"/>
+              </a:srgbClr>
+            </a:solidFill>
+          </a:ln>
+        </p:spPr>
+        <p:style>
+          <a:lnRef idx="1">
+            <a:schemeClr val="accent1"/>
+          </a:lnRef>
+          <a:fillRef idx="0">
+            <a:schemeClr val="accent1"/>
+          </a:fillRef>
+          <a:effectRef idx="0">
+            <a:schemeClr val="accent1"/>
+          </a:effectRef>
+          <a:fontRef idx="minor">
+            <a:schemeClr val="tx1"/>
+          </a:fontRef>
+        </p:style>
+      </p:cxnSp>
+      <p:sp>
+        <p:nvSpPr>
+          <p:cNvPr id="2" name="Title 1"/>
+          <p:cNvSpPr>
+            <a:spLocks noGrp="1"/>
+          </p:cNvSpPr>
+          <p:nvPr>
+            <p:ph type="title"/>
+          </p:nvPr>
+        </p:nvSpPr>
+        <p:spPr>
+          <a:xfrm>
+            <a:off x="634276" y="803705"/>
+            <a:ext cx="4208656" cy="3034857"/>
+          </a:xfrm>
+        </p:spPr>
+        <p:txBody>
+          <a:bodyPr vert="horz" lIns="91440" tIns="45720" rIns="91440" bIns="45720" rtlCol="0" anchor="b">
+            <a:normAutofit/>
+          </a:bodyPr>
+          <a:lstStyle/>
+          <a:p>
+            <a:pPr algn="r"/>
+            <a:r>
+              <a:rPr lang="en-US" sz="5400" dirty="0" smtClean="0">
+                <a:solidFill>
+                  <a:srgbClr val="FFFFFF"/>
+                </a:solidFill>
+              </a:rPr>
               <a:t>Secrets Management</a:t>
             </a:r>
             <a:endParaRPr lang="en-US" sz="5400" dirty="0">
@@ -25414,6 +27066,50 @@
           </a:prstGeom>
         </p:spPr>
       </p:pic>
+      <p:sp>
+        <p:nvSpPr>
+          <p:cNvPr id="13" name="TextBox 12"/>
+          <p:cNvSpPr txBox="1"/>
+          <p:nvPr/>
+        </p:nvSpPr>
+        <p:spPr>
+          <a:xfrm>
+            <a:off x="9001125" y="5141679"/>
+            <a:ext cx="4611745" cy="1077218"/>
+          </a:xfrm>
+          <a:prstGeom prst="rect">
+            <a:avLst/>
+          </a:prstGeom>
+          <a:noFill/>
+        </p:spPr>
+        <p:txBody>
+          <a:bodyPr wrap="square" rtlCol="0">
+            <a:spAutoFit/>
+          </a:bodyPr>
+          <a:lstStyle/>
+          <a:p>
+            <a:r>
+              <a:rPr lang="en-US" sz="3200" b="1" dirty="0" err="1" smtClean="0"/>
+              <a:t>HashiCorp</a:t>
+            </a:r>
+            <a:r>
+              <a:rPr lang="en-US" sz="3200" b="1" dirty="0" smtClean="0"/>
+              <a:t> </a:t>
+            </a:r>
+          </a:p>
+          <a:p>
+            <a:r>
+              <a:rPr lang="en-US" sz="3200" b="1" dirty="0"/>
+              <a:t>	</a:t>
+            </a:r>
+            <a:r>
+              <a:rPr lang="en-US" sz="3200" b="1" dirty="0" smtClean="0"/>
+              <a:t>Vault</a:t>
+            </a:r>
+            <a:endParaRPr lang="en-US" sz="3200" b="1" dirty="0"/>
+          </a:p>
+        </p:txBody>
+      </p:sp>
     </p:spTree>
     <p:extLst>
       <p:ext uri="{BB962C8B-B14F-4D97-AF65-F5344CB8AC3E}">
@@ -25434,7 +27130,7 @@
 </p:sld>
 </file>
 
-<file path=ppt/slides/slide45.xml><?xml version="1.0" encoding="utf-8"?>
+<file path=ppt/slides/slide49.xml><?xml version="1.0" encoding="utf-8"?>
 <p:sld xmlns:a="http://schemas.openxmlformats.org/drawingml/2006/main" xmlns:r="http://schemas.openxmlformats.org/officeDocument/2006/relationships" xmlns:p="http://schemas.openxmlformats.org/presentationml/2006/main">
   <p:cSld>
     <p:spTree>
@@ -26538,7 +28234,15 @@
           <a:p>
             <a:r>
               <a:rPr lang="en-US" dirty="0" smtClean="0"/>
-              <a:t>Dev Ops Defined</a:t>
+              <a:t>Dev </a:t>
+            </a:r>
+            <a:r>
+              <a:rPr lang="en-US" dirty="0" smtClean="0"/>
+              <a:t>Ops Culture </a:t>
+            </a:r>
+            <a:r>
+              <a:rPr lang="en-US" dirty="0" smtClean="0"/>
+              <a:t>Defined</a:t>
             </a:r>
             <a:endParaRPr lang="en-US" dirty="0"/>
           </a:p>
@@ -27228,7 +28932,7 @@
           <a:p>
             <a:r>
               <a:rPr lang="en-US" dirty="0" smtClean="0"/>
-              <a:t>Why Dev Ops</a:t>
+              <a:t>Why Dev Ops Culture</a:t>
             </a:r>
             <a:endParaRPr lang="en-US" dirty="0"/>
           </a:p>
@@ -27307,7 +29011,11 @@
           <a:p>
             <a:r>
               <a:rPr lang="en-US" dirty="0" smtClean="0"/>
-              <a:t>Dev Ops</a:t>
+              <a:t>Dev </a:t>
+            </a:r>
+            <a:r>
+              <a:rPr lang="en-US" dirty="0" smtClean="0"/>
+              <a:t>Ops Culture</a:t>
             </a:r>
             <a:endParaRPr lang="en-US" dirty="0"/>
           </a:p>
@@ -27330,7 +29038,11 @@
           <a:p>
             <a:r>
               <a:rPr lang="en-US" dirty="0" smtClean="0"/>
-              <a:t>Allowing everyone to work in parallel to deliver business value to the customer</a:t>
+              <a:t>Allows </a:t>
+            </a:r>
+            <a:r>
+              <a:rPr lang="en-US" dirty="0" smtClean="0"/>
+              <a:t>everyone to work in parallel to deliver business value to the customer</a:t>
             </a:r>
           </a:p>
           <a:p>
@@ -27342,20 +29054,25 @@
               <a:rPr lang="en-US" b="1" dirty="0" smtClean="0"/>
               <a:t>of all components</a:t>
             </a:r>
-            <a:endParaRPr lang="en-US" dirty="0" smtClean="0"/>
-          </a:p>
-          <a:p>
-            <a:r>
-              <a:rPr lang="en-US" dirty="0" err="1" smtClean="0"/>
+          </a:p>
+          <a:p>
+            <a:r>
+              <a:rPr lang="en-US" dirty="0" smtClean="0"/>
+              <a:t>Firms with high performing IT organizations were twice as likely to exceed profitability, market share and productivity goals</a:t>
+            </a:r>
+          </a:p>
+          <a:p>
+            <a:r>
+              <a:rPr lang="en-US" b="1" dirty="0" err="1" smtClean="0"/>
               <a:t>Hashicorp</a:t>
             </a:r>
             <a:r>
               <a:rPr lang="en-US" dirty="0" smtClean="0"/>
-              <a:t> </a:t>
-            </a:r>
-            <a:r>
-              <a:rPr lang="en-US" dirty="0" smtClean="0"/>
-              <a:t>focuses on this by deconstructing the essential elements of an application delivery process and providing a </a:t>
+              <a:t> help enable this culture </a:t>
+            </a:r>
+            <a:r>
+              <a:rPr lang="en-US" dirty="0" smtClean="0"/>
+              <a:t>by deconstructing the essential elements of an application delivery process and providing a </a:t>
             </a:r>
             <a:r>
               <a:rPr lang="en-US" b="1" dirty="0" smtClean="0"/>
